--- a/2-HLM teorik altyapısı.pptx
+++ b/2-HLM teorik altyapısı.pptx
@@ -13,7 +13,7 @@
   <p:sldIdLst>
     <p:sldId id="256" r:id="rId2"/>
     <p:sldId id="280" r:id="rId3"/>
-    <p:sldId id="318" r:id="rId4"/>
+    <p:sldId id="329" r:id="rId4"/>
     <p:sldId id="317" r:id="rId5"/>
     <p:sldId id="316" r:id="rId6"/>
     <p:sldId id="319" r:id="rId7"/>
@@ -172,6 +172,63 @@
     </p:ext>
   </p:extLst>
 </p:presentation>
+</file>
+
+<file path=ppt/changesInfos/changesInfo1.xml><?xml version="1.0" encoding="utf-8"?>
+<pc:chgInfo xmlns:a="http://schemas.openxmlformats.org/drawingml/2006/main" xmlns:r="http://schemas.openxmlformats.org/officeDocument/2006/relationships" xmlns:ac="http://schemas.microsoft.com/office/drawing/2013/main/command" xmlns:pc="http://schemas.microsoft.com/office/powerpoint/2013/main/command">
+  <pc:docChgLst>
+    <pc:chgData name="MUSA SADAK" userId="9e184e14-c669-48c0-b1bc-f5bb4059974e" providerId="ADAL" clId="{36B6FE06-82AC-4048-8364-F26AA201ED2D}"/>
+    <pc:docChg chg="delSld modSld">
+      <pc:chgData name="MUSA SADAK" userId="9e184e14-c669-48c0-b1bc-f5bb4059974e" providerId="ADAL" clId="{36B6FE06-82AC-4048-8364-F26AA201ED2D}" dt="2021-05-26T00:03:50.652" v="1" actId="2696"/>
+      <pc:docMkLst>
+        <pc:docMk/>
+      </pc:docMkLst>
+      <pc:sldChg chg="del">
+        <pc:chgData name="MUSA SADAK" userId="9e184e14-c669-48c0-b1bc-f5bb4059974e" providerId="ADAL" clId="{36B6FE06-82AC-4048-8364-F26AA201ED2D}" dt="2021-05-26T00:03:50.652" v="1" actId="2696"/>
+        <pc:sldMkLst>
+          <pc:docMk/>
+          <pc:sldMk cId="3091822108" sldId="318"/>
+        </pc:sldMkLst>
+      </pc:sldChg>
+      <pc:sldChg chg="del">
+        <pc:chgData name="MUSA SADAK" userId="9e184e14-c669-48c0-b1bc-f5bb4059974e" providerId="ADAL" clId="{36B6FE06-82AC-4048-8364-F26AA201ED2D}" dt="2021-05-26T00:03:50.652" v="1" actId="2696"/>
+        <pc:sldMkLst>
+          <pc:docMk/>
+          <pc:sldMk cId="1395393402" sldId="327"/>
+        </pc:sldMkLst>
+      </pc:sldChg>
+      <pc:sldChg chg="del">
+        <pc:chgData name="MUSA SADAK" userId="9e184e14-c669-48c0-b1bc-f5bb4059974e" providerId="ADAL" clId="{36B6FE06-82AC-4048-8364-F26AA201ED2D}" dt="2021-05-26T00:03:50.652" v="1" actId="2696"/>
+        <pc:sldMkLst>
+          <pc:docMk/>
+          <pc:sldMk cId="1459657185" sldId="328"/>
+        </pc:sldMkLst>
+      </pc:sldChg>
+      <pc:sldChg chg="modSp mod">
+        <pc:chgData name="MUSA SADAK" userId="9e184e14-c669-48c0-b1bc-f5bb4059974e" providerId="ADAL" clId="{36B6FE06-82AC-4048-8364-F26AA201ED2D}" dt="2021-05-26T00:00:05.826" v="0" actId="14100"/>
+        <pc:sldMkLst>
+          <pc:docMk/>
+          <pc:sldMk cId="2431010466" sldId="329"/>
+        </pc:sldMkLst>
+        <pc:picChg chg="mod">
+          <ac:chgData name="MUSA SADAK" userId="9e184e14-c669-48c0-b1bc-f5bb4059974e" providerId="ADAL" clId="{36B6FE06-82AC-4048-8364-F26AA201ED2D}" dt="2021-05-26T00:00:05.826" v="0" actId="14100"/>
+          <ac:picMkLst>
+            <pc:docMk/>
+            <pc:sldMk cId="2431010466" sldId="329"/>
+            <ac:picMk id="10" creationId="{00000000-0000-0000-0000-000000000000}"/>
+          </ac:picMkLst>
+        </pc:picChg>
+      </pc:sldChg>
+      <pc:sldChg chg="del">
+        <pc:chgData name="MUSA SADAK" userId="9e184e14-c669-48c0-b1bc-f5bb4059974e" providerId="ADAL" clId="{36B6FE06-82AC-4048-8364-F26AA201ED2D}" dt="2021-05-26T00:03:50.652" v="1" actId="2696"/>
+        <pc:sldMkLst>
+          <pc:docMk/>
+          <pc:sldMk cId="79773685" sldId="330"/>
+        </pc:sldMkLst>
+      </pc:sldChg>
+    </pc:docChg>
+  </pc:docChgLst>
+</pc:chgInfo>
 </file>
 
 <file path=ppt/handoutMasters/handoutMaster1.xml><?xml version="1.0" encoding="utf-8"?>
@@ -4770,7 +4827,7 @@
     </p:spTree>
     <p:extLst>
       <p:ext uri="{BB962C8B-B14F-4D97-AF65-F5344CB8AC3E}">
-        <p14:creationId xmlns:p14="http://schemas.microsoft.com/office/powerpoint/2010/main" val="1769084503"/>
+        <p14:creationId xmlns:p14="http://schemas.microsoft.com/office/powerpoint/2010/main" val="4234842271"/>
       </p:ext>
     </p:extLst>
   </p:cSld>
@@ -6463,7 +6520,7 @@
               <a:pPr>
                 <a:defRPr/>
               </a:pPr>
-              <a:t>May 25, 2021</a:t>
+              <a:t>May 26, 2021</a:t>
             </a:fld>
             <a:endParaRPr lang="en-US" sz="1400" i="1"/>
           </a:p>
@@ -6643,7 +6700,7 @@
               <a:pPr>
                 <a:defRPr/>
               </a:pPr>
-              <a:t>May 25, 2021</a:t>
+              <a:t>May 26, 2021</a:t>
             </a:fld>
             <a:endParaRPr lang="en-US" sz="1400" i="1"/>
           </a:p>
@@ -6813,7 +6870,7 @@
               <a:pPr>
                 <a:defRPr/>
               </a:pPr>
-              <a:t>May 25, 2021</a:t>
+              <a:t>May 26, 2021</a:t>
             </a:fld>
             <a:endParaRPr lang="en-US" sz="1400" i="1"/>
           </a:p>
@@ -7006,7 +7063,7 @@
               <a:pPr>
                 <a:defRPr/>
               </a:pPr>
-              <a:t>May 25, 2021</a:t>
+              <a:t>May 26, 2021</a:t>
             </a:fld>
             <a:endParaRPr lang="en-US" sz="1400" i="1"/>
           </a:p>
@@ -7293,7 +7350,7 @@
               <a:pPr>
                 <a:defRPr/>
               </a:pPr>
-              <a:t>May 25, 2021</a:t>
+              <a:t>May 26, 2021</a:t>
             </a:fld>
             <a:endParaRPr lang="en-US" sz="1400" i="1"/>
           </a:p>
@@ -7719,7 +7776,7 @@
               <a:pPr>
                 <a:defRPr/>
               </a:pPr>
-              <a:t>May 25, 2021</a:t>
+              <a:t>May 26, 2021</a:t>
             </a:fld>
             <a:endParaRPr lang="en-US" sz="1400" i="1"/>
           </a:p>
@@ -7838,7 +7895,7 @@
               <a:pPr>
                 <a:defRPr/>
               </a:pPr>
-              <a:t>May 25, 2021</a:t>
+              <a:t>May 26, 2021</a:t>
             </a:fld>
             <a:endParaRPr lang="en-US" sz="1400" i="1"/>
           </a:p>
@@ -7935,7 +7992,7 @@
               <a:pPr>
                 <a:defRPr/>
               </a:pPr>
-              <a:t>May 25, 2021</a:t>
+              <a:t>May 26, 2021</a:t>
             </a:fld>
             <a:endParaRPr lang="en-US" sz="1400" i="1"/>
           </a:p>
@@ -8212,7 +8269,7 @@
               <a:pPr>
                 <a:defRPr/>
               </a:pPr>
-              <a:t>May 25, 2021</a:t>
+              <a:t>May 26, 2021</a:t>
             </a:fld>
             <a:endParaRPr lang="en-US" sz="1400" i="1"/>
           </a:p>
@@ -8467,7 +8524,7 @@
               <a:pPr>
                 <a:defRPr/>
               </a:pPr>
-              <a:t>May 25, 2021</a:t>
+              <a:t>May 26, 2021</a:t>
             </a:fld>
             <a:endParaRPr lang="en-US" sz="1400" i="1"/>
           </a:p>
@@ -8909,7 +8966,7 @@
               <a:pPr>
                 <a:defRPr/>
               </a:pPr>
-              <a:t>May 25, 2021</a:t>
+              <a:t>May 26, 2021</a:t>
             </a:fld>
             <a:endParaRPr lang="en-US" sz="1400" i="1"/>
           </a:p>
@@ -9564,20 +9621,17 @@
           <a:lstStyle/>
           <a:p>
             <a:r>
-              <a:rPr lang="en-US" sz="2400" dirty="0" smtClean="0">
+              <a:rPr lang="en-US" sz="2400" dirty="0">
                 <a:latin typeface="Palatino Linotype" panose="02040502050505030304" pitchFamily="18" charset="0"/>
               </a:rPr>
               <a:t>R </a:t>
             </a:r>
             <a:r>
-              <a:rPr lang="tr-TR" sz="2400" dirty="0" smtClean="0">
+              <a:rPr lang="tr-TR" sz="2400" dirty="0">
                 <a:latin typeface="Palatino Linotype" panose="02040502050505030304" pitchFamily="18" charset="0"/>
               </a:rPr>
               <a:t>ile Hiyerarşik Lineer Modelleme (HLM)</a:t>
             </a:r>
-            <a:endParaRPr lang="tr-TR" sz="2400" dirty="0">
-              <a:latin typeface="Palatino Linotype" panose="02040502050505030304" pitchFamily="18" charset="0"/>
-            </a:endParaRPr>
           </a:p>
         </p:txBody>
       </p:sp>
@@ -9627,7 +9681,7 @@
           <a:p>
             <a:pPr algn="ctr"/>
             <a:r>
-              <a:rPr lang="tr-TR" sz="2000" dirty="0" smtClean="0">
+              <a:rPr lang="tr-TR" sz="2000" dirty="0">
                 <a:solidFill>
                   <a:srgbClr val="FFFFFF"/>
                 </a:solidFill>
@@ -9636,7 +9690,7 @@
               <a:t>29-30 </a:t>
             </a:r>
             <a:r>
-              <a:rPr lang="en-US" sz="2000" dirty="0" smtClean="0">
+              <a:rPr lang="en-US" sz="2000" dirty="0">
                 <a:solidFill>
                   <a:srgbClr val="FFFFFF"/>
                 </a:solidFill>
@@ -9645,7 +9699,7 @@
               <a:t>May</a:t>
             </a:r>
             <a:r>
-              <a:rPr lang="tr-TR" sz="2000" dirty="0" smtClean="0">
+              <a:rPr lang="tr-TR" sz="2000" dirty="0">
                 <a:solidFill>
                   <a:srgbClr val="FFFFFF"/>
                 </a:solidFill>
@@ -9692,7 +9746,7 @@
           <a:p>
             <a:pPr algn="ctr"/>
             <a:r>
-              <a:rPr lang="tr-TR" i="0" dirty="0" smtClean="0">
+              <a:rPr lang="tr-TR" i="0" dirty="0">
                 <a:solidFill>
                   <a:srgbClr val="FFFFFF"/>
                 </a:solidFill>
@@ -9701,7 +9755,7 @@
               <a:t>Musa SADAK, </a:t>
             </a:r>
             <a:r>
-              <a:rPr lang="tr-TR" dirty="0" smtClean="0">
+              <a:rPr lang="tr-TR" dirty="0">
                 <a:solidFill>
                   <a:srgbClr val="FFFFFF"/>
                 </a:solidFill>
@@ -9710,7 +9764,7 @@
               <a:t>Ph.D</a:t>
             </a:r>
             <a:r>
-              <a:rPr lang="tr-TR" i="0" dirty="0" smtClean="0">
+              <a:rPr lang="tr-TR" i="0" dirty="0">
                 <a:solidFill>
                   <a:srgbClr val="FFFFFF"/>
                 </a:solidFill>
@@ -9718,12 +9772,6 @@
               </a:rPr>
               <a:t>.</a:t>
             </a:r>
-            <a:endParaRPr lang="tr-TR" i="0" dirty="0" smtClean="0">
-              <a:solidFill>
-                <a:srgbClr val="FFFFFF"/>
-              </a:solidFill>
-              <a:latin typeface="Palatino Linotype" panose="02040502050505030304" pitchFamily="18" charset="0"/>
-            </a:endParaRPr>
           </a:p>
         </p:txBody>
       </p:sp>
@@ -9793,7 +9841,7 @@
           <a:p>
             <a:pPr algn="ctr"/>
             <a:r>
-              <a:rPr lang="tr-TR" sz="2000" dirty="0" smtClean="0">
+              <a:rPr lang="tr-TR" sz="2000" dirty="0">
                 <a:solidFill>
                   <a:schemeClr val="bg1"/>
                 </a:solidFill>
@@ -9805,7 +9853,7 @@
           <a:p>
             <a:pPr algn="ctr"/>
             <a:r>
-              <a:rPr lang="tr-TR" sz="2000" dirty="0" smtClean="0">
+              <a:rPr lang="tr-TR" sz="2000" dirty="0">
                 <a:solidFill>
                   <a:schemeClr val="bg1"/>
                 </a:solidFill>
@@ -9813,12 +9861,6 @@
               </a:rPr>
               <a:t>Eğitim Programları ve Öğretim ABD</a:t>
             </a:r>
-            <a:endParaRPr lang="tr-TR" sz="2000" dirty="0">
-              <a:solidFill>
-                <a:schemeClr val="bg1"/>
-              </a:solidFill>
-              <a:latin typeface="Palatino Linotype" panose="02040502050505030304" pitchFamily="18" charset="0"/>
-            </a:endParaRPr>
           </a:p>
         </p:txBody>
       </p:sp>
@@ -9827,13 +9869,6 @@
   <p:clrMapOvr>
     <a:overrideClrMapping bg1="lt1" tx1="dk1" bg2="lt2" tx2="dk2" accent1="accent1" accent2="accent2" accent3="accent3" accent4="accent4" accent5="accent5" accent6="accent6" hlink="hlink" folHlink="folHlink"/>
   </p:clrMapOvr>
-  <p:timing>
-    <p:tnLst>
-      <p:par>
-        <p:cTn id="1" dur="indefinite" restart="never" nodeType="tmRoot"/>
-      </p:par>
-    </p:tnLst>
-  </p:timing>
 </p:sld>
 </file>
 
@@ -9876,25 +9911,11 @@
           <a:p>
             <a:pPr marL="360363" indent="-349250" eaLnBrk="1" hangingPunct="1"/>
             <a:r>
-              <a:rPr lang="tr-TR" sz="2000" dirty="0" smtClean="0">
-                <a:latin typeface="Palatino Linotype" panose="02040502050505030304" pitchFamily="18" charset="0"/>
-                <a:ea typeface="ＭＳ Ｐゴシック" charset="0"/>
-              </a:rPr>
-              <a:t>Araştırma </a:t>
-            </a:r>
-            <a:r>
               <a:rPr lang="tr-TR" sz="2000" dirty="0">
                 <a:latin typeface="Palatino Linotype" panose="02040502050505030304" pitchFamily="18" charset="0"/>
                 <a:ea typeface="ＭＳ Ｐゴシック" charset="0"/>
               </a:rPr>
-              <a:t>sorumuz: “Öğrenci ve öğretmenlerin cinsiyetleri ve öğretmenlerin kendi aralarında etkileşimleri ile  öğrencilerin matematik basarisi arasındaki ilişki </a:t>
-            </a:r>
-            <a:r>
-              <a:rPr lang="tr-TR" sz="2000" dirty="0" smtClean="0">
-                <a:latin typeface="Palatino Linotype" panose="02040502050505030304" pitchFamily="18" charset="0"/>
-                <a:ea typeface="ＭＳ Ｐゴシック" charset="0"/>
-              </a:rPr>
-              <a:t>nasıldır?”</a:t>
+              <a:t>Araştırma sorumuz: “Öğrenci ve öğretmenlerin cinsiyetleri ve öğretmenlerin kendi aralarında etkileşimleri ile  öğrencilerin matematik basarisi arasındaki ilişki nasıldır?”</a:t>
             </a:r>
           </a:p>
           <a:p>
@@ -9906,7 +9927,7 @@
           </a:p>
           <a:p>
             <a:pPr marL="360363" indent="-349250" eaLnBrk="1" hangingPunct="1"/>
-            <a:endParaRPr lang="tr-TR" sz="2000" dirty="0" smtClean="0">
+            <a:endParaRPr lang="tr-TR" sz="2000" dirty="0">
               <a:latin typeface="Palatino Linotype" panose="02040502050505030304" pitchFamily="18" charset="0"/>
               <a:ea typeface="ＭＳ Ｐゴシック" charset="0"/>
             </a:endParaRPr>
@@ -10402,13 +10423,6 @@
   <p:clrMapOvr>
     <a:masterClrMapping/>
   </p:clrMapOvr>
-  <p:timing>
-    <p:tnLst>
-      <p:par>
-        <p:cTn id="1" dur="indefinite" restart="never" nodeType="tmRoot"/>
-      </p:par>
-    </p:tnLst>
-  </p:timing>
 </p:sld>
 </file>
 
@@ -10459,7 +10473,7 @@
           </a:p>
           <a:p>
             <a:pPr marL="360363" indent="-349250" eaLnBrk="1" hangingPunct="1"/>
-            <a:endParaRPr lang="tr-TR" sz="2000" dirty="0" smtClean="0">
+            <a:endParaRPr lang="tr-TR" sz="2000" dirty="0">
               <a:latin typeface="Palatino Linotype" panose="02040502050505030304" pitchFamily="18" charset="0"/>
               <a:ea typeface="ＭＳ Ｐゴシック" charset="0"/>
             </a:endParaRPr>
@@ -10979,13 +10993,6 @@
   <p:clrMapOvr>
     <a:masterClrMapping/>
   </p:clrMapOvr>
-  <p:timing>
-    <p:tnLst>
-      <p:par>
-        <p:cTn id="1" dur="indefinite" restart="never" nodeType="tmRoot"/>
-      </p:par>
-    </p:tnLst>
-  </p:timing>
 </p:sld>
 </file>
 
@@ -11036,7 +11043,7 @@
           </a:p>
           <a:p>
             <a:pPr marL="360363" indent="-349250" eaLnBrk="1" hangingPunct="1"/>
-            <a:endParaRPr lang="tr-TR" sz="2000" dirty="0" smtClean="0">
+            <a:endParaRPr lang="tr-TR" sz="2000" dirty="0">
               <a:latin typeface="Palatino Linotype" panose="02040502050505030304" pitchFamily="18" charset="0"/>
               <a:ea typeface="ＭＳ Ｐゴシック" charset="0"/>
             </a:endParaRPr>
@@ -11556,13 +11563,6 @@
   <p:clrMapOvr>
     <a:masterClrMapping/>
   </p:clrMapOvr>
-  <p:timing>
-    <p:tnLst>
-      <p:par>
-        <p:cTn id="1" dur="indefinite" restart="never" nodeType="tmRoot"/>
-      </p:par>
-    </p:tnLst>
-  </p:timing>
 </p:sld>
 </file>
 
@@ -11613,7 +11613,7 @@
           </a:p>
           <a:p>
             <a:pPr marL="360363" indent="-349250" eaLnBrk="1" hangingPunct="1"/>
-            <a:endParaRPr lang="tr-TR" sz="2000" dirty="0" smtClean="0">
+            <a:endParaRPr lang="tr-TR" sz="2000" dirty="0">
               <a:latin typeface="Palatino Linotype" panose="02040502050505030304" pitchFamily="18" charset="0"/>
               <a:ea typeface="ＭＳ Ｐゴシック" charset="0"/>
             </a:endParaRPr>
@@ -12109,13 +12109,6 @@
   <p:clrMapOvr>
     <a:masterClrMapping/>
   </p:clrMapOvr>
-  <p:timing>
-    <p:tnLst>
-      <p:par>
-        <p:cTn id="1" dur="indefinite" restart="never" nodeType="tmRoot"/>
-      </p:par>
-    </p:tnLst>
-  </p:timing>
 </p:sld>
 </file>
 
@@ -12158,16 +12151,12 @@
           <a:p>
             <a:pPr algn="ctr" eaLnBrk="1" hangingPunct="1"/>
             <a:r>
-              <a:rPr lang="tr-TR" dirty="0" smtClean="0">
+              <a:rPr lang="tr-TR" dirty="0">
                 <a:latin typeface="Palatino Linotype" panose="02040502050505030304" pitchFamily="18" charset="0"/>
                 <a:ea typeface="ＭＳ Ｐゴシック" charset="0"/>
               </a:rPr>
               <a:t>HLM Teorik Altyapısı</a:t>
             </a:r>
-            <a:endParaRPr lang="tr-TR" dirty="0">
-              <a:latin typeface="Palatino Linotype" panose="02040502050505030304" pitchFamily="18" charset="0"/>
-              <a:ea typeface="ＭＳ Ｐゴシック" charset="0"/>
-            </a:endParaRPr>
           </a:p>
         </p:txBody>
       </p:sp>
@@ -12360,13 +12349,6 @@
   <p:clrMapOvr>
     <a:masterClrMapping/>
   </p:clrMapOvr>
-  <p:timing>
-    <p:tnLst>
-      <p:par>
-        <p:cTn id="1" dur="indefinite" restart="never" nodeType="tmRoot"/>
-      </p:par>
-    </p:tnLst>
-  </p:timing>
 </p:sld>
 </file>
 
@@ -12413,20 +12395,27 @@
                 <a:latin typeface="Palatino Linotype" panose="02040502050505030304" pitchFamily="18" charset="0"/>
                 <a:ea typeface="ＭＳ Ｐゴシック" charset="0"/>
               </a:rPr>
-              <a:t>y</a:t>
-            </a:r>
-            <a:r>
-              <a:rPr lang="tr-TR" sz="1600" dirty="0" smtClean="0">
+              <a:t>y = 7 + 0.1x (matematiksel olarak)            y=</a:t>
+            </a:r>
+            <a:r>
+              <a:rPr lang="tr-TR" sz="1600" dirty="0" err="1">
                 <a:latin typeface="Palatino Linotype" panose="02040502050505030304" pitchFamily="18" charset="0"/>
                 <a:ea typeface="ＭＳ Ｐゴシック" charset="0"/>
               </a:rPr>
-              <a:t> = 7 + 0.1x (matematiksel olarak)</a:t>
+              <a:t>mx+n</a:t>
+            </a:r>
+            <a:r>
+              <a:rPr lang="tr-TR" sz="1600" dirty="0">
+                <a:latin typeface="Palatino Linotype" panose="02040502050505030304" pitchFamily="18" charset="0"/>
+                <a:ea typeface="ＭＳ Ｐゴシック" charset="0"/>
+              </a:rPr>
+              <a:t> (m: eğim, n: ekseni kestiği nokta)</a:t>
             </a:r>
           </a:p>
           <a:p>
             <a:pPr marL="360363" indent="-349250" eaLnBrk="1" hangingPunct="1"/>
             <a:r>
-              <a:rPr lang="tr-TR" sz="1600" dirty="0" smtClean="0">
+              <a:rPr lang="tr-TR" sz="1600" dirty="0">
                 <a:latin typeface="Palatino Linotype" panose="02040502050505030304" pitchFamily="18" charset="0"/>
                 <a:ea typeface="ＭＳ Ｐゴシック" charset="0"/>
               </a:rPr>
@@ -12436,7 +12425,7 @@
           <a:p>
             <a:pPr marL="360363" indent="-349250" eaLnBrk="1" hangingPunct="1"/>
             <a:r>
-              <a:rPr lang="tr-TR" sz="1600" dirty="0" smtClean="0">
+              <a:rPr lang="tr-TR" sz="1600" dirty="0">
                 <a:latin typeface="Palatino Linotype" panose="02040502050505030304" pitchFamily="18" charset="0"/>
                 <a:ea typeface="ＭＳ Ｐゴシック" charset="0"/>
               </a:rPr>
@@ -12446,14 +12435,14 @@
           <a:p>
             <a:pPr marL="360363" indent="-349250" eaLnBrk="1" hangingPunct="1"/>
             <a:r>
-              <a:rPr lang="tr-TR" sz="1600" dirty="0" smtClean="0">
+              <a:rPr lang="tr-TR" sz="1600" dirty="0">
                 <a:latin typeface="Palatino Linotype" panose="02040502050505030304" pitchFamily="18" charset="0"/>
                 <a:ea typeface="ＭＳ Ｐゴシック" charset="0"/>
               </a:rPr>
               <a:t>20 = 7 + 0.1*200 </a:t>
             </a:r>
             <a:r>
-              <a:rPr lang="en-US" sz="1600" dirty="0" smtClean="0">
+              <a:rPr lang="en-US" sz="1600" dirty="0">
                 <a:latin typeface="Palatino Linotype" panose="02040502050505030304" pitchFamily="18" charset="0"/>
                 <a:ea typeface="ＭＳ Ｐゴシック" charset="0"/>
                 <a:sym typeface="Wingdings" panose="05000000000000000000" pitchFamily="2" charset="2"/>
@@ -12461,7 +12450,7 @@
               <a:t> </a:t>
             </a:r>
             <a:r>
-              <a:rPr lang="tr-TR" sz="1600" dirty="0" smtClean="0">
+              <a:rPr lang="tr-TR" sz="1600" dirty="0">
                 <a:latin typeface="Palatino Linotype" panose="02040502050505030304" pitchFamily="18" charset="0"/>
                 <a:ea typeface="ＭＳ Ｐゴシック" charset="0"/>
                 <a:sym typeface="Wingdings" panose="05000000000000000000" pitchFamily="2" charset="2"/>
@@ -12469,7 +12458,7 @@
               <a:t>20 = 7 + 20 </a:t>
             </a:r>
             <a:r>
-              <a:rPr lang="en-US" sz="1600" dirty="0" smtClean="0">
+              <a:rPr lang="en-US" sz="1600" dirty="0">
                 <a:latin typeface="Palatino Linotype" panose="02040502050505030304" pitchFamily="18" charset="0"/>
                 <a:ea typeface="ＭＳ Ｐゴシック" charset="0"/>
                 <a:sym typeface="Wingdings" panose="05000000000000000000" pitchFamily="2" charset="2"/>
@@ -12477,7 +12466,7 @@
               <a:t></a:t>
             </a:r>
             <a:r>
-              <a:rPr lang="tr-TR" sz="1600" dirty="0" smtClean="0">
+              <a:rPr lang="tr-TR" sz="1600" dirty="0">
                 <a:latin typeface="Palatino Linotype" panose="02040502050505030304" pitchFamily="18" charset="0"/>
                 <a:ea typeface="ＭＳ Ｐゴシック" charset="0"/>
                 <a:sym typeface="Wingdings" panose="05000000000000000000" pitchFamily="2" charset="2"/>
@@ -12968,7 +12957,7 @@
         <p:spPr>
           <a:xfrm>
             <a:off x="1355945" y="1699733"/>
-            <a:ext cx="6432109" cy="4072647"/>
+            <a:ext cx="6424770" cy="4068000"/>
           </a:xfrm>
           <a:prstGeom prst="rect">
             <a:avLst/>
@@ -12998,14 +12987,11 @@
           <a:lstStyle/>
           <a:p>
             <a:r>
-              <a:rPr lang="tr-TR" sz="1200" i="0" dirty="0" smtClean="0">
+              <a:rPr lang="tr-TR" sz="1200" i="0" dirty="0">
                 <a:latin typeface="Palatino Linotype" panose="02040502050505030304" pitchFamily="18" charset="0"/>
               </a:rPr>
               <a:t>Başarı Puanı</a:t>
             </a:r>
-            <a:endParaRPr lang="tr-TR" sz="1200" i="0" dirty="0">
-              <a:latin typeface="Palatino Linotype" panose="02040502050505030304" pitchFamily="18" charset="0"/>
-            </a:endParaRPr>
           </a:p>
         </p:txBody>
       </p:sp>
@@ -13032,14 +13018,11 @@
           <a:lstStyle/>
           <a:p>
             <a:r>
-              <a:rPr lang="tr-TR" sz="1200" i="0" dirty="0" smtClean="0">
+              <a:rPr lang="tr-TR" sz="1200" i="0" dirty="0">
                 <a:latin typeface="Palatino Linotype" panose="02040502050505030304" pitchFamily="18" charset="0"/>
               </a:rPr>
               <a:t>Evdeki kitap sayısı</a:t>
             </a:r>
-            <a:endParaRPr lang="tr-TR" sz="1200" i="0" dirty="0">
-              <a:latin typeface="Palatino Linotype" panose="02040502050505030304" pitchFamily="18" charset="0"/>
-            </a:endParaRPr>
           </a:p>
         </p:txBody>
       </p:sp>
@@ -13066,20 +13049,17 @@
           <a:lstStyle/>
           <a:p>
             <a:r>
-              <a:rPr lang="tr-TR" sz="1200" i="0" dirty="0" err="1" smtClean="0">
+              <a:rPr lang="tr-TR" sz="1200" i="0" dirty="0" err="1">
                 <a:latin typeface="Palatino Linotype" panose="02040502050505030304" pitchFamily="18" charset="0"/>
               </a:rPr>
               <a:t>Intercept</a:t>
             </a:r>
             <a:r>
-              <a:rPr lang="tr-TR" sz="1200" i="0" dirty="0" smtClean="0">
+              <a:rPr lang="tr-TR" sz="1200" i="0" dirty="0">
                 <a:latin typeface="Palatino Linotype" panose="02040502050505030304" pitchFamily="18" charset="0"/>
               </a:rPr>
               <a:t> (kesişim)</a:t>
             </a:r>
-            <a:endParaRPr lang="tr-TR" sz="1200" i="0" dirty="0">
-              <a:latin typeface="Palatino Linotype" panose="02040502050505030304" pitchFamily="18" charset="0"/>
-            </a:endParaRPr>
           </a:p>
         </p:txBody>
       </p:sp>
@@ -13126,20 +13106,13 @@
     </p:spTree>
     <p:extLst>
       <p:ext uri="{BB962C8B-B14F-4D97-AF65-F5344CB8AC3E}">
-        <p14:creationId xmlns:p14="http://schemas.microsoft.com/office/powerpoint/2010/main" val="3091822108"/>
+        <p14:creationId xmlns:p14="http://schemas.microsoft.com/office/powerpoint/2010/main" val="2431010466"/>
       </p:ext>
     </p:extLst>
   </p:cSld>
   <p:clrMapOvr>
     <a:masterClrMapping/>
   </p:clrMapOvr>
-  <p:timing>
-    <p:tnLst>
-      <p:par>
-        <p:cTn id="1" dur="indefinite" restart="never" nodeType="tmRoot"/>
-      </p:par>
-    </p:tnLst>
-  </p:timing>
 </p:sld>
 </file>
 
@@ -13196,7 +13169,7 @@
             <a:pPr marL="11113" indent="0" eaLnBrk="1" hangingPunct="1">
               <a:buNone/>
             </a:pPr>
-            <a:endParaRPr lang="tr-TR" sz="1600" dirty="0" smtClean="0">
+            <a:endParaRPr lang="tr-TR" sz="1600" dirty="0">
               <a:latin typeface="Palatino Linotype" panose="02040502050505030304" pitchFamily="18" charset="0"/>
               <a:ea typeface="ＭＳ Ｐゴシック" charset="0"/>
             </a:endParaRPr>
@@ -13204,28 +13177,28 @@
           <a:p>
             <a:pPr marL="360363" indent="-349250" eaLnBrk="1" hangingPunct="1"/>
             <a:r>
-              <a:rPr lang="tr-TR" sz="1600" dirty="0" smtClean="0">
+              <a:rPr lang="tr-TR" sz="1600" dirty="0">
                 <a:latin typeface="Palatino Linotype" panose="02040502050505030304" pitchFamily="18" charset="0"/>
                 <a:ea typeface="ＭＳ Ｐゴシック" charset="0"/>
               </a:rPr>
               <a:t>Başarı puanı = 7 + 0.2*Evdeki kitap sayısı + </a:t>
             </a:r>
             <a:r>
-              <a:rPr lang="tr-TR" sz="1600" b="1" dirty="0" smtClean="0">
+              <a:rPr lang="tr-TR" sz="1600" b="1" dirty="0">
                 <a:latin typeface="Palatino Linotype" panose="02040502050505030304" pitchFamily="18" charset="0"/>
                 <a:ea typeface="ＭＳ Ｐゴシック" charset="0"/>
               </a:rPr>
               <a:t>Hata değeri (</a:t>
             </a:r>
             <a:r>
-              <a:rPr lang="tr-TR" sz="1600" b="1" dirty="0" err="1" smtClean="0">
+              <a:rPr lang="tr-TR" sz="1600" b="1" dirty="0" err="1">
                 <a:latin typeface="Palatino Linotype" panose="02040502050505030304" pitchFamily="18" charset="0"/>
                 <a:ea typeface="ＭＳ Ｐゴシック" charset="0"/>
               </a:rPr>
               <a:t>residual</a:t>
             </a:r>
             <a:r>
-              <a:rPr lang="tr-TR" sz="1600" b="1" dirty="0" smtClean="0">
+              <a:rPr lang="tr-TR" sz="1600" b="1" dirty="0">
                 <a:latin typeface="Palatino Linotype" panose="02040502050505030304" pitchFamily="18" charset="0"/>
                 <a:ea typeface="ＭＳ Ｐゴシック" charset="0"/>
               </a:rPr>
@@ -13234,7 +13207,7 @@
           </a:p>
           <a:p>
             <a:pPr marL="360363" indent="-349250" eaLnBrk="1" hangingPunct="1"/>
-            <a:endParaRPr lang="tr-TR" sz="1600" b="1" dirty="0" smtClean="0">
+            <a:endParaRPr lang="tr-TR" sz="1600" b="1" dirty="0">
               <a:latin typeface="Palatino Linotype" panose="02040502050505030304" pitchFamily="18" charset="0"/>
               <a:ea typeface="ＭＳ Ｐゴシック" charset="0"/>
             </a:endParaRPr>
@@ -13300,18 +13273,10 @@
                 <a:ea typeface="Calibri"/>
                 <a:cs typeface="Times New Roman"/>
               </a:rPr>
-              <a:t> + </a:t>
-            </a:r>
-            <a:r>
-              <a:rPr lang="en-US" sz="1600" dirty="0" smtClean="0">
-                <a:latin typeface="Times New Roman"/>
-                <a:ea typeface="Calibri"/>
-                <a:cs typeface="Times New Roman"/>
-              </a:rPr>
-              <a:t>B</a:t>
-            </a:r>
-            <a:r>
-              <a:rPr lang="en-US" sz="1600" baseline="-25000" dirty="0" smtClean="0">
+              <a:t> + B</a:t>
+            </a:r>
+            <a:r>
+              <a:rPr lang="en-US" sz="1600" baseline="-25000" dirty="0">
                 <a:latin typeface="Times New Roman"/>
                 <a:ea typeface="Calibri"/>
                 <a:cs typeface="Times New Roman"/>
@@ -13319,7 +13284,7 @@
               <a:t>1</a:t>
             </a:r>
             <a:r>
-              <a:rPr lang="en-US" sz="1600" dirty="0" smtClean="0">
+              <a:rPr lang="en-US" sz="1600" dirty="0">
                 <a:latin typeface="Times New Roman"/>
                 <a:ea typeface="Calibri"/>
                 <a:cs typeface="Times New Roman"/>
@@ -13327,7 +13292,7 @@
               <a:t>*X</a:t>
             </a:r>
             <a:r>
-              <a:rPr lang="tr-TR" sz="1600" baseline="-25000" dirty="0" smtClean="0">
+              <a:rPr lang="tr-TR" sz="1600" baseline="-25000" dirty="0">
                 <a:latin typeface="Times New Roman"/>
                 <a:ea typeface="Calibri"/>
                 <a:cs typeface="Times New Roman"/>
@@ -13335,7 +13300,7 @@
               <a:t>1</a:t>
             </a:r>
             <a:r>
-              <a:rPr lang="en-US" sz="1600" dirty="0" smtClean="0">
+              <a:rPr lang="en-US" sz="1600" dirty="0">
                 <a:latin typeface="Times New Roman"/>
                 <a:ea typeface="Calibri"/>
                 <a:cs typeface="Times New Roman"/>
@@ -13343,7 +13308,7 @@
               <a:t> </a:t>
             </a:r>
             <a:r>
-              <a:rPr lang="tr-TR" sz="1600" dirty="0" smtClean="0">
+              <a:rPr lang="tr-TR" sz="1600" dirty="0">
                 <a:latin typeface="Times New Roman"/>
                 <a:ea typeface="Calibri"/>
                 <a:cs typeface="Times New Roman"/>
@@ -13351,7 +13316,7 @@
               <a:t>+ </a:t>
             </a:r>
             <a:r>
-              <a:rPr lang="en-US" sz="1600" dirty="0" smtClean="0">
+              <a:rPr lang="en-US" sz="1600" dirty="0">
                 <a:latin typeface="Times New Roman"/>
                 <a:ea typeface="Calibri"/>
                 <a:cs typeface="Times New Roman"/>
@@ -13367,7 +13332,7 @@
               <a:t>2</a:t>
             </a:r>
             <a:r>
-              <a:rPr lang="en-US" sz="1600" dirty="0" smtClean="0">
+              <a:rPr lang="en-US" sz="1600" dirty="0">
                 <a:latin typeface="Times New Roman"/>
                 <a:ea typeface="Calibri"/>
                 <a:cs typeface="Times New Roman"/>
@@ -13383,7 +13348,7 @@
               <a:t>2</a:t>
             </a:r>
             <a:r>
-              <a:rPr lang="en-US" sz="1600" dirty="0" smtClean="0">
+              <a:rPr lang="en-US" sz="1600" dirty="0">
                 <a:latin typeface="Times New Roman"/>
                 <a:ea typeface="Calibri"/>
                 <a:cs typeface="Times New Roman"/>
@@ -13528,18 +13493,10 @@
                 <a:ea typeface="Calibri"/>
                 <a:cs typeface="Times New Roman"/>
               </a:rPr>
-              <a:t> + </a:t>
-            </a:r>
-            <a:r>
-              <a:rPr lang="en-US" sz="1600" dirty="0" smtClean="0">
-                <a:latin typeface="Times New Roman"/>
-                <a:ea typeface="Calibri"/>
-                <a:cs typeface="Times New Roman"/>
-              </a:rPr>
-              <a:t>B</a:t>
-            </a:r>
-            <a:r>
-              <a:rPr lang="tr-TR" sz="1600" baseline="-25000" dirty="0" smtClean="0">
+              <a:t> + B</a:t>
+            </a:r>
+            <a:r>
+              <a:rPr lang="tr-TR" sz="1600" baseline="-25000" dirty="0">
                 <a:latin typeface="Times New Roman"/>
                 <a:ea typeface="Calibri"/>
                 <a:cs typeface="Times New Roman"/>
@@ -13547,7 +13504,7 @@
               <a:t>2</a:t>
             </a:r>
             <a:r>
-              <a:rPr lang="en-US" sz="1600" dirty="0" smtClean="0">
+              <a:rPr lang="en-US" sz="1600" dirty="0">
                 <a:latin typeface="Times New Roman"/>
                 <a:ea typeface="Calibri"/>
                 <a:cs typeface="Times New Roman"/>
@@ -13555,7 +13512,7 @@
               <a:t>*</a:t>
             </a:r>
             <a:r>
-              <a:rPr lang="en-US" sz="1600" dirty="0" err="1" smtClean="0">
+              <a:rPr lang="en-US" sz="1600" dirty="0" err="1">
                 <a:latin typeface="Times New Roman"/>
                 <a:ea typeface="Calibri"/>
                 <a:cs typeface="Times New Roman"/>
@@ -13563,7 +13520,7 @@
               <a:t>X</a:t>
             </a:r>
             <a:r>
-              <a:rPr lang="en-US" sz="1600" baseline="-25000" dirty="0" err="1" smtClean="0">
+              <a:rPr lang="en-US" sz="1600" baseline="-25000" dirty="0" err="1">
                 <a:latin typeface="Times New Roman"/>
                 <a:ea typeface="Calibri"/>
                 <a:cs typeface="Times New Roman"/>
@@ -13571,7 +13528,7 @@
               <a:t>i</a:t>
             </a:r>
             <a:r>
-              <a:rPr lang="en-US" sz="1600" baseline="-25000" dirty="0" err="1" smtClean="0">
+              <a:rPr lang="en-US" sz="1600" baseline="-25000" dirty="0" err="1">
                 <a:solidFill>
                   <a:srgbClr val="FF0000"/>
                 </a:solidFill>
@@ -13582,7 +13539,7 @@
               <a:t>j</a:t>
             </a:r>
             <a:r>
-              <a:rPr lang="en-US" sz="1600" dirty="0" smtClean="0">
+              <a:rPr lang="en-US" sz="1600" dirty="0">
                 <a:latin typeface="Times New Roman"/>
                 <a:ea typeface="Calibri"/>
                 <a:cs typeface="Times New Roman"/>
@@ -13590,7 +13547,7 @@
               <a:t> </a:t>
             </a:r>
             <a:r>
-              <a:rPr lang="tr-TR" sz="1600" dirty="0" smtClean="0">
+              <a:rPr lang="tr-TR" sz="1600" dirty="0">
                 <a:latin typeface="Times New Roman"/>
                 <a:ea typeface="Calibri"/>
                 <a:cs typeface="Times New Roman"/>
@@ -13598,7 +13555,7 @@
               <a:t>+ </a:t>
             </a:r>
             <a:r>
-              <a:rPr lang="en-US" sz="1600" dirty="0" err="1" smtClean="0">
+              <a:rPr lang="en-US" sz="1600" dirty="0" err="1">
                 <a:solidFill>
                   <a:srgbClr val="FF0000"/>
                 </a:solidFill>
@@ -13609,7 +13566,7 @@
               <a:t>u</a:t>
             </a:r>
             <a:r>
-              <a:rPr lang="en-US" sz="1600" baseline="-25000" dirty="0" err="1" smtClean="0">
+              <a:rPr lang="en-US" sz="1600" baseline="-25000" dirty="0" err="1">
                 <a:solidFill>
                   <a:srgbClr val="FF0000"/>
                 </a:solidFill>
@@ -13620,20 +13577,12 @@
               <a:t>j</a:t>
             </a:r>
             <a:r>
-              <a:rPr lang="en-US" sz="1600" dirty="0" smtClean="0">
-                <a:latin typeface="Times New Roman"/>
-                <a:ea typeface="Calibri"/>
-                <a:cs typeface="Times New Roman"/>
-              </a:rPr>
-              <a:t> </a:t>
-            </a:r>
-            <a:r>
               <a:rPr lang="en-US" sz="1600" dirty="0">
                 <a:latin typeface="Times New Roman"/>
                 <a:ea typeface="Calibri"/>
                 <a:cs typeface="Times New Roman"/>
               </a:rPr>
-              <a:t>+ </a:t>
+              <a:t> + </a:t>
             </a:r>
             <a:r>
               <a:rPr lang="en-US" sz="1600" i="1" dirty="0" err="1">
@@ -13672,7 +13621,7 @@
           </a:p>
           <a:p>
             <a:pPr marL="360363" indent="-349250" eaLnBrk="1" hangingPunct="1"/>
-            <a:endParaRPr lang="tr-TR" sz="1600" b="1" dirty="0" smtClean="0">
+            <a:endParaRPr lang="tr-TR" sz="1600" b="1" dirty="0">
               <a:latin typeface="Palatino Linotype" panose="02040502050505030304" pitchFamily="18" charset="0"/>
               <a:ea typeface="ＭＳ Ｐゴシック" charset="0"/>
             </a:endParaRPr>
@@ -14153,13 +14102,6 @@
   <p:clrMapOvr>
     <a:masterClrMapping/>
   </p:clrMapOvr>
-  <p:timing>
-    <p:tnLst>
-      <p:par>
-        <p:cTn id="1" dur="indefinite" restart="never" nodeType="tmRoot"/>
-      </p:par>
-    </p:tnLst>
-  </p:timing>
 </p:sld>
 </file>
 
@@ -14202,27 +14144,16 @@
           <a:p>
             <a:pPr marL="360363" indent="-349250" eaLnBrk="1" hangingPunct="1"/>
             <a:r>
-              <a:rPr lang="tr-TR" sz="2000" dirty="0" smtClean="0">
-                <a:latin typeface="Palatino Linotype" panose="02040502050505030304" pitchFamily="18" charset="0"/>
-                <a:ea typeface="ＭＳ Ｐゴシック" charset="0"/>
-              </a:rPr>
-              <a:t>Modelimiz </a:t>
-            </a:r>
-            <a:r>
               <a:rPr lang="tr-TR" sz="2000" dirty="0">
                 <a:latin typeface="Palatino Linotype" panose="02040502050505030304" pitchFamily="18" charset="0"/>
                 <a:ea typeface="ＭＳ Ｐゴシック" charset="0"/>
               </a:rPr>
-              <a:t>temelde literatür taramasıyla elde edilen bir teoriye ve buna bağlı gelişen araştırma soru veya sorularımıza bağlı olarak belirlediğimiz bağımlı ve bağımsız değişkenlerimiz sayesinde ortaya çıkacaktır. </a:t>
-            </a:r>
-            <a:endParaRPr lang="tr-TR" sz="2000" dirty="0" smtClean="0">
-              <a:latin typeface="Palatino Linotype" panose="02040502050505030304" pitchFamily="18" charset="0"/>
-              <a:ea typeface="ＭＳ Ｐゴシック" charset="0"/>
-            </a:endParaRPr>
+              <a:t>Modelimiz temelde literatür taramasıyla elde edilen bir teoriye ve buna bağlı gelişen araştırma soru veya sorularımıza bağlı olarak belirlediğimiz bağımlı ve bağımsız değişkenlerimiz sayesinde ortaya çıkacaktır. </a:t>
+            </a:r>
           </a:p>
           <a:p>
             <a:pPr marL="360363" indent="-349250" eaLnBrk="1" hangingPunct="1"/>
-            <a:endParaRPr lang="tr-TR" sz="2000" dirty="0" smtClean="0">
+            <a:endParaRPr lang="tr-TR" sz="2000" dirty="0">
               <a:latin typeface="Palatino Linotype" panose="02040502050505030304" pitchFamily="18" charset="0"/>
               <a:ea typeface="ＭＳ Ｐゴシック" charset="0"/>
             </a:endParaRPr>
@@ -14233,44 +14164,67 @@
               <a:buChar char="•"/>
             </a:pPr>
             <a:r>
-              <a:rPr lang="tr-TR" sz="2000" dirty="0" smtClean="0">
-                <a:latin typeface="Palatino Linotype" panose="02040502050505030304" pitchFamily="18" charset="0"/>
-                <a:ea typeface="ＭＳ Ｐゴシック" charset="0"/>
-              </a:rPr>
-              <a:t>Örnek </a:t>
-            </a:r>
-            <a:r>
               <a:rPr lang="tr-TR" sz="2000" dirty="0">
                 <a:latin typeface="Palatino Linotype" panose="02040502050505030304" pitchFamily="18" charset="0"/>
                 <a:ea typeface="ＭＳ Ｐゴシック" charset="0"/>
               </a:rPr>
-              <a:t>olarak Türkiye’deki okullar genelinde 8. Sınıf matematik öğretmenlerinin birbiriyle olan </a:t>
-            </a:r>
-            <a:r>
-              <a:rPr lang="tr-TR" sz="2000" dirty="0" smtClean="0">
+              <a:t>Örnek olarak Türkiye’deki okullar genelinde </a:t>
+            </a:r>
+          </a:p>
+          <a:p>
+            <a:pPr marL="811213" lvl="2" indent="0" algn="ctr" eaLnBrk="1" hangingPunct="1">
+              <a:buNone/>
+            </a:pPr>
+            <a:r>
+              <a:rPr lang="tr-TR" sz="1600" b="1" dirty="0">
                 <a:latin typeface="Palatino Linotype" panose="02040502050505030304" pitchFamily="18" charset="0"/>
                 <a:ea typeface="ＭＳ Ｐゴシック" charset="0"/>
               </a:rPr>
-              <a:t>etkileşimi, öğretmenlerin ve öğrencilerin cinsiyetleri ile öğrenci </a:t>
-            </a:r>
-            <a:r>
-              <a:rPr lang="tr-TR" sz="2000" dirty="0">
+              <a:t>8. Sınıf matematik öğretmenlerinin birbiriyle olan etkileşimi, öğretmenlerin ve öğrencilerin cinsiyetleri</a:t>
+            </a:r>
+          </a:p>
+          <a:p>
+            <a:pPr marL="811213" lvl="2" indent="0" algn="ctr" eaLnBrk="1" hangingPunct="1">
+              <a:buNone/>
+            </a:pPr>
+            <a:r>
+              <a:rPr lang="tr-TR" sz="1600" dirty="0">
                 <a:latin typeface="Palatino Linotype" panose="02040502050505030304" pitchFamily="18" charset="0"/>
                 <a:ea typeface="ＭＳ Ｐゴシック" charset="0"/>
               </a:rPr>
-              <a:t>basarisi arasındaki ilişkiyi inceleyebiliriz. </a:t>
-            </a:r>
-            <a:endParaRPr lang="tr-TR" sz="2000" dirty="0" smtClean="0">
-              <a:latin typeface="Palatino Linotype" panose="02040502050505030304" pitchFamily="18" charset="0"/>
-              <a:ea typeface="ＭＳ Ｐゴシック" charset="0"/>
-            </a:endParaRPr>
+              <a:t> ile </a:t>
+            </a:r>
+          </a:p>
+          <a:p>
+            <a:pPr marL="811213" lvl="2" indent="0" algn="ctr" eaLnBrk="1" hangingPunct="1">
+              <a:buNone/>
+            </a:pPr>
+            <a:r>
+              <a:rPr lang="tr-TR" sz="1600" b="1" dirty="0">
+                <a:latin typeface="Palatino Linotype" panose="02040502050505030304" pitchFamily="18" charset="0"/>
+                <a:ea typeface="ＭＳ Ｐゴシック" charset="0"/>
+              </a:rPr>
+              <a:t>öğrenci basarisi </a:t>
+            </a:r>
+          </a:p>
+          <a:p>
+            <a:pPr marL="811213" lvl="2" indent="0" eaLnBrk="1" hangingPunct="1">
+              <a:buNone/>
+            </a:pPr>
+            <a:r>
+              <a:rPr lang="tr-TR" sz="1600" dirty="0">
+                <a:latin typeface="Palatino Linotype" panose="02040502050505030304" pitchFamily="18" charset="0"/>
+                <a:ea typeface="ＭＳ Ｐゴシック" charset="0"/>
+              </a:rPr>
+              <a:t>arasındaki ilişkiyi inceleyebiliriz. </a:t>
+            </a:r>
           </a:p>
           <a:p>
             <a:pPr marL="760413" lvl="1" indent="-349250" eaLnBrk="1" hangingPunct="1">
               <a:buFont typeface="Arial" panose="020B0604020202020204" pitchFamily="34" charset="0"/>
               <a:buChar char="•"/>
             </a:pPr>
-            <a:endParaRPr lang="tr-TR" sz="2000" dirty="0" smtClean="0">
+            <a:endParaRPr lang="tr-TR" sz="2000" dirty="0">
               <a:latin typeface="Palatino Linotype" panose="02040502050505030304" pitchFamily="18" charset="0"/>
               <a:ea typeface="ＭＳ Ｐゴシック" charset="0"/>
             </a:endParaRPr>
@@ -14281,32 +14235,25 @@
               <a:buChar char="•"/>
             </a:pPr>
             <a:r>
-              <a:rPr lang="tr-TR" sz="2000" dirty="0" smtClean="0">
+              <a:rPr lang="tr-TR" sz="2000" dirty="0">
                 <a:latin typeface="Palatino Linotype" panose="02040502050505030304" pitchFamily="18" charset="0"/>
                 <a:ea typeface="ＭＳ Ｐゴシック" charset="0"/>
               </a:rPr>
               <a:t>Hangisi(</a:t>
             </a:r>
             <a:r>
-              <a:rPr lang="tr-TR" sz="2000" dirty="0" err="1" smtClean="0">
+              <a:rPr lang="tr-TR" sz="2000" dirty="0" err="1">
                 <a:latin typeface="Palatino Linotype" panose="02040502050505030304" pitchFamily="18" charset="0"/>
                 <a:ea typeface="ＭＳ Ｐゴシック" charset="0"/>
               </a:rPr>
               <a:t>leri</a:t>
             </a:r>
             <a:r>
-              <a:rPr lang="tr-TR" sz="2000" dirty="0" smtClean="0">
-                <a:latin typeface="Palatino Linotype" panose="02040502050505030304" pitchFamily="18" charset="0"/>
-                <a:ea typeface="ＭＳ Ｐゴシック" charset="0"/>
-              </a:rPr>
-              <a:t>) açıklayıcı (bağımsız), </a:t>
-            </a:r>
-            <a:r>
               <a:rPr lang="tr-TR" sz="2000" dirty="0">
                 <a:latin typeface="Palatino Linotype" panose="02040502050505030304" pitchFamily="18" charset="0"/>
                 <a:ea typeface="ＭＳ Ｐゴシック" charset="0"/>
               </a:rPr>
-              <a:t>Hangisi(</a:t>
+              <a:t>) açıklayıcı (bağımsız), Hangisi(</a:t>
             </a:r>
             <a:r>
               <a:rPr lang="tr-TR" sz="2000" dirty="0" err="1">
@@ -14316,7 +14263,7 @@
               <a:t>leri</a:t>
             </a:r>
             <a:r>
-              <a:rPr lang="tr-TR" sz="2000" dirty="0" smtClean="0">
+              <a:rPr lang="tr-TR" sz="2000" dirty="0">
                 <a:latin typeface="Palatino Linotype" panose="02040502050505030304" pitchFamily="18" charset="0"/>
                 <a:ea typeface="ＭＳ Ｐゴシック" charset="0"/>
               </a:rPr>
@@ -14328,76 +14275,13 @@
               <a:buFont typeface="Arial" panose="020B0604020202020204" pitchFamily="34" charset="0"/>
               <a:buChar char="•"/>
             </a:pPr>
-            <a:endParaRPr lang="tr-TR" sz="2000" dirty="0" smtClean="0">
-              <a:latin typeface="Palatino Linotype" panose="02040502050505030304" pitchFamily="18" charset="0"/>
-              <a:ea typeface="ＭＳ Ｐゴシック" charset="0"/>
-            </a:endParaRPr>
-          </a:p>
-          <a:p>
-            <a:pPr marL="760413" lvl="1" indent="-349250" eaLnBrk="1" hangingPunct="1">
-              <a:buFont typeface="Arial" panose="020B0604020202020204" pitchFamily="34" charset="0"/>
-              <a:buChar char="•"/>
-            </a:pPr>
-            <a:r>
-              <a:rPr lang="tr-TR" sz="2000" dirty="0" smtClean="0">
-                <a:latin typeface="Palatino Linotype" panose="02040502050505030304" pitchFamily="18" charset="0"/>
-                <a:ea typeface="ＭＳ Ｐゴシック" charset="0"/>
-              </a:rPr>
-              <a:t>Diğer </a:t>
-            </a:r>
             <a:r>
               <a:rPr lang="tr-TR" sz="2000" dirty="0">
                 <a:latin typeface="Palatino Linotype" panose="02040502050505030304" pitchFamily="18" charset="0"/>
                 <a:ea typeface="ＭＳ Ｐゴシック" charset="0"/>
               </a:rPr>
-              <a:t>bir deyişle, araştırma sorumuz: “Öğrenci ve öğretmenlerin </a:t>
-            </a:r>
-            <a:r>
-              <a:rPr lang="tr-TR" sz="2000" dirty="0" smtClean="0">
-                <a:latin typeface="Palatino Linotype" panose="02040502050505030304" pitchFamily="18" charset="0"/>
-                <a:ea typeface="ＭＳ Ｐゴシック" charset="0"/>
-              </a:rPr>
-              <a:t>cinsiyetleri ve </a:t>
-            </a:r>
-            <a:r>
-              <a:rPr lang="tr-TR" sz="2000" dirty="0">
-                <a:latin typeface="Palatino Linotype" panose="02040502050505030304" pitchFamily="18" charset="0"/>
-                <a:ea typeface="ＭＳ Ｐゴシック" charset="0"/>
-              </a:rPr>
-              <a:t>öğretmenlerin </a:t>
-            </a:r>
-            <a:r>
-              <a:rPr lang="tr-TR" sz="2000" dirty="0" smtClean="0">
-                <a:latin typeface="Palatino Linotype" panose="02040502050505030304" pitchFamily="18" charset="0"/>
-                <a:ea typeface="ＭＳ Ｐゴシック" charset="0"/>
-              </a:rPr>
-              <a:t>kendi aralarında etkileşimleri ile  </a:t>
-            </a:r>
-            <a:r>
-              <a:rPr lang="tr-TR" sz="2000" dirty="0">
-                <a:latin typeface="Palatino Linotype" panose="02040502050505030304" pitchFamily="18" charset="0"/>
-                <a:ea typeface="ＭＳ Ｐゴシック" charset="0"/>
-              </a:rPr>
-              <a:t>öğrencilerin matematik basarisi arasındaki </a:t>
-            </a:r>
-            <a:r>
-              <a:rPr lang="tr-TR" sz="2000" dirty="0" smtClean="0">
-                <a:latin typeface="Palatino Linotype" panose="02040502050505030304" pitchFamily="18" charset="0"/>
-                <a:ea typeface="ＭＳ Ｐゴシック" charset="0"/>
-              </a:rPr>
-              <a:t>ilişki nasıldır?” </a:t>
-            </a:r>
-            <a:r>
-              <a:rPr lang="tr-TR" sz="2000" dirty="0">
-                <a:latin typeface="Palatino Linotype" panose="02040502050505030304" pitchFamily="18" charset="0"/>
-                <a:ea typeface="ＭＳ Ｐゴシック" charset="0"/>
-              </a:rPr>
-              <a:t>olsun. </a:t>
-            </a:r>
-            <a:endParaRPr lang="tr-TR" sz="2000" dirty="0" smtClean="0">
-              <a:latin typeface="Palatino Linotype" panose="02040502050505030304" pitchFamily="18" charset="0"/>
-              <a:ea typeface="ＭＳ Ｐゴシック" charset="0"/>
-            </a:endParaRPr>
+              <a:t>Diğer bir deyişle, araştırma sorumuz: “Öğrenci ve öğretmenlerin cinsiyetleri ve öğretmenlerin kendi aralarında etkileşimleri ile  öğrencilerin matematik basarisi arasındaki ilişki nasıldır?” olsun. </a:t>
+            </a:r>
           </a:p>
         </p:txBody>
       </p:sp>
@@ -14866,13 +14750,6 @@
   <p:clrMapOvr>
     <a:masterClrMapping/>
   </p:clrMapOvr>
-  <p:timing>
-    <p:tnLst>
-      <p:par>
-        <p:cTn id="1" dur="indefinite" restart="never" nodeType="tmRoot"/>
-      </p:par>
-    </p:tnLst>
-  </p:timing>
 </p:sld>
 </file>
 
@@ -14915,76 +14792,131 @@
           <a:p>
             <a:pPr marL="411163" lvl="1" indent="0" eaLnBrk="1" hangingPunct="1"/>
             <a:r>
-              <a:rPr lang="tr-TR" sz="2400" dirty="0" smtClean="0">
+              <a:rPr lang="tr-TR" sz="2400" dirty="0">
                 <a:latin typeface="Palatino Linotype" panose="02040502050505030304" pitchFamily="18" charset="0"/>
                 <a:ea typeface="ＭＳ Ｐゴシック" charset="0"/>
               </a:rPr>
-              <a:t>Bu </a:t>
+              <a:t>Dikkat edilmesi gereken nokta, burada bir </a:t>
             </a:r>
             <a:r>
               <a:rPr lang="tr-TR" sz="2400" dirty="0" err="1">
                 <a:latin typeface="Palatino Linotype" panose="02040502050505030304" pitchFamily="18" charset="0"/>
                 <a:ea typeface="ＭＳ Ｐゴシック" charset="0"/>
               </a:rPr>
-              <a:t>bolumde</a:t>
+              <a:t>nedensel</a:t>
             </a:r>
             <a:r>
               <a:rPr lang="tr-TR" sz="2400" dirty="0">
                 <a:latin typeface="Palatino Linotype" panose="02040502050505030304" pitchFamily="18" charset="0"/>
                 <a:ea typeface="ＭＳ Ｐゴシック" charset="0"/>
               </a:rPr>
-              <a:t>, belirtilen </a:t>
+              <a:t> ilişki (</a:t>
             </a:r>
             <a:r>
               <a:rPr lang="tr-TR" sz="2400" dirty="0" err="1">
                 <a:latin typeface="Palatino Linotype" panose="02040502050505030304" pitchFamily="18" charset="0"/>
                 <a:ea typeface="ＭＳ Ｐゴシック" charset="0"/>
               </a:rPr>
-              <a:t>arastirma</a:t>
+              <a:t>causal</a:t>
             </a:r>
             <a:r>
               <a:rPr lang="tr-TR" sz="2400" dirty="0">
                 <a:latin typeface="Palatino Linotype" panose="02040502050505030304" pitchFamily="18" charset="0"/>
                 <a:ea typeface="ＭＳ Ｐゴシック" charset="0"/>
               </a:rPr>
-              <a:t> sorusuna cevap almak </a:t>
+              <a:t> </a:t>
             </a:r>
             <a:r>
               <a:rPr lang="tr-TR" sz="2400" dirty="0" err="1">
                 <a:latin typeface="Palatino Linotype" panose="02040502050505030304" pitchFamily="18" charset="0"/>
                 <a:ea typeface="ＭＳ Ｐゴシック" charset="0"/>
               </a:rPr>
-              <a:t>adina</a:t>
+              <a:t>effect</a:t>
             </a:r>
             <a:r>
               <a:rPr lang="tr-TR" sz="2400" dirty="0">
                 <a:latin typeface="Palatino Linotype" panose="02040502050505030304" pitchFamily="18" charset="0"/>
                 <a:ea typeface="ＭＳ Ｐゴシック" charset="0"/>
               </a:rPr>
-              <a:t> oluşturulan HLM modelleri </a:t>
-            </a:r>
-            <a:r>
-              <a:rPr lang="tr-TR" sz="2400" dirty="0" err="1">
-                <a:latin typeface="Palatino Linotype" panose="02040502050505030304" pitchFamily="18" charset="0"/>
-                <a:ea typeface="ＭＳ Ｐゴシック" charset="0"/>
-              </a:rPr>
-              <a:t>aciklanacaktir</a:t>
-            </a:r>
-            <a:r>
-              <a:rPr lang="tr-TR" sz="2400" dirty="0">
-                <a:latin typeface="Palatino Linotype" panose="02040502050505030304" pitchFamily="18" charset="0"/>
-                <a:ea typeface="ＭＳ Ｐゴシック" charset="0"/>
-              </a:rPr>
-              <a:t>. </a:t>
-            </a:r>
-            <a:endParaRPr lang="tr-TR" sz="2400" dirty="0" smtClean="0">
+              <a:t>) ortaya konulmadığıdır. Yani öğretmen etkileşimleri ile öğrenci başarısı arasındaki ilişkinin yönü yoktur!!!</a:t>
+            </a:r>
+          </a:p>
+          <a:p>
+            <a:pPr marL="411163" lvl="1" indent="0" eaLnBrk="1" hangingPunct="1"/>
+            <a:endParaRPr lang="tr-TR" sz="2000" dirty="0">
               <a:latin typeface="Palatino Linotype" panose="02040502050505030304" pitchFamily="18" charset="0"/>
               <a:ea typeface="ＭＳ Ｐゴシック" charset="0"/>
             </a:endParaRPr>
           </a:p>
           <a:p>
             <a:pPr marL="411163" lvl="1" indent="0" eaLnBrk="1" hangingPunct="1"/>
-            <a:endParaRPr lang="tr-TR" sz="2400" dirty="0">
+            <a:r>
+              <a:rPr lang="tr-TR" sz="2000" dirty="0">
+                <a:latin typeface="Palatino Linotype" panose="02040502050505030304" pitchFamily="18" charset="0"/>
+                <a:ea typeface="ＭＳ Ｐゴシック" charset="0"/>
+              </a:rPr>
+              <a:t>Bu </a:t>
+            </a:r>
+            <a:r>
+              <a:rPr lang="tr-TR" sz="2000" dirty="0" err="1">
+                <a:latin typeface="Palatino Linotype" panose="02040502050505030304" pitchFamily="18" charset="0"/>
+                <a:ea typeface="ＭＳ Ｐゴシック" charset="0"/>
+              </a:rPr>
+              <a:t>bolumde</a:t>
+            </a:r>
+            <a:r>
+              <a:rPr lang="tr-TR" sz="2000" dirty="0">
+                <a:latin typeface="Palatino Linotype" panose="02040502050505030304" pitchFamily="18" charset="0"/>
+                <a:ea typeface="ＭＳ Ｐゴシック" charset="0"/>
+              </a:rPr>
+              <a:t>, belirtilen </a:t>
+            </a:r>
+            <a:r>
+              <a:rPr lang="tr-TR" sz="2000" dirty="0" err="1">
+                <a:latin typeface="Palatino Linotype" panose="02040502050505030304" pitchFamily="18" charset="0"/>
+                <a:ea typeface="ＭＳ Ｐゴシック" charset="0"/>
+              </a:rPr>
+              <a:t>arastirma</a:t>
+            </a:r>
+            <a:r>
+              <a:rPr lang="tr-TR" sz="2000" dirty="0">
+                <a:latin typeface="Palatino Linotype" panose="02040502050505030304" pitchFamily="18" charset="0"/>
+                <a:ea typeface="ＭＳ Ｐゴシック" charset="0"/>
+              </a:rPr>
+              <a:t> sorusuna cevap almak </a:t>
+            </a:r>
+            <a:r>
+              <a:rPr lang="tr-TR" sz="2000" dirty="0" err="1">
+                <a:latin typeface="Palatino Linotype" panose="02040502050505030304" pitchFamily="18" charset="0"/>
+                <a:ea typeface="ＭＳ Ｐゴシック" charset="0"/>
+              </a:rPr>
+              <a:t>adina</a:t>
+            </a:r>
+            <a:r>
+              <a:rPr lang="tr-TR" sz="2000" dirty="0">
+                <a:latin typeface="Palatino Linotype" panose="02040502050505030304" pitchFamily="18" charset="0"/>
+                <a:ea typeface="ＭＳ Ｐゴシック" charset="0"/>
+              </a:rPr>
+              <a:t> oluşturulan HLM modelleri </a:t>
+            </a:r>
+            <a:r>
+              <a:rPr lang="tr-TR" sz="2000" dirty="0" err="1">
+                <a:latin typeface="Palatino Linotype" panose="02040502050505030304" pitchFamily="18" charset="0"/>
+                <a:ea typeface="ＭＳ Ｐゴシック" charset="0"/>
+              </a:rPr>
+              <a:t>aciklanacaktir</a:t>
+            </a:r>
+            <a:r>
+              <a:rPr lang="tr-TR" sz="2000" dirty="0">
+                <a:latin typeface="Palatino Linotype" panose="02040502050505030304" pitchFamily="18" charset="0"/>
+                <a:ea typeface="ＭＳ Ｐゴシック" charset="0"/>
+              </a:rPr>
+              <a:t>. </a:t>
+            </a:r>
+          </a:p>
+          <a:p>
+            <a:pPr marL="411163" lvl="1" indent="0" eaLnBrk="1" hangingPunct="1"/>
+            <a:endParaRPr lang="tr-TR" sz="2000" dirty="0">
               <a:latin typeface="Palatino Linotype" panose="02040502050505030304" pitchFamily="18" charset="0"/>
               <a:ea typeface="ＭＳ Ｐゴシック" charset="0"/>
             </a:endParaRPr>
@@ -14992,161 +14924,139 @@
           <a:p>
             <a:pPr marL="411163" lvl="1" indent="0" eaLnBrk="1" hangingPunct="1"/>
             <a:r>
-              <a:rPr lang="tr-TR" sz="2400" dirty="0" err="1" smtClean="0">
+              <a:rPr lang="tr-TR" sz="2000" dirty="0" err="1">
                 <a:latin typeface="Palatino Linotype" panose="02040502050505030304" pitchFamily="18" charset="0"/>
                 <a:ea typeface="ＭＳ Ｐゴシック" charset="0"/>
               </a:rPr>
               <a:t>Ilk</a:t>
             </a:r>
             <a:r>
-              <a:rPr lang="tr-TR" sz="2400" dirty="0" smtClean="0">
+              <a:rPr lang="tr-TR" sz="2000" dirty="0">
                 <a:latin typeface="Palatino Linotype" panose="02040502050505030304" pitchFamily="18" charset="0"/>
                 <a:ea typeface="ＭＳ Ｐゴシック" charset="0"/>
               </a:rPr>
-              <a:t> </a:t>
-            </a:r>
-            <a:r>
-              <a:rPr lang="tr-TR" sz="2400" dirty="0">
-                <a:latin typeface="Palatino Linotype" panose="02040502050505030304" pitchFamily="18" charset="0"/>
-                <a:ea typeface="ＭＳ Ｐゴシック" charset="0"/>
-              </a:rPr>
-              <a:t>olarak, verimizdeki öğrencilerin ayni </a:t>
-            </a:r>
-            <a:r>
-              <a:rPr lang="tr-TR" sz="2400" dirty="0" err="1">
+              <a:t> olarak, verimizdeki öğrencilerin ayni </a:t>
+            </a:r>
+            <a:r>
+              <a:rPr lang="tr-TR" sz="2000" dirty="0" err="1">
                 <a:latin typeface="Palatino Linotype" panose="02040502050505030304" pitchFamily="18" charset="0"/>
                 <a:ea typeface="ＭＳ Ｐゴシック" charset="0"/>
               </a:rPr>
               <a:t>sinifta</a:t>
             </a:r>
             <a:r>
-              <a:rPr lang="tr-TR" sz="2400" dirty="0">
+              <a:rPr lang="tr-TR" sz="2000" dirty="0">
                 <a:latin typeface="Palatino Linotype" panose="02040502050505030304" pitchFamily="18" charset="0"/>
                 <a:ea typeface="ＭＳ Ｐゴシック" charset="0"/>
               </a:rPr>
               <a:t> olmak münasebetiyle matematik basarisi </a:t>
             </a:r>
             <a:r>
-              <a:rPr lang="tr-TR" sz="2400" dirty="0" err="1">
+              <a:rPr lang="tr-TR" sz="2000" dirty="0" err="1">
                 <a:latin typeface="Palatino Linotype" panose="02040502050505030304" pitchFamily="18" charset="0"/>
                 <a:ea typeface="ＭＳ Ｐゴシック" charset="0"/>
               </a:rPr>
               <a:t>acisindan</a:t>
             </a:r>
             <a:r>
-              <a:rPr lang="tr-TR" sz="2400" dirty="0">
+              <a:rPr lang="tr-TR" sz="2000" dirty="0">
                 <a:latin typeface="Palatino Linotype" panose="02040502050505030304" pitchFamily="18" charset="0"/>
                 <a:ea typeface="ＭＳ Ｐゴシック" charset="0"/>
               </a:rPr>
               <a:t> ne derece benzerlik gösterdiğini hesaplayabilmek </a:t>
             </a:r>
             <a:r>
-              <a:rPr lang="tr-TR" sz="2400" dirty="0" err="1">
+              <a:rPr lang="tr-TR" sz="2000" dirty="0" err="1">
                 <a:latin typeface="Palatino Linotype" panose="02040502050505030304" pitchFamily="18" charset="0"/>
                 <a:ea typeface="ＭＳ Ｐゴシック" charset="0"/>
               </a:rPr>
               <a:t>adina</a:t>
             </a:r>
             <a:r>
-              <a:rPr lang="tr-TR" sz="2400" dirty="0">
+              <a:rPr lang="tr-TR" sz="2000" dirty="0">
                 <a:latin typeface="Palatino Linotype" panose="02040502050505030304" pitchFamily="18" charset="0"/>
                 <a:ea typeface="ＭＳ Ｐゴシック" charset="0"/>
               </a:rPr>
               <a:t> bos model teorik olarak </a:t>
             </a:r>
             <a:r>
-              <a:rPr lang="tr-TR" sz="2400" dirty="0" err="1">
+              <a:rPr lang="tr-TR" sz="2000" dirty="0" err="1">
                 <a:latin typeface="Palatino Linotype" panose="02040502050505030304" pitchFamily="18" charset="0"/>
                 <a:ea typeface="ＭＳ Ｐゴシック" charset="0"/>
               </a:rPr>
               <a:t>anlatilacaktir</a:t>
             </a:r>
             <a:r>
-              <a:rPr lang="tr-TR" sz="2400" dirty="0">
+              <a:rPr lang="tr-TR" sz="2000" dirty="0">
                 <a:latin typeface="Palatino Linotype" panose="02040502050505030304" pitchFamily="18" charset="0"/>
                 <a:ea typeface="ＭＳ Ｐゴシック" charset="0"/>
               </a:rPr>
               <a:t>. </a:t>
             </a:r>
-            <a:endParaRPr lang="tr-TR" sz="2400" dirty="0" smtClean="0">
-              <a:latin typeface="Palatino Linotype" panose="02040502050505030304" pitchFamily="18" charset="0"/>
-              <a:ea typeface="ＭＳ Ｐゴシック" charset="0"/>
-            </a:endParaRPr>
           </a:p>
           <a:p>
             <a:pPr marL="411163" lvl="1" indent="0" eaLnBrk="1" hangingPunct="1"/>
             <a:r>
-              <a:rPr lang="tr-TR" sz="2400" dirty="0" smtClean="0">
+              <a:rPr lang="tr-TR" sz="2000" dirty="0">
                 <a:latin typeface="Palatino Linotype" panose="02040502050505030304" pitchFamily="18" charset="0"/>
                 <a:ea typeface="ＭＳ Ｐゴシック" charset="0"/>
               </a:rPr>
               <a:t>Bu </a:t>
             </a:r>
             <a:r>
-              <a:rPr lang="tr-TR" sz="2400" dirty="0" err="1">
+              <a:rPr lang="tr-TR" sz="2000" dirty="0" err="1">
                 <a:latin typeface="Palatino Linotype" panose="02040502050505030304" pitchFamily="18" charset="0"/>
                 <a:ea typeface="ＭＳ Ｐゴシック" charset="0"/>
               </a:rPr>
               <a:t>sekilde</a:t>
             </a:r>
             <a:r>
-              <a:rPr lang="tr-TR" sz="2400" dirty="0">
+              <a:rPr lang="tr-TR" sz="2000" dirty="0">
                 <a:latin typeface="Palatino Linotype" panose="02040502050505030304" pitchFamily="18" charset="0"/>
                 <a:ea typeface="ＭＳ Ｐゴシック" charset="0"/>
               </a:rPr>
               <a:t>, elimizdeki veri setiyle oluşturulacak iki seviyeli bir modelin ne derece </a:t>
             </a:r>
             <a:r>
-              <a:rPr lang="tr-TR" sz="2400" dirty="0" err="1">
+              <a:rPr lang="tr-TR" sz="2000" dirty="0" err="1">
                 <a:latin typeface="Palatino Linotype" panose="02040502050505030304" pitchFamily="18" charset="0"/>
                 <a:ea typeface="ＭＳ Ｐゴシック" charset="0"/>
               </a:rPr>
               <a:t>anlamli</a:t>
             </a:r>
             <a:r>
-              <a:rPr lang="tr-TR" sz="2400" dirty="0">
+              <a:rPr lang="tr-TR" sz="2000" dirty="0">
                 <a:latin typeface="Palatino Linotype" panose="02040502050505030304" pitchFamily="18" charset="0"/>
                 <a:ea typeface="ＭＳ Ｐゴシック" charset="0"/>
               </a:rPr>
               <a:t> olduğunu belirleyebiliriz. </a:t>
             </a:r>
-            <a:endParaRPr lang="tr-TR" sz="2400" dirty="0" smtClean="0">
-              <a:latin typeface="Palatino Linotype" panose="02040502050505030304" pitchFamily="18" charset="0"/>
-              <a:ea typeface="ＭＳ Ｐゴシック" charset="0"/>
-            </a:endParaRPr>
           </a:p>
           <a:p>
             <a:pPr marL="411163" lvl="1" indent="0" eaLnBrk="1" hangingPunct="1"/>
             <a:r>
-              <a:rPr lang="tr-TR" sz="2400" dirty="0" err="1" smtClean="0">
+              <a:rPr lang="tr-TR" sz="2000" dirty="0" err="1">
                 <a:latin typeface="Palatino Linotype" panose="02040502050505030304" pitchFamily="18" charset="0"/>
                 <a:ea typeface="ＭＳ Ｐゴシック" charset="0"/>
               </a:rPr>
               <a:t>Sonrasinda</a:t>
             </a:r>
             <a:r>
-              <a:rPr lang="tr-TR" sz="2400" dirty="0" smtClean="0">
+              <a:rPr lang="tr-TR" sz="2000" dirty="0">
                 <a:latin typeface="Palatino Linotype" panose="02040502050505030304" pitchFamily="18" charset="0"/>
                 <a:ea typeface="ＭＳ Ｐゴシック" charset="0"/>
               </a:rPr>
-              <a:t> </a:t>
-            </a:r>
-            <a:r>
-              <a:rPr lang="tr-TR" sz="2400" dirty="0">
-                <a:latin typeface="Palatino Linotype" panose="02040502050505030304" pitchFamily="18" charset="0"/>
-                <a:ea typeface="ＭＳ Ｐゴシック" charset="0"/>
-              </a:rPr>
-              <a:t>da, iki seviyeli modelimizi yine teorik olarak </a:t>
-            </a:r>
-            <a:r>
-              <a:rPr lang="tr-TR" sz="2400" dirty="0" err="1">
+              <a:t> da, iki seviyeli modelimizi yine teorik olarak </a:t>
+            </a:r>
+            <a:r>
+              <a:rPr lang="tr-TR" sz="2000" dirty="0" err="1">
                 <a:latin typeface="Palatino Linotype" panose="02040502050505030304" pitchFamily="18" charset="0"/>
                 <a:ea typeface="ＭＳ Ｐゴシック" charset="0"/>
               </a:rPr>
               <a:t>olusturacagiz</a:t>
             </a:r>
             <a:r>
-              <a:rPr lang="tr-TR" sz="2400" dirty="0">
+              <a:rPr lang="tr-TR" sz="2000" dirty="0">
                 <a:latin typeface="Palatino Linotype" panose="02040502050505030304" pitchFamily="18" charset="0"/>
                 <a:ea typeface="ＭＳ Ｐゴシック" charset="0"/>
               </a:rPr>
@@ -15627,13 +15537,6 @@
   <p:clrMapOvr>
     <a:masterClrMapping/>
   </p:clrMapOvr>
-  <p:timing>
-    <p:tnLst>
-      <p:par>
-        <p:cTn id="1" dur="indefinite" restart="never" nodeType="tmRoot"/>
-      </p:par>
-    </p:tnLst>
-  </p:timing>
 </p:sld>
 </file>
 
@@ -16157,14 +16060,14 @@
           <a:p>
             <a:pPr algn="ctr"/>
             <a:r>
-              <a:rPr lang="tr-TR" dirty="0" smtClean="0"/>
+              <a:rPr lang="tr-TR" dirty="0"/>
               <a:t>Öğrenci Başarısı = 500 + 50 + 25</a:t>
             </a:r>
           </a:p>
           <a:p>
             <a:pPr algn="ctr"/>
             <a:r>
-              <a:rPr lang="tr-TR" dirty="0" smtClean="0"/>
+              <a:rPr lang="tr-TR" dirty="0"/>
               <a:t>Örnekler?</a:t>
             </a:r>
           </a:p>
@@ -16194,19 +16097,19 @@
           <a:p>
             <a:pPr algn="ctr"/>
             <a:r>
-              <a:rPr lang="tr-TR" b="1" i="0" dirty="0" smtClean="0">
+              <a:rPr lang="tr-TR" b="1" i="0" dirty="0">
                 <a:latin typeface="Palatino Linotype" panose="02040502050505030304" pitchFamily="18" charset="0"/>
               </a:rPr>
               <a:t>Boş Model (</a:t>
             </a:r>
             <a:r>
-              <a:rPr lang="tr-TR" b="1" i="0" dirty="0" err="1" smtClean="0">
+              <a:rPr lang="tr-TR" b="1" i="0" dirty="0" err="1">
                 <a:latin typeface="Palatino Linotype" panose="02040502050505030304" pitchFamily="18" charset="0"/>
               </a:rPr>
               <a:t>Empty</a:t>
             </a:r>
             <a:r>
-              <a:rPr lang="tr-TR" b="1" i="0" dirty="0" smtClean="0">
+              <a:rPr lang="tr-TR" b="1" i="0" dirty="0">
                 <a:latin typeface="Palatino Linotype" panose="02040502050505030304" pitchFamily="18" charset="0"/>
               </a:rPr>
               <a:t> Model)</a:t>
@@ -16224,13 +16127,6 @@
   <p:clrMapOvr>
     <a:masterClrMapping/>
   </p:clrMapOvr>
-  <p:timing>
-    <p:tnLst>
-      <p:par>
-        <p:cTn id="1" dur="indefinite" restart="never" nodeType="tmRoot"/>
-      </p:par>
-    </p:tnLst>
-  </p:timing>
 </p:sld>
 </file>
 
@@ -16755,15 +16651,15 @@
               <a:lstStyle/>
               <a:p>
                 <a:r>
-                  <a:rPr lang="tr-TR" dirty="0" smtClean="0"/>
+                  <a:rPr lang="tr-TR" dirty="0"/>
                   <a:t>U0j deki değişkenlik (</a:t>
                 </a:r>
                 <a:r>
-                  <a:rPr lang="tr-TR" dirty="0" err="1" smtClean="0"/>
+                  <a:rPr lang="tr-TR" dirty="0" err="1"/>
                   <a:t>varyans</a:t>
                 </a:r>
                 <a:r>
-                  <a:rPr lang="tr-TR" dirty="0" smtClean="0"/>
+                  <a:rPr lang="tr-TR" dirty="0"/>
                   <a:t>) = </a:t>
                 </a:r>
                 <a14:m>
@@ -16894,15 +16790,15 @@
               <a:lstStyle/>
               <a:p>
                 <a:r>
-                  <a:rPr lang="tr-TR" dirty="0" smtClean="0"/>
+                  <a:rPr lang="tr-TR" dirty="0"/>
                   <a:t>rij deki değişkenlik (</a:t>
                 </a:r>
                 <a:r>
-                  <a:rPr lang="tr-TR" dirty="0" err="1" smtClean="0"/>
+                  <a:rPr lang="tr-TR" dirty="0" err="1"/>
                   <a:t>varyans</a:t>
                 </a:r>
                 <a:r>
-                  <a:rPr lang="tr-TR" dirty="0" smtClean="0"/>
+                  <a:rPr lang="tr-TR" dirty="0"/>
                   <a:t>) = </a:t>
                 </a:r>
                 <a14:m>
@@ -16999,13 +16895,6 @@
   <p:clrMapOvr>
     <a:masterClrMapping/>
   </p:clrMapOvr>
-  <p:timing>
-    <p:tnLst>
-      <p:par>
-        <p:cTn id="1" dur="indefinite" restart="never" nodeType="tmRoot"/>
-      </p:par>
-    </p:tnLst>
-  </p:timing>
 </p:sld>
 </file>
 
@@ -17506,15 +17395,15 @@
               <a:lstStyle/>
               <a:p>
                 <a:r>
-                  <a:rPr lang="tr-TR" dirty="0" smtClean="0"/>
+                  <a:rPr lang="tr-TR" dirty="0"/>
                   <a:t>U0j deki değişkenlik (</a:t>
                 </a:r>
                 <a:r>
-                  <a:rPr lang="tr-TR" dirty="0" err="1" smtClean="0"/>
+                  <a:rPr lang="tr-TR" dirty="0" err="1"/>
                   <a:t>varyans</a:t>
                 </a:r>
                 <a:r>
-                  <a:rPr lang="tr-TR" dirty="0" smtClean="0"/>
+                  <a:rPr lang="tr-TR" dirty="0"/>
                   <a:t>) = </a:t>
                 </a:r>
                 <a14:m>
@@ -17645,15 +17534,15 @@
               <a:lstStyle/>
               <a:p>
                 <a:r>
-                  <a:rPr lang="tr-TR" dirty="0" smtClean="0"/>
+                  <a:rPr lang="tr-TR" dirty="0"/>
                   <a:t>rij deki değişkenlik (</a:t>
                 </a:r>
                 <a:r>
-                  <a:rPr lang="tr-TR" dirty="0" err="1" smtClean="0"/>
+                  <a:rPr lang="tr-TR" dirty="0" err="1"/>
                   <a:t>varyans</a:t>
                 </a:r>
                 <a:r>
-                  <a:rPr lang="tr-TR" dirty="0" smtClean="0"/>
+                  <a:rPr lang="tr-TR" dirty="0"/>
                   <a:t>) = </a:t>
                 </a:r>
                 <a14:m>
@@ -18008,34 +17897,25 @@
           <a:lstStyle/>
           <a:p>
             <a:r>
-              <a:rPr lang="tr-TR" dirty="0" smtClean="0"/>
+              <a:rPr lang="tr-TR" dirty="0"/>
               <a:t>ICC (</a:t>
             </a:r>
             <a:r>
-              <a:rPr lang="tr-TR" dirty="0" err="1" smtClean="0"/>
-              <a:t>Intra</a:t>
-            </a:r>
-            <a:r>
               <a:rPr lang="tr-TR" dirty="0" err="1"/>
-              <a:t>-</a:t>
-            </a:r>
-            <a:r>
-              <a:rPr lang="tr-TR" dirty="0" err="1" smtClean="0"/>
-              <a:t>class</a:t>
-            </a:r>
-            <a:r>
-              <a:rPr lang="tr-TR" dirty="0" smtClean="0"/>
+              <a:t>Intra-class</a:t>
+            </a:r>
+            <a:r>
+              <a:rPr lang="tr-TR" dirty="0"/>
               <a:t> </a:t>
             </a:r>
             <a:r>
-              <a:rPr lang="tr-TR" dirty="0" err="1" smtClean="0"/>
+              <a:rPr lang="tr-TR" dirty="0" err="1"/>
               <a:t>Correlation</a:t>
             </a:r>
             <a:r>
-              <a:rPr lang="tr-TR" dirty="0" smtClean="0"/>
+              <a:rPr lang="tr-TR" dirty="0"/>
               <a:t>)</a:t>
             </a:r>
-            <a:endParaRPr lang="tr-TR" dirty="0"/>
           </a:p>
         </p:txBody>
       </p:sp>
@@ -18049,13 +17929,6 @@
   <p:clrMapOvr>
     <a:masterClrMapping/>
   </p:clrMapOvr>
-  <p:timing>
-    <p:tnLst>
-      <p:par>
-        <p:cTn id="1" dur="indefinite" restart="never" nodeType="tmRoot"/>
-      </p:par>
-    </p:tnLst>
-  </p:timing>
 </p:sld>
 </file>
 

--- a/2-HLM teorik altyapısı.pptx
+++ b/2-HLM teorik altyapısı.pptx
@@ -5,10 +5,10 @@
     <p:sldMasterId id="2147483648" r:id="rId1"/>
   </p:sldMasterIdLst>
   <p:notesMasterIdLst>
-    <p:notesMasterId r:id="rId27"/>
+    <p:notesMasterId r:id="rId29"/>
   </p:notesMasterIdLst>
   <p:handoutMasterIdLst>
-    <p:handoutMasterId r:id="rId28"/>
+    <p:handoutMasterId r:id="rId30"/>
   </p:handoutMasterIdLst>
   <p:sldIdLst>
     <p:sldId id="256" r:id="rId2"/>
@@ -19,23 +19,25 @@
     <p:sldId id="331" r:id="rId7"/>
     <p:sldId id="332" r:id="rId8"/>
     <p:sldId id="333" r:id="rId9"/>
-    <p:sldId id="334" r:id="rId10"/>
-    <p:sldId id="335" r:id="rId11"/>
-    <p:sldId id="336" r:id="rId12"/>
-    <p:sldId id="337" r:id="rId13"/>
-    <p:sldId id="338" r:id="rId14"/>
-    <p:sldId id="339" r:id="rId15"/>
-    <p:sldId id="341" r:id="rId16"/>
-    <p:sldId id="343" r:id="rId17"/>
-    <p:sldId id="342" r:id="rId18"/>
-    <p:sldId id="319" r:id="rId19"/>
-    <p:sldId id="320" r:id="rId20"/>
-    <p:sldId id="321" r:id="rId21"/>
-    <p:sldId id="322" r:id="rId22"/>
-    <p:sldId id="323" r:id="rId23"/>
-    <p:sldId id="324" r:id="rId24"/>
-    <p:sldId id="326" r:id="rId25"/>
-    <p:sldId id="325" r:id="rId26"/>
+    <p:sldId id="344" r:id="rId10"/>
+    <p:sldId id="334" r:id="rId11"/>
+    <p:sldId id="335" r:id="rId12"/>
+    <p:sldId id="336" r:id="rId13"/>
+    <p:sldId id="337" r:id="rId14"/>
+    <p:sldId id="338" r:id="rId15"/>
+    <p:sldId id="339" r:id="rId16"/>
+    <p:sldId id="341" r:id="rId17"/>
+    <p:sldId id="343" r:id="rId18"/>
+    <p:sldId id="345" r:id="rId19"/>
+    <p:sldId id="342" r:id="rId20"/>
+    <p:sldId id="319" r:id="rId21"/>
+    <p:sldId id="320" r:id="rId22"/>
+    <p:sldId id="321" r:id="rId23"/>
+    <p:sldId id="322" r:id="rId24"/>
+    <p:sldId id="323" r:id="rId25"/>
+    <p:sldId id="324" r:id="rId26"/>
+    <p:sldId id="326" r:id="rId27"/>
+    <p:sldId id="325" r:id="rId28"/>
   </p:sldIdLst>
   <p:sldSz cx="9144000" cy="6858000" type="screen4x3"/>
   <p:notesSz cx="6858000" cy="9144000"/>
@@ -190,8 +192,8 @@
 <pc:chgInfo xmlns:a="http://schemas.openxmlformats.org/drawingml/2006/main" xmlns:r="http://schemas.openxmlformats.org/officeDocument/2006/relationships" xmlns:ac="http://schemas.microsoft.com/office/drawing/2013/main/command" xmlns:pc="http://schemas.microsoft.com/office/powerpoint/2013/main/command">
   <pc:docChgLst>
     <pc:chgData name="MUSA SADAK" userId="9e184e14-c669-48c0-b1bc-f5bb4059974e" providerId="ADAL" clId="{36B6FE06-82AC-4048-8364-F26AA201ED2D}"/>
-    <pc:docChg chg="delSld modSld">
-      <pc:chgData name="MUSA SADAK" userId="9e184e14-c669-48c0-b1bc-f5bb4059974e" providerId="ADAL" clId="{36B6FE06-82AC-4048-8364-F26AA201ED2D}" dt="2021-05-28T19:05:27.343" v="47" actId="20577"/>
+    <pc:docChg chg="custSel addSld delSld modSld">
+      <pc:chgData name="MUSA SADAK" userId="9e184e14-c669-48c0-b1bc-f5bb4059974e" providerId="ADAL" clId="{36B6FE06-82AC-4048-8364-F26AA201ED2D}" dt="2021-05-29T10:59:50.817" v="679" actId="1076"/>
       <pc:docMkLst>
         <pc:docMk/>
       </pc:docMkLst>
@@ -239,6 +241,44 @@
         </pc:sldMkLst>
       </pc:sldChg>
       <pc:sldChg chg="modSp mod">
+        <pc:chgData name="MUSA SADAK" userId="9e184e14-c669-48c0-b1bc-f5bb4059974e" providerId="ADAL" clId="{36B6FE06-82AC-4048-8364-F26AA201ED2D}" dt="2021-05-29T07:43:25.546" v="129" actId="404"/>
+        <pc:sldMkLst>
+          <pc:docMk/>
+          <pc:sldMk cId="1781939070" sldId="333"/>
+        </pc:sldMkLst>
+        <pc:spChg chg="mod">
+          <ac:chgData name="MUSA SADAK" userId="9e184e14-c669-48c0-b1bc-f5bb4059974e" providerId="ADAL" clId="{36B6FE06-82AC-4048-8364-F26AA201ED2D}" dt="2021-05-29T07:43:25.546" v="129" actId="404"/>
+          <ac:spMkLst>
+            <pc:docMk/>
+            <pc:sldMk cId="1781939070" sldId="333"/>
+            <ac:spMk id="17410" creationId="{00000000-0000-0000-0000-000000000000}"/>
+          </ac:spMkLst>
+        </pc:spChg>
+        <pc:picChg chg="mod">
+          <ac:chgData name="MUSA SADAK" userId="9e184e14-c669-48c0-b1bc-f5bb4059974e" providerId="ADAL" clId="{36B6FE06-82AC-4048-8364-F26AA201ED2D}" dt="2021-05-29T07:43:14.879" v="119" actId="1076"/>
+          <ac:picMkLst>
+            <pc:docMk/>
+            <pc:sldMk cId="1781939070" sldId="333"/>
+            <ac:picMk id="10" creationId="{00000000-0000-0000-0000-000000000000}"/>
+          </ac:picMkLst>
+        </pc:picChg>
+      </pc:sldChg>
+      <pc:sldChg chg="addSp modSp mod">
+        <pc:chgData name="MUSA SADAK" userId="9e184e14-c669-48c0-b1bc-f5bb4059974e" providerId="ADAL" clId="{36B6FE06-82AC-4048-8364-F26AA201ED2D}" dt="2021-05-29T10:59:50.817" v="679" actId="1076"/>
+        <pc:sldMkLst>
+          <pc:docMk/>
+          <pc:sldMk cId="113245181" sldId="334"/>
+        </pc:sldMkLst>
+        <pc:spChg chg="add mod">
+          <ac:chgData name="MUSA SADAK" userId="9e184e14-c669-48c0-b1bc-f5bb4059974e" providerId="ADAL" clId="{36B6FE06-82AC-4048-8364-F26AA201ED2D}" dt="2021-05-29T10:59:50.817" v="679" actId="1076"/>
+          <ac:spMkLst>
+            <pc:docMk/>
+            <pc:sldMk cId="113245181" sldId="334"/>
+            <ac:spMk id="10" creationId="{5FEB26BA-3D5C-614A-ACA2-98754D65F105}"/>
+          </ac:spMkLst>
+        </pc:spChg>
+      </pc:sldChg>
+      <pc:sldChg chg="modSp mod">
         <pc:chgData name="MUSA SADAK" userId="9e184e14-c669-48c0-b1bc-f5bb4059974e" providerId="ADAL" clId="{36B6FE06-82AC-4048-8364-F26AA201ED2D}" dt="2021-05-28T19:05:27.343" v="47" actId="20577"/>
         <pc:sldMkLst>
           <pc:docMk/>
@@ -249,6 +289,76 @@
           <ac:spMkLst>
             <pc:docMk/>
             <pc:sldMk cId="712590151" sldId="342"/>
+            <ac:spMk id="17410" creationId="{00000000-0000-0000-0000-000000000000}"/>
+          </ac:spMkLst>
+        </pc:spChg>
+      </pc:sldChg>
+      <pc:sldChg chg="addSp delSp modSp add mod">
+        <pc:chgData name="MUSA SADAK" userId="9e184e14-c669-48c0-b1bc-f5bb4059974e" providerId="ADAL" clId="{36B6FE06-82AC-4048-8364-F26AA201ED2D}" dt="2021-05-29T10:59:31.949" v="677" actId="20577"/>
+        <pc:sldMkLst>
+          <pc:docMk/>
+          <pc:sldMk cId="612312395" sldId="344"/>
+        </pc:sldMkLst>
+        <pc:spChg chg="add mod">
+          <ac:chgData name="MUSA SADAK" userId="9e184e14-c669-48c0-b1bc-f5bb4059974e" providerId="ADAL" clId="{36B6FE06-82AC-4048-8364-F26AA201ED2D}" dt="2021-05-29T07:44:19.363" v="143" actId="166"/>
+          <ac:spMkLst>
+            <pc:docMk/>
+            <pc:sldMk cId="612312395" sldId="344"/>
+            <ac:spMk id="13" creationId="{E48A215A-ACB6-3A4E-AAB1-A69E9A7A6676}"/>
+          </ac:spMkLst>
+        </pc:spChg>
+        <pc:spChg chg="add del mod">
+          <ac:chgData name="MUSA SADAK" userId="9e184e14-c669-48c0-b1bc-f5bb4059974e" providerId="ADAL" clId="{36B6FE06-82AC-4048-8364-F26AA201ED2D}" dt="2021-05-29T07:44:12.522" v="142"/>
+          <ac:spMkLst>
+            <pc:docMk/>
+            <pc:sldMk cId="612312395" sldId="344"/>
+            <ac:spMk id="14" creationId="{4CD4605A-114D-7845-BA8E-BDAED499C3F4}"/>
+          </ac:spMkLst>
+        </pc:spChg>
+        <pc:spChg chg="add mod">
+          <ac:chgData name="MUSA SADAK" userId="9e184e14-c669-48c0-b1bc-f5bb4059974e" providerId="ADAL" clId="{36B6FE06-82AC-4048-8364-F26AA201ED2D}" dt="2021-05-29T10:59:31.949" v="677" actId="20577"/>
+          <ac:spMkLst>
+            <pc:docMk/>
+            <pc:sldMk cId="612312395" sldId="344"/>
+            <ac:spMk id="14" creationId="{DE494558-B9BD-4540-A474-FDBF5DFA37F4}"/>
+          </ac:spMkLst>
+        </pc:spChg>
+        <pc:spChg chg="mod">
+          <ac:chgData name="MUSA SADAK" userId="9e184e14-c669-48c0-b1bc-f5bb4059974e" providerId="ADAL" clId="{36B6FE06-82AC-4048-8364-F26AA201ED2D}" dt="2021-05-29T07:43:56.815" v="135" actId="21"/>
+          <ac:spMkLst>
+            <pc:docMk/>
+            <pc:sldMk cId="612312395" sldId="344"/>
+            <ac:spMk id="17410" creationId="{00000000-0000-0000-0000-000000000000}"/>
+          </ac:spMkLst>
+        </pc:spChg>
+        <pc:graphicFrameChg chg="add mod modGraphic">
+          <ac:chgData name="MUSA SADAK" userId="9e184e14-c669-48c0-b1bc-f5bb4059974e" providerId="ADAL" clId="{36B6FE06-82AC-4048-8364-F26AA201ED2D}" dt="2021-05-29T10:55:06.685" v="624" actId="20577"/>
+          <ac:graphicFrameMkLst>
+            <pc:docMk/>
+            <pc:sldMk cId="612312395" sldId="344"/>
+            <ac:graphicFrameMk id="15" creationId="{EF5F2210-15BF-1242-905A-F222BF8B2654}"/>
+          </ac:graphicFrameMkLst>
+        </pc:graphicFrameChg>
+        <pc:picChg chg="mod">
+          <ac:chgData name="MUSA SADAK" userId="9e184e14-c669-48c0-b1bc-f5bb4059974e" providerId="ADAL" clId="{36B6FE06-82AC-4048-8364-F26AA201ED2D}" dt="2021-05-29T07:43:46.716" v="133" actId="1076"/>
+          <ac:picMkLst>
+            <pc:docMk/>
+            <pc:sldMk cId="612312395" sldId="344"/>
+            <ac:picMk id="10" creationId="{00000000-0000-0000-0000-000000000000}"/>
+          </ac:picMkLst>
+        </pc:picChg>
+      </pc:sldChg>
+      <pc:sldChg chg="modSp add mod">
+        <pc:chgData name="MUSA SADAK" userId="9e184e14-c669-48c0-b1bc-f5bb4059974e" providerId="ADAL" clId="{36B6FE06-82AC-4048-8364-F26AA201ED2D}" dt="2021-05-29T07:54:49.485" v="484" actId="20577"/>
+        <pc:sldMkLst>
+          <pc:docMk/>
+          <pc:sldMk cId="4048988903" sldId="345"/>
+        </pc:sldMkLst>
+        <pc:spChg chg="mod">
+          <ac:chgData name="MUSA SADAK" userId="9e184e14-c669-48c0-b1bc-f5bb4059974e" providerId="ADAL" clId="{36B6FE06-82AC-4048-8364-F26AA201ED2D}" dt="2021-05-29T07:54:49.485" v="484" actId="20577"/>
+          <ac:spMkLst>
+            <pc:docMk/>
+            <pc:sldMk cId="4048988903" sldId="345"/>
             <ac:spMk id="17410" creationId="{00000000-0000-0000-0000-000000000000}"/>
           </ac:spMkLst>
         </pc:spChg>
@@ -2573,6 +2683,174 @@
 </inkml:ink>
 </file>
 
+<file path=ppt/ink/ink164.xml><?xml version="1.0" encoding="utf-8"?>
+<inkml:ink xmlns:inkml="http://www.w3.org/2003/InkML">
+  <inkml:definitions>
+    <inkml:context xml:id="ctx0">
+      <inkml:inkSource xml:id="inkSrc0">
+        <inkml:traceFormat>
+          <inkml:channel name="X" type="integer" min="-2.14748E9" max="2.14748E9" units="cm"/>
+          <inkml:channel name="Y" type="integer" min="-2.14748E9" max="2.14748E9" units="cm"/>
+          <inkml:channel name="F" type="integer" max="32767" units="dev"/>
+        </inkml:traceFormat>
+        <inkml:channelProperties>
+          <inkml:channelProperty channel="X" name="resolution" value="1000" units="1/cm"/>
+          <inkml:channelProperty channel="Y" name="resolution" value="1000" units="1/cm"/>
+          <inkml:channelProperty channel="F" name="resolution" value="0" units="1/dev"/>
+        </inkml:channelProperties>
+      </inkml:inkSource>
+      <inkml:timestamp xml:id="ts0" timeString="2020-06-05T13:12:06.393"/>
+    </inkml:context>
+    <inkml:brush xml:id="br0">
+      <inkml:brushProperty name="width" value="0.35" units="cm"/>
+      <inkml:brushProperty name="height" value="0.35" units="cm"/>
+      <inkml:brushProperty name="color" value="#7D110C"/>
+    </inkml:brush>
+  </inkml:definitions>
+  <inkml:trace contextRef="#ctx0" brushRef="#br0">109 0 24575,'42'0'0,"5"0"0,-10 0 0,40 0 0,-14 0 0,-9 3 0,2-1 0,33 0 0,-12 6 0,-9-4 0,-12 5 0,2-1 0,5 1 0,-13-1 0,-3 0 0,-9-3 0,0-2 0,-3 0 0,-8-2 0,4 2 0,-5-3 0,-1 0 0,-3 0 0,-1 0 0,-4 0 0,0 0 0,-3 0 0,-1 0 0,-3 3 0,3-3 0,2 2 0,2 1 0,2-3 0,-2 3 0,0-3 0,4 3 0,-3-2 0,7 2 0,-3-1 0,4-1 0,0 2 0,5-3 0,6 0 0,6 0 0,5 4 0,-9-3 0,7 6 0,-1-6 0,5 6 0,5-3 0,7 1 0,-20-2 0,30 2 0,-24-4 0,10 3 0,15 1 0,-29-4 0,29 8 0,-22-8 0,11 6 0,-5-2 0,-2 3 0,10 1 0,-12-1 0,12 0 0,-22-1 0,17 2 0,-23-5 0,22 4 0,-21-3 0,11 3 0,-5 0 0,-2-1 0,-6 1 0,1-1 0,-1 0 0,1 0 0,0 1 0,-1-1 0,12-3 0,-13-1 0,12-3 0,-15 0 0,4 0 0,1 0 0,-1 0 0,1 0 0,-1 0 0,6 0 0,-4 0 0,-1 0 0,-2 0 0,-3 0 0,0 0 0,11 0 0,-10 0 0,10 0 0,-6 0 0,-1 0 0,1 0 0,0 0 0,-1 0 0,-4 0 0,-1 0 0,-5 0 0,0 0 0,-4-2 0,3 1 0,-7-4 0,7 4 0,-7-1 0,3-1 0,-4 3 0,0-3 0,1 3 0,-5 0 0,4 0 0,-3 0 0,3 0 0,0 0 0,0 0 0,0 0 0,0 0 0,4 0 0,-3 0 0,3 0 0,8 0 0,-5 0 0,6 0 0,-5 0 0,-7 0 0,3 0 0,0 0 0,-2 0 0,2 0 0,0 0 0,-3 0 0,7 0 0,2 0 0,0 0 0,8-3 0,-3 2 0,5-5 0,-5 5 0,3-2 0,-3-1 0,5 3 0,-1-5 0,1 5 0,-1-5 0,6 1 0,-4-2 0,4 2 0,0-2 0,-4 6 0,4-5 0,-10 2 0,3 0 0,9-2 0,-10 5 0,9-5 0,-12 5 0,-4-2 0,3 0 0,-8 2 0,3-4 0,-10 4 0,5-2 0,-9 3 0,2 0 0,-3 0 0,-3 0 0,4 0 0,-3 0 0,3 0 0,-2 0 0,-5 11 0,0-4 0,-4 9 0,-2-9 0,2 2 0,-6 0 0,2 2 0,-2 0 0,1-1 0,-3 3 0,2-2 0,-2 2 0,1 0 0,1-3 0,-2 3 0,1-5 0,2-1 0,-6 2 0,3-4 0,-4 4 0,5-5 0,-2 1 0,1-2 0,-1 1 0,-1-4 0,-3 3 0,2-1 0,-5-2 0,5 3 0,-9-1 0,5-1 0,-10 2 0,3-3 0,0 0 0,-3 0 0,6 0 0,-2 0 0,4 0 0,0 0 0,0 0 0,-1 0 0,-3 0 0,-6 0 0,-5 0 0,4 0 0,-6 0 0,6 0 0,-9 0 0,1 0 0,4 0 0,-4 0 0,9 0 0,-4 0 0,0 0 0,4 0 0,-20 0 0,6 4 0,-20 0 0,5 5 0,-21 1 0,4-5 0,-20 4 0,13-3 0,-14-1 0,15 0 0,-7-1 0,8-3 0,0 3 0,0-4 0,1 0 0,-9 0 0,7 0 0,-14 0 0,5 0 0,2 0-481,-7 0 481,15 0 0,-8 0 0,8 0 0,19 0 0,-2 0 0,12 0 0,-1 0 0,-5 0 0,6 0 481,7 0-481,0 0 0,0 0 0,4 0 0,-4 0 0,5 0 0,1 0 0,-1 0 0,1 0 0,-1 0 0,1 0 0,-1 0 0,-7 0 0,11 0 0,-5 3 0,12-2 0,0 2 0,4-3 0,-3 0 0,7 0 0,-7 0 0,6 0 0,-2 0 0,4 0 0,-4 0 0,3 0 0,-3 0 0,3 0 0,-3 0 0,-1 0 0,-4 0 0,-4 0 0,-2 0 0,-16-4 0,13 3 0,-17-7 0,18 4 0,-13-4 0,9 1 0,-9 2 0,9-1 0,-22 1 0,13 0 0,-15-3 0,0 7 0,4-6 0,-11 6 0,-1-3 0,22 1 0,-17 2 0,25-5 0,-15 5 0,11-6 0,2 6 0,5-2 0,5 3 0,-3 0 0,8 0 0,-4-3 0,5 2 0,0-2 0,0 3 0,-1 0 0,6-2 0,-4 1 0,7-4 0,-4 2 0,5-3 0,3 3 0,-2-2 0,5 2 0,-5 0 0,5-1 0,-5 3 0,5-3 0,-5 1 0,2 0 0,0-2 0,-2 4 0,5-1 0,-10 0 0,10 1 0,-7-4 0,8 5 0,0-5 0,1 5 0,-1-2 0,0-1 0,-2 1 0,2-1 0,-2-1 0,2 3 0,0-1 0,1 2 0,-1 0 0,0 0 0,0 0 0,0 0 0,0 0 0,0 0 0,1 0 0,-4 0 0,2 0 0,-5 0 0,2 0 0,-4 0 0,1 0 0,0 0 0,0 0 0,0 0 0,3 0 0,1 0 0,3 0 0,0 0 0,0 0 0,0 0 0,1 0 0,-3 0 0,4 2 0,-3-2 0,4 4 0,0 1 0,2 4 0,2 1 0,2 0 0,1-2 0,0 2 0,0-2 0,1 5 0,2-6 0,1 4 0,2-5 0,-1 4 0,1-4 0,1 3 0,-1-3 0,3 1 0,-2 1 0,0 3 0,0 0 0,-1 5 0,2-2 0,-1 0 0,1-1 0,3 0 0,-1-3 0,0 4 0,3-4 0,-2 0 0,2 1 0,-3-4 0,0 0 0,0-2 0,-3 0 0,1 1 0,-1 0 0,1-1 0,2-16 0,-5 10 0,3-15 0,-1 13 0,0 1 0,5-4 0,1 3 0,-3 0 0,3 0 0,-3 3 0,0 0 0,0 0 0,-1 0 0,3 0 0,-2 0 0,2 0 0,-5 0 0,2 0 0,3 5 0,-1-2 0,3 4 0,-4-2 0,0 0 0,0-3 0,-3 2 0,6-1 0,-7 1 0,8-1 0,-7 1 0,3-4 0,-1 5 0,1-5 0,0 2 0,3 1 0,-2-3 0,5 3 0,-5-1 0,5-1 0,-5 1 0,2-2 0,0 0 0,-3 2 0,3-2 0,-3 3 0,3-3 0,-2 0 0,5 0 0,-5 0 0,2 0 0,-4 0 0,-1 0 0,5 0 0,-7 0 0,8 0 0,-5 0 0,1 0 0,2 0 0,-3 0 0,1 0 0,0 0 0,0 0 0,-1 0 0,1 0 0,0-3 0,0 3 0,0-2 0,3-1 0,-3 3 0,10-6 0,-5 3 0,10-1 0,-7-1 0,7 2 0,-3-3 0,4-1 0,0 3 0,0-1 0,0 1 0,0 0 0,0-1 0,0 1 0,4-3 0,-6 1 0,10 2 0,-6-2 0,9 2 0,5-4 0,-4 1 0,3-1 0,-4 1 0,-1 0 0,0-1 0,0 1 0,1 0 0,-1-1 0,6 1 0,-4 3 0,4-3 0,-5-1 0,5 4 0,7-7 0,8 6 0,-1-4 0,5 1 0,-4-1 0,-11 4 0,27-4 0,-13 4 0,13 0 0,-8-2 0,-16 2 0,12-4 0,-19 5 0,37-5 0,-29 3 0,27-3 0,-30 4 0,11 1 0,-11 0 0,9-1 0,-1 0 0,-6 2 0,-1-1 0,1 3 0,13-3 0,-20 4 0,30 0 0,-24 0 0,5 0 0,-1 0 0,-7 0 0,0 0 0,8 0 0,-15-3 0,4 2 0,-5-2 0,-5 3 0,3 0 0,-3 0 0,22-4 0,-14 4 0,14-4 0,-18 4 0,6 0 0,-4 0 0,4 0 0,-5 0 0,-1 0 0,-4 0 0,-1 0 0,0 0 0,-4 0 0,3 0 0,-8 0 0,3 0 0,-2 0 0,3 0 0,-4 0 0,3 0 0,-3 0 0,0 0 0,3 0 0,-7 0 0,7 0 0,-7 0 0,3 0 0,-4 0 0,8 0 0,-6 0 0,6 0 0,-8 0 0,-3 0 0,2 0 0,-5 0 0,5 0 0,-5 0 0,2 0 0,-3 2 0,-3-1 0,4 1 0,-4-2 0,4 0 0,-52 7 0,5-5 0,-44 9 0,11-10 0,11 3 0,-17-4 0,17 0 0,-12 0 0,14 0 0,-5 0 0,-9 0 0,10 0 0,-23 0 0,18 0 0,-20 0-500,-3 0 500,37 0 0,0 0 0,-46 0 0,42 0 0,0 0 0,-42 0 0,41 0 0,0 0-492,3 0 0,1 0 491,-5 0 0,0 0 1,-3 0 0,1 0 0,5 0 0,1 0 0,-6 0 0,1 0 0,5 0 0,0 0 0,-3 0 0,-1 0 0,0 2 0,0 1 0,-4-2 0,0-1 0,-2 3 0,1-1 0,-1-1 0,1-2 0,-1 1 0,3 0-295,-25 0 295,-13 0 0,31 0 0,12 0 0,0 0 0,-23 0 0,27 0 0,1 0 0,-14 0 0,-12 0 0,5 0 0,-7 0 0,0 0 0,0 0 0,0 0 468,18 0-468,-6 0 983,15 0-971,-12 0 306,7-3-318,7 2 0,7-3 0,5 4 0,0-3 0,5 2 0,1-2 0,5 3 0,0 0 0,4 0 0,1 0 0,4 0 0,0 0 0,-1 0 0,1 0 0,0 0 0,3 0 0,-2 0 0,1 0 0,0 0 0,4 0 0,2 0 0,2 0 0,-7 0 0,7 0 0,-6 0 0,4 0 0,1 0 0,-1 0 0</inkml:trace>
+</inkml:ink>
+</file>
+
+<file path=ppt/ink/ink165.xml><?xml version="1.0" encoding="utf-8"?>
+<inkml:ink xmlns:inkml="http://www.w3.org/2003/InkML">
+  <inkml:definitions>
+    <inkml:context xml:id="ctx0">
+      <inkml:inkSource xml:id="inkSrc0">
+        <inkml:traceFormat>
+          <inkml:channel name="X" type="integer" min="-2.14748E9" max="2.14748E9" units="cm"/>
+          <inkml:channel name="Y" type="integer" min="-2.14748E9" max="2.14748E9" units="cm"/>
+          <inkml:channel name="F" type="integer" max="32767" units="dev"/>
+        </inkml:traceFormat>
+        <inkml:channelProperties>
+          <inkml:channelProperty channel="X" name="resolution" value="1000" units="1/cm"/>
+          <inkml:channelProperty channel="Y" name="resolution" value="1000" units="1/cm"/>
+          <inkml:channelProperty channel="F" name="resolution" value="0" units="1/dev"/>
+        </inkml:channelProperties>
+      </inkml:inkSource>
+      <inkml:timestamp xml:id="ts0" timeString="2020-06-05T13:12:34.252"/>
+    </inkml:context>
+    <inkml:brush xml:id="br0">
+      <inkml:brushProperty name="width" value="0.35" units="cm"/>
+      <inkml:brushProperty name="height" value="0.35" units="cm"/>
+      <inkml:brushProperty name="color" value="#7D110C"/>
+    </inkml:brush>
+  </inkml:definitions>
+  <inkml:trace contextRef="#ctx0" brushRef="#br0">1 0 24575,'0'0'0</inkml:trace>
+</inkml:ink>
+</file>
+
+<file path=ppt/ink/ink166.xml><?xml version="1.0" encoding="utf-8"?>
+<inkml:ink xmlns:inkml="http://www.w3.org/2003/InkML">
+  <inkml:definitions>
+    <inkml:context xml:id="ctx0">
+      <inkml:inkSource xml:id="inkSrc0">
+        <inkml:traceFormat>
+          <inkml:channel name="X" type="integer" min="-2.14748E9" max="2.14748E9" units="cm"/>
+          <inkml:channel name="Y" type="integer" min="-2.14748E9" max="2.14748E9" units="cm"/>
+          <inkml:channel name="F" type="integer" max="32767" units="dev"/>
+        </inkml:traceFormat>
+        <inkml:channelProperties>
+          <inkml:channelProperty channel="X" name="resolution" value="1000" units="1/cm"/>
+          <inkml:channelProperty channel="Y" name="resolution" value="1000" units="1/cm"/>
+          <inkml:channelProperty channel="F" name="resolution" value="0" units="1/dev"/>
+        </inkml:channelProperties>
+      </inkml:inkSource>
+      <inkml:timestamp xml:id="ts0" timeString="2020-06-05T13:12:36.098"/>
+    </inkml:context>
+    <inkml:brush xml:id="br0">
+      <inkml:brushProperty name="width" value="0.35" units="cm"/>
+      <inkml:brushProperty name="height" value="0.35" units="cm"/>
+      <inkml:brushProperty name="color" value="#7D110C"/>
+    </inkml:brush>
+  </inkml:definitions>
+  <inkml:trace contextRef="#ctx0" brushRef="#br0">0 1 24575,'0'0'0</inkml:trace>
+</inkml:ink>
+</file>
+
+<file path=ppt/ink/ink167.xml><?xml version="1.0" encoding="utf-8"?>
+<inkml:ink xmlns:inkml="http://www.w3.org/2003/InkML">
+  <inkml:definitions>
+    <inkml:context xml:id="ctx0">
+      <inkml:inkSource xml:id="inkSrc0">
+        <inkml:traceFormat>
+          <inkml:channel name="X" type="integer" min="-2.14748E9" max="2.14748E9" units="cm"/>
+          <inkml:channel name="Y" type="integer" min="-2.14748E9" max="2.14748E9" units="cm"/>
+          <inkml:channel name="F" type="integer" max="32767" units="dev"/>
+        </inkml:traceFormat>
+        <inkml:channelProperties>
+          <inkml:channelProperty channel="X" name="resolution" value="1000" units="1/cm"/>
+          <inkml:channelProperty channel="Y" name="resolution" value="1000" units="1/cm"/>
+          <inkml:channelProperty channel="F" name="resolution" value="0" units="1/dev"/>
+        </inkml:channelProperties>
+      </inkml:inkSource>
+      <inkml:timestamp xml:id="ts0" timeString="2020-06-05T13:12:36.260"/>
+    </inkml:context>
+    <inkml:brush xml:id="br0">
+      <inkml:brushProperty name="width" value="0.35" units="cm"/>
+      <inkml:brushProperty name="height" value="0.35" units="cm"/>
+      <inkml:brushProperty name="color" value="#7D110C"/>
+    </inkml:brush>
+  </inkml:definitions>
+  <inkml:trace contextRef="#ctx0" brushRef="#br0">0 1 24575,'0'0'0</inkml:trace>
+</inkml:ink>
+</file>
+
+<file path=ppt/ink/ink168.xml><?xml version="1.0" encoding="utf-8"?>
+<inkml:ink xmlns:inkml="http://www.w3.org/2003/InkML">
+  <inkml:definitions>
+    <inkml:context xml:id="ctx0">
+      <inkml:inkSource xml:id="inkSrc0">
+        <inkml:traceFormat>
+          <inkml:channel name="X" type="integer" min="-2.14748E9" max="2.14748E9" units="cm"/>
+          <inkml:channel name="Y" type="integer" min="-2.14748E9" max="2.14748E9" units="cm"/>
+          <inkml:channel name="F" type="integer" max="32767" units="dev"/>
+        </inkml:traceFormat>
+        <inkml:channelProperties>
+          <inkml:channelProperty channel="X" name="resolution" value="1000" units="1/cm"/>
+          <inkml:channelProperty channel="Y" name="resolution" value="1000" units="1/cm"/>
+          <inkml:channelProperty channel="F" name="resolution" value="0" units="1/dev"/>
+        </inkml:channelProperties>
+      </inkml:inkSource>
+      <inkml:timestamp xml:id="ts0" timeString="2020-06-05T13:12:36.479"/>
+    </inkml:context>
+    <inkml:brush xml:id="br0">
+      <inkml:brushProperty name="width" value="0.35" units="cm"/>
+      <inkml:brushProperty name="height" value="0.35" units="cm"/>
+      <inkml:brushProperty name="color" value="#7D110C"/>
+    </inkml:brush>
+  </inkml:definitions>
+  <inkml:trace contextRef="#ctx0" brushRef="#br0">0 1 24575,'0'0'0</inkml:trace>
+</inkml:ink>
+</file>
+
+<file path=ppt/ink/ink169.xml><?xml version="1.0" encoding="utf-8"?>
+<inkml:ink xmlns:inkml="http://www.w3.org/2003/InkML">
+  <inkml:definitions>
+    <inkml:context xml:id="ctx0">
+      <inkml:inkSource xml:id="inkSrc0">
+        <inkml:traceFormat>
+          <inkml:channel name="X" type="integer" min="-2.14748E9" max="2.14748E9" units="cm"/>
+          <inkml:channel name="Y" type="integer" min="-2.14748E9" max="2.14748E9" units="cm"/>
+          <inkml:channel name="F" type="integer" max="32767" units="dev"/>
+        </inkml:traceFormat>
+        <inkml:channelProperties>
+          <inkml:channelProperty channel="X" name="resolution" value="1000" units="1/cm"/>
+          <inkml:channelProperty channel="Y" name="resolution" value="1000" units="1/cm"/>
+          <inkml:channelProperty channel="F" name="resolution" value="0" units="1/dev"/>
+        </inkml:channelProperties>
+      </inkml:inkSource>
+      <inkml:timestamp xml:id="ts0" timeString="2020-06-05T13:12:36.939"/>
+    </inkml:context>
+    <inkml:brush xml:id="br0">
+      <inkml:brushProperty name="width" value="0.35" units="cm"/>
+      <inkml:brushProperty name="height" value="0.35" units="cm"/>
+      <inkml:brushProperty name="color" value="#7D110C"/>
+    </inkml:brush>
+  </inkml:definitions>
+  <inkml:trace contextRef="#ctx0" brushRef="#br0">0 1 24575,'0'0'0</inkml:trace>
+</inkml:ink>
+</file>
+
 <file path=ppt/ink/ink17.xml><?xml version="1.0" encoding="utf-8"?>
 <inkml:ink xmlns:inkml="http://www.w3.org/2003/InkML">
   <inkml:definitions>
@@ -2598,6 +2876,230 @@
     </inkml:brush>
   </inkml:definitions>
   <inkml:trace contextRef="#ctx0" brushRef="#br0">109 0 24575,'42'0'0,"5"0"0,-10 0 0,40 0 0,-14 0 0,-9 3 0,2-1 0,33 0 0,-12 6 0,-9-4 0,-12 5 0,2-1 0,5 1 0,-13-1 0,-3 0 0,-9-3 0,0-2 0,-3 0 0,-8-2 0,4 2 0,-5-3 0,-1 0 0,-3 0 0,-1 0 0,-4 0 0,0 0 0,-3 0 0,-1 0 0,-3 3 0,3-3 0,2 2 0,2 1 0,2-3 0,-2 3 0,0-3 0,4 3 0,-3-2 0,7 2 0,-3-1 0,4-1 0,0 2 0,5-3 0,6 0 0,6 0 0,5 4 0,-9-3 0,7 6 0,-1-6 0,5 6 0,5-3 0,7 1 0,-20-2 0,30 2 0,-24-4 0,10 3 0,15 1 0,-29-4 0,29 8 0,-22-8 0,11 6 0,-5-2 0,-2 3 0,10 1 0,-12-1 0,12 0 0,-22-1 0,17 2 0,-23-5 0,22 4 0,-21-3 0,11 3 0,-5 0 0,-2-1 0,-6 1 0,1-1 0,-1 0 0,1 0 0,0 1 0,-1-1 0,12-3 0,-13-1 0,12-3 0,-15 0 0,4 0 0,1 0 0,-1 0 0,1 0 0,-1 0 0,6 0 0,-4 0 0,-1 0 0,-2 0 0,-3 0 0,0 0 0,11 0 0,-10 0 0,10 0 0,-6 0 0,-1 0 0,1 0 0,0 0 0,-1 0 0,-4 0 0,-1 0 0,-5 0 0,0 0 0,-4-2 0,3 1 0,-7-4 0,7 4 0,-7-1 0,3-1 0,-4 3 0,0-3 0,1 3 0,-5 0 0,4 0 0,-3 0 0,3 0 0,0 0 0,0 0 0,0 0 0,0 0 0,4 0 0,-3 0 0,3 0 0,8 0 0,-5 0 0,6 0 0,-5 0 0,-7 0 0,3 0 0,0 0 0,-2 0 0,2 0 0,0 0 0,-3 0 0,7 0 0,2 0 0,0 0 0,8-3 0,-3 2 0,5-5 0,-5 5 0,3-2 0,-3-1 0,5 3 0,-1-5 0,1 5 0,-1-5 0,6 1 0,-4-2 0,4 2 0,0-2 0,-4 6 0,4-5 0,-10 2 0,3 0 0,9-2 0,-10 5 0,9-5 0,-12 5 0,-4-2 0,3 0 0,-8 2 0,3-4 0,-10 4 0,5-2 0,-9 3 0,2 0 0,-3 0 0,-3 0 0,4 0 0,-3 0 0,3 0 0,-2 0 0,-5 11 0,0-4 0,-4 9 0,-2-9 0,2 2 0,-6 0 0,2 2 0,-2 0 0,1-1 0,-3 3 0,2-2 0,-2 2 0,1 0 0,1-3 0,-2 3 0,1-5 0,2-1 0,-6 2 0,3-4 0,-4 4 0,5-5 0,-2 1 0,1-2 0,-1 1 0,-1-4 0,-3 3 0,2-1 0,-5-2 0,5 3 0,-9-1 0,5-1 0,-10 2 0,3-3 0,0 0 0,-3 0 0,6 0 0,-2 0 0,4 0 0,0 0 0,0 0 0,-1 0 0,-3 0 0,-6 0 0,-5 0 0,4 0 0,-6 0 0,6 0 0,-9 0 0,1 0 0,4 0 0,-4 0 0,9 0 0,-4 0 0,0 0 0,4 0 0,-20 0 0,6 4 0,-20 0 0,5 5 0,-21 1 0,4-5 0,-20 4 0,13-3 0,-14-1 0,15 0 0,-7-1 0,8-3 0,0 3 0,0-4 0,1 0 0,-9 0 0,7 0 0,-14 0 0,5 0 0,2 0-481,-7 0 481,15 0 0,-8 0 0,8 0 0,19 0 0,-2 0 0,12 0 0,-1 0 0,-5 0 0,6 0 481,7 0-481,0 0 0,0 0 0,4 0 0,-4 0 0,5 0 0,1 0 0,-1 0 0,1 0 0,-1 0 0,1 0 0,-1 0 0,-7 0 0,11 0 0,-5 3 0,12-2 0,0 2 0,4-3 0,-3 0 0,7 0 0,-7 0 0,6 0 0,-2 0 0,4 0 0,-4 0 0,3 0 0,-3 0 0,3 0 0,-3 0 0,-1 0 0,-4 0 0,-4 0 0,-2 0 0,-16-4 0,13 3 0,-17-7 0,18 4 0,-13-4 0,9 1 0,-9 2 0,9-1 0,-22 1 0,13 0 0,-15-3 0,0 7 0,4-6 0,-11 6 0,-1-3 0,22 1 0,-17 2 0,25-5 0,-15 5 0,11-6 0,2 6 0,5-2 0,5 3 0,-3 0 0,8 0 0,-4-3 0,5 2 0,0-2 0,0 3 0,-1 0 0,6-2 0,-4 1 0,7-4 0,-4 2 0,5-3 0,3 3 0,-2-2 0,5 2 0,-5 0 0,5-1 0,-5 3 0,5-3 0,-5 1 0,2 0 0,0-2 0,-2 4 0,5-1 0,-10 0 0,10 1 0,-7-4 0,8 5 0,0-5 0,1 5 0,-1-2 0,0-1 0,-2 1 0,2-1 0,-2-1 0,2 3 0,0-1 0,1 2 0,-1 0 0,0 0 0,0 0 0,0 0 0,0 0 0,0 0 0,1 0 0,-4 0 0,2 0 0,-5 0 0,2 0 0,-4 0 0,1 0 0,0 0 0,0 0 0,0 0 0,3 0 0,1 0 0,3 0 0,0 0 0,0 0 0,0 0 0,1 0 0,-3 0 0,4 2 0,-3-2 0,4 4 0,0 1 0,2 4 0,2 1 0,2 0 0,1-2 0,0 2 0,0-2 0,1 5 0,2-6 0,1 4 0,2-5 0,-1 4 0,1-4 0,1 3 0,-1-3 0,3 1 0,-2 1 0,0 3 0,0 0 0,-1 5 0,2-2 0,-1 0 0,1-1 0,3 0 0,-1-3 0,0 4 0,3-4 0,-2 0 0,2 1 0,-3-4 0,0 0 0,0-2 0,-3 0 0,1 1 0,-1 0 0,1-1 0,2-16 0,-5 10 0,3-15 0,-1 13 0,0 1 0,5-4 0,1 3 0,-3 0 0,3 0 0,-3 3 0,0 0 0,0 0 0,-1 0 0,3 0 0,-2 0 0,2 0 0,-5 0 0,2 0 0,3 5 0,-1-2 0,3 4 0,-4-2 0,0 0 0,0-3 0,-3 2 0,6-1 0,-7 1 0,8-1 0,-7 1 0,3-4 0,-1 5 0,1-5 0,0 2 0,3 1 0,-2-3 0,5 3 0,-5-1 0,5-1 0,-5 1 0,2-2 0,0 0 0,-3 2 0,3-2 0,-3 3 0,3-3 0,-2 0 0,5 0 0,-5 0 0,2 0 0,-4 0 0,-1 0 0,5 0 0,-7 0 0,8 0 0,-5 0 0,1 0 0,2 0 0,-3 0 0,1 0 0,0 0 0,0 0 0,-1 0 0,1 0 0,0-3 0,0 3 0,0-2 0,3-1 0,-3 3 0,10-6 0,-5 3 0,10-1 0,-7-1 0,7 2 0,-3-3 0,4-1 0,0 3 0,0-1 0,0 1 0,0 0 0,0-1 0,0 1 0,4-3 0,-6 1 0,10 2 0,-6-2 0,9 2 0,5-4 0,-4 1 0,3-1 0,-4 1 0,-1 0 0,0-1 0,0 1 0,1 0 0,-1-1 0,6 1 0,-4 3 0,4-3 0,-5-1 0,5 4 0,7-7 0,8 6 0,-1-4 0,5 1 0,-4-1 0,-11 4 0,27-4 0,-13 4 0,13 0 0,-8-2 0,-16 2 0,12-4 0,-19 5 0,37-5 0,-29 3 0,27-3 0,-30 4 0,11 1 0,-11 0 0,9-1 0,-1 0 0,-6 2 0,-1-1 0,1 3 0,13-3 0,-20 4 0,30 0 0,-24 0 0,5 0 0,-1 0 0,-7 0 0,0 0 0,8 0 0,-15-3 0,4 2 0,-5-2 0,-5 3 0,3 0 0,-3 0 0,22-4 0,-14 4 0,14-4 0,-18 4 0,6 0 0,-4 0 0,4 0 0,-5 0 0,-1 0 0,-4 0 0,-1 0 0,0 0 0,-4 0 0,3 0 0,-8 0 0,3 0 0,-2 0 0,3 0 0,-4 0 0,3 0 0,-3 0 0,0 0 0,3 0 0,-7 0 0,7 0 0,-7 0 0,3 0 0,-4 0 0,8 0 0,-6 0 0,6 0 0,-8 0 0,-3 0 0,2 0 0,-5 0 0,5 0 0,-5 0 0,2 0 0,-3 2 0,-3-1 0,4 1 0,-4-2 0,4 0 0,-52 7 0,5-5 0,-44 9 0,11-10 0,11 3 0,-17-4 0,17 0 0,-12 0 0,14 0 0,-5 0 0,-9 0 0,10 0 0,-23 0 0,18 0 0,-20 0-500,-3 0 500,37 0 0,0 0 0,-46 0 0,42 0 0,0 0 0,-42 0 0,41 0 0,0 0-492,3 0 0,1 0 491,-5 0 0,0 0 1,-3 0 0,1 0 0,5 0 0,1 0 0,-6 0 0,1 0 0,5 0 0,0 0 0,-3 0 0,-1 0 0,0 2 0,0 1 0,-4-2 0,0-1 0,-2 3 0,1-1 0,-1-1 0,1-2 0,-1 1 0,3 0-295,-25 0 295,-13 0 0,31 0 0,12 0 0,0 0 0,-23 0 0,27 0 0,1 0 0,-14 0 0,-12 0 0,5 0 0,-7 0 0,0 0 0,0 0 0,0 0 468,18 0-468,-6 0 983,15 0-971,-12 0 306,7-3-318,7 2 0,7-3 0,5 4 0,0-3 0,5 2 0,1-2 0,5 3 0,0 0 0,4 0 0,1 0 0,4 0 0,0 0 0,-1 0 0,1 0 0,0 0 0,3 0 0,-2 0 0,1 0 0,0 0 0,4 0 0,2 0 0,2 0 0,-7 0 0,7 0 0,-6 0 0,4 0 0,1 0 0,-1 0 0</inkml:trace>
+</inkml:ink>
+</file>
+
+<file path=ppt/ink/ink170.xml><?xml version="1.0" encoding="utf-8"?>
+<inkml:ink xmlns:inkml="http://www.w3.org/2003/InkML">
+  <inkml:definitions>
+    <inkml:context xml:id="ctx0">
+      <inkml:inkSource xml:id="inkSrc0">
+        <inkml:traceFormat>
+          <inkml:channel name="X" type="integer" min="-2.14748E9" max="2.14748E9" units="cm"/>
+          <inkml:channel name="Y" type="integer" min="-2.14748E9" max="2.14748E9" units="cm"/>
+          <inkml:channel name="F" type="integer" max="32767" units="dev"/>
+        </inkml:traceFormat>
+        <inkml:channelProperties>
+          <inkml:channelProperty channel="X" name="resolution" value="1000" units="1/cm"/>
+          <inkml:channelProperty channel="Y" name="resolution" value="1000" units="1/cm"/>
+          <inkml:channelProperty channel="F" name="resolution" value="0" units="1/dev"/>
+        </inkml:channelProperties>
+      </inkml:inkSource>
+      <inkml:timestamp xml:id="ts0" timeString="2020-06-05T13:12:37.159"/>
+    </inkml:context>
+    <inkml:brush xml:id="br0">
+      <inkml:brushProperty name="width" value="0.35" units="cm"/>
+      <inkml:brushProperty name="height" value="0.35" units="cm"/>
+      <inkml:brushProperty name="color" value="#7D110C"/>
+    </inkml:brush>
+  </inkml:definitions>
+  <inkml:trace contextRef="#ctx0" brushRef="#br0">0 1 24575,'0'0'0</inkml:trace>
+</inkml:ink>
+</file>
+
+<file path=ppt/ink/ink171.xml><?xml version="1.0" encoding="utf-8"?>
+<inkml:ink xmlns:inkml="http://www.w3.org/2003/InkML">
+  <inkml:definitions>
+    <inkml:context xml:id="ctx0">
+      <inkml:inkSource xml:id="inkSrc0">
+        <inkml:traceFormat>
+          <inkml:channel name="X" type="integer" min="-2.14748E9" max="2.14748E9" units="cm"/>
+          <inkml:channel name="Y" type="integer" min="-2.14748E9" max="2.14748E9" units="cm"/>
+          <inkml:channel name="F" type="integer" max="32767" units="dev"/>
+        </inkml:traceFormat>
+        <inkml:channelProperties>
+          <inkml:channelProperty channel="X" name="resolution" value="1000" units="1/cm"/>
+          <inkml:channelProperty channel="Y" name="resolution" value="1000" units="1/cm"/>
+          <inkml:channelProperty channel="F" name="resolution" value="0" units="1/dev"/>
+        </inkml:channelProperties>
+      </inkml:inkSource>
+      <inkml:timestamp xml:id="ts0" timeString="2020-06-05T13:12:06.393"/>
+    </inkml:context>
+    <inkml:brush xml:id="br0">
+      <inkml:brushProperty name="width" value="0.35" units="cm"/>
+      <inkml:brushProperty name="height" value="0.35" units="cm"/>
+      <inkml:brushProperty name="color" value="#7D110C"/>
+    </inkml:brush>
+  </inkml:definitions>
+  <inkml:trace contextRef="#ctx0" brushRef="#br0">109 0 24575,'42'0'0,"5"0"0,-10 0 0,40 0 0,-14 0 0,-9 3 0,2-1 0,33 0 0,-12 6 0,-9-4 0,-12 5 0,2-1 0,5 1 0,-13-1 0,-3 0 0,-9-3 0,0-2 0,-3 0 0,-8-2 0,4 2 0,-5-3 0,-1 0 0,-3 0 0,-1 0 0,-4 0 0,0 0 0,-3 0 0,-1 0 0,-3 3 0,3-3 0,2 2 0,2 1 0,2-3 0,-2 3 0,0-3 0,4 3 0,-3-2 0,7 2 0,-3-1 0,4-1 0,0 2 0,5-3 0,6 0 0,6 0 0,5 4 0,-9-3 0,7 6 0,-1-6 0,5 6 0,5-3 0,7 1 0,-20-2 0,30 2 0,-24-4 0,10 3 0,15 1 0,-29-4 0,29 8 0,-22-8 0,11 6 0,-5-2 0,-2 3 0,10 1 0,-12-1 0,12 0 0,-22-1 0,17 2 0,-23-5 0,22 4 0,-21-3 0,11 3 0,-5 0 0,-2-1 0,-6 1 0,1-1 0,-1 0 0,1 0 0,0 1 0,-1-1 0,12-3 0,-13-1 0,12-3 0,-15 0 0,4 0 0,1 0 0,-1 0 0,1 0 0,-1 0 0,6 0 0,-4 0 0,-1 0 0,-2 0 0,-3 0 0,0 0 0,11 0 0,-10 0 0,10 0 0,-6 0 0,-1 0 0,1 0 0,0 0 0,-1 0 0,-4 0 0,-1 0 0,-5 0 0,0 0 0,-4-2 0,3 1 0,-7-4 0,7 4 0,-7-1 0,3-1 0,-4 3 0,0-3 0,1 3 0,-5 0 0,4 0 0,-3 0 0,3 0 0,0 0 0,0 0 0,0 0 0,0 0 0,4 0 0,-3 0 0,3 0 0,8 0 0,-5 0 0,6 0 0,-5 0 0,-7 0 0,3 0 0,0 0 0,-2 0 0,2 0 0,0 0 0,-3 0 0,7 0 0,2 0 0,0 0 0,8-3 0,-3 2 0,5-5 0,-5 5 0,3-2 0,-3-1 0,5 3 0,-1-5 0,1 5 0,-1-5 0,6 1 0,-4-2 0,4 2 0,0-2 0,-4 6 0,4-5 0,-10 2 0,3 0 0,9-2 0,-10 5 0,9-5 0,-12 5 0,-4-2 0,3 0 0,-8 2 0,3-4 0,-10 4 0,5-2 0,-9 3 0,2 0 0,-3 0 0,-3 0 0,4 0 0,-3 0 0,3 0 0,-2 0 0,-5 11 0,0-4 0,-4 9 0,-2-9 0,2 2 0,-6 0 0,2 2 0,-2 0 0,1-1 0,-3 3 0,2-2 0,-2 2 0,1 0 0,1-3 0,-2 3 0,1-5 0,2-1 0,-6 2 0,3-4 0,-4 4 0,5-5 0,-2 1 0,1-2 0,-1 1 0,-1-4 0,-3 3 0,2-1 0,-5-2 0,5 3 0,-9-1 0,5-1 0,-10 2 0,3-3 0,0 0 0,-3 0 0,6 0 0,-2 0 0,4 0 0,0 0 0,0 0 0,-1 0 0,-3 0 0,-6 0 0,-5 0 0,4 0 0,-6 0 0,6 0 0,-9 0 0,1 0 0,4 0 0,-4 0 0,9 0 0,-4 0 0,0 0 0,4 0 0,-20 0 0,6 4 0,-20 0 0,5 5 0,-21 1 0,4-5 0,-20 4 0,13-3 0,-14-1 0,15 0 0,-7-1 0,8-3 0,0 3 0,0-4 0,1 0 0,-9 0 0,7 0 0,-14 0 0,5 0 0,2 0-481,-7 0 481,15 0 0,-8 0 0,8 0 0,19 0 0,-2 0 0,12 0 0,-1 0 0,-5 0 0,6 0 481,7 0-481,0 0 0,0 0 0,4 0 0,-4 0 0,5 0 0,1 0 0,-1 0 0,1 0 0,-1 0 0,1 0 0,-1 0 0,-7 0 0,11 0 0,-5 3 0,12-2 0,0 2 0,4-3 0,-3 0 0,7 0 0,-7 0 0,6 0 0,-2 0 0,4 0 0,-4 0 0,3 0 0,-3 0 0,3 0 0,-3 0 0,-1 0 0,-4 0 0,-4 0 0,-2 0 0,-16-4 0,13 3 0,-17-7 0,18 4 0,-13-4 0,9 1 0,-9 2 0,9-1 0,-22 1 0,13 0 0,-15-3 0,0 7 0,4-6 0,-11 6 0,-1-3 0,22 1 0,-17 2 0,25-5 0,-15 5 0,11-6 0,2 6 0,5-2 0,5 3 0,-3 0 0,8 0 0,-4-3 0,5 2 0,0-2 0,0 3 0,-1 0 0,6-2 0,-4 1 0,7-4 0,-4 2 0,5-3 0,3 3 0,-2-2 0,5 2 0,-5 0 0,5-1 0,-5 3 0,5-3 0,-5 1 0,2 0 0,0-2 0,-2 4 0,5-1 0,-10 0 0,10 1 0,-7-4 0,8 5 0,0-5 0,1 5 0,-1-2 0,0-1 0,-2 1 0,2-1 0,-2-1 0,2 3 0,0-1 0,1 2 0,-1 0 0,0 0 0,0 0 0,0 0 0,0 0 0,0 0 0,1 0 0,-4 0 0,2 0 0,-5 0 0,2 0 0,-4 0 0,1 0 0,0 0 0,0 0 0,0 0 0,3 0 0,1 0 0,3 0 0,0 0 0,0 0 0,0 0 0,1 0 0,-3 0 0,4 2 0,-3-2 0,4 4 0,0 1 0,2 4 0,2 1 0,2 0 0,1-2 0,0 2 0,0-2 0,1 5 0,2-6 0,1 4 0,2-5 0,-1 4 0,1-4 0,1 3 0,-1-3 0,3 1 0,-2 1 0,0 3 0,0 0 0,-1 5 0,2-2 0,-1 0 0,1-1 0,3 0 0,-1-3 0,0 4 0,3-4 0,-2 0 0,2 1 0,-3-4 0,0 0 0,0-2 0,-3 0 0,1 1 0,-1 0 0,1-1 0,2-16 0,-5 10 0,3-15 0,-1 13 0,0 1 0,5-4 0,1 3 0,-3 0 0,3 0 0,-3 3 0,0 0 0,0 0 0,-1 0 0,3 0 0,-2 0 0,2 0 0,-5 0 0,2 0 0,3 5 0,-1-2 0,3 4 0,-4-2 0,0 0 0,0-3 0,-3 2 0,6-1 0,-7 1 0,8-1 0,-7 1 0,3-4 0,-1 5 0,1-5 0,0 2 0,3 1 0,-2-3 0,5 3 0,-5-1 0,5-1 0,-5 1 0,2-2 0,0 0 0,-3 2 0,3-2 0,-3 3 0,3-3 0,-2 0 0,5 0 0,-5 0 0,2 0 0,-4 0 0,-1 0 0,5 0 0,-7 0 0,8 0 0,-5 0 0,1 0 0,2 0 0,-3 0 0,1 0 0,0 0 0,0 0 0,-1 0 0,1 0 0,0-3 0,0 3 0,0-2 0,3-1 0,-3 3 0,10-6 0,-5 3 0,10-1 0,-7-1 0,7 2 0,-3-3 0,4-1 0,0 3 0,0-1 0,0 1 0,0 0 0,0-1 0,0 1 0,4-3 0,-6 1 0,10 2 0,-6-2 0,9 2 0,5-4 0,-4 1 0,3-1 0,-4 1 0,-1 0 0,0-1 0,0 1 0,1 0 0,-1-1 0,6 1 0,-4 3 0,4-3 0,-5-1 0,5 4 0,7-7 0,8 6 0,-1-4 0,5 1 0,-4-1 0,-11 4 0,27-4 0,-13 4 0,13 0 0,-8-2 0,-16 2 0,12-4 0,-19 5 0,37-5 0,-29 3 0,27-3 0,-30 4 0,11 1 0,-11 0 0,9-1 0,-1 0 0,-6 2 0,-1-1 0,1 3 0,13-3 0,-20 4 0,30 0 0,-24 0 0,5 0 0,-1 0 0,-7 0 0,0 0 0,8 0 0,-15-3 0,4 2 0,-5-2 0,-5 3 0,3 0 0,-3 0 0,22-4 0,-14 4 0,14-4 0,-18 4 0,6 0 0,-4 0 0,4 0 0,-5 0 0,-1 0 0,-4 0 0,-1 0 0,0 0 0,-4 0 0,3 0 0,-8 0 0,3 0 0,-2 0 0,3 0 0,-4 0 0,3 0 0,-3 0 0,0 0 0,3 0 0,-7 0 0,7 0 0,-7 0 0,3 0 0,-4 0 0,8 0 0,-6 0 0,6 0 0,-8 0 0,-3 0 0,2 0 0,-5 0 0,5 0 0,-5 0 0,2 0 0,-3 2 0,-3-1 0,4 1 0,-4-2 0,4 0 0,-52 7 0,5-5 0,-44 9 0,11-10 0,11 3 0,-17-4 0,17 0 0,-12 0 0,14 0 0,-5 0 0,-9 0 0,10 0 0,-23 0 0,18 0 0,-20 0-500,-3 0 500,37 0 0,0 0 0,-46 0 0,42 0 0,0 0 0,-42 0 0,41 0 0,0 0-492,3 0 0,1 0 491,-5 0 0,0 0 1,-3 0 0,1 0 0,5 0 0,1 0 0,-6 0 0,1 0 0,5 0 0,0 0 0,-3 0 0,-1 0 0,0 2 0,0 1 0,-4-2 0,0-1 0,-2 3 0,1-1 0,-1-1 0,1-2 0,-1 1 0,3 0-295,-25 0 295,-13 0 0,31 0 0,12 0 0,0 0 0,-23 0 0,27 0 0,1 0 0,-14 0 0,-12 0 0,5 0 0,-7 0 0,0 0 0,0 0 0,0 0 468,18 0-468,-6 0 983,15 0-971,-12 0 306,7-3-318,7 2 0,7-3 0,5 4 0,0-3 0,5 2 0,1-2 0,5 3 0,0 0 0,4 0 0,1 0 0,4 0 0,0 0 0,-1 0 0,1 0 0,0 0 0,3 0 0,-2 0 0,1 0 0,0 0 0,4 0 0,2 0 0,2 0 0,-7 0 0,7 0 0,-6 0 0,4 0 0,1 0 0,-1 0 0</inkml:trace>
+</inkml:ink>
+</file>
+
+<file path=ppt/ink/ink172.xml><?xml version="1.0" encoding="utf-8"?>
+<inkml:ink xmlns:inkml="http://www.w3.org/2003/InkML">
+  <inkml:definitions>
+    <inkml:context xml:id="ctx0">
+      <inkml:inkSource xml:id="inkSrc0">
+        <inkml:traceFormat>
+          <inkml:channel name="X" type="integer" min="-2.14748E9" max="2.14748E9" units="cm"/>
+          <inkml:channel name="Y" type="integer" min="-2.14748E9" max="2.14748E9" units="cm"/>
+          <inkml:channel name="F" type="integer" max="32767" units="dev"/>
+        </inkml:traceFormat>
+        <inkml:channelProperties>
+          <inkml:channelProperty channel="X" name="resolution" value="1000" units="1/cm"/>
+          <inkml:channelProperty channel="Y" name="resolution" value="1000" units="1/cm"/>
+          <inkml:channelProperty channel="F" name="resolution" value="0" units="1/dev"/>
+        </inkml:channelProperties>
+      </inkml:inkSource>
+      <inkml:timestamp xml:id="ts0" timeString="2020-06-05T13:12:34.252"/>
+    </inkml:context>
+    <inkml:brush xml:id="br0">
+      <inkml:brushProperty name="width" value="0.35" units="cm"/>
+      <inkml:brushProperty name="height" value="0.35" units="cm"/>
+      <inkml:brushProperty name="color" value="#7D110C"/>
+    </inkml:brush>
+  </inkml:definitions>
+  <inkml:trace contextRef="#ctx0" brushRef="#br0">1 0 24575,'0'0'0</inkml:trace>
+</inkml:ink>
+</file>
+
+<file path=ppt/ink/ink173.xml><?xml version="1.0" encoding="utf-8"?>
+<inkml:ink xmlns:inkml="http://www.w3.org/2003/InkML">
+  <inkml:definitions>
+    <inkml:context xml:id="ctx0">
+      <inkml:inkSource xml:id="inkSrc0">
+        <inkml:traceFormat>
+          <inkml:channel name="X" type="integer" min="-2.14748E9" max="2.14748E9" units="cm"/>
+          <inkml:channel name="Y" type="integer" min="-2.14748E9" max="2.14748E9" units="cm"/>
+          <inkml:channel name="F" type="integer" max="32767" units="dev"/>
+        </inkml:traceFormat>
+        <inkml:channelProperties>
+          <inkml:channelProperty channel="X" name="resolution" value="1000" units="1/cm"/>
+          <inkml:channelProperty channel="Y" name="resolution" value="1000" units="1/cm"/>
+          <inkml:channelProperty channel="F" name="resolution" value="0" units="1/dev"/>
+        </inkml:channelProperties>
+      </inkml:inkSource>
+      <inkml:timestamp xml:id="ts0" timeString="2020-06-05T13:12:36.098"/>
+    </inkml:context>
+    <inkml:brush xml:id="br0">
+      <inkml:brushProperty name="width" value="0.35" units="cm"/>
+      <inkml:brushProperty name="height" value="0.35" units="cm"/>
+      <inkml:brushProperty name="color" value="#7D110C"/>
+    </inkml:brush>
+  </inkml:definitions>
+  <inkml:trace contextRef="#ctx0" brushRef="#br0">0 1 24575,'0'0'0</inkml:trace>
+</inkml:ink>
+</file>
+
+<file path=ppt/ink/ink174.xml><?xml version="1.0" encoding="utf-8"?>
+<inkml:ink xmlns:inkml="http://www.w3.org/2003/InkML">
+  <inkml:definitions>
+    <inkml:context xml:id="ctx0">
+      <inkml:inkSource xml:id="inkSrc0">
+        <inkml:traceFormat>
+          <inkml:channel name="X" type="integer" min="-2.14748E9" max="2.14748E9" units="cm"/>
+          <inkml:channel name="Y" type="integer" min="-2.14748E9" max="2.14748E9" units="cm"/>
+          <inkml:channel name="F" type="integer" max="32767" units="dev"/>
+        </inkml:traceFormat>
+        <inkml:channelProperties>
+          <inkml:channelProperty channel="X" name="resolution" value="1000" units="1/cm"/>
+          <inkml:channelProperty channel="Y" name="resolution" value="1000" units="1/cm"/>
+          <inkml:channelProperty channel="F" name="resolution" value="0" units="1/dev"/>
+        </inkml:channelProperties>
+      </inkml:inkSource>
+      <inkml:timestamp xml:id="ts0" timeString="2020-06-05T13:12:36.260"/>
+    </inkml:context>
+    <inkml:brush xml:id="br0">
+      <inkml:brushProperty name="width" value="0.35" units="cm"/>
+      <inkml:brushProperty name="height" value="0.35" units="cm"/>
+      <inkml:brushProperty name="color" value="#7D110C"/>
+    </inkml:brush>
+  </inkml:definitions>
+  <inkml:trace contextRef="#ctx0" brushRef="#br0">0 1 24575,'0'0'0</inkml:trace>
+</inkml:ink>
+</file>
+
+<file path=ppt/ink/ink175.xml><?xml version="1.0" encoding="utf-8"?>
+<inkml:ink xmlns:inkml="http://www.w3.org/2003/InkML">
+  <inkml:definitions>
+    <inkml:context xml:id="ctx0">
+      <inkml:inkSource xml:id="inkSrc0">
+        <inkml:traceFormat>
+          <inkml:channel name="X" type="integer" min="-2.14748E9" max="2.14748E9" units="cm"/>
+          <inkml:channel name="Y" type="integer" min="-2.14748E9" max="2.14748E9" units="cm"/>
+          <inkml:channel name="F" type="integer" max="32767" units="dev"/>
+        </inkml:traceFormat>
+        <inkml:channelProperties>
+          <inkml:channelProperty channel="X" name="resolution" value="1000" units="1/cm"/>
+          <inkml:channelProperty channel="Y" name="resolution" value="1000" units="1/cm"/>
+          <inkml:channelProperty channel="F" name="resolution" value="0" units="1/dev"/>
+        </inkml:channelProperties>
+      </inkml:inkSource>
+      <inkml:timestamp xml:id="ts0" timeString="2020-06-05T13:12:36.479"/>
+    </inkml:context>
+    <inkml:brush xml:id="br0">
+      <inkml:brushProperty name="width" value="0.35" units="cm"/>
+      <inkml:brushProperty name="height" value="0.35" units="cm"/>
+      <inkml:brushProperty name="color" value="#7D110C"/>
+    </inkml:brush>
+  </inkml:definitions>
+  <inkml:trace contextRef="#ctx0" brushRef="#br0">0 1 24575,'0'0'0</inkml:trace>
+</inkml:ink>
+</file>
+
+<file path=ppt/ink/ink176.xml><?xml version="1.0" encoding="utf-8"?>
+<inkml:ink xmlns:inkml="http://www.w3.org/2003/InkML">
+  <inkml:definitions>
+    <inkml:context xml:id="ctx0">
+      <inkml:inkSource xml:id="inkSrc0">
+        <inkml:traceFormat>
+          <inkml:channel name="X" type="integer" min="-2.14748E9" max="2.14748E9" units="cm"/>
+          <inkml:channel name="Y" type="integer" min="-2.14748E9" max="2.14748E9" units="cm"/>
+          <inkml:channel name="F" type="integer" max="32767" units="dev"/>
+        </inkml:traceFormat>
+        <inkml:channelProperties>
+          <inkml:channelProperty channel="X" name="resolution" value="1000" units="1/cm"/>
+          <inkml:channelProperty channel="Y" name="resolution" value="1000" units="1/cm"/>
+          <inkml:channelProperty channel="F" name="resolution" value="0" units="1/dev"/>
+        </inkml:channelProperties>
+      </inkml:inkSource>
+      <inkml:timestamp xml:id="ts0" timeString="2020-06-05T13:12:36.939"/>
+    </inkml:context>
+    <inkml:brush xml:id="br0">
+      <inkml:brushProperty name="width" value="0.35" units="cm"/>
+      <inkml:brushProperty name="height" value="0.35" units="cm"/>
+      <inkml:brushProperty name="color" value="#7D110C"/>
+    </inkml:brush>
+  </inkml:definitions>
+  <inkml:trace contextRef="#ctx0" brushRef="#br0">0 1 24575,'0'0'0</inkml:trace>
+</inkml:ink>
+</file>
+
+<file path=ppt/ink/ink177.xml><?xml version="1.0" encoding="utf-8"?>
+<inkml:ink xmlns:inkml="http://www.w3.org/2003/InkML">
+  <inkml:definitions>
+    <inkml:context xml:id="ctx0">
+      <inkml:inkSource xml:id="inkSrc0">
+        <inkml:traceFormat>
+          <inkml:channel name="X" type="integer" min="-2.14748E9" max="2.14748E9" units="cm"/>
+          <inkml:channel name="Y" type="integer" min="-2.14748E9" max="2.14748E9" units="cm"/>
+          <inkml:channel name="F" type="integer" max="32767" units="dev"/>
+        </inkml:traceFormat>
+        <inkml:channelProperties>
+          <inkml:channelProperty channel="X" name="resolution" value="1000" units="1/cm"/>
+          <inkml:channelProperty channel="Y" name="resolution" value="1000" units="1/cm"/>
+          <inkml:channelProperty channel="F" name="resolution" value="0" units="1/dev"/>
+        </inkml:channelProperties>
+      </inkml:inkSource>
+      <inkml:timestamp xml:id="ts0" timeString="2020-06-05T13:12:37.159"/>
+    </inkml:context>
+    <inkml:brush xml:id="br0">
+      <inkml:brushProperty name="width" value="0.35" units="cm"/>
+      <inkml:brushProperty name="height" value="0.35" units="cm"/>
+      <inkml:brushProperty name="color" value="#7D110C"/>
+    </inkml:brush>
+  </inkml:definitions>
+  <inkml:trace contextRef="#ctx0" brushRef="#br0">0 1 24575,'0'0'0</inkml:trace>
 </inkml:ink>
 </file>
 
@@ -6189,7 +6691,7 @@
     </p:spTree>
     <p:extLst>
       <p:ext uri="{BB962C8B-B14F-4D97-AF65-F5344CB8AC3E}">
-        <p14:creationId xmlns:p14="http://schemas.microsoft.com/office/powerpoint/2010/main" val="1302162663"/>
+        <p14:creationId xmlns:p14="http://schemas.microsoft.com/office/powerpoint/2010/main" val="2378664891"/>
       </p:ext>
     </p:extLst>
   </p:cSld>
@@ -6393,7 +6895,7 @@
     </p:spTree>
     <p:extLst>
       <p:ext uri="{BB962C8B-B14F-4D97-AF65-F5344CB8AC3E}">
-        <p14:creationId xmlns:p14="http://schemas.microsoft.com/office/powerpoint/2010/main" val="3211842998"/>
+        <p14:creationId xmlns:p14="http://schemas.microsoft.com/office/powerpoint/2010/main" val="1302162663"/>
       </p:ext>
     </p:extLst>
   </p:cSld>
@@ -6597,7 +7099,7 @@
     </p:spTree>
     <p:extLst>
       <p:ext uri="{BB962C8B-B14F-4D97-AF65-F5344CB8AC3E}">
-        <p14:creationId xmlns:p14="http://schemas.microsoft.com/office/powerpoint/2010/main" val="3524227355"/>
+        <p14:creationId xmlns:p14="http://schemas.microsoft.com/office/powerpoint/2010/main" val="3211842998"/>
       </p:ext>
     </p:extLst>
   </p:cSld>
@@ -6801,7 +7303,7 @@
     </p:spTree>
     <p:extLst>
       <p:ext uri="{BB962C8B-B14F-4D97-AF65-F5344CB8AC3E}">
-        <p14:creationId xmlns:p14="http://schemas.microsoft.com/office/powerpoint/2010/main" val="3721641327"/>
+        <p14:creationId xmlns:p14="http://schemas.microsoft.com/office/powerpoint/2010/main" val="3524227355"/>
       </p:ext>
     </p:extLst>
   </p:cSld>
@@ -7005,7 +7507,7 @@
     </p:spTree>
     <p:extLst>
       <p:ext uri="{BB962C8B-B14F-4D97-AF65-F5344CB8AC3E}">
-        <p14:creationId xmlns:p14="http://schemas.microsoft.com/office/powerpoint/2010/main" val="2385261639"/>
+        <p14:creationId xmlns:p14="http://schemas.microsoft.com/office/powerpoint/2010/main" val="3721641327"/>
       </p:ext>
     </p:extLst>
   </p:cSld>
@@ -7209,7 +7711,7 @@
     </p:spTree>
     <p:extLst>
       <p:ext uri="{BB962C8B-B14F-4D97-AF65-F5344CB8AC3E}">
-        <p14:creationId xmlns:p14="http://schemas.microsoft.com/office/powerpoint/2010/main" val="621087047"/>
+        <p14:creationId xmlns:p14="http://schemas.microsoft.com/office/powerpoint/2010/main" val="2385261639"/>
       </p:ext>
     </p:extLst>
   </p:cSld>
@@ -7413,7 +7915,7 @@
     </p:spTree>
     <p:extLst>
       <p:ext uri="{BB962C8B-B14F-4D97-AF65-F5344CB8AC3E}">
-        <p14:creationId xmlns:p14="http://schemas.microsoft.com/office/powerpoint/2010/main" val="156607472"/>
+        <p14:creationId xmlns:p14="http://schemas.microsoft.com/office/powerpoint/2010/main" val="621087047"/>
       </p:ext>
     </p:extLst>
   </p:cSld>
@@ -7617,7 +8119,7 @@
     </p:spTree>
     <p:extLst>
       <p:ext uri="{BB962C8B-B14F-4D97-AF65-F5344CB8AC3E}">
-        <p14:creationId xmlns:p14="http://schemas.microsoft.com/office/powerpoint/2010/main" val="3870041773"/>
+        <p14:creationId xmlns:p14="http://schemas.microsoft.com/office/powerpoint/2010/main" val="156607472"/>
       </p:ext>
     </p:extLst>
   </p:cSld>
@@ -7821,7 +8323,7 @@
     </p:spTree>
     <p:extLst>
       <p:ext uri="{BB962C8B-B14F-4D97-AF65-F5344CB8AC3E}">
-        <p14:creationId xmlns:p14="http://schemas.microsoft.com/office/powerpoint/2010/main" val="697570787"/>
+        <p14:creationId xmlns:p14="http://schemas.microsoft.com/office/powerpoint/2010/main" val="1949700130"/>
       </p:ext>
     </p:extLst>
   </p:cSld>
@@ -8025,7 +8527,7 @@
     </p:spTree>
     <p:extLst>
       <p:ext uri="{BB962C8B-B14F-4D97-AF65-F5344CB8AC3E}">
-        <p14:creationId xmlns:p14="http://schemas.microsoft.com/office/powerpoint/2010/main" val="1136422106"/>
+        <p14:creationId xmlns:p14="http://schemas.microsoft.com/office/powerpoint/2010/main" val="3870041773"/>
       </p:ext>
     </p:extLst>
   </p:cSld>
@@ -8430,7 +8932,7 @@
     </p:spTree>
     <p:extLst>
       <p:ext uri="{BB962C8B-B14F-4D97-AF65-F5344CB8AC3E}">
-        <p14:creationId xmlns:p14="http://schemas.microsoft.com/office/powerpoint/2010/main" val="3627622116"/>
+        <p14:creationId xmlns:p14="http://schemas.microsoft.com/office/powerpoint/2010/main" val="697570787"/>
       </p:ext>
     </p:extLst>
   </p:cSld>
@@ -8634,7 +9136,7 @@
     </p:spTree>
     <p:extLst>
       <p:ext uri="{BB962C8B-B14F-4D97-AF65-F5344CB8AC3E}">
-        <p14:creationId xmlns:p14="http://schemas.microsoft.com/office/powerpoint/2010/main" val="3980643876"/>
+        <p14:creationId xmlns:p14="http://schemas.microsoft.com/office/powerpoint/2010/main" val="1136422106"/>
       </p:ext>
     </p:extLst>
   </p:cSld>
@@ -8838,7 +9340,7 @@
     </p:spTree>
     <p:extLst>
       <p:ext uri="{BB962C8B-B14F-4D97-AF65-F5344CB8AC3E}">
-        <p14:creationId xmlns:p14="http://schemas.microsoft.com/office/powerpoint/2010/main" val="198279935"/>
+        <p14:creationId xmlns:p14="http://schemas.microsoft.com/office/powerpoint/2010/main" val="3627622116"/>
       </p:ext>
     </p:extLst>
   </p:cSld>
@@ -9042,7 +9544,7 @@
     </p:spTree>
     <p:extLst>
       <p:ext uri="{BB962C8B-B14F-4D97-AF65-F5344CB8AC3E}">
-        <p14:creationId xmlns:p14="http://schemas.microsoft.com/office/powerpoint/2010/main" val="2978423230"/>
+        <p14:creationId xmlns:p14="http://schemas.microsoft.com/office/powerpoint/2010/main" val="3980643876"/>
       </p:ext>
     </p:extLst>
   </p:cSld>
@@ -9246,7 +9748,7 @@
     </p:spTree>
     <p:extLst>
       <p:ext uri="{BB962C8B-B14F-4D97-AF65-F5344CB8AC3E}">
-        <p14:creationId xmlns:p14="http://schemas.microsoft.com/office/powerpoint/2010/main" val="1364997875"/>
+        <p14:creationId xmlns:p14="http://schemas.microsoft.com/office/powerpoint/2010/main" val="198279935"/>
       </p:ext>
     </p:extLst>
   </p:cSld>
@@ -9401,6 +9903,414 @@
               <a:rPr lang="en-US" sz="1200" i="0"/>
               <a:pPr/>
               <a:t>25</a:t>
+            </a:fld>
+            <a:endParaRPr lang="en-US" sz="1200" i="0" dirty="0"/>
+          </a:p>
+        </p:txBody>
+      </p:sp>
+      <p:sp>
+        <p:nvSpPr>
+          <p:cNvPr id="8195" name="Rectangle 2"/>
+          <p:cNvSpPr>
+            <a:spLocks noGrp="1" noRot="1" noChangeAspect="1" noChangeArrowheads="1" noTextEdit="1"/>
+          </p:cNvSpPr>
+          <p:nvPr>
+            <p:ph type="sldImg"/>
+          </p:nvPr>
+        </p:nvSpPr>
+        <p:spPr>
+          <a:ln/>
+        </p:spPr>
+      </p:sp>
+      <p:sp>
+        <p:nvSpPr>
+          <p:cNvPr id="26627" name="Rectangle 3"/>
+          <p:cNvSpPr>
+            <a:spLocks noGrp="1" noChangeArrowheads="1"/>
+          </p:cNvSpPr>
+          <p:nvPr>
+            <p:ph type="body" idx="1"/>
+          </p:nvPr>
+        </p:nvSpPr>
+        <p:spPr>
+          <a:noFill/>
+        </p:spPr>
+        <p:txBody>
+          <a:bodyPr/>
+          <a:lstStyle/>
+          <a:p>
+            <a:pPr eaLnBrk="1" hangingPunct="1"/>
+            <a:r>
+              <a:rPr lang="en-US" dirty="0">
+                <a:ea typeface="ＭＳ Ｐゴシック" charset="0"/>
+              </a:rPr>
+              <a:t>Musa</a:t>
+            </a:r>
+          </a:p>
+        </p:txBody>
+      </p:sp>
+    </p:spTree>
+    <p:extLst>
+      <p:ext uri="{BB962C8B-B14F-4D97-AF65-F5344CB8AC3E}">
+        <p14:creationId xmlns:p14="http://schemas.microsoft.com/office/powerpoint/2010/main" val="2978423230"/>
+      </p:ext>
+    </p:extLst>
+  </p:cSld>
+  <p:clrMapOvr>
+    <a:masterClrMapping/>
+  </p:clrMapOvr>
+</p:notes>
+</file>
+
+<file path=ppt/notesSlides/notesSlide26.xml><?xml version="1.0" encoding="utf-8"?>
+<p:notes xmlns:a="http://schemas.openxmlformats.org/drawingml/2006/main" xmlns:r="http://schemas.openxmlformats.org/officeDocument/2006/relationships" xmlns:p="http://schemas.openxmlformats.org/presentationml/2006/main">
+  <p:cSld>
+    <p:spTree>
+      <p:nvGrpSpPr>
+        <p:cNvPr id="1" name=""/>
+        <p:cNvGrpSpPr/>
+        <p:nvPr/>
+      </p:nvGrpSpPr>
+      <p:grpSpPr>
+        <a:xfrm>
+          <a:off x="0" y="0"/>
+          <a:ext cx="0" cy="0"/>
+          <a:chOff x="0" y="0"/>
+          <a:chExt cx="0" cy="0"/>
+        </a:xfrm>
+      </p:grpSpPr>
+      <p:sp>
+        <p:nvSpPr>
+          <p:cNvPr id="26625" name="Rectangle 7"/>
+          <p:cNvSpPr>
+            <a:spLocks noGrp="1" noChangeArrowheads="1"/>
+          </p:cNvSpPr>
+          <p:nvPr>
+            <p:ph type="sldNum" sz="quarter" idx="5"/>
+          </p:nvPr>
+        </p:nvSpPr>
+        <p:spPr>
+          <a:noFill/>
+        </p:spPr>
+        <p:txBody>
+          <a:bodyPr/>
+          <a:lstStyle>
+            <a:lvl1pPr>
+              <a:defRPr sz="2400" i="1">
+                <a:solidFill>
+                  <a:schemeClr val="tx1"/>
+                </a:solidFill>
+                <a:latin typeface="Arial" charset="0"/>
+                <a:ea typeface="ＭＳ Ｐゴシック" charset="0"/>
+                <a:cs typeface="ＭＳ Ｐゴシック" charset="0"/>
+              </a:defRPr>
+            </a:lvl1pPr>
+            <a:lvl2pPr marL="742950" indent="-285750">
+              <a:defRPr sz="2400" i="1">
+                <a:solidFill>
+                  <a:schemeClr val="tx1"/>
+                </a:solidFill>
+                <a:latin typeface="Arial" charset="0"/>
+                <a:ea typeface="ＭＳ Ｐゴシック" charset="0"/>
+              </a:defRPr>
+            </a:lvl2pPr>
+            <a:lvl3pPr marL="1143000" indent="-228600">
+              <a:defRPr sz="2400" i="1">
+                <a:solidFill>
+                  <a:schemeClr val="tx1"/>
+                </a:solidFill>
+                <a:latin typeface="Arial" charset="0"/>
+                <a:ea typeface="ＭＳ Ｐゴシック" charset="0"/>
+              </a:defRPr>
+            </a:lvl3pPr>
+            <a:lvl4pPr marL="1600200" indent="-228600">
+              <a:defRPr sz="2400" i="1">
+                <a:solidFill>
+                  <a:schemeClr val="tx1"/>
+                </a:solidFill>
+                <a:latin typeface="Arial" charset="0"/>
+                <a:ea typeface="ＭＳ Ｐゴシック" charset="0"/>
+              </a:defRPr>
+            </a:lvl4pPr>
+            <a:lvl5pPr marL="2057400" indent="-228600">
+              <a:defRPr sz="2400" i="1">
+                <a:solidFill>
+                  <a:schemeClr val="tx1"/>
+                </a:solidFill>
+                <a:latin typeface="Arial" charset="0"/>
+                <a:ea typeface="ＭＳ Ｐゴシック" charset="0"/>
+              </a:defRPr>
+            </a:lvl5pPr>
+            <a:lvl6pPr marL="2514600" indent="-228600" eaLnBrk="0" fontAlgn="base" hangingPunct="0">
+              <a:spcBef>
+                <a:spcPct val="0"/>
+              </a:spcBef>
+              <a:spcAft>
+                <a:spcPct val="0"/>
+              </a:spcAft>
+              <a:defRPr sz="2400" i="1">
+                <a:solidFill>
+                  <a:schemeClr val="tx1"/>
+                </a:solidFill>
+                <a:latin typeface="Arial" charset="0"/>
+                <a:ea typeface="ＭＳ Ｐゴシック" charset="0"/>
+              </a:defRPr>
+            </a:lvl6pPr>
+            <a:lvl7pPr marL="2971800" indent="-228600" eaLnBrk="0" fontAlgn="base" hangingPunct="0">
+              <a:spcBef>
+                <a:spcPct val="0"/>
+              </a:spcBef>
+              <a:spcAft>
+                <a:spcPct val="0"/>
+              </a:spcAft>
+              <a:defRPr sz="2400" i="1">
+                <a:solidFill>
+                  <a:schemeClr val="tx1"/>
+                </a:solidFill>
+                <a:latin typeface="Arial" charset="0"/>
+                <a:ea typeface="ＭＳ Ｐゴシック" charset="0"/>
+              </a:defRPr>
+            </a:lvl7pPr>
+            <a:lvl8pPr marL="3429000" indent="-228600" eaLnBrk="0" fontAlgn="base" hangingPunct="0">
+              <a:spcBef>
+                <a:spcPct val="0"/>
+              </a:spcBef>
+              <a:spcAft>
+                <a:spcPct val="0"/>
+              </a:spcAft>
+              <a:defRPr sz="2400" i="1">
+                <a:solidFill>
+                  <a:schemeClr val="tx1"/>
+                </a:solidFill>
+                <a:latin typeface="Arial" charset="0"/>
+                <a:ea typeface="ＭＳ Ｐゴシック" charset="0"/>
+              </a:defRPr>
+            </a:lvl8pPr>
+            <a:lvl9pPr marL="3886200" indent="-228600" eaLnBrk="0" fontAlgn="base" hangingPunct="0">
+              <a:spcBef>
+                <a:spcPct val="0"/>
+              </a:spcBef>
+              <a:spcAft>
+                <a:spcPct val="0"/>
+              </a:spcAft>
+              <a:defRPr sz="2400" i="1">
+                <a:solidFill>
+                  <a:schemeClr val="tx1"/>
+                </a:solidFill>
+                <a:latin typeface="Arial" charset="0"/>
+                <a:ea typeface="ＭＳ Ｐゴシック" charset="0"/>
+              </a:defRPr>
+            </a:lvl9pPr>
+          </a:lstStyle>
+          <a:p>
+            <a:fld id="{98F9C425-F9B8-474A-BF3C-49DE14D11B41}" type="slidenum">
+              <a:rPr lang="en-US" sz="1200" i="0"/>
+              <a:pPr/>
+              <a:t>26</a:t>
+            </a:fld>
+            <a:endParaRPr lang="en-US" sz="1200" i="0" dirty="0"/>
+          </a:p>
+        </p:txBody>
+      </p:sp>
+      <p:sp>
+        <p:nvSpPr>
+          <p:cNvPr id="8195" name="Rectangle 2"/>
+          <p:cNvSpPr>
+            <a:spLocks noGrp="1" noRot="1" noChangeAspect="1" noChangeArrowheads="1" noTextEdit="1"/>
+          </p:cNvSpPr>
+          <p:nvPr>
+            <p:ph type="sldImg"/>
+          </p:nvPr>
+        </p:nvSpPr>
+        <p:spPr>
+          <a:ln/>
+        </p:spPr>
+      </p:sp>
+      <p:sp>
+        <p:nvSpPr>
+          <p:cNvPr id="26627" name="Rectangle 3"/>
+          <p:cNvSpPr>
+            <a:spLocks noGrp="1" noChangeArrowheads="1"/>
+          </p:cNvSpPr>
+          <p:nvPr>
+            <p:ph type="body" idx="1"/>
+          </p:nvPr>
+        </p:nvSpPr>
+        <p:spPr>
+          <a:noFill/>
+        </p:spPr>
+        <p:txBody>
+          <a:bodyPr/>
+          <a:lstStyle/>
+          <a:p>
+            <a:pPr eaLnBrk="1" hangingPunct="1"/>
+            <a:r>
+              <a:rPr lang="en-US" dirty="0">
+                <a:ea typeface="ＭＳ Ｐゴシック" charset="0"/>
+              </a:rPr>
+              <a:t>Musa</a:t>
+            </a:r>
+          </a:p>
+        </p:txBody>
+      </p:sp>
+    </p:spTree>
+    <p:extLst>
+      <p:ext uri="{BB962C8B-B14F-4D97-AF65-F5344CB8AC3E}">
+        <p14:creationId xmlns:p14="http://schemas.microsoft.com/office/powerpoint/2010/main" val="1364997875"/>
+      </p:ext>
+    </p:extLst>
+  </p:cSld>
+  <p:clrMapOvr>
+    <a:masterClrMapping/>
+  </p:clrMapOvr>
+</p:notes>
+</file>
+
+<file path=ppt/notesSlides/notesSlide27.xml><?xml version="1.0" encoding="utf-8"?>
+<p:notes xmlns:a="http://schemas.openxmlformats.org/drawingml/2006/main" xmlns:r="http://schemas.openxmlformats.org/officeDocument/2006/relationships" xmlns:p="http://schemas.openxmlformats.org/presentationml/2006/main">
+  <p:cSld>
+    <p:spTree>
+      <p:nvGrpSpPr>
+        <p:cNvPr id="1" name=""/>
+        <p:cNvGrpSpPr/>
+        <p:nvPr/>
+      </p:nvGrpSpPr>
+      <p:grpSpPr>
+        <a:xfrm>
+          <a:off x="0" y="0"/>
+          <a:ext cx="0" cy="0"/>
+          <a:chOff x="0" y="0"/>
+          <a:chExt cx="0" cy="0"/>
+        </a:xfrm>
+      </p:grpSpPr>
+      <p:sp>
+        <p:nvSpPr>
+          <p:cNvPr id="26625" name="Rectangle 7"/>
+          <p:cNvSpPr>
+            <a:spLocks noGrp="1" noChangeArrowheads="1"/>
+          </p:cNvSpPr>
+          <p:nvPr>
+            <p:ph type="sldNum" sz="quarter" idx="5"/>
+          </p:nvPr>
+        </p:nvSpPr>
+        <p:spPr>
+          <a:noFill/>
+        </p:spPr>
+        <p:txBody>
+          <a:bodyPr/>
+          <a:lstStyle>
+            <a:lvl1pPr>
+              <a:defRPr sz="2400" i="1">
+                <a:solidFill>
+                  <a:schemeClr val="tx1"/>
+                </a:solidFill>
+                <a:latin typeface="Arial" charset="0"/>
+                <a:ea typeface="ＭＳ Ｐゴシック" charset="0"/>
+                <a:cs typeface="ＭＳ Ｐゴシック" charset="0"/>
+              </a:defRPr>
+            </a:lvl1pPr>
+            <a:lvl2pPr marL="742950" indent="-285750">
+              <a:defRPr sz="2400" i="1">
+                <a:solidFill>
+                  <a:schemeClr val="tx1"/>
+                </a:solidFill>
+                <a:latin typeface="Arial" charset="0"/>
+                <a:ea typeface="ＭＳ Ｐゴシック" charset="0"/>
+              </a:defRPr>
+            </a:lvl2pPr>
+            <a:lvl3pPr marL="1143000" indent="-228600">
+              <a:defRPr sz="2400" i="1">
+                <a:solidFill>
+                  <a:schemeClr val="tx1"/>
+                </a:solidFill>
+                <a:latin typeface="Arial" charset="0"/>
+                <a:ea typeface="ＭＳ Ｐゴシック" charset="0"/>
+              </a:defRPr>
+            </a:lvl3pPr>
+            <a:lvl4pPr marL="1600200" indent="-228600">
+              <a:defRPr sz="2400" i="1">
+                <a:solidFill>
+                  <a:schemeClr val="tx1"/>
+                </a:solidFill>
+                <a:latin typeface="Arial" charset="0"/>
+                <a:ea typeface="ＭＳ Ｐゴシック" charset="0"/>
+              </a:defRPr>
+            </a:lvl4pPr>
+            <a:lvl5pPr marL="2057400" indent="-228600">
+              <a:defRPr sz="2400" i="1">
+                <a:solidFill>
+                  <a:schemeClr val="tx1"/>
+                </a:solidFill>
+                <a:latin typeface="Arial" charset="0"/>
+                <a:ea typeface="ＭＳ Ｐゴシック" charset="0"/>
+              </a:defRPr>
+            </a:lvl5pPr>
+            <a:lvl6pPr marL="2514600" indent="-228600" eaLnBrk="0" fontAlgn="base" hangingPunct="0">
+              <a:spcBef>
+                <a:spcPct val="0"/>
+              </a:spcBef>
+              <a:spcAft>
+                <a:spcPct val="0"/>
+              </a:spcAft>
+              <a:defRPr sz="2400" i="1">
+                <a:solidFill>
+                  <a:schemeClr val="tx1"/>
+                </a:solidFill>
+                <a:latin typeface="Arial" charset="0"/>
+                <a:ea typeface="ＭＳ Ｐゴシック" charset="0"/>
+              </a:defRPr>
+            </a:lvl6pPr>
+            <a:lvl7pPr marL="2971800" indent="-228600" eaLnBrk="0" fontAlgn="base" hangingPunct="0">
+              <a:spcBef>
+                <a:spcPct val="0"/>
+              </a:spcBef>
+              <a:spcAft>
+                <a:spcPct val="0"/>
+              </a:spcAft>
+              <a:defRPr sz="2400" i="1">
+                <a:solidFill>
+                  <a:schemeClr val="tx1"/>
+                </a:solidFill>
+                <a:latin typeface="Arial" charset="0"/>
+                <a:ea typeface="ＭＳ Ｐゴシック" charset="0"/>
+              </a:defRPr>
+            </a:lvl7pPr>
+            <a:lvl8pPr marL="3429000" indent="-228600" eaLnBrk="0" fontAlgn="base" hangingPunct="0">
+              <a:spcBef>
+                <a:spcPct val="0"/>
+              </a:spcBef>
+              <a:spcAft>
+                <a:spcPct val="0"/>
+              </a:spcAft>
+              <a:defRPr sz="2400" i="1">
+                <a:solidFill>
+                  <a:schemeClr val="tx1"/>
+                </a:solidFill>
+                <a:latin typeface="Arial" charset="0"/>
+                <a:ea typeface="ＭＳ Ｐゴシック" charset="0"/>
+              </a:defRPr>
+            </a:lvl8pPr>
+            <a:lvl9pPr marL="3886200" indent="-228600" eaLnBrk="0" fontAlgn="base" hangingPunct="0">
+              <a:spcBef>
+                <a:spcPct val="0"/>
+              </a:spcBef>
+              <a:spcAft>
+                <a:spcPct val="0"/>
+              </a:spcAft>
+              <a:defRPr sz="2400" i="1">
+                <a:solidFill>
+                  <a:schemeClr val="tx1"/>
+                </a:solidFill>
+                <a:latin typeface="Arial" charset="0"/>
+                <a:ea typeface="ＭＳ Ｐゴシック" charset="0"/>
+              </a:defRPr>
+            </a:lvl9pPr>
+          </a:lstStyle>
+          <a:p>
+            <a:fld id="{98F9C425-F9B8-474A-BF3C-49DE14D11B41}" type="slidenum">
+              <a:rPr lang="en-US" sz="1200" i="0"/>
+              <a:pPr/>
+              <a:t>27</a:t>
             </a:fld>
             <a:endParaRPr lang="en-US" sz="1200" i="0" dirty="0"/>
           </a:p>
@@ -10878,7 +11788,7 @@
     </p:spTree>
     <p:extLst>
       <p:ext uri="{BB962C8B-B14F-4D97-AF65-F5344CB8AC3E}">
-        <p14:creationId xmlns:p14="http://schemas.microsoft.com/office/powerpoint/2010/main" val="2378664891"/>
+        <p14:creationId xmlns:p14="http://schemas.microsoft.com/office/powerpoint/2010/main" val="3542457954"/>
       </p:ext>
     </p:extLst>
   </p:cSld>
@@ -11347,7 +12257,7 @@
               <a:pPr>
                 <a:defRPr/>
               </a:pPr>
-              <a:t>May 28, 2021</a:t>
+              <a:t>May 29, 2021</a:t>
             </a:fld>
             <a:endParaRPr lang="en-US" sz="1400" i="1"/>
           </a:p>
@@ -11527,7 +12437,7 @@
               <a:pPr>
                 <a:defRPr/>
               </a:pPr>
-              <a:t>May 28, 2021</a:t>
+              <a:t>May 29, 2021</a:t>
             </a:fld>
             <a:endParaRPr lang="en-US" sz="1400" i="1"/>
           </a:p>
@@ -11697,7 +12607,7 @@
               <a:pPr>
                 <a:defRPr/>
               </a:pPr>
-              <a:t>May 28, 2021</a:t>
+              <a:t>May 29, 2021</a:t>
             </a:fld>
             <a:endParaRPr lang="en-US" sz="1400" i="1"/>
           </a:p>
@@ -11890,7 +12800,7 @@
               <a:pPr>
                 <a:defRPr/>
               </a:pPr>
-              <a:t>May 28, 2021</a:t>
+              <a:t>May 29, 2021</a:t>
             </a:fld>
             <a:endParaRPr lang="en-US" sz="1400" i="1"/>
           </a:p>
@@ -12177,7 +13087,7 @@
               <a:pPr>
                 <a:defRPr/>
               </a:pPr>
-              <a:t>May 28, 2021</a:t>
+              <a:t>May 29, 2021</a:t>
             </a:fld>
             <a:endParaRPr lang="en-US" sz="1400" i="1"/>
           </a:p>
@@ -12603,7 +13513,7 @@
               <a:pPr>
                 <a:defRPr/>
               </a:pPr>
-              <a:t>May 28, 2021</a:t>
+              <a:t>May 29, 2021</a:t>
             </a:fld>
             <a:endParaRPr lang="en-US" sz="1400" i="1"/>
           </a:p>
@@ -12722,7 +13632,7 @@
               <a:pPr>
                 <a:defRPr/>
               </a:pPr>
-              <a:t>May 28, 2021</a:t>
+              <a:t>May 29, 2021</a:t>
             </a:fld>
             <a:endParaRPr lang="en-US" sz="1400" i="1"/>
           </a:p>
@@ -12819,7 +13729,7 @@
               <a:pPr>
                 <a:defRPr/>
               </a:pPr>
-              <a:t>May 28, 2021</a:t>
+              <a:t>May 29, 2021</a:t>
             </a:fld>
             <a:endParaRPr lang="en-US" sz="1400" i="1"/>
           </a:p>
@@ -13096,7 +14006,7 @@
               <a:pPr>
                 <a:defRPr/>
               </a:pPr>
-              <a:t>May 28, 2021</a:t>
+              <a:t>May 29, 2021</a:t>
             </a:fld>
             <a:endParaRPr lang="en-US" sz="1400" i="1"/>
           </a:p>
@@ -13351,7 +14261,7 @@
               <a:pPr>
                 <a:defRPr/>
               </a:pPr>
-              <a:t>May 28, 2021</a:t>
+              <a:t>May 29, 2021</a:t>
             </a:fld>
             <a:endParaRPr lang="en-US" sz="1400" i="1"/>
           </a:p>
@@ -13793,7 +14703,7 @@
               <a:pPr>
                 <a:defRPr/>
               </a:pPr>
-              <a:t>May 28, 2021</a:t>
+              <a:t>May 29, 2021</a:t>
             </a:fld>
             <a:endParaRPr lang="en-US" sz="1400" i="1"/>
           </a:p>
@@ -14749,251 +15659,14 @@
             </a:endParaRPr>
           </a:p>
           <a:p>
-            <a:pPr marL="0" indent="0" eaLnBrk="1" hangingPunct="1">
-              <a:lnSpc>
-                <a:spcPct val="50000"/>
-              </a:lnSpc>
-              <a:buFontTx/>
-              <a:buNone/>
-            </a:pPr>
-            <a:endParaRPr lang="tr-TR" sz="2000" dirty="0">
-              <a:latin typeface="Palatino Linotype" panose="02040502050505030304" pitchFamily="18" charset="0"/>
-              <a:ea typeface="ＭＳ Ｐゴシック" charset="0"/>
-            </a:endParaRPr>
-          </a:p>
-          <a:p>
-            <a:pPr marL="0" indent="0" eaLnBrk="1" hangingPunct="1">
-              <a:lnSpc>
-                <a:spcPct val="50000"/>
-              </a:lnSpc>
-              <a:buFontTx/>
-              <a:buNone/>
-            </a:pPr>
-            <a:endParaRPr lang="tr-TR" sz="2000" dirty="0">
-              <a:latin typeface="Palatino Linotype" panose="02040502050505030304" pitchFamily="18" charset="0"/>
-              <a:ea typeface="ＭＳ Ｐゴシック" charset="0"/>
-            </a:endParaRPr>
-          </a:p>
-          <a:p>
-            <a:pPr marL="0" indent="0" eaLnBrk="1" hangingPunct="1">
-              <a:lnSpc>
-                <a:spcPct val="50000"/>
-              </a:lnSpc>
-              <a:buFontTx/>
-              <a:buNone/>
-            </a:pPr>
-            <a:endParaRPr lang="tr-TR" sz="2000" dirty="0">
-              <a:latin typeface="Palatino Linotype" panose="02040502050505030304" pitchFamily="18" charset="0"/>
-              <a:ea typeface="ＭＳ Ｐゴシック" charset="0"/>
-            </a:endParaRPr>
-          </a:p>
-          <a:p>
-            <a:pPr marL="0" indent="0" eaLnBrk="1" hangingPunct="1">
-              <a:lnSpc>
-                <a:spcPct val="50000"/>
-              </a:lnSpc>
-              <a:buFontTx/>
-              <a:buNone/>
-            </a:pPr>
-            <a:endParaRPr lang="tr-TR" sz="2000" dirty="0">
-              <a:latin typeface="Palatino Linotype" panose="02040502050505030304" pitchFamily="18" charset="0"/>
-              <a:ea typeface="ＭＳ Ｐゴシック" charset="0"/>
-            </a:endParaRPr>
-          </a:p>
-          <a:p>
-            <a:pPr marL="0" indent="0" eaLnBrk="1" hangingPunct="1">
-              <a:lnSpc>
-                <a:spcPct val="50000"/>
-              </a:lnSpc>
-              <a:buFontTx/>
-              <a:buNone/>
-            </a:pPr>
-            <a:endParaRPr lang="tr-TR" sz="2000" dirty="0">
-              <a:latin typeface="Palatino Linotype" panose="02040502050505030304" pitchFamily="18" charset="0"/>
-              <a:ea typeface="ＭＳ Ｐゴシック" charset="0"/>
-            </a:endParaRPr>
-          </a:p>
-          <a:p>
-            <a:pPr marL="0" indent="0" eaLnBrk="1" hangingPunct="1">
-              <a:lnSpc>
-                <a:spcPct val="50000"/>
-              </a:lnSpc>
-              <a:buFontTx/>
-              <a:buNone/>
-            </a:pPr>
-            <a:endParaRPr lang="tr-TR" sz="2000" dirty="0">
-              <a:latin typeface="Palatino Linotype" panose="02040502050505030304" pitchFamily="18" charset="0"/>
-              <a:ea typeface="ＭＳ Ｐゴシック" charset="0"/>
-            </a:endParaRPr>
-          </a:p>
-          <a:p>
-            <a:pPr marL="0" indent="0" eaLnBrk="1" hangingPunct="1">
-              <a:lnSpc>
-                <a:spcPct val="50000"/>
-              </a:lnSpc>
-              <a:buFontTx/>
-              <a:buNone/>
-            </a:pPr>
-            <a:endParaRPr lang="tr-TR" sz="2000" dirty="0">
-              <a:latin typeface="Palatino Linotype" panose="02040502050505030304" pitchFamily="18" charset="0"/>
-              <a:ea typeface="ＭＳ Ｐゴシック" charset="0"/>
-            </a:endParaRPr>
-          </a:p>
-          <a:p>
-            <a:pPr marL="0" indent="0" eaLnBrk="1" hangingPunct="1">
-              <a:lnSpc>
-                <a:spcPct val="50000"/>
-              </a:lnSpc>
-              <a:buFontTx/>
-              <a:buNone/>
-            </a:pPr>
-            <a:endParaRPr lang="tr-TR" sz="2000" dirty="0">
-              <a:latin typeface="Palatino Linotype" panose="02040502050505030304" pitchFamily="18" charset="0"/>
-              <a:ea typeface="ＭＳ Ｐゴシック" charset="0"/>
-            </a:endParaRPr>
-          </a:p>
-          <a:p>
-            <a:pPr marL="0" indent="0" eaLnBrk="1" hangingPunct="1">
-              <a:lnSpc>
-                <a:spcPct val="50000"/>
-              </a:lnSpc>
-              <a:buFontTx/>
-              <a:buNone/>
-            </a:pPr>
-            <a:endParaRPr lang="tr-TR" sz="2000" dirty="0">
-              <a:latin typeface="Palatino Linotype" panose="02040502050505030304" pitchFamily="18" charset="0"/>
-              <a:ea typeface="ＭＳ Ｐゴシック" charset="0"/>
-            </a:endParaRPr>
-          </a:p>
-          <a:p>
-            <a:pPr marL="0" indent="0" eaLnBrk="1" hangingPunct="1">
-              <a:lnSpc>
-                <a:spcPct val="50000"/>
-              </a:lnSpc>
-              <a:buFontTx/>
-              <a:buNone/>
-            </a:pPr>
-            <a:endParaRPr lang="tr-TR" sz="2000" dirty="0">
-              <a:latin typeface="Palatino Linotype" panose="02040502050505030304" pitchFamily="18" charset="0"/>
-              <a:ea typeface="ＭＳ Ｐゴシック" charset="0"/>
-            </a:endParaRPr>
-          </a:p>
-          <a:p>
-            <a:pPr marL="0" indent="0" eaLnBrk="1" hangingPunct="1">
-              <a:lnSpc>
-                <a:spcPct val="50000"/>
-              </a:lnSpc>
-              <a:buFontTx/>
-              <a:buNone/>
-            </a:pPr>
-            <a:endParaRPr lang="tr-TR" sz="2000" dirty="0">
-              <a:latin typeface="Palatino Linotype" panose="02040502050505030304" pitchFamily="18" charset="0"/>
-              <a:ea typeface="ＭＳ Ｐゴシック" charset="0"/>
-            </a:endParaRPr>
-          </a:p>
-          <a:p>
-            <a:pPr marL="0" indent="0" eaLnBrk="1" hangingPunct="1">
-              <a:lnSpc>
-                <a:spcPct val="50000"/>
-              </a:lnSpc>
-              <a:buFontTx/>
-              <a:buNone/>
-            </a:pPr>
-            <a:endParaRPr lang="tr-TR" sz="2000" dirty="0">
-              <a:latin typeface="Palatino Linotype" panose="02040502050505030304" pitchFamily="18" charset="0"/>
-              <a:ea typeface="ＭＳ Ｐゴシック" charset="0"/>
-            </a:endParaRPr>
-          </a:p>
-          <a:p>
-            <a:pPr marL="0" indent="0" eaLnBrk="1" hangingPunct="1">
-              <a:lnSpc>
-                <a:spcPct val="50000"/>
-              </a:lnSpc>
-              <a:buFontTx/>
-              <a:buNone/>
-            </a:pPr>
-            <a:endParaRPr lang="tr-TR" sz="2000" dirty="0">
-              <a:latin typeface="Palatino Linotype" panose="02040502050505030304" pitchFamily="18" charset="0"/>
-              <a:ea typeface="ＭＳ Ｐゴシック" charset="0"/>
-            </a:endParaRPr>
-          </a:p>
-          <a:p>
-            <a:pPr marL="0" indent="0" eaLnBrk="1" hangingPunct="1">
-              <a:lnSpc>
-                <a:spcPct val="50000"/>
-              </a:lnSpc>
-              <a:buFontTx/>
-              <a:buNone/>
-            </a:pPr>
-            <a:endParaRPr lang="tr-TR" sz="2000" dirty="0">
-              <a:latin typeface="Palatino Linotype" panose="02040502050505030304" pitchFamily="18" charset="0"/>
-              <a:ea typeface="ＭＳ Ｐゴシック" charset="0"/>
-            </a:endParaRPr>
-          </a:p>
-          <a:p>
-            <a:pPr marL="0" indent="0" eaLnBrk="1" hangingPunct="1">
-              <a:lnSpc>
-                <a:spcPct val="50000"/>
-              </a:lnSpc>
-              <a:buFontTx/>
-              <a:buNone/>
-            </a:pPr>
-            <a:endParaRPr lang="tr-TR" sz="2000" dirty="0">
-              <a:latin typeface="Palatino Linotype" panose="02040502050505030304" pitchFamily="18" charset="0"/>
-              <a:ea typeface="ＭＳ Ｐゴシック" charset="0"/>
-            </a:endParaRPr>
-          </a:p>
-          <a:p>
-            <a:pPr marL="0" indent="0" eaLnBrk="1" hangingPunct="1">
-              <a:lnSpc>
-                <a:spcPct val="50000"/>
-              </a:lnSpc>
-              <a:buFontTx/>
-              <a:buNone/>
-            </a:pPr>
-            <a:endParaRPr lang="tr-TR" sz="2000" dirty="0">
-              <a:latin typeface="Palatino Linotype" panose="02040502050505030304" pitchFamily="18" charset="0"/>
-              <a:ea typeface="ＭＳ Ｐゴシック" charset="0"/>
-            </a:endParaRPr>
-          </a:p>
-          <a:p>
-            <a:pPr marL="0" indent="0" eaLnBrk="1" hangingPunct="1">
-              <a:lnSpc>
-                <a:spcPct val="50000"/>
-              </a:lnSpc>
-              <a:buFontTx/>
-              <a:buNone/>
-            </a:pPr>
-            <a:endParaRPr lang="tr-TR" sz="2000" dirty="0">
-              <a:latin typeface="Palatino Linotype" panose="02040502050505030304" pitchFamily="18" charset="0"/>
-              <a:ea typeface="ＭＳ Ｐゴシック" charset="0"/>
-            </a:endParaRPr>
-          </a:p>
-          <a:p>
-            <a:pPr marL="0" indent="0" eaLnBrk="1" hangingPunct="1">
-              <a:lnSpc>
-                <a:spcPct val="50000"/>
-              </a:lnSpc>
-              <a:buFontTx/>
-              <a:buNone/>
-            </a:pPr>
-            <a:endParaRPr lang="tr-TR" sz="2000" dirty="0">
-              <a:latin typeface="Palatino Linotype" panose="02040502050505030304" pitchFamily="18" charset="0"/>
-              <a:ea typeface="ＭＳ Ｐゴシック" charset="0"/>
-            </a:endParaRPr>
-          </a:p>
-          <a:p>
-            <a:pPr marL="0" indent="0" eaLnBrk="1" hangingPunct="1">
-              <a:lnSpc>
-                <a:spcPct val="50000"/>
-              </a:lnSpc>
-              <a:buFontTx/>
-              <a:buNone/>
-            </a:pPr>
-            <a:endParaRPr lang="tr-TR" sz="2000" dirty="0">
-              <a:latin typeface="Palatino Linotype" panose="02040502050505030304" pitchFamily="18" charset="0"/>
-              <a:ea typeface="ＭＳ Ｐゴシック" charset="0"/>
-            </a:endParaRPr>
+            <a:pPr marL="360363" indent="-349250" eaLnBrk="1" hangingPunct="1"/>
+            <a:r>
+              <a:rPr lang="tr-TR" sz="2400" dirty="0">
+                <a:latin typeface="Palatino Linotype" panose="02040502050505030304" pitchFamily="18" charset="0"/>
+                <a:ea typeface="ＭＳ Ｐゴシック" charset="0"/>
+              </a:rPr>
+              <a:t>Eğer buradaki 10 kişi için bulundukları grupları dikkate almadan bir modelleme gerçekleştirirsek:</a:t>
+            </a:r>
           </a:p>
         </p:txBody>
       </p:sp>
@@ -15468,32 +16141,8 @@
         </p:blipFill>
         <p:spPr>
           <a:xfrm>
-            <a:off x="725899" y="340200"/>
+            <a:off x="802099" y="1828800"/>
             <a:ext cx="7692202" cy="3662317"/>
-          </a:xfrm>
-          <a:prstGeom prst="rect">
-            <a:avLst/>
-          </a:prstGeom>
-        </p:spPr>
-      </p:pic>
-      <p:pic>
-        <p:nvPicPr>
-          <p:cNvPr id="10" name="Picture 9"/>
-          <p:cNvPicPr>
-            <a:picLocks noChangeAspect="1"/>
-          </p:cNvPicPr>
-          <p:nvPr/>
-        </p:nvPicPr>
-        <p:blipFill>
-          <a:blip r:embed="rId14"/>
-          <a:stretch>
-            <a:fillRect/>
-          </a:stretch>
-        </p:blipFill>
-        <p:spPr>
-          <a:xfrm>
-            <a:off x="1752600" y="3886200"/>
-            <a:ext cx="5796420" cy="858106"/>
           </a:xfrm>
           <a:prstGeom prst="rect">
             <a:avLst/>
@@ -15502,43 +16151,42 @@
       </p:pic>
       <p:sp>
         <p:nvSpPr>
-          <p:cNvPr id="14" name="TextBox 13"/>
-          <p:cNvSpPr txBox="1"/>
+          <p:cNvPr id="10" name="Rectangle 9">
+            <a:extLst>
+              <a:ext uri="{FF2B5EF4-FFF2-40B4-BE49-F238E27FC236}">
+                <a16:creationId xmlns:a16="http://schemas.microsoft.com/office/drawing/2014/main" id="{5FEB26BA-3D5C-614A-ACA2-98754D65F105}"/>
+              </a:ext>
+            </a:extLst>
+          </p:cNvPr>
+          <p:cNvSpPr/>
           <p:nvPr/>
         </p:nvSpPr>
         <p:spPr>
           <a:xfrm>
-            <a:off x="866326" y="4744306"/>
-            <a:ext cx="7744274" cy="1200329"/>
+            <a:off x="2971800" y="5429548"/>
+            <a:ext cx="2848665" cy="461665"/>
           </a:xfrm>
           <a:prstGeom prst="rect">
             <a:avLst/>
           </a:prstGeom>
-          <a:noFill/>
         </p:spPr>
         <p:txBody>
-          <a:bodyPr wrap="square" rtlCol="0">
+          <a:bodyPr wrap="none">
             <a:spAutoFit/>
           </a:bodyPr>
           <a:lstStyle/>
           <a:p>
             <a:r>
-              <a:rPr lang="tr-TR" i="0" dirty="0">
-                <a:latin typeface="Palatino Linotype" panose="02040502050505030304" pitchFamily="18" charset="0"/>
-              </a:rPr>
-              <a:t>Yorum: açıklayıcı değişken x ile çıktı değişkeni y arasında negatif bir ilişki bulunmakta. </a:t>
-            </a:r>
-            <a:r>
-              <a:rPr lang="tr-TR" i="0" dirty="0" err="1">
-                <a:latin typeface="Palatino Linotype" panose="02040502050505030304" pitchFamily="18" charset="0"/>
-              </a:rPr>
-              <a:t>x’deki</a:t>
-            </a:r>
-            <a:r>
-              <a:rPr lang="tr-TR" i="0" dirty="0">
-                <a:latin typeface="Palatino Linotype" panose="02040502050505030304" pitchFamily="18" charset="0"/>
-              </a:rPr>
-              <a:t> her bir birim artış olduğunda y değerleri .333 azalmakta</a:t>
+              <a:rPr lang="en-TR" i="0" dirty="0"/>
+              <a:t>Y</a:t>
+            </a:r>
+            <a:r>
+              <a:rPr lang="en-TR" i="0" baseline="-25000" dirty="0"/>
+              <a:t>i </a:t>
+            </a:r>
+            <a:r>
+              <a:rPr lang="en-TR" i="0" dirty="0"/>
+              <a:t>= B0 + B1*Xi + ri </a:t>
             </a:r>
           </a:p>
         </p:txBody>
@@ -15546,7 +16194,7 @@
     </p:spTree>
     <p:extLst>
       <p:ext uri="{BB962C8B-B14F-4D97-AF65-F5344CB8AC3E}">
-        <p14:creationId xmlns:p14="http://schemas.microsoft.com/office/powerpoint/2010/main" val="2577344670"/>
+        <p14:creationId xmlns:p14="http://schemas.microsoft.com/office/powerpoint/2010/main" val="113245181"/>
       </p:ext>
     </p:extLst>
   </p:cSld>
@@ -16311,7 +16959,7 @@
       </p:sp>
       <p:pic>
         <p:nvPicPr>
-          <p:cNvPr id="10" name="Picture 9"/>
+          <p:cNvPr id="13" name="Picture 12"/>
           <p:cNvPicPr>
             <a:picLocks noChangeAspect="1"/>
           </p:cNvPicPr>
@@ -16325,7 +16973,31 @@
         </p:blipFill>
         <p:spPr>
           <a:xfrm>
-            <a:off x="1749990" y="533400"/>
+            <a:off x="725899" y="340200"/>
+            <a:ext cx="7692202" cy="3662317"/>
+          </a:xfrm>
+          <a:prstGeom prst="rect">
+            <a:avLst/>
+          </a:prstGeom>
+        </p:spPr>
+      </p:pic>
+      <p:pic>
+        <p:nvPicPr>
+          <p:cNvPr id="10" name="Picture 9"/>
+          <p:cNvPicPr>
+            <a:picLocks noChangeAspect="1"/>
+          </p:cNvPicPr>
+          <p:nvPr/>
+        </p:nvPicPr>
+        <p:blipFill>
+          <a:blip r:embed="rId14"/>
+          <a:stretch>
+            <a:fillRect/>
+          </a:stretch>
+        </p:blipFill>
+        <p:spPr>
+          <a:xfrm>
+            <a:off x="1752600" y="3886200"/>
             <a:ext cx="5796420" cy="858106"/>
           </a:xfrm>
           <a:prstGeom prst="rect">
@@ -16341,8 +17013,8 @@
         </p:nvSpPr>
         <p:spPr>
           <a:xfrm>
-            <a:off x="1066800" y="1337510"/>
-            <a:ext cx="7744274" cy="584775"/>
+            <a:off x="866326" y="4744306"/>
+            <a:ext cx="7744274" cy="1200329"/>
           </a:xfrm>
           <a:prstGeom prst="rect">
             <a:avLst/>
@@ -16356,19 +17028,19 @@
           <a:lstStyle/>
           <a:p>
             <a:r>
-              <a:rPr lang="tr-TR" sz="1600" i="0" dirty="0">
+              <a:rPr lang="tr-TR" i="0" dirty="0">
                 <a:latin typeface="Palatino Linotype" panose="02040502050505030304" pitchFamily="18" charset="0"/>
               </a:rPr>
               <a:t>Yorum: açıklayıcı değişken x ile çıktı değişkeni y arasında negatif bir ilişki bulunmakta. </a:t>
             </a:r>
             <a:r>
-              <a:rPr lang="tr-TR" sz="1600" i="0" dirty="0" err="1">
+              <a:rPr lang="tr-TR" i="0" dirty="0" err="1">
                 <a:latin typeface="Palatino Linotype" panose="02040502050505030304" pitchFamily="18" charset="0"/>
               </a:rPr>
               <a:t>x’deki</a:t>
             </a:r>
             <a:r>
-              <a:rPr lang="tr-TR" sz="1600" i="0" dirty="0">
+              <a:rPr lang="tr-TR" i="0" dirty="0">
                 <a:latin typeface="Palatino Linotype" panose="02040502050505030304" pitchFamily="18" charset="0"/>
               </a:rPr>
               <a:t> her bir birim artış olduğunda y değerleri .333 azalmakta</a:t>
@@ -16376,34 +17048,10 @@
           </a:p>
         </p:txBody>
       </p:sp>
-      <p:pic>
-        <p:nvPicPr>
-          <p:cNvPr id="15" name="Picture 14"/>
-          <p:cNvPicPr>
-            <a:picLocks noChangeAspect="1"/>
-          </p:cNvPicPr>
-          <p:nvPr/>
-        </p:nvPicPr>
-        <p:blipFill>
-          <a:blip r:embed="rId14"/>
-          <a:stretch>
-            <a:fillRect/>
-          </a:stretch>
-        </p:blipFill>
-        <p:spPr>
-          <a:xfrm>
-            <a:off x="1344897" y="2004701"/>
-            <a:ext cx="6201513" cy="4061712"/>
-          </a:xfrm>
-          <a:prstGeom prst="rect">
-            <a:avLst/>
-          </a:prstGeom>
-        </p:spPr>
-      </p:pic>
     </p:spTree>
     <p:extLst>
       <p:ext uri="{BB962C8B-B14F-4D97-AF65-F5344CB8AC3E}">
-        <p14:creationId xmlns:p14="http://schemas.microsoft.com/office/powerpoint/2010/main" val="3542425290"/>
+        <p14:creationId xmlns:p14="http://schemas.microsoft.com/office/powerpoint/2010/main" val="2577344670"/>
       </p:ext>
     </p:extLst>
   </p:cSld>
@@ -16463,14 +17111,251 @@
             </a:endParaRPr>
           </a:p>
           <a:p>
-            <a:pPr marL="360363" indent="-349250" eaLnBrk="1" hangingPunct="1"/>
-            <a:r>
-              <a:rPr lang="tr-TR" sz="2400" dirty="0">
-                <a:latin typeface="Palatino Linotype" panose="02040502050505030304" pitchFamily="18" charset="0"/>
-                <a:ea typeface="ＭＳ Ｐゴシック" charset="0"/>
-              </a:rPr>
-              <a:t>Şimdi de aynı veriyi kişileri dikkate almadan sadece bulundukları gruplar açısından inceleyelim:</a:t>
-            </a:r>
+            <a:pPr marL="0" indent="0" eaLnBrk="1" hangingPunct="1">
+              <a:lnSpc>
+                <a:spcPct val="50000"/>
+              </a:lnSpc>
+              <a:buFontTx/>
+              <a:buNone/>
+            </a:pPr>
+            <a:endParaRPr lang="tr-TR" sz="2000" dirty="0">
+              <a:latin typeface="Palatino Linotype" panose="02040502050505030304" pitchFamily="18" charset="0"/>
+              <a:ea typeface="ＭＳ Ｐゴシック" charset="0"/>
+            </a:endParaRPr>
+          </a:p>
+          <a:p>
+            <a:pPr marL="0" indent="0" eaLnBrk="1" hangingPunct="1">
+              <a:lnSpc>
+                <a:spcPct val="50000"/>
+              </a:lnSpc>
+              <a:buFontTx/>
+              <a:buNone/>
+            </a:pPr>
+            <a:endParaRPr lang="tr-TR" sz="2000" dirty="0">
+              <a:latin typeface="Palatino Linotype" panose="02040502050505030304" pitchFamily="18" charset="0"/>
+              <a:ea typeface="ＭＳ Ｐゴシック" charset="0"/>
+            </a:endParaRPr>
+          </a:p>
+          <a:p>
+            <a:pPr marL="0" indent="0" eaLnBrk="1" hangingPunct="1">
+              <a:lnSpc>
+                <a:spcPct val="50000"/>
+              </a:lnSpc>
+              <a:buFontTx/>
+              <a:buNone/>
+            </a:pPr>
+            <a:endParaRPr lang="tr-TR" sz="2000" dirty="0">
+              <a:latin typeface="Palatino Linotype" panose="02040502050505030304" pitchFamily="18" charset="0"/>
+              <a:ea typeface="ＭＳ Ｐゴシック" charset="0"/>
+            </a:endParaRPr>
+          </a:p>
+          <a:p>
+            <a:pPr marL="0" indent="0" eaLnBrk="1" hangingPunct="1">
+              <a:lnSpc>
+                <a:spcPct val="50000"/>
+              </a:lnSpc>
+              <a:buFontTx/>
+              <a:buNone/>
+            </a:pPr>
+            <a:endParaRPr lang="tr-TR" sz="2000" dirty="0">
+              <a:latin typeface="Palatino Linotype" panose="02040502050505030304" pitchFamily="18" charset="0"/>
+              <a:ea typeface="ＭＳ Ｐゴシック" charset="0"/>
+            </a:endParaRPr>
+          </a:p>
+          <a:p>
+            <a:pPr marL="0" indent="0" eaLnBrk="1" hangingPunct="1">
+              <a:lnSpc>
+                <a:spcPct val="50000"/>
+              </a:lnSpc>
+              <a:buFontTx/>
+              <a:buNone/>
+            </a:pPr>
+            <a:endParaRPr lang="tr-TR" sz="2000" dirty="0">
+              <a:latin typeface="Palatino Linotype" panose="02040502050505030304" pitchFamily="18" charset="0"/>
+              <a:ea typeface="ＭＳ Ｐゴシック" charset="0"/>
+            </a:endParaRPr>
+          </a:p>
+          <a:p>
+            <a:pPr marL="0" indent="0" eaLnBrk="1" hangingPunct="1">
+              <a:lnSpc>
+                <a:spcPct val="50000"/>
+              </a:lnSpc>
+              <a:buFontTx/>
+              <a:buNone/>
+            </a:pPr>
+            <a:endParaRPr lang="tr-TR" sz="2000" dirty="0">
+              <a:latin typeface="Palatino Linotype" panose="02040502050505030304" pitchFamily="18" charset="0"/>
+              <a:ea typeface="ＭＳ Ｐゴシック" charset="0"/>
+            </a:endParaRPr>
+          </a:p>
+          <a:p>
+            <a:pPr marL="0" indent="0" eaLnBrk="1" hangingPunct="1">
+              <a:lnSpc>
+                <a:spcPct val="50000"/>
+              </a:lnSpc>
+              <a:buFontTx/>
+              <a:buNone/>
+            </a:pPr>
+            <a:endParaRPr lang="tr-TR" sz="2000" dirty="0">
+              <a:latin typeface="Palatino Linotype" panose="02040502050505030304" pitchFamily="18" charset="0"/>
+              <a:ea typeface="ＭＳ Ｐゴシック" charset="0"/>
+            </a:endParaRPr>
+          </a:p>
+          <a:p>
+            <a:pPr marL="0" indent="0" eaLnBrk="1" hangingPunct="1">
+              <a:lnSpc>
+                <a:spcPct val="50000"/>
+              </a:lnSpc>
+              <a:buFontTx/>
+              <a:buNone/>
+            </a:pPr>
+            <a:endParaRPr lang="tr-TR" sz="2000" dirty="0">
+              <a:latin typeface="Palatino Linotype" panose="02040502050505030304" pitchFamily="18" charset="0"/>
+              <a:ea typeface="ＭＳ Ｐゴシック" charset="0"/>
+            </a:endParaRPr>
+          </a:p>
+          <a:p>
+            <a:pPr marL="0" indent="0" eaLnBrk="1" hangingPunct="1">
+              <a:lnSpc>
+                <a:spcPct val="50000"/>
+              </a:lnSpc>
+              <a:buFontTx/>
+              <a:buNone/>
+            </a:pPr>
+            <a:endParaRPr lang="tr-TR" sz="2000" dirty="0">
+              <a:latin typeface="Palatino Linotype" panose="02040502050505030304" pitchFamily="18" charset="0"/>
+              <a:ea typeface="ＭＳ Ｐゴシック" charset="0"/>
+            </a:endParaRPr>
+          </a:p>
+          <a:p>
+            <a:pPr marL="0" indent="0" eaLnBrk="1" hangingPunct="1">
+              <a:lnSpc>
+                <a:spcPct val="50000"/>
+              </a:lnSpc>
+              <a:buFontTx/>
+              <a:buNone/>
+            </a:pPr>
+            <a:endParaRPr lang="tr-TR" sz="2000" dirty="0">
+              <a:latin typeface="Palatino Linotype" panose="02040502050505030304" pitchFamily="18" charset="0"/>
+              <a:ea typeface="ＭＳ Ｐゴシック" charset="0"/>
+            </a:endParaRPr>
+          </a:p>
+          <a:p>
+            <a:pPr marL="0" indent="0" eaLnBrk="1" hangingPunct="1">
+              <a:lnSpc>
+                <a:spcPct val="50000"/>
+              </a:lnSpc>
+              <a:buFontTx/>
+              <a:buNone/>
+            </a:pPr>
+            <a:endParaRPr lang="tr-TR" sz="2000" dirty="0">
+              <a:latin typeface="Palatino Linotype" panose="02040502050505030304" pitchFamily="18" charset="0"/>
+              <a:ea typeface="ＭＳ Ｐゴシック" charset="0"/>
+            </a:endParaRPr>
+          </a:p>
+          <a:p>
+            <a:pPr marL="0" indent="0" eaLnBrk="1" hangingPunct="1">
+              <a:lnSpc>
+                <a:spcPct val="50000"/>
+              </a:lnSpc>
+              <a:buFontTx/>
+              <a:buNone/>
+            </a:pPr>
+            <a:endParaRPr lang="tr-TR" sz="2000" dirty="0">
+              <a:latin typeface="Palatino Linotype" panose="02040502050505030304" pitchFamily="18" charset="0"/>
+              <a:ea typeface="ＭＳ Ｐゴシック" charset="0"/>
+            </a:endParaRPr>
+          </a:p>
+          <a:p>
+            <a:pPr marL="0" indent="0" eaLnBrk="1" hangingPunct="1">
+              <a:lnSpc>
+                <a:spcPct val="50000"/>
+              </a:lnSpc>
+              <a:buFontTx/>
+              <a:buNone/>
+            </a:pPr>
+            <a:endParaRPr lang="tr-TR" sz="2000" dirty="0">
+              <a:latin typeface="Palatino Linotype" panose="02040502050505030304" pitchFamily="18" charset="0"/>
+              <a:ea typeface="ＭＳ Ｐゴシック" charset="0"/>
+            </a:endParaRPr>
+          </a:p>
+          <a:p>
+            <a:pPr marL="0" indent="0" eaLnBrk="1" hangingPunct="1">
+              <a:lnSpc>
+                <a:spcPct val="50000"/>
+              </a:lnSpc>
+              <a:buFontTx/>
+              <a:buNone/>
+            </a:pPr>
+            <a:endParaRPr lang="tr-TR" sz="2000" dirty="0">
+              <a:latin typeface="Palatino Linotype" panose="02040502050505030304" pitchFamily="18" charset="0"/>
+              <a:ea typeface="ＭＳ Ｐゴシック" charset="0"/>
+            </a:endParaRPr>
+          </a:p>
+          <a:p>
+            <a:pPr marL="0" indent="0" eaLnBrk="1" hangingPunct="1">
+              <a:lnSpc>
+                <a:spcPct val="50000"/>
+              </a:lnSpc>
+              <a:buFontTx/>
+              <a:buNone/>
+            </a:pPr>
+            <a:endParaRPr lang="tr-TR" sz="2000" dirty="0">
+              <a:latin typeface="Palatino Linotype" panose="02040502050505030304" pitchFamily="18" charset="0"/>
+              <a:ea typeface="ＭＳ Ｐゴシック" charset="0"/>
+            </a:endParaRPr>
+          </a:p>
+          <a:p>
+            <a:pPr marL="0" indent="0" eaLnBrk="1" hangingPunct="1">
+              <a:lnSpc>
+                <a:spcPct val="50000"/>
+              </a:lnSpc>
+              <a:buFontTx/>
+              <a:buNone/>
+            </a:pPr>
+            <a:endParaRPr lang="tr-TR" sz="2000" dirty="0">
+              <a:latin typeface="Palatino Linotype" panose="02040502050505030304" pitchFamily="18" charset="0"/>
+              <a:ea typeface="ＭＳ Ｐゴシック" charset="0"/>
+            </a:endParaRPr>
+          </a:p>
+          <a:p>
+            <a:pPr marL="0" indent="0" eaLnBrk="1" hangingPunct="1">
+              <a:lnSpc>
+                <a:spcPct val="50000"/>
+              </a:lnSpc>
+              <a:buFontTx/>
+              <a:buNone/>
+            </a:pPr>
+            <a:endParaRPr lang="tr-TR" sz="2000" dirty="0">
+              <a:latin typeface="Palatino Linotype" panose="02040502050505030304" pitchFamily="18" charset="0"/>
+              <a:ea typeface="ＭＳ Ｐゴシック" charset="0"/>
+            </a:endParaRPr>
+          </a:p>
+          <a:p>
+            <a:pPr marL="0" indent="0" eaLnBrk="1" hangingPunct="1">
+              <a:lnSpc>
+                <a:spcPct val="50000"/>
+              </a:lnSpc>
+              <a:buFontTx/>
+              <a:buNone/>
+            </a:pPr>
+            <a:endParaRPr lang="tr-TR" sz="2000" dirty="0">
+              <a:latin typeface="Palatino Linotype" panose="02040502050505030304" pitchFamily="18" charset="0"/>
+              <a:ea typeface="ＭＳ Ｐゴシック" charset="0"/>
+            </a:endParaRPr>
+          </a:p>
+          <a:p>
+            <a:pPr marL="0" indent="0" eaLnBrk="1" hangingPunct="1">
+              <a:lnSpc>
+                <a:spcPct val="50000"/>
+              </a:lnSpc>
+              <a:buFontTx/>
+              <a:buNone/>
+            </a:pPr>
+            <a:endParaRPr lang="tr-TR" sz="2000" dirty="0">
+              <a:latin typeface="Palatino Linotype" panose="02040502050505030304" pitchFamily="18" charset="0"/>
+              <a:ea typeface="ＭＳ Ｐゴシック" charset="0"/>
+            </a:endParaRPr>
           </a:p>
         </p:txBody>
       </p:sp>
@@ -16931,7 +17816,7 @@
       </p:sp>
       <p:pic>
         <p:nvPicPr>
-          <p:cNvPr id="13" name="Picture 12"/>
+          <p:cNvPr id="10" name="Picture 9"/>
           <p:cNvPicPr>
             <a:picLocks noChangeAspect="1"/>
           </p:cNvPicPr>
@@ -16945,63 +17830,85 @@
         </p:blipFill>
         <p:spPr>
           <a:xfrm>
-            <a:off x="621622" y="1981200"/>
-            <a:ext cx="8073897" cy="3421449"/>
+            <a:off x="1749990" y="533400"/>
+            <a:ext cx="5796420" cy="858106"/>
           </a:xfrm>
           <a:prstGeom prst="rect">
             <a:avLst/>
           </a:prstGeom>
         </p:spPr>
       </p:pic>
-      <p:cxnSp>
-        <p:nvCxnSpPr>
-          <p:cNvPr id="15" name="Straight Arrow Connector 14"/>
-          <p:cNvCxnSpPr/>
+      <p:sp>
+        <p:nvSpPr>
+          <p:cNvPr id="14" name="TextBox 13"/>
+          <p:cNvSpPr txBox="1"/>
           <p:nvPr/>
-        </p:nvCxnSpPr>
-        <p:spPr bwMode="auto">
+        </p:nvSpPr>
+        <p:spPr>
           <a:xfrm>
-            <a:off x="4572000" y="3212306"/>
-            <a:ext cx="685800" cy="0"/>
+            <a:off x="1066800" y="1337510"/>
+            <a:ext cx="7744274" cy="584775"/>
           </a:xfrm>
-          <a:prstGeom prst="straightConnector1">
+          <a:prstGeom prst="rect">
             <a:avLst/>
           </a:prstGeom>
-          <a:ln>
-            <a:headEnd type="none" w="med" len="med"/>
-            <a:tailEnd type="triangle"/>
-          </a:ln>
-          <a:extLst>
-            <a:ext uri="{AF507438-7753-43e0-B8FC-AC1667EBCBE1}">
-              <a14:hiddenEffects xmlns="" xmlns:a14="http://schemas.microsoft.com/office/drawing/2010/main">
-                <a:effectLst>
-                  <a:outerShdw dist="35921" dir="2700000" algn="ctr" rotWithShape="0">
-                    <a:schemeClr val="bg2"/>
-                  </a:outerShdw>
-                </a:effectLst>
-              </a14:hiddenEffects>
-            </a:ext>
-          </a:extLst>
+          <a:noFill/>
         </p:spPr>
-        <p:style>
-          <a:lnRef idx="3">
-            <a:schemeClr val="dk1"/>
-          </a:lnRef>
-          <a:fillRef idx="0">
-            <a:schemeClr val="dk1"/>
-          </a:fillRef>
-          <a:effectRef idx="2">
-            <a:schemeClr val="dk1"/>
-          </a:effectRef>
-          <a:fontRef idx="minor">
-            <a:schemeClr val="tx1"/>
-          </a:fontRef>
-        </p:style>
-      </p:cxnSp>
+        <p:txBody>
+          <a:bodyPr wrap="square" rtlCol="0">
+            <a:spAutoFit/>
+          </a:bodyPr>
+          <a:lstStyle/>
+          <a:p>
+            <a:r>
+              <a:rPr lang="tr-TR" sz="1600" i="0" dirty="0">
+                <a:latin typeface="Palatino Linotype" panose="02040502050505030304" pitchFamily="18" charset="0"/>
+              </a:rPr>
+              <a:t>Yorum: açıklayıcı değişken x ile çıktı değişkeni y arasında negatif bir ilişki bulunmakta. </a:t>
+            </a:r>
+            <a:r>
+              <a:rPr lang="tr-TR" sz="1600" i="0" dirty="0" err="1">
+                <a:latin typeface="Palatino Linotype" panose="02040502050505030304" pitchFamily="18" charset="0"/>
+              </a:rPr>
+              <a:t>x’deki</a:t>
+            </a:r>
+            <a:r>
+              <a:rPr lang="tr-TR" sz="1600" i="0" dirty="0">
+                <a:latin typeface="Palatino Linotype" panose="02040502050505030304" pitchFamily="18" charset="0"/>
+              </a:rPr>
+              <a:t> her bir birim artış olduğunda y değerleri .333 azalmakta</a:t>
+            </a:r>
+          </a:p>
+        </p:txBody>
+      </p:sp>
+      <p:pic>
+        <p:nvPicPr>
+          <p:cNvPr id="15" name="Picture 14"/>
+          <p:cNvPicPr>
+            <a:picLocks noChangeAspect="1"/>
+          </p:cNvPicPr>
+          <p:nvPr/>
+        </p:nvPicPr>
+        <p:blipFill>
+          <a:blip r:embed="rId14"/>
+          <a:stretch>
+            <a:fillRect/>
+          </a:stretch>
+        </p:blipFill>
+        <p:spPr>
+          <a:xfrm>
+            <a:off x="1344897" y="2004701"/>
+            <a:ext cx="6201513" cy="4061712"/>
+          </a:xfrm>
+          <a:prstGeom prst="rect">
+            <a:avLst/>
+          </a:prstGeom>
+        </p:spPr>
+      </p:pic>
     </p:spTree>
     <p:extLst>
       <p:ext uri="{BB962C8B-B14F-4D97-AF65-F5344CB8AC3E}">
-        <p14:creationId xmlns:p14="http://schemas.microsoft.com/office/powerpoint/2010/main" val="1368893468"/>
+        <p14:creationId xmlns:p14="http://schemas.microsoft.com/office/powerpoint/2010/main" val="3542425290"/>
       </p:ext>
     </p:extLst>
   </p:cSld>
@@ -17061,251 +17968,14 @@
             </a:endParaRPr>
           </a:p>
           <a:p>
-            <a:pPr marL="0" indent="0" eaLnBrk="1" hangingPunct="1">
-              <a:lnSpc>
-                <a:spcPct val="50000"/>
-              </a:lnSpc>
-              <a:buFontTx/>
-              <a:buNone/>
-            </a:pPr>
-            <a:endParaRPr lang="tr-TR" sz="2000" dirty="0">
-              <a:latin typeface="Palatino Linotype" panose="02040502050505030304" pitchFamily="18" charset="0"/>
-              <a:ea typeface="ＭＳ Ｐゴシック" charset="0"/>
-            </a:endParaRPr>
-          </a:p>
-          <a:p>
-            <a:pPr marL="0" indent="0" eaLnBrk="1" hangingPunct="1">
-              <a:lnSpc>
-                <a:spcPct val="50000"/>
-              </a:lnSpc>
-              <a:buFontTx/>
-              <a:buNone/>
-            </a:pPr>
-            <a:endParaRPr lang="tr-TR" sz="2000" dirty="0">
-              <a:latin typeface="Palatino Linotype" panose="02040502050505030304" pitchFamily="18" charset="0"/>
-              <a:ea typeface="ＭＳ Ｐゴシック" charset="0"/>
-            </a:endParaRPr>
-          </a:p>
-          <a:p>
-            <a:pPr marL="0" indent="0" eaLnBrk="1" hangingPunct="1">
-              <a:lnSpc>
-                <a:spcPct val="50000"/>
-              </a:lnSpc>
-              <a:buFontTx/>
-              <a:buNone/>
-            </a:pPr>
-            <a:endParaRPr lang="tr-TR" sz="2000" dirty="0">
-              <a:latin typeface="Palatino Linotype" panose="02040502050505030304" pitchFamily="18" charset="0"/>
-              <a:ea typeface="ＭＳ Ｐゴシック" charset="0"/>
-            </a:endParaRPr>
-          </a:p>
-          <a:p>
-            <a:pPr marL="0" indent="0" eaLnBrk="1" hangingPunct="1">
-              <a:lnSpc>
-                <a:spcPct val="50000"/>
-              </a:lnSpc>
-              <a:buFontTx/>
-              <a:buNone/>
-            </a:pPr>
-            <a:endParaRPr lang="tr-TR" sz="2000" dirty="0">
-              <a:latin typeface="Palatino Linotype" panose="02040502050505030304" pitchFamily="18" charset="0"/>
-              <a:ea typeface="ＭＳ Ｐゴシック" charset="0"/>
-            </a:endParaRPr>
-          </a:p>
-          <a:p>
-            <a:pPr marL="0" indent="0" eaLnBrk="1" hangingPunct="1">
-              <a:lnSpc>
-                <a:spcPct val="50000"/>
-              </a:lnSpc>
-              <a:buFontTx/>
-              <a:buNone/>
-            </a:pPr>
-            <a:endParaRPr lang="tr-TR" sz="2000" dirty="0">
-              <a:latin typeface="Palatino Linotype" panose="02040502050505030304" pitchFamily="18" charset="0"/>
-              <a:ea typeface="ＭＳ Ｐゴシック" charset="0"/>
-            </a:endParaRPr>
-          </a:p>
-          <a:p>
-            <a:pPr marL="0" indent="0" eaLnBrk="1" hangingPunct="1">
-              <a:lnSpc>
-                <a:spcPct val="50000"/>
-              </a:lnSpc>
-              <a:buFontTx/>
-              <a:buNone/>
-            </a:pPr>
-            <a:endParaRPr lang="tr-TR" sz="2000" dirty="0">
-              <a:latin typeface="Palatino Linotype" panose="02040502050505030304" pitchFamily="18" charset="0"/>
-              <a:ea typeface="ＭＳ Ｐゴシック" charset="0"/>
-            </a:endParaRPr>
-          </a:p>
-          <a:p>
-            <a:pPr marL="0" indent="0" eaLnBrk="1" hangingPunct="1">
-              <a:lnSpc>
-                <a:spcPct val="50000"/>
-              </a:lnSpc>
-              <a:buFontTx/>
-              <a:buNone/>
-            </a:pPr>
-            <a:endParaRPr lang="tr-TR" sz="2000" dirty="0">
-              <a:latin typeface="Palatino Linotype" panose="02040502050505030304" pitchFamily="18" charset="0"/>
-              <a:ea typeface="ＭＳ Ｐゴシック" charset="0"/>
-            </a:endParaRPr>
-          </a:p>
-          <a:p>
-            <a:pPr marL="0" indent="0" eaLnBrk="1" hangingPunct="1">
-              <a:lnSpc>
-                <a:spcPct val="50000"/>
-              </a:lnSpc>
-              <a:buFontTx/>
-              <a:buNone/>
-            </a:pPr>
-            <a:endParaRPr lang="tr-TR" sz="2000" dirty="0">
-              <a:latin typeface="Palatino Linotype" panose="02040502050505030304" pitchFamily="18" charset="0"/>
-              <a:ea typeface="ＭＳ Ｐゴシック" charset="0"/>
-            </a:endParaRPr>
-          </a:p>
-          <a:p>
-            <a:pPr marL="0" indent="0" eaLnBrk="1" hangingPunct="1">
-              <a:lnSpc>
-                <a:spcPct val="50000"/>
-              </a:lnSpc>
-              <a:buFontTx/>
-              <a:buNone/>
-            </a:pPr>
-            <a:endParaRPr lang="tr-TR" sz="2000" dirty="0">
-              <a:latin typeface="Palatino Linotype" panose="02040502050505030304" pitchFamily="18" charset="0"/>
-              <a:ea typeface="ＭＳ Ｐゴシック" charset="0"/>
-            </a:endParaRPr>
-          </a:p>
-          <a:p>
-            <a:pPr marL="0" indent="0" eaLnBrk="1" hangingPunct="1">
-              <a:lnSpc>
-                <a:spcPct val="50000"/>
-              </a:lnSpc>
-              <a:buFontTx/>
-              <a:buNone/>
-            </a:pPr>
-            <a:endParaRPr lang="tr-TR" sz="2000" dirty="0">
-              <a:latin typeface="Palatino Linotype" panose="02040502050505030304" pitchFamily="18" charset="0"/>
-              <a:ea typeface="ＭＳ Ｐゴシック" charset="0"/>
-            </a:endParaRPr>
-          </a:p>
-          <a:p>
-            <a:pPr marL="0" indent="0" eaLnBrk="1" hangingPunct="1">
-              <a:lnSpc>
-                <a:spcPct val="50000"/>
-              </a:lnSpc>
-              <a:buFontTx/>
-              <a:buNone/>
-            </a:pPr>
-            <a:endParaRPr lang="tr-TR" sz="2000" dirty="0">
-              <a:latin typeface="Palatino Linotype" panose="02040502050505030304" pitchFamily="18" charset="0"/>
-              <a:ea typeface="ＭＳ Ｐゴシック" charset="0"/>
-            </a:endParaRPr>
-          </a:p>
-          <a:p>
-            <a:pPr marL="0" indent="0" eaLnBrk="1" hangingPunct="1">
-              <a:lnSpc>
-                <a:spcPct val="50000"/>
-              </a:lnSpc>
-              <a:buFontTx/>
-              <a:buNone/>
-            </a:pPr>
-            <a:endParaRPr lang="tr-TR" sz="2000" dirty="0">
-              <a:latin typeface="Palatino Linotype" panose="02040502050505030304" pitchFamily="18" charset="0"/>
-              <a:ea typeface="ＭＳ Ｐゴシック" charset="0"/>
-            </a:endParaRPr>
-          </a:p>
-          <a:p>
-            <a:pPr marL="0" indent="0" eaLnBrk="1" hangingPunct="1">
-              <a:lnSpc>
-                <a:spcPct val="50000"/>
-              </a:lnSpc>
-              <a:buFontTx/>
-              <a:buNone/>
-            </a:pPr>
-            <a:endParaRPr lang="tr-TR" sz="2000" dirty="0">
-              <a:latin typeface="Palatino Linotype" panose="02040502050505030304" pitchFamily="18" charset="0"/>
-              <a:ea typeface="ＭＳ Ｐゴシック" charset="0"/>
-            </a:endParaRPr>
-          </a:p>
-          <a:p>
-            <a:pPr marL="0" indent="0" eaLnBrk="1" hangingPunct="1">
-              <a:lnSpc>
-                <a:spcPct val="50000"/>
-              </a:lnSpc>
-              <a:buFontTx/>
-              <a:buNone/>
-            </a:pPr>
-            <a:endParaRPr lang="tr-TR" sz="2000" dirty="0">
-              <a:latin typeface="Palatino Linotype" panose="02040502050505030304" pitchFamily="18" charset="0"/>
-              <a:ea typeface="ＭＳ Ｐゴシック" charset="0"/>
-            </a:endParaRPr>
-          </a:p>
-          <a:p>
-            <a:pPr marL="0" indent="0" eaLnBrk="1" hangingPunct="1">
-              <a:lnSpc>
-                <a:spcPct val="50000"/>
-              </a:lnSpc>
-              <a:buFontTx/>
-              <a:buNone/>
-            </a:pPr>
-            <a:endParaRPr lang="tr-TR" sz="2000" dirty="0">
-              <a:latin typeface="Palatino Linotype" panose="02040502050505030304" pitchFamily="18" charset="0"/>
-              <a:ea typeface="ＭＳ Ｐゴシック" charset="0"/>
-            </a:endParaRPr>
-          </a:p>
-          <a:p>
-            <a:pPr marL="0" indent="0" eaLnBrk="1" hangingPunct="1">
-              <a:lnSpc>
-                <a:spcPct val="50000"/>
-              </a:lnSpc>
-              <a:buFontTx/>
-              <a:buNone/>
-            </a:pPr>
-            <a:endParaRPr lang="tr-TR" sz="2000" dirty="0">
-              <a:latin typeface="Palatino Linotype" panose="02040502050505030304" pitchFamily="18" charset="0"/>
-              <a:ea typeface="ＭＳ Ｐゴシック" charset="0"/>
-            </a:endParaRPr>
-          </a:p>
-          <a:p>
-            <a:pPr marL="0" indent="0" eaLnBrk="1" hangingPunct="1">
-              <a:lnSpc>
-                <a:spcPct val="50000"/>
-              </a:lnSpc>
-              <a:buFontTx/>
-              <a:buNone/>
-            </a:pPr>
-            <a:endParaRPr lang="tr-TR" sz="2000" dirty="0">
-              <a:latin typeface="Palatino Linotype" panose="02040502050505030304" pitchFamily="18" charset="0"/>
-              <a:ea typeface="ＭＳ Ｐゴシック" charset="0"/>
-            </a:endParaRPr>
-          </a:p>
-          <a:p>
-            <a:pPr marL="0" indent="0" eaLnBrk="1" hangingPunct="1">
-              <a:lnSpc>
-                <a:spcPct val="50000"/>
-              </a:lnSpc>
-              <a:buFontTx/>
-              <a:buNone/>
-            </a:pPr>
-            <a:endParaRPr lang="tr-TR" sz="2000" dirty="0">
-              <a:latin typeface="Palatino Linotype" panose="02040502050505030304" pitchFamily="18" charset="0"/>
-              <a:ea typeface="ＭＳ Ｐゴシック" charset="0"/>
-            </a:endParaRPr>
-          </a:p>
-          <a:p>
-            <a:pPr marL="0" indent="0" eaLnBrk="1" hangingPunct="1">
-              <a:lnSpc>
-                <a:spcPct val="50000"/>
-              </a:lnSpc>
-              <a:buFontTx/>
-              <a:buNone/>
-            </a:pPr>
-            <a:endParaRPr lang="tr-TR" sz="2000" dirty="0">
-              <a:latin typeface="Palatino Linotype" panose="02040502050505030304" pitchFamily="18" charset="0"/>
-              <a:ea typeface="ＭＳ Ｐゴシック" charset="0"/>
-            </a:endParaRPr>
+            <a:pPr marL="360363" indent="-349250" eaLnBrk="1" hangingPunct="1"/>
+            <a:r>
+              <a:rPr lang="tr-TR" sz="2400" dirty="0">
+                <a:latin typeface="Palatino Linotype" panose="02040502050505030304" pitchFamily="18" charset="0"/>
+                <a:ea typeface="ＭＳ Ｐゴシック" charset="0"/>
+              </a:rPr>
+              <a:t>Şimdi de aynı veriyi kişileri dikkate almadan sadece bulundukları gruplar açısından inceleyelim:</a:t>
+            </a:r>
           </a:p>
         </p:txBody>
       </p:sp>
@@ -17764,52 +18434,9 @@
           </a:p>
         </p:txBody>
       </p:sp>
-      <p:sp>
-        <p:nvSpPr>
-          <p:cNvPr id="14" name="TextBox 13"/>
-          <p:cNvSpPr txBox="1"/>
-          <p:nvPr/>
-        </p:nvSpPr>
-        <p:spPr>
-          <a:xfrm>
-            <a:off x="866326" y="4744306"/>
-            <a:ext cx="7744274" cy="1200329"/>
-          </a:xfrm>
-          <a:prstGeom prst="rect">
-            <a:avLst/>
-          </a:prstGeom>
-          <a:noFill/>
-        </p:spPr>
-        <p:txBody>
-          <a:bodyPr wrap="square" rtlCol="0">
-            <a:spAutoFit/>
-          </a:bodyPr>
-          <a:lstStyle/>
-          <a:p>
-            <a:r>
-              <a:rPr lang="tr-TR" i="0" dirty="0">
-                <a:latin typeface="Palatino Linotype" panose="02040502050505030304" pitchFamily="18" charset="0"/>
-              </a:rPr>
-              <a:t>Yorum: açıklayıcı değişken x ile çıktı değişkeni y arasında negatif bir ilişki bulunmakta. </a:t>
-            </a:r>
-            <a:r>
-              <a:rPr lang="tr-TR" i="0" dirty="0" err="1">
-                <a:latin typeface="Palatino Linotype" panose="02040502050505030304" pitchFamily="18" charset="0"/>
-              </a:rPr>
-              <a:t>x’deki</a:t>
-            </a:r>
-            <a:r>
-              <a:rPr lang="tr-TR" i="0" dirty="0">
-                <a:latin typeface="Palatino Linotype" panose="02040502050505030304" pitchFamily="18" charset="0"/>
-              </a:rPr>
-              <a:t> her bir birim artış olduğunda y değerleri de bir azalmakta</a:t>
-            </a:r>
-          </a:p>
-        </p:txBody>
-      </p:sp>
       <p:pic>
         <p:nvPicPr>
-          <p:cNvPr id="15" name="Picture 14"/>
+          <p:cNvPr id="13" name="Picture 12"/>
           <p:cNvPicPr>
             <a:picLocks noChangeAspect="1"/>
           </p:cNvPicPr>
@@ -17823,42 +18450,63 @@
         </p:blipFill>
         <p:spPr>
           <a:xfrm>
-            <a:off x="1127338" y="346095"/>
-            <a:ext cx="7041724" cy="3504607"/>
+            <a:off x="621622" y="1981200"/>
+            <a:ext cx="8073897" cy="3421449"/>
           </a:xfrm>
           <a:prstGeom prst="rect">
             <a:avLst/>
           </a:prstGeom>
         </p:spPr>
       </p:pic>
-      <p:pic>
-        <p:nvPicPr>
-          <p:cNvPr id="16" name="Picture 15"/>
-          <p:cNvPicPr>
-            <a:picLocks noChangeAspect="1"/>
-          </p:cNvPicPr>
+      <p:cxnSp>
+        <p:nvCxnSpPr>
+          <p:cNvPr id="15" name="Straight Arrow Connector 14"/>
+          <p:cNvCxnSpPr/>
           <p:nvPr/>
-        </p:nvPicPr>
-        <p:blipFill>
-          <a:blip r:embed="rId14"/>
-          <a:stretch>
-            <a:fillRect/>
-          </a:stretch>
-        </p:blipFill>
-        <p:spPr>
+        </p:nvCxnSpPr>
+        <p:spPr bwMode="auto">
           <a:xfrm>
-            <a:off x="1924100" y="3819542"/>
-            <a:ext cx="5628725" cy="796988"/>
+            <a:off x="4572000" y="3212306"/>
+            <a:ext cx="685800" cy="0"/>
           </a:xfrm>
-          <a:prstGeom prst="rect">
+          <a:prstGeom prst="straightConnector1">
             <a:avLst/>
           </a:prstGeom>
+          <a:ln>
+            <a:headEnd type="none" w="med" len="med"/>
+            <a:tailEnd type="triangle"/>
+          </a:ln>
+          <a:extLst>
+            <a:ext uri="{AF507438-7753-43e0-B8FC-AC1667EBCBE1}">
+              <a14:hiddenEffects xmlns="" xmlns:a14="http://schemas.microsoft.com/office/drawing/2010/main">
+                <a:effectLst>
+                  <a:outerShdw dist="35921" dir="2700000" algn="ctr" rotWithShape="0">
+                    <a:schemeClr val="bg2"/>
+                  </a:outerShdw>
+                </a:effectLst>
+              </a14:hiddenEffects>
+            </a:ext>
+          </a:extLst>
         </p:spPr>
-      </p:pic>
+        <p:style>
+          <a:lnRef idx="3">
+            <a:schemeClr val="dk1"/>
+          </a:lnRef>
+          <a:fillRef idx="0">
+            <a:schemeClr val="dk1"/>
+          </a:fillRef>
+          <a:effectRef idx="2">
+            <a:schemeClr val="dk1"/>
+          </a:effectRef>
+          <a:fontRef idx="minor">
+            <a:schemeClr val="tx1"/>
+          </a:fontRef>
+        </p:style>
+      </p:cxnSp>
     </p:spTree>
     <p:extLst>
       <p:ext uri="{BB962C8B-B14F-4D97-AF65-F5344CB8AC3E}">
-        <p14:creationId xmlns:p14="http://schemas.microsoft.com/office/powerpoint/2010/main" val="1461442015"/>
+        <p14:creationId xmlns:p14="http://schemas.microsoft.com/office/powerpoint/2010/main" val="1368893468"/>
       </p:ext>
     </p:extLst>
   </p:cSld>
@@ -18629,8 +19277,8 @@
         </p:nvSpPr>
         <p:spPr>
           <a:xfrm>
-            <a:off x="1171126" y="5481638"/>
-            <a:ext cx="7744274" cy="584775"/>
+            <a:off x="866326" y="4744306"/>
+            <a:ext cx="7744274" cy="1200329"/>
           </a:xfrm>
           <a:prstGeom prst="rect">
             <a:avLst/>
@@ -18644,19 +19292,19 @@
           <a:lstStyle/>
           <a:p>
             <a:r>
-              <a:rPr lang="tr-TR" sz="1600" i="0" dirty="0">
+              <a:rPr lang="tr-TR" i="0" dirty="0">
                 <a:latin typeface="Palatino Linotype" panose="02040502050505030304" pitchFamily="18" charset="0"/>
               </a:rPr>
               <a:t>Yorum: açıklayıcı değişken x ile çıktı değişkeni y arasında negatif bir ilişki bulunmakta. </a:t>
             </a:r>
             <a:r>
-              <a:rPr lang="tr-TR" sz="1600" i="0" dirty="0" err="1">
+              <a:rPr lang="tr-TR" i="0" dirty="0" err="1">
                 <a:latin typeface="Palatino Linotype" panose="02040502050505030304" pitchFamily="18" charset="0"/>
               </a:rPr>
               <a:t>x’deki</a:t>
             </a:r>
             <a:r>
-              <a:rPr lang="tr-TR" sz="1600" i="0" dirty="0">
+              <a:rPr lang="tr-TR" i="0" dirty="0">
                 <a:latin typeface="Palatino Linotype" panose="02040502050505030304" pitchFamily="18" charset="0"/>
               </a:rPr>
               <a:t> her bir birim artış olduğunda y değerleri de bir azalmakta</a:t>
@@ -18666,7 +19314,7 @@
       </p:sp>
       <p:pic>
         <p:nvPicPr>
-          <p:cNvPr id="10" name="Picture 9"/>
+          <p:cNvPr id="15" name="Picture 14"/>
           <p:cNvPicPr>
             <a:picLocks noChangeAspect="1"/>
           </p:cNvPicPr>
@@ -18680,8 +19328,32 @@
         </p:blipFill>
         <p:spPr>
           <a:xfrm>
-            <a:off x="791448" y="41649"/>
-            <a:ext cx="7088408" cy="5414422"/>
+            <a:off x="1127338" y="346095"/>
+            <a:ext cx="7041724" cy="3504607"/>
+          </a:xfrm>
+          <a:prstGeom prst="rect">
+            <a:avLst/>
+          </a:prstGeom>
+        </p:spPr>
+      </p:pic>
+      <p:pic>
+        <p:nvPicPr>
+          <p:cNvPr id="16" name="Picture 15"/>
+          <p:cNvPicPr>
+            <a:picLocks noChangeAspect="1"/>
+          </p:cNvPicPr>
+          <p:nvPr/>
+        </p:nvPicPr>
+        <p:blipFill>
+          <a:blip r:embed="rId14"/>
+          <a:stretch>
+            <a:fillRect/>
+          </a:stretch>
+        </p:blipFill>
+        <p:spPr>
+          <a:xfrm>
+            <a:off x="1924100" y="3819542"/>
+            <a:ext cx="5628725" cy="796988"/>
           </a:xfrm>
           <a:prstGeom prst="rect">
             <a:avLst/>
@@ -18691,7 +19363,7 @@
     </p:spTree>
     <p:extLst>
       <p:ext uri="{BB962C8B-B14F-4D97-AF65-F5344CB8AC3E}">
-        <p14:creationId xmlns:p14="http://schemas.microsoft.com/office/powerpoint/2010/main" val="2558186213"/>
+        <p14:creationId xmlns:p14="http://schemas.microsoft.com/office/powerpoint/2010/main" val="1461442015"/>
       </p:ext>
     </p:extLst>
   </p:cSld>
@@ -19462,7 +20134,7 @@
         </p:nvSpPr>
         <p:spPr>
           <a:xfrm>
-            <a:off x="360744" y="585441"/>
+            <a:off x="1171126" y="5481638"/>
             <a:ext cx="7744274" cy="584775"/>
           </a:xfrm>
           <a:prstGeom prst="rect">
@@ -19476,28 +20148,30 @@
           </a:bodyPr>
           <a:lstStyle/>
           <a:p>
-            <a:pPr algn="ctr"/>
             <a:r>
               <a:rPr lang="tr-TR" sz="1600" i="0" dirty="0">
                 <a:latin typeface="Palatino Linotype" panose="02040502050505030304" pitchFamily="18" charset="0"/>
               </a:rPr>
-              <a:t>ANCAK</a:t>
-            </a:r>
-          </a:p>
-          <a:p>
-            <a:pPr algn="ctr"/>
+              <a:t>Yorum: açıklayıcı değişken x ile çıktı değişkeni y arasında negatif bir ilişki bulunmakta. </a:t>
+            </a:r>
+            <a:r>
+              <a:rPr lang="tr-TR" sz="1600" i="0" dirty="0" err="1">
+                <a:latin typeface="Palatino Linotype" panose="02040502050505030304" pitchFamily="18" charset="0"/>
+              </a:rPr>
+              <a:t>x’deki</a:t>
+            </a:r>
             <a:r>
               <a:rPr lang="tr-TR" sz="1600" i="0" dirty="0">
                 <a:latin typeface="Palatino Linotype" panose="02040502050505030304" pitchFamily="18" charset="0"/>
               </a:rPr>
-              <a:t>Hem grupları hem de bireyleri dikkate alacak olursak:</a:t>
+              <a:t> her bir birim artış olduğunda y değerleri de bir azalmakta</a:t>
             </a:r>
           </a:p>
         </p:txBody>
       </p:sp>
       <p:pic>
         <p:nvPicPr>
-          <p:cNvPr id="17" name="Picture 16"/>
+          <p:cNvPr id="10" name="Picture 9"/>
           <p:cNvPicPr>
             <a:picLocks noChangeAspect="1"/>
           </p:cNvPicPr>
@@ -19511,8 +20185,8 @@
         </p:blipFill>
         <p:spPr>
           <a:xfrm>
-            <a:off x="1143000" y="1363109"/>
-            <a:ext cx="7267596" cy="3970891"/>
+            <a:off x="791448" y="41649"/>
+            <a:ext cx="7088408" cy="5414422"/>
           </a:xfrm>
           <a:prstGeom prst="rect">
             <a:avLst/>
@@ -19522,7 +20196,7 @@
     </p:spTree>
     <p:extLst>
       <p:ext uri="{BB962C8B-B14F-4D97-AF65-F5344CB8AC3E}">
-        <p14:creationId xmlns:p14="http://schemas.microsoft.com/office/powerpoint/2010/main" val="1366211583"/>
+        <p14:creationId xmlns:p14="http://schemas.microsoft.com/office/powerpoint/2010/main" val="2558186213"/>
       </p:ext>
     </p:extLst>
   </p:cSld>
@@ -19561,7 +20235,7 @@
         </p:nvSpPr>
         <p:spPr>
           <a:xfrm>
-            <a:off x="304800" y="152400"/>
+            <a:off x="381000" y="533400"/>
             <a:ext cx="8534400" cy="5357813"/>
           </a:xfrm>
         </p:spPr>
@@ -19569,403 +20243,258 @@
           <a:bodyPr/>
           <a:lstStyle/>
           <a:p>
-            <a:pPr marL="11113" indent="0" algn="ctr" eaLnBrk="1" hangingPunct="1">
+            <a:pPr marL="0" indent="0" eaLnBrk="1" hangingPunct="1">
+              <a:lnSpc>
+                <a:spcPct val="50000"/>
+              </a:lnSpc>
+              <a:buFontTx/>
               <a:buNone/>
             </a:pPr>
-            <a:r>
-              <a:rPr lang="tr-TR" sz="2000" b="1" dirty="0">
-                <a:latin typeface="Palatino Linotype" panose="02040502050505030304" pitchFamily="18" charset="0"/>
-                <a:ea typeface="ＭＳ Ｐゴシック" charset="0"/>
-              </a:rPr>
-              <a:t>Sabit ve Rastgele Etki</a:t>
-            </a:r>
-          </a:p>
-          <a:p>
-            <a:pPr marL="360363" indent="-349250" eaLnBrk="1" hangingPunct="1"/>
-            <a:r>
-              <a:rPr lang="tr-TR" sz="2000" dirty="0">
-                <a:latin typeface="Palatino Linotype" panose="02040502050505030304" pitchFamily="18" charset="0"/>
-                <a:ea typeface="ＭＳ Ｐゴシック" charset="0"/>
-              </a:rPr>
-              <a:t>Bir model oluştururken bazı değişkenlerimizi sabit bazı değişkenlerimizi de rastgele olacak şekilde belirleyebiliriz.</a:t>
-            </a:r>
-          </a:p>
-          <a:p>
-            <a:pPr marL="360363" indent="-349250" eaLnBrk="1" hangingPunct="1"/>
-            <a:r>
-              <a:rPr lang="tr-TR" sz="2000" dirty="0">
-                <a:latin typeface="Palatino Linotype" panose="02040502050505030304" pitchFamily="18" charset="0"/>
-                <a:ea typeface="ＭＳ Ｐゴシック" charset="0"/>
-              </a:rPr>
-              <a:t> Hangi değişkenlerimizi sabit hangilerini rastgele etkili olarak alacağımızı literatürden elde edebileceğimiz gibi verimizi elde ettiğimizde de bu kararı verebiliriz.</a:t>
-            </a:r>
-          </a:p>
-          <a:p>
-            <a:pPr marL="11113" indent="0" algn="ctr" eaLnBrk="1" hangingPunct="1">
-              <a:buNone/>
-            </a:pPr>
-            <a:r>
-              <a:rPr lang="en-US" sz="2000" dirty="0" err="1">
-                <a:latin typeface="Times New Roman"/>
-                <a:ea typeface="Calibri"/>
-                <a:cs typeface="Times New Roman"/>
-              </a:rPr>
-              <a:t>Y</a:t>
-            </a:r>
-            <a:r>
-              <a:rPr lang="en-US" sz="2000" baseline="-25000" dirty="0" err="1">
-                <a:latin typeface="Times New Roman"/>
-                <a:ea typeface="Calibri"/>
-                <a:cs typeface="Times New Roman"/>
-              </a:rPr>
-              <a:t>i</a:t>
-            </a:r>
-            <a:r>
-              <a:rPr lang="en-US" sz="2000" baseline="-25000" dirty="0" err="1">
-                <a:solidFill>
-                  <a:srgbClr val="FF0000"/>
-                </a:solidFill>
-                <a:latin typeface="Times New Roman"/>
-                <a:ea typeface="Calibri"/>
-                <a:cs typeface="Times New Roman"/>
-              </a:rPr>
-              <a:t>j</a:t>
-            </a:r>
-            <a:r>
-              <a:rPr lang="en-US" sz="2000" dirty="0">
-                <a:latin typeface="Times New Roman"/>
-                <a:ea typeface="Calibri"/>
-                <a:cs typeface="Times New Roman"/>
-              </a:rPr>
-              <a:t> = B</a:t>
-            </a:r>
-            <a:r>
-              <a:rPr lang="en-US" sz="2000" baseline="-25000" dirty="0">
-                <a:latin typeface="Times New Roman"/>
-                <a:ea typeface="Calibri"/>
-                <a:cs typeface="Times New Roman"/>
-              </a:rPr>
-              <a:t>0</a:t>
-            </a:r>
-            <a:r>
-              <a:rPr lang="en-US" sz="2000" dirty="0">
-                <a:latin typeface="Times New Roman"/>
-                <a:ea typeface="Calibri"/>
-                <a:cs typeface="Times New Roman"/>
-              </a:rPr>
-              <a:t> + B</a:t>
-            </a:r>
-            <a:r>
-              <a:rPr lang="en-US" sz="2000" baseline="-25000" dirty="0">
-                <a:latin typeface="Times New Roman"/>
-                <a:ea typeface="Calibri"/>
-                <a:cs typeface="Times New Roman"/>
-              </a:rPr>
-              <a:t>1</a:t>
-            </a:r>
-            <a:r>
-              <a:rPr lang="en-US" sz="2000" dirty="0">
-                <a:latin typeface="Times New Roman"/>
-                <a:ea typeface="Calibri"/>
-                <a:cs typeface="Times New Roman"/>
-              </a:rPr>
-              <a:t>*</a:t>
-            </a:r>
-            <a:r>
-              <a:rPr lang="en-US" sz="2000" dirty="0" err="1">
-                <a:latin typeface="Times New Roman"/>
-                <a:ea typeface="Calibri"/>
-                <a:cs typeface="Times New Roman"/>
-              </a:rPr>
-              <a:t>X</a:t>
-            </a:r>
-            <a:r>
-              <a:rPr lang="en-US" sz="2000" baseline="-25000" dirty="0" err="1">
-                <a:latin typeface="Times New Roman"/>
-                <a:ea typeface="Calibri"/>
-                <a:cs typeface="Times New Roman"/>
-              </a:rPr>
-              <a:t>i</a:t>
-            </a:r>
-            <a:r>
-              <a:rPr lang="en-US" sz="2000" baseline="-25000" dirty="0" err="1">
-                <a:solidFill>
-                  <a:srgbClr val="FF0000"/>
-                </a:solidFill>
-                <a:latin typeface="Times New Roman"/>
-                <a:ea typeface="Calibri"/>
-                <a:cs typeface="Times New Roman"/>
-              </a:rPr>
-              <a:t>j</a:t>
-            </a:r>
-            <a:r>
-              <a:rPr lang="en-US" sz="2000" dirty="0">
-                <a:latin typeface="Times New Roman"/>
-                <a:ea typeface="Calibri"/>
-                <a:cs typeface="Times New Roman"/>
-              </a:rPr>
-              <a:t> + B</a:t>
-            </a:r>
-            <a:r>
-              <a:rPr lang="tr-TR" sz="2000" baseline="-25000" dirty="0">
-                <a:latin typeface="Times New Roman"/>
-                <a:ea typeface="Calibri"/>
-                <a:cs typeface="Times New Roman"/>
-              </a:rPr>
-              <a:t>2</a:t>
-            </a:r>
-            <a:r>
-              <a:rPr lang="en-US" sz="2000" dirty="0">
-                <a:latin typeface="Times New Roman"/>
-                <a:ea typeface="Calibri"/>
-                <a:cs typeface="Times New Roman"/>
-              </a:rPr>
-              <a:t>*</a:t>
-            </a:r>
-            <a:r>
-              <a:rPr lang="en-US" sz="2000" dirty="0" err="1">
-                <a:latin typeface="Times New Roman"/>
-                <a:ea typeface="Calibri"/>
-                <a:cs typeface="Times New Roman"/>
-              </a:rPr>
-              <a:t>X</a:t>
-            </a:r>
-            <a:r>
-              <a:rPr lang="en-US" sz="2000" baseline="-25000" dirty="0" err="1">
-                <a:solidFill>
-                  <a:srgbClr val="FF0000"/>
-                </a:solidFill>
-                <a:latin typeface="Times New Roman"/>
-                <a:ea typeface="Calibri"/>
-                <a:cs typeface="Times New Roman"/>
-              </a:rPr>
-              <a:t>j</a:t>
-            </a:r>
-            <a:r>
-              <a:rPr lang="en-US" sz="2000" dirty="0">
-                <a:latin typeface="Times New Roman"/>
-                <a:ea typeface="Calibri"/>
-                <a:cs typeface="Times New Roman"/>
-              </a:rPr>
-              <a:t> </a:t>
-            </a:r>
-            <a:r>
-              <a:rPr lang="tr-TR" sz="2000" dirty="0">
-                <a:latin typeface="Times New Roman"/>
-                <a:ea typeface="Calibri"/>
-                <a:cs typeface="Times New Roman"/>
-              </a:rPr>
-              <a:t>+ </a:t>
-            </a:r>
-            <a:r>
-              <a:rPr lang="en-US" sz="2000" dirty="0" err="1">
-                <a:solidFill>
-                  <a:srgbClr val="FF0000"/>
-                </a:solidFill>
-                <a:latin typeface="Times New Roman"/>
-                <a:ea typeface="Calibri"/>
-                <a:cs typeface="Times New Roman"/>
-              </a:rPr>
-              <a:t>u</a:t>
-            </a:r>
-            <a:r>
-              <a:rPr lang="en-US" sz="2000" baseline="-25000" dirty="0" err="1">
-                <a:solidFill>
-                  <a:srgbClr val="FF0000"/>
-                </a:solidFill>
-                <a:latin typeface="Times New Roman"/>
-                <a:ea typeface="Calibri"/>
-                <a:cs typeface="Times New Roman"/>
-              </a:rPr>
-              <a:t>j</a:t>
-            </a:r>
-            <a:r>
-              <a:rPr lang="en-US" sz="2000" dirty="0">
-                <a:latin typeface="Times New Roman"/>
-                <a:ea typeface="Calibri"/>
-                <a:cs typeface="Times New Roman"/>
-              </a:rPr>
-              <a:t> + </a:t>
-            </a:r>
-            <a:r>
-              <a:rPr lang="en-US" sz="2000" i="1" dirty="0" err="1">
-                <a:latin typeface="Times New Roman"/>
-                <a:ea typeface="Calibri"/>
-                <a:cs typeface="Times New Roman"/>
-              </a:rPr>
-              <a:t>e</a:t>
-            </a:r>
-            <a:r>
-              <a:rPr lang="en-US" sz="2000" i="1" baseline="-25000" dirty="0" err="1">
-                <a:latin typeface="Times New Roman"/>
-                <a:ea typeface="Calibri"/>
-                <a:cs typeface="Times New Roman"/>
-              </a:rPr>
-              <a:t>i</a:t>
-            </a:r>
-            <a:r>
-              <a:rPr lang="en-US" sz="2000" i="1" baseline="-25000" dirty="0" err="1">
-                <a:solidFill>
-                  <a:srgbClr val="FF0000"/>
-                </a:solidFill>
-                <a:latin typeface="Times New Roman"/>
-                <a:ea typeface="Calibri"/>
-                <a:cs typeface="Times New Roman"/>
-              </a:rPr>
-              <a:t>j</a:t>
-            </a:r>
-            <a:r>
-              <a:rPr lang="tr-TR" sz="2000" i="1" baseline="-25000" dirty="0">
-                <a:solidFill>
-                  <a:srgbClr val="FF0000"/>
-                </a:solidFill>
-                <a:latin typeface="Times New Roman"/>
-                <a:ea typeface="Calibri"/>
-                <a:cs typeface="Times New Roman"/>
-              </a:rPr>
-              <a:t> </a:t>
-            </a:r>
-          </a:p>
-          <a:p>
-            <a:pPr marL="11113" indent="0" eaLnBrk="1" hangingPunct="1">
-              <a:buNone/>
-            </a:pPr>
-            <a:r>
-              <a:rPr lang="tr-TR" sz="2000" dirty="0">
-                <a:latin typeface="Palatino Linotype" panose="02040502050505030304" pitchFamily="18" charset="0"/>
-                <a:ea typeface="ＭＳ Ｐゴシック" charset="0"/>
-              </a:rPr>
-              <a:t>Modelimizi ele alalım. Burada </a:t>
-            </a:r>
-            <a:r>
-              <a:rPr lang="en-US" sz="2000" dirty="0" err="1">
-                <a:latin typeface="Times New Roman"/>
-                <a:ea typeface="Calibri"/>
-                <a:cs typeface="Times New Roman"/>
-              </a:rPr>
-              <a:t>X</a:t>
-            </a:r>
-            <a:r>
-              <a:rPr lang="en-US" sz="2000" baseline="-25000" dirty="0" err="1">
-                <a:latin typeface="Times New Roman"/>
-                <a:ea typeface="Calibri"/>
-                <a:cs typeface="Times New Roman"/>
-              </a:rPr>
-              <a:t>i</a:t>
-            </a:r>
-            <a:r>
-              <a:rPr lang="en-US" sz="2000" baseline="-25000" dirty="0" err="1">
-                <a:solidFill>
-                  <a:srgbClr val="FF0000"/>
-                </a:solidFill>
-                <a:latin typeface="Times New Roman"/>
-                <a:ea typeface="Calibri"/>
-                <a:cs typeface="Times New Roman"/>
-              </a:rPr>
-              <a:t>j</a:t>
-            </a:r>
-            <a:r>
-              <a:rPr lang="tr-TR" sz="2000" dirty="0">
-                <a:latin typeface="Palatino Linotype" panose="02040502050505030304" pitchFamily="18" charset="0"/>
-                <a:ea typeface="ＭＳ Ｐゴシック" charset="0"/>
-              </a:rPr>
-              <a:t> değişkenimiz 1. seviye bir değişken iken, </a:t>
-            </a:r>
-            <a:r>
-              <a:rPr lang="en-US" sz="2000" dirty="0" err="1">
-                <a:latin typeface="Times New Roman"/>
-                <a:ea typeface="Calibri"/>
-                <a:cs typeface="Times New Roman"/>
-              </a:rPr>
-              <a:t>X</a:t>
-            </a:r>
-            <a:r>
-              <a:rPr lang="en-US" sz="2000" baseline="-25000" dirty="0" err="1">
-                <a:solidFill>
-                  <a:srgbClr val="FF0000"/>
-                </a:solidFill>
-                <a:latin typeface="Times New Roman"/>
-                <a:ea typeface="Calibri"/>
-                <a:cs typeface="Times New Roman"/>
-              </a:rPr>
-              <a:t>j</a:t>
-            </a:r>
-            <a:r>
-              <a:rPr lang="tr-TR" sz="2000" dirty="0">
-                <a:latin typeface="Palatino Linotype" panose="02040502050505030304" pitchFamily="18" charset="0"/>
-                <a:ea typeface="ＭＳ Ｐゴシック" charset="0"/>
-              </a:rPr>
-              <a:t> değişkenimiz ise 2. seviye bir değişkendir. Yani öğrenci ve öğretmenlerden oluşan bir veri setinde, ilki öğrenciler ile ilgili (örneğin </a:t>
-            </a:r>
-            <a:r>
-              <a:rPr lang="tr-TR" sz="2000" dirty="0" err="1">
-                <a:latin typeface="Palatino Linotype" panose="02040502050505030304" pitchFamily="18" charset="0"/>
-                <a:ea typeface="ＭＳ Ｐゴシック" charset="0"/>
-              </a:rPr>
-              <a:t>sosyo</a:t>
-            </a:r>
-            <a:r>
-              <a:rPr lang="tr-TR" sz="2000" dirty="0">
-                <a:latin typeface="Palatino Linotype" panose="02040502050505030304" pitchFamily="18" charset="0"/>
-                <a:ea typeface="ＭＳ Ｐゴシック" charset="0"/>
-              </a:rPr>
-              <a:t>-ekonomik durum) ikincisi ise öğretmenlerle ilgili bir değişken (sınıfta teknoloji kullanımı) olacaktır. </a:t>
-            </a:r>
-          </a:p>
-          <a:p>
-            <a:pPr marL="354013" eaLnBrk="1" hangingPunct="1"/>
-            <a:r>
-              <a:rPr lang="tr-TR" sz="2000" dirty="0">
-                <a:latin typeface="Palatino Linotype" panose="02040502050505030304" pitchFamily="18" charset="0"/>
-                <a:ea typeface="ＭＳ Ｐゴシック" charset="0"/>
-              </a:rPr>
-              <a:t>Burada öğrencilerin </a:t>
-            </a:r>
-            <a:r>
-              <a:rPr lang="tr-TR" sz="2000" dirty="0" err="1">
-                <a:latin typeface="Palatino Linotype" panose="02040502050505030304" pitchFamily="18" charset="0"/>
-                <a:ea typeface="ＭＳ Ｐゴシック" charset="0"/>
-              </a:rPr>
-              <a:t>sosyo</a:t>
-            </a:r>
-            <a:r>
-              <a:rPr lang="tr-TR" sz="2000" dirty="0">
-                <a:latin typeface="Palatino Linotype" panose="02040502050505030304" pitchFamily="18" charset="0"/>
-                <a:ea typeface="ＭＳ Ｐゴシック" charset="0"/>
-              </a:rPr>
-              <a:t>-ekonomik durumunu rastgele etki olarak belirtirsek her öğrenci için bu değişken üzerinden farklı katsayı hesaplanacaktır. Diğer türlü tüm öğrenciler için aynı katsayı olacak, öğrencilerin farklılıkları </a:t>
-            </a:r>
-            <a:r>
-              <a:rPr lang="tr-TR" sz="2000" dirty="0" err="1">
-                <a:latin typeface="Palatino Linotype" panose="02040502050505030304" pitchFamily="18" charset="0"/>
-                <a:ea typeface="ＭＳ Ｐゴシック" charset="0"/>
-              </a:rPr>
-              <a:t>residual</a:t>
-            </a:r>
-            <a:r>
-              <a:rPr lang="tr-TR" sz="2000" dirty="0">
-                <a:latin typeface="Palatino Linotype" panose="02040502050505030304" pitchFamily="18" charset="0"/>
-                <a:ea typeface="ＭＳ Ｐゴシック" charset="0"/>
-              </a:rPr>
-              <a:t> değerlerine yansıyacaktır.</a:t>
-            </a:r>
-          </a:p>
-          <a:p>
-            <a:pPr marL="354013" eaLnBrk="1" hangingPunct="1"/>
-            <a:r>
-              <a:rPr lang="tr-TR" sz="2000" dirty="0">
-                <a:latin typeface="Palatino Linotype" panose="02040502050505030304" pitchFamily="18" charset="0"/>
-                <a:ea typeface="ＭＳ Ｐゴシック" charset="0"/>
-              </a:rPr>
-              <a:t>Öğretmen değişkeni için de benzer şekilde olacaktır. </a:t>
-            </a:r>
-            <a:endParaRPr lang="en-US" sz="2000" dirty="0">
+            <a:endParaRPr lang="tr-TR" sz="2000" dirty="0">
               <a:latin typeface="Palatino Linotype" panose="02040502050505030304" pitchFamily="18" charset="0"/>
               <a:ea typeface="ＭＳ Ｐゴシック" charset="0"/>
             </a:endParaRPr>
           </a:p>
           <a:p>
-            <a:pPr marL="11113" indent="0" eaLnBrk="1" hangingPunct="1">
+            <a:pPr marL="0" indent="0" eaLnBrk="1" hangingPunct="1">
+              <a:lnSpc>
+                <a:spcPct val="50000"/>
+              </a:lnSpc>
+              <a:buFontTx/>
+              <a:buNone/>
+            </a:pPr>
+            <a:endParaRPr lang="tr-TR" sz="2000" dirty="0">
+              <a:latin typeface="Palatino Linotype" panose="02040502050505030304" pitchFamily="18" charset="0"/>
+              <a:ea typeface="ＭＳ Ｐゴシック" charset="0"/>
+            </a:endParaRPr>
+          </a:p>
+          <a:p>
+            <a:pPr marL="0" indent="0" eaLnBrk="1" hangingPunct="1">
+              <a:lnSpc>
+                <a:spcPct val="50000"/>
+              </a:lnSpc>
+              <a:buFontTx/>
+              <a:buNone/>
+            </a:pPr>
+            <a:endParaRPr lang="tr-TR" sz="2000" dirty="0">
+              <a:latin typeface="Palatino Linotype" panose="02040502050505030304" pitchFamily="18" charset="0"/>
+              <a:ea typeface="ＭＳ Ｐゴシック" charset="0"/>
+            </a:endParaRPr>
+          </a:p>
+          <a:p>
+            <a:pPr marL="0" indent="0" eaLnBrk="1" hangingPunct="1">
+              <a:lnSpc>
+                <a:spcPct val="50000"/>
+              </a:lnSpc>
+              <a:buFontTx/>
+              <a:buNone/>
+            </a:pPr>
+            <a:endParaRPr lang="tr-TR" sz="2000" dirty="0">
+              <a:latin typeface="Palatino Linotype" panose="02040502050505030304" pitchFamily="18" charset="0"/>
+              <a:ea typeface="ＭＳ Ｐゴシック" charset="0"/>
+            </a:endParaRPr>
+          </a:p>
+          <a:p>
+            <a:pPr marL="0" indent="0" eaLnBrk="1" hangingPunct="1">
+              <a:lnSpc>
+                <a:spcPct val="50000"/>
+              </a:lnSpc>
+              <a:buFontTx/>
+              <a:buNone/>
+            </a:pPr>
+            <a:endParaRPr lang="tr-TR" sz="2000" dirty="0">
+              <a:latin typeface="Palatino Linotype" panose="02040502050505030304" pitchFamily="18" charset="0"/>
+              <a:ea typeface="ＭＳ Ｐゴシック" charset="0"/>
+            </a:endParaRPr>
+          </a:p>
+          <a:p>
+            <a:pPr marL="0" indent="0" eaLnBrk="1" hangingPunct="1">
+              <a:lnSpc>
+                <a:spcPct val="50000"/>
+              </a:lnSpc>
+              <a:buFontTx/>
+              <a:buNone/>
+            </a:pPr>
+            <a:endParaRPr lang="tr-TR" sz="2000" dirty="0">
+              <a:latin typeface="Palatino Linotype" panose="02040502050505030304" pitchFamily="18" charset="0"/>
+              <a:ea typeface="ＭＳ Ｐゴシック" charset="0"/>
+            </a:endParaRPr>
+          </a:p>
+          <a:p>
+            <a:pPr marL="0" indent="0" eaLnBrk="1" hangingPunct="1">
+              <a:lnSpc>
+                <a:spcPct val="50000"/>
+              </a:lnSpc>
+              <a:buFontTx/>
+              <a:buNone/>
+            </a:pPr>
+            <a:endParaRPr lang="tr-TR" sz="2000" dirty="0">
+              <a:latin typeface="Palatino Linotype" panose="02040502050505030304" pitchFamily="18" charset="0"/>
+              <a:ea typeface="ＭＳ Ｐゴシック" charset="0"/>
+            </a:endParaRPr>
+          </a:p>
+          <a:p>
+            <a:pPr marL="0" indent="0" eaLnBrk="1" hangingPunct="1">
+              <a:lnSpc>
+                <a:spcPct val="50000"/>
+              </a:lnSpc>
+              <a:buFontTx/>
+              <a:buNone/>
+            </a:pPr>
+            <a:endParaRPr lang="tr-TR" sz="2000" dirty="0">
+              <a:latin typeface="Palatino Linotype" panose="02040502050505030304" pitchFamily="18" charset="0"/>
+              <a:ea typeface="ＭＳ Ｐゴシック" charset="0"/>
+            </a:endParaRPr>
+          </a:p>
+          <a:p>
+            <a:pPr marL="0" indent="0" eaLnBrk="1" hangingPunct="1">
+              <a:lnSpc>
+                <a:spcPct val="50000"/>
+              </a:lnSpc>
+              <a:buFontTx/>
+              <a:buNone/>
+            </a:pPr>
+            <a:endParaRPr lang="tr-TR" sz="2000" dirty="0">
+              <a:latin typeface="Palatino Linotype" panose="02040502050505030304" pitchFamily="18" charset="0"/>
+              <a:ea typeface="ＭＳ Ｐゴシック" charset="0"/>
+            </a:endParaRPr>
+          </a:p>
+          <a:p>
+            <a:pPr marL="0" indent="0" eaLnBrk="1" hangingPunct="1">
+              <a:lnSpc>
+                <a:spcPct val="50000"/>
+              </a:lnSpc>
+              <a:buFontTx/>
+              <a:buNone/>
+            </a:pPr>
+            <a:endParaRPr lang="tr-TR" sz="2000" dirty="0">
+              <a:latin typeface="Palatino Linotype" panose="02040502050505030304" pitchFamily="18" charset="0"/>
+              <a:ea typeface="ＭＳ Ｐゴシック" charset="0"/>
+            </a:endParaRPr>
+          </a:p>
+          <a:p>
+            <a:pPr marL="0" indent="0" eaLnBrk="1" hangingPunct="1">
+              <a:lnSpc>
+                <a:spcPct val="50000"/>
+              </a:lnSpc>
+              <a:buFontTx/>
+              <a:buNone/>
+            </a:pPr>
+            <a:endParaRPr lang="tr-TR" sz="2000" dirty="0">
+              <a:latin typeface="Palatino Linotype" panose="02040502050505030304" pitchFamily="18" charset="0"/>
+              <a:ea typeface="ＭＳ Ｐゴシック" charset="0"/>
+            </a:endParaRPr>
+          </a:p>
+          <a:p>
+            <a:pPr marL="0" indent="0" eaLnBrk="1" hangingPunct="1">
+              <a:lnSpc>
+                <a:spcPct val="50000"/>
+              </a:lnSpc>
+              <a:buFontTx/>
+              <a:buNone/>
+            </a:pPr>
+            <a:endParaRPr lang="tr-TR" sz="2000" dirty="0">
+              <a:latin typeface="Palatino Linotype" panose="02040502050505030304" pitchFamily="18" charset="0"/>
+              <a:ea typeface="ＭＳ Ｐゴシック" charset="0"/>
+            </a:endParaRPr>
+          </a:p>
+          <a:p>
+            <a:pPr marL="0" indent="0" eaLnBrk="1" hangingPunct="1">
+              <a:lnSpc>
+                <a:spcPct val="50000"/>
+              </a:lnSpc>
+              <a:buFontTx/>
+              <a:buNone/>
+            </a:pPr>
+            <a:endParaRPr lang="tr-TR" sz="2000" dirty="0">
+              <a:latin typeface="Palatino Linotype" panose="02040502050505030304" pitchFamily="18" charset="0"/>
+              <a:ea typeface="ＭＳ Ｐゴシック" charset="0"/>
+            </a:endParaRPr>
+          </a:p>
+          <a:p>
+            <a:pPr marL="0" indent="0" eaLnBrk="1" hangingPunct="1">
+              <a:lnSpc>
+                <a:spcPct val="50000"/>
+              </a:lnSpc>
+              <a:buFontTx/>
+              <a:buNone/>
+            </a:pPr>
+            <a:endParaRPr lang="tr-TR" sz="2000" dirty="0">
+              <a:latin typeface="Palatino Linotype" panose="02040502050505030304" pitchFamily="18" charset="0"/>
+              <a:ea typeface="ＭＳ Ｐゴシック" charset="0"/>
+            </a:endParaRPr>
+          </a:p>
+          <a:p>
+            <a:pPr marL="0" indent="0" eaLnBrk="1" hangingPunct="1">
+              <a:lnSpc>
+                <a:spcPct val="50000"/>
+              </a:lnSpc>
+              <a:buFontTx/>
+              <a:buNone/>
+            </a:pPr>
+            <a:endParaRPr lang="tr-TR" sz="2000" dirty="0">
+              <a:latin typeface="Palatino Linotype" panose="02040502050505030304" pitchFamily="18" charset="0"/>
+              <a:ea typeface="ＭＳ Ｐゴシック" charset="0"/>
+            </a:endParaRPr>
+          </a:p>
+          <a:p>
+            <a:pPr marL="0" indent="0" eaLnBrk="1" hangingPunct="1">
+              <a:lnSpc>
+                <a:spcPct val="50000"/>
+              </a:lnSpc>
+              <a:buFontTx/>
+              <a:buNone/>
+            </a:pPr>
+            <a:endParaRPr lang="tr-TR" sz="2000" dirty="0">
+              <a:latin typeface="Palatino Linotype" panose="02040502050505030304" pitchFamily="18" charset="0"/>
+              <a:ea typeface="ＭＳ Ｐゴシック" charset="0"/>
+            </a:endParaRPr>
+          </a:p>
+          <a:p>
+            <a:pPr marL="0" indent="0" eaLnBrk="1" hangingPunct="1">
+              <a:lnSpc>
+                <a:spcPct val="50000"/>
+              </a:lnSpc>
+              <a:buFontTx/>
+              <a:buNone/>
+            </a:pPr>
+            <a:endParaRPr lang="tr-TR" sz="2000" dirty="0">
+              <a:latin typeface="Palatino Linotype" panose="02040502050505030304" pitchFamily="18" charset="0"/>
+              <a:ea typeface="ＭＳ Ｐゴシック" charset="0"/>
+            </a:endParaRPr>
+          </a:p>
+          <a:p>
+            <a:pPr marL="0" indent="0" eaLnBrk="1" hangingPunct="1">
+              <a:lnSpc>
+                <a:spcPct val="50000"/>
+              </a:lnSpc>
+              <a:buFontTx/>
+              <a:buNone/>
+            </a:pPr>
+            <a:endParaRPr lang="tr-TR" sz="2000" dirty="0">
+              <a:latin typeface="Palatino Linotype" panose="02040502050505030304" pitchFamily="18" charset="0"/>
+              <a:ea typeface="ＭＳ Ｐゴシック" charset="0"/>
+            </a:endParaRPr>
+          </a:p>
+          <a:p>
+            <a:pPr marL="0" indent="0" eaLnBrk="1" hangingPunct="1">
+              <a:lnSpc>
+                <a:spcPct val="50000"/>
+              </a:lnSpc>
+              <a:buFontTx/>
+              <a:buNone/>
+            </a:pPr>
+            <a:endParaRPr lang="tr-TR" sz="2000" dirty="0">
+              <a:latin typeface="Palatino Linotype" panose="02040502050505030304" pitchFamily="18" charset="0"/>
+              <a:ea typeface="ＭＳ Ｐゴシック" charset="0"/>
+            </a:endParaRPr>
+          </a:p>
+          <a:p>
+            <a:pPr marL="0" indent="0" eaLnBrk="1" hangingPunct="1">
+              <a:lnSpc>
+                <a:spcPct val="50000"/>
+              </a:lnSpc>
+              <a:buFontTx/>
               <a:buNone/>
             </a:pPr>
             <a:endParaRPr lang="tr-TR" sz="2000" dirty="0">
@@ -20430,10 +20959,75 @@
           </a:p>
         </p:txBody>
       </p:sp>
+      <p:sp>
+        <p:nvSpPr>
+          <p:cNvPr id="14" name="TextBox 13"/>
+          <p:cNvSpPr txBox="1"/>
+          <p:nvPr/>
+        </p:nvSpPr>
+        <p:spPr>
+          <a:xfrm>
+            <a:off x="360744" y="585441"/>
+            <a:ext cx="7744274" cy="584775"/>
+          </a:xfrm>
+          <a:prstGeom prst="rect">
+            <a:avLst/>
+          </a:prstGeom>
+          <a:noFill/>
+        </p:spPr>
+        <p:txBody>
+          <a:bodyPr wrap="square" rtlCol="0">
+            <a:spAutoFit/>
+          </a:bodyPr>
+          <a:lstStyle/>
+          <a:p>
+            <a:pPr algn="ctr"/>
+            <a:r>
+              <a:rPr lang="tr-TR" sz="1600" i="0" dirty="0">
+                <a:latin typeface="Palatino Linotype" panose="02040502050505030304" pitchFamily="18" charset="0"/>
+              </a:rPr>
+              <a:t>ANCAK</a:t>
+            </a:r>
+          </a:p>
+          <a:p>
+            <a:pPr algn="ctr"/>
+            <a:r>
+              <a:rPr lang="tr-TR" sz="1600" i="0" dirty="0">
+                <a:latin typeface="Palatino Linotype" panose="02040502050505030304" pitchFamily="18" charset="0"/>
+              </a:rPr>
+              <a:t>Hem grupları hem de bireyleri dikkate alacak olursak:</a:t>
+            </a:r>
+          </a:p>
+        </p:txBody>
+      </p:sp>
+      <p:pic>
+        <p:nvPicPr>
+          <p:cNvPr id="17" name="Picture 16"/>
+          <p:cNvPicPr>
+            <a:picLocks noChangeAspect="1"/>
+          </p:cNvPicPr>
+          <p:nvPr/>
+        </p:nvPicPr>
+        <p:blipFill>
+          <a:blip r:embed="rId13"/>
+          <a:stretch>
+            <a:fillRect/>
+          </a:stretch>
+        </p:blipFill>
+        <p:spPr>
+          <a:xfrm>
+            <a:off x="1143000" y="1363109"/>
+            <a:ext cx="7267596" cy="3970891"/>
+          </a:xfrm>
+          <a:prstGeom prst="rect">
+            <a:avLst/>
+          </a:prstGeom>
+        </p:spPr>
+      </p:pic>
     </p:spTree>
     <p:extLst>
       <p:ext uri="{BB962C8B-B14F-4D97-AF65-F5344CB8AC3E}">
-        <p14:creationId xmlns:p14="http://schemas.microsoft.com/office/powerpoint/2010/main" val="64181201"/>
+        <p14:creationId xmlns:p14="http://schemas.microsoft.com/office/powerpoint/2010/main" val="1366211583"/>
       </p:ext>
     </p:extLst>
   </p:cSld>
@@ -20472,7 +21066,7 @@
         </p:nvSpPr>
         <p:spPr>
           <a:xfrm>
-            <a:off x="386135" y="152400"/>
+            <a:off x="304800" y="152400"/>
             <a:ext cx="8534400" cy="5357813"/>
           </a:xfrm>
         </p:spPr>
@@ -20488,7 +21082,7 @@
                 <a:latin typeface="Palatino Linotype" panose="02040502050505030304" pitchFamily="18" charset="0"/>
                 <a:ea typeface="ＭＳ Ｐゴシック" charset="0"/>
               </a:rPr>
-              <a:t>Şimdi gelelim kendi örneğimize</a:t>
+              <a:t>Sabit ve Rastgele Etki</a:t>
             </a:r>
           </a:p>
           <a:p>
@@ -20498,143 +21092,391 @@
                 <a:latin typeface="Palatino Linotype" panose="02040502050505030304" pitchFamily="18" charset="0"/>
                 <a:ea typeface="ＭＳ Ｐゴシック" charset="0"/>
               </a:rPr>
-              <a:t>Modelimiz temelde literatür taramasıyla elde edilen bir teoriye ve buna bağlı gelişen araştırma soru veya sorularımıza bağlı olarak belirlediğimiz bağımlı ve bağımsız değişkenlerimiz sayesinde ortaya çıkacaktır. </a:t>
+              <a:t>Bir model oluştururken bazı değişkenlerimizi sabit bazı değişkenlerimizi de rastgele olacak şekilde belirleyebiliriz.</a:t>
             </a:r>
           </a:p>
           <a:p>
             <a:pPr marL="360363" indent="-349250" eaLnBrk="1" hangingPunct="1"/>
+            <a:r>
+              <a:rPr lang="tr-TR" sz="2000" dirty="0">
+                <a:latin typeface="Palatino Linotype" panose="02040502050505030304" pitchFamily="18" charset="0"/>
+                <a:ea typeface="ＭＳ Ｐゴシック" charset="0"/>
+              </a:rPr>
+              <a:t> Hangi değişkenlerimizi sabit hangilerini rastgele etkili olarak alacağımızı literatürden elde edebileceğimiz gibi verimizi elde ettiğimizde de bu kararı verebiliriz.</a:t>
+            </a:r>
+          </a:p>
+          <a:p>
+            <a:pPr marL="11113" indent="0" algn="ctr" eaLnBrk="1" hangingPunct="1">
+              <a:buNone/>
+            </a:pPr>
+            <a:r>
+              <a:rPr lang="en-US" sz="2000" dirty="0" err="1">
+                <a:latin typeface="Times New Roman"/>
+                <a:ea typeface="Calibri"/>
+                <a:cs typeface="Times New Roman"/>
+              </a:rPr>
+              <a:t>Y</a:t>
+            </a:r>
+            <a:r>
+              <a:rPr lang="en-US" sz="2000" baseline="-25000" dirty="0" err="1">
+                <a:latin typeface="Times New Roman"/>
+                <a:ea typeface="Calibri"/>
+                <a:cs typeface="Times New Roman"/>
+              </a:rPr>
+              <a:t>i</a:t>
+            </a:r>
+            <a:r>
+              <a:rPr lang="en-US" sz="2000" baseline="-25000" dirty="0" err="1">
+                <a:solidFill>
+                  <a:srgbClr val="FF0000"/>
+                </a:solidFill>
+                <a:latin typeface="Times New Roman"/>
+                <a:ea typeface="Calibri"/>
+                <a:cs typeface="Times New Roman"/>
+              </a:rPr>
+              <a:t>j</a:t>
+            </a:r>
+            <a:r>
+              <a:rPr lang="en-US" sz="2000" dirty="0">
+                <a:latin typeface="Times New Roman"/>
+                <a:ea typeface="Calibri"/>
+                <a:cs typeface="Times New Roman"/>
+              </a:rPr>
+              <a:t> = B</a:t>
+            </a:r>
+            <a:r>
+              <a:rPr lang="en-US" sz="2000" baseline="-25000" dirty="0">
+                <a:latin typeface="Times New Roman"/>
+                <a:ea typeface="Calibri"/>
+                <a:cs typeface="Times New Roman"/>
+              </a:rPr>
+              <a:t>0</a:t>
+            </a:r>
+            <a:r>
+              <a:rPr lang="en-US" sz="2000" dirty="0">
+                <a:latin typeface="Times New Roman"/>
+                <a:ea typeface="Calibri"/>
+                <a:cs typeface="Times New Roman"/>
+              </a:rPr>
+              <a:t> + B</a:t>
+            </a:r>
+            <a:r>
+              <a:rPr lang="en-US" sz="2000" baseline="-25000" dirty="0">
+                <a:latin typeface="Times New Roman"/>
+                <a:ea typeface="Calibri"/>
+                <a:cs typeface="Times New Roman"/>
+              </a:rPr>
+              <a:t>1</a:t>
+            </a:r>
+            <a:r>
+              <a:rPr lang="en-US" sz="2000" dirty="0">
+                <a:latin typeface="Times New Roman"/>
+                <a:ea typeface="Calibri"/>
+                <a:cs typeface="Times New Roman"/>
+              </a:rPr>
+              <a:t>*</a:t>
+            </a:r>
+            <a:r>
+              <a:rPr lang="en-US" sz="2000" dirty="0" err="1">
+                <a:latin typeface="Times New Roman"/>
+                <a:ea typeface="Calibri"/>
+                <a:cs typeface="Times New Roman"/>
+              </a:rPr>
+              <a:t>X</a:t>
+            </a:r>
+            <a:r>
+              <a:rPr lang="en-US" sz="2000" baseline="-25000" dirty="0" err="1">
+                <a:latin typeface="Times New Roman"/>
+                <a:ea typeface="Calibri"/>
+                <a:cs typeface="Times New Roman"/>
+              </a:rPr>
+              <a:t>i</a:t>
+            </a:r>
+            <a:r>
+              <a:rPr lang="en-US" sz="2000" baseline="-25000" dirty="0" err="1">
+                <a:solidFill>
+                  <a:srgbClr val="FF0000"/>
+                </a:solidFill>
+                <a:latin typeface="Times New Roman"/>
+                <a:ea typeface="Calibri"/>
+                <a:cs typeface="Times New Roman"/>
+              </a:rPr>
+              <a:t>j</a:t>
+            </a:r>
+            <a:r>
+              <a:rPr lang="en-US" sz="2000" dirty="0">
+                <a:latin typeface="Times New Roman"/>
+                <a:ea typeface="Calibri"/>
+                <a:cs typeface="Times New Roman"/>
+              </a:rPr>
+              <a:t> + B</a:t>
+            </a:r>
+            <a:r>
+              <a:rPr lang="tr-TR" sz="2000" baseline="-25000" dirty="0">
+                <a:latin typeface="Times New Roman"/>
+                <a:ea typeface="Calibri"/>
+                <a:cs typeface="Times New Roman"/>
+              </a:rPr>
+              <a:t>2</a:t>
+            </a:r>
+            <a:r>
+              <a:rPr lang="en-US" sz="2000" dirty="0">
+                <a:latin typeface="Times New Roman"/>
+                <a:ea typeface="Calibri"/>
+                <a:cs typeface="Times New Roman"/>
+              </a:rPr>
+              <a:t>*</a:t>
+            </a:r>
+            <a:r>
+              <a:rPr lang="en-US" sz="2000" dirty="0" err="1">
+                <a:latin typeface="Times New Roman"/>
+                <a:ea typeface="Calibri"/>
+                <a:cs typeface="Times New Roman"/>
+              </a:rPr>
+              <a:t>X</a:t>
+            </a:r>
+            <a:r>
+              <a:rPr lang="en-US" sz="2000" baseline="-25000" dirty="0" err="1">
+                <a:solidFill>
+                  <a:srgbClr val="FF0000"/>
+                </a:solidFill>
+                <a:latin typeface="Times New Roman"/>
+                <a:ea typeface="Calibri"/>
+                <a:cs typeface="Times New Roman"/>
+              </a:rPr>
+              <a:t>j</a:t>
+            </a:r>
+            <a:r>
+              <a:rPr lang="en-US" sz="2000" dirty="0">
+                <a:latin typeface="Times New Roman"/>
+                <a:ea typeface="Calibri"/>
+                <a:cs typeface="Times New Roman"/>
+              </a:rPr>
+              <a:t> </a:t>
+            </a:r>
+            <a:r>
+              <a:rPr lang="tr-TR" sz="2000" dirty="0">
+                <a:latin typeface="Times New Roman"/>
+                <a:ea typeface="Calibri"/>
+                <a:cs typeface="Times New Roman"/>
+              </a:rPr>
+              <a:t>+ </a:t>
+            </a:r>
+            <a:r>
+              <a:rPr lang="en-US" sz="2000" dirty="0" err="1">
+                <a:solidFill>
+                  <a:srgbClr val="FF0000"/>
+                </a:solidFill>
+                <a:latin typeface="Times New Roman"/>
+                <a:ea typeface="Calibri"/>
+                <a:cs typeface="Times New Roman"/>
+              </a:rPr>
+              <a:t>u</a:t>
+            </a:r>
+            <a:r>
+              <a:rPr lang="en-US" sz="2000" baseline="-25000" dirty="0" err="1">
+                <a:solidFill>
+                  <a:srgbClr val="FF0000"/>
+                </a:solidFill>
+                <a:latin typeface="Times New Roman"/>
+                <a:ea typeface="Calibri"/>
+                <a:cs typeface="Times New Roman"/>
+              </a:rPr>
+              <a:t>j</a:t>
+            </a:r>
+            <a:r>
+              <a:rPr lang="en-US" sz="2000" dirty="0">
+                <a:latin typeface="Times New Roman"/>
+                <a:ea typeface="Calibri"/>
+                <a:cs typeface="Times New Roman"/>
+              </a:rPr>
+              <a:t> + </a:t>
+            </a:r>
+            <a:r>
+              <a:rPr lang="en-US" sz="2000" i="1" dirty="0" err="1">
+                <a:latin typeface="Times New Roman"/>
+                <a:ea typeface="Calibri"/>
+                <a:cs typeface="Times New Roman"/>
+              </a:rPr>
+              <a:t>e</a:t>
+            </a:r>
+            <a:r>
+              <a:rPr lang="en-US" sz="2000" i="1" baseline="-25000" dirty="0" err="1">
+                <a:latin typeface="Times New Roman"/>
+                <a:ea typeface="Calibri"/>
+                <a:cs typeface="Times New Roman"/>
+              </a:rPr>
+              <a:t>i</a:t>
+            </a:r>
+            <a:r>
+              <a:rPr lang="en-US" sz="2000" i="1" baseline="-25000" dirty="0" err="1">
+                <a:solidFill>
+                  <a:srgbClr val="FF0000"/>
+                </a:solidFill>
+                <a:latin typeface="Times New Roman"/>
+                <a:ea typeface="Calibri"/>
+                <a:cs typeface="Times New Roman"/>
+              </a:rPr>
+              <a:t>j</a:t>
+            </a:r>
+            <a:r>
+              <a:rPr lang="tr-TR" sz="2000" i="1" baseline="-25000" dirty="0">
+                <a:solidFill>
+                  <a:srgbClr val="FF0000"/>
+                </a:solidFill>
+                <a:latin typeface="Times New Roman"/>
+                <a:ea typeface="Calibri"/>
+                <a:cs typeface="Times New Roman"/>
+              </a:rPr>
+              <a:t> </a:t>
+            </a:r>
+          </a:p>
+          <a:p>
+            <a:pPr marL="11113" indent="0" eaLnBrk="1" hangingPunct="1">
+              <a:buNone/>
+            </a:pPr>
+            <a:r>
+              <a:rPr lang="tr-TR" sz="2000" dirty="0">
+                <a:latin typeface="Palatino Linotype" panose="02040502050505030304" pitchFamily="18" charset="0"/>
+                <a:ea typeface="ＭＳ Ｐゴシック" charset="0"/>
+              </a:rPr>
+              <a:t>Modelimizi ele alalım. Burada </a:t>
+            </a:r>
+            <a:r>
+              <a:rPr lang="en-US" sz="2000" dirty="0" err="1">
+                <a:latin typeface="Times New Roman"/>
+                <a:ea typeface="Calibri"/>
+                <a:cs typeface="Times New Roman"/>
+              </a:rPr>
+              <a:t>X</a:t>
+            </a:r>
+            <a:r>
+              <a:rPr lang="en-US" sz="2000" baseline="-25000" dirty="0" err="1">
+                <a:latin typeface="Times New Roman"/>
+                <a:ea typeface="Calibri"/>
+                <a:cs typeface="Times New Roman"/>
+              </a:rPr>
+              <a:t>i</a:t>
+            </a:r>
+            <a:r>
+              <a:rPr lang="en-US" sz="2000" baseline="-25000" dirty="0" err="1">
+                <a:solidFill>
+                  <a:srgbClr val="FF0000"/>
+                </a:solidFill>
+                <a:latin typeface="Times New Roman"/>
+                <a:ea typeface="Calibri"/>
+                <a:cs typeface="Times New Roman"/>
+              </a:rPr>
+              <a:t>j</a:t>
+            </a:r>
+            <a:r>
+              <a:rPr lang="tr-TR" sz="2000" dirty="0">
+                <a:latin typeface="Palatino Linotype" panose="02040502050505030304" pitchFamily="18" charset="0"/>
+                <a:ea typeface="ＭＳ Ｐゴシック" charset="0"/>
+              </a:rPr>
+              <a:t> değişkenimiz 1. seviye bir değişken iken, </a:t>
+            </a:r>
+            <a:r>
+              <a:rPr lang="en-US" sz="2000" dirty="0" err="1">
+                <a:latin typeface="Times New Roman"/>
+                <a:ea typeface="Calibri"/>
+                <a:cs typeface="Times New Roman"/>
+              </a:rPr>
+              <a:t>X</a:t>
+            </a:r>
+            <a:r>
+              <a:rPr lang="en-US" sz="2000" baseline="-25000" dirty="0" err="1">
+                <a:solidFill>
+                  <a:srgbClr val="FF0000"/>
+                </a:solidFill>
+                <a:latin typeface="Times New Roman"/>
+                <a:ea typeface="Calibri"/>
+                <a:cs typeface="Times New Roman"/>
+              </a:rPr>
+              <a:t>j</a:t>
+            </a:r>
+            <a:r>
+              <a:rPr lang="tr-TR" sz="2000" dirty="0">
+                <a:latin typeface="Palatino Linotype" panose="02040502050505030304" pitchFamily="18" charset="0"/>
+                <a:ea typeface="ＭＳ Ｐゴシック" charset="0"/>
+              </a:rPr>
+              <a:t> değişkenimiz ise 2. seviye bir değişkendir. Yani öğrenci ve öğretmenlerden oluşan bir veri setinde, ilki öğrenciler ile ilgili (örneğin </a:t>
+            </a:r>
+            <a:r>
+              <a:rPr lang="tr-TR" sz="2000" dirty="0" err="1">
+                <a:latin typeface="Palatino Linotype" panose="02040502050505030304" pitchFamily="18" charset="0"/>
+                <a:ea typeface="ＭＳ Ｐゴシック" charset="0"/>
+              </a:rPr>
+              <a:t>sosyo</a:t>
+            </a:r>
+            <a:r>
+              <a:rPr lang="tr-TR" sz="2000" dirty="0">
+                <a:latin typeface="Palatino Linotype" panose="02040502050505030304" pitchFamily="18" charset="0"/>
+                <a:ea typeface="ＭＳ Ｐゴシック" charset="0"/>
+              </a:rPr>
+              <a:t>-ekonomik durum) ikincisi ise öğretmenlerle ilgili bir değişken (sınıfta teknoloji kullanımı) olacaktır. </a:t>
+            </a:r>
+          </a:p>
+          <a:p>
+            <a:pPr marL="354013" eaLnBrk="1" hangingPunct="1"/>
+            <a:r>
+              <a:rPr lang="tr-TR" sz="2000" dirty="0">
+                <a:latin typeface="Palatino Linotype" panose="02040502050505030304" pitchFamily="18" charset="0"/>
+                <a:ea typeface="ＭＳ Ｐゴシック" charset="0"/>
+              </a:rPr>
+              <a:t>Burada öğrencilerin </a:t>
+            </a:r>
+            <a:r>
+              <a:rPr lang="tr-TR" sz="2000" dirty="0" err="1">
+                <a:latin typeface="Palatino Linotype" panose="02040502050505030304" pitchFamily="18" charset="0"/>
+                <a:ea typeface="ＭＳ Ｐゴシック" charset="0"/>
+              </a:rPr>
+              <a:t>sosyo</a:t>
+            </a:r>
+            <a:r>
+              <a:rPr lang="tr-TR" sz="2000" dirty="0">
+                <a:latin typeface="Palatino Linotype" panose="02040502050505030304" pitchFamily="18" charset="0"/>
+                <a:ea typeface="ＭＳ Ｐゴシック" charset="0"/>
+              </a:rPr>
+              <a:t>-ekonomik durumunu rastgele etki olarak belirtirsek her öğrenci için bu değişken üzerinden farklı katsayı hesaplanacaktır. Diğer türlü tüm öğrenciler için aynı katsayı olacak, öğrencilerin farklılıkları </a:t>
+            </a:r>
+            <a:r>
+              <a:rPr lang="tr-TR" sz="2000" dirty="0" err="1">
+                <a:latin typeface="Palatino Linotype" panose="02040502050505030304" pitchFamily="18" charset="0"/>
+                <a:ea typeface="ＭＳ Ｐゴシック" charset="0"/>
+              </a:rPr>
+              <a:t>residual</a:t>
+            </a:r>
+            <a:r>
+              <a:rPr lang="tr-TR" sz="2000" dirty="0">
+                <a:latin typeface="Palatino Linotype" panose="02040502050505030304" pitchFamily="18" charset="0"/>
+                <a:ea typeface="ＭＳ Ｐゴシック" charset="0"/>
+              </a:rPr>
+              <a:t> değerlerine yansıyacaktır.</a:t>
+            </a:r>
+          </a:p>
+          <a:p>
+            <a:pPr marL="354013" eaLnBrk="1" hangingPunct="1"/>
+            <a:r>
+              <a:rPr lang="tr-TR" sz="2000" dirty="0">
+                <a:latin typeface="Palatino Linotype" panose="02040502050505030304" pitchFamily="18" charset="0"/>
+                <a:ea typeface="ＭＳ Ｐゴシック" charset="0"/>
+              </a:rPr>
+              <a:t>Öğretmen değişkeni için de benzer şekilde olacaktır. </a:t>
+            </a:r>
+            <a:endParaRPr lang="en-US" sz="2000" dirty="0">
+              <a:latin typeface="Palatino Linotype" panose="02040502050505030304" pitchFamily="18" charset="0"/>
+              <a:ea typeface="ＭＳ Ｐゴシック" charset="0"/>
+            </a:endParaRPr>
+          </a:p>
+          <a:p>
+            <a:pPr marL="11113" indent="0" eaLnBrk="1" hangingPunct="1">
+              <a:buNone/>
+            </a:pPr>
             <a:endParaRPr lang="tr-TR" sz="2000" dirty="0">
               <a:latin typeface="Palatino Linotype" panose="02040502050505030304" pitchFamily="18" charset="0"/>
               <a:ea typeface="ＭＳ Ｐゴシック" charset="0"/>
             </a:endParaRPr>
-          </a:p>
-          <a:p>
-            <a:pPr marL="760413" lvl="1" indent="-349250" eaLnBrk="1" hangingPunct="1">
-              <a:buFont typeface="Arial" panose="020B0604020202020204" pitchFamily="34" charset="0"/>
-              <a:buChar char="•"/>
-            </a:pPr>
-            <a:r>
-              <a:rPr lang="tr-TR" sz="2000" dirty="0">
-                <a:latin typeface="Palatino Linotype" panose="02040502050505030304" pitchFamily="18" charset="0"/>
-                <a:ea typeface="ＭＳ Ｐゴシック" charset="0"/>
-              </a:rPr>
-              <a:t>Örnek olarak Türkiye’deki okullar genelinde </a:t>
-            </a:r>
-          </a:p>
-          <a:p>
-            <a:pPr marL="811213" lvl="2" indent="0" algn="ctr" eaLnBrk="1" hangingPunct="1">
-              <a:buNone/>
-            </a:pPr>
-            <a:r>
-              <a:rPr lang="tr-TR" sz="1600" b="1" dirty="0">
-                <a:latin typeface="Palatino Linotype" panose="02040502050505030304" pitchFamily="18" charset="0"/>
-                <a:ea typeface="ＭＳ Ｐゴシック" charset="0"/>
-              </a:rPr>
-              <a:t>8. Sınıf matematik öğretmenlerinin birbiriyle olan etkileşimi, öğretmenlerin ve öğrencilerin cinsiyetleri</a:t>
-            </a:r>
-          </a:p>
-          <a:p>
-            <a:pPr marL="811213" lvl="2" indent="0" algn="ctr" eaLnBrk="1" hangingPunct="1">
-              <a:buNone/>
-            </a:pPr>
-            <a:r>
-              <a:rPr lang="tr-TR" sz="1600" dirty="0">
-                <a:latin typeface="Palatino Linotype" panose="02040502050505030304" pitchFamily="18" charset="0"/>
-                <a:ea typeface="ＭＳ Ｐゴシック" charset="0"/>
-              </a:rPr>
-              <a:t> ile </a:t>
-            </a:r>
-          </a:p>
-          <a:p>
-            <a:pPr marL="811213" lvl="2" indent="0" algn="ctr" eaLnBrk="1" hangingPunct="1">
-              <a:buNone/>
-            </a:pPr>
-            <a:r>
-              <a:rPr lang="tr-TR" sz="1600" b="1" dirty="0">
-                <a:latin typeface="Palatino Linotype" panose="02040502050505030304" pitchFamily="18" charset="0"/>
-                <a:ea typeface="ＭＳ Ｐゴシック" charset="0"/>
-              </a:rPr>
-              <a:t>öğrenci basarisi </a:t>
-            </a:r>
-          </a:p>
-          <a:p>
-            <a:pPr marL="811213" lvl="2" indent="0" eaLnBrk="1" hangingPunct="1">
-              <a:buNone/>
-            </a:pPr>
-            <a:r>
-              <a:rPr lang="tr-TR" sz="1600" dirty="0">
-                <a:latin typeface="Palatino Linotype" panose="02040502050505030304" pitchFamily="18" charset="0"/>
-                <a:ea typeface="ＭＳ Ｐゴシック" charset="0"/>
-              </a:rPr>
-              <a:t>arasındaki ilişkiyi inceleyebiliriz. </a:t>
-            </a:r>
-          </a:p>
-          <a:p>
-            <a:pPr marL="760413" lvl="1" indent="-349250" eaLnBrk="1" hangingPunct="1">
-              <a:buFont typeface="Arial" panose="020B0604020202020204" pitchFamily="34" charset="0"/>
-              <a:buChar char="•"/>
-            </a:pPr>
-            <a:r>
-              <a:rPr lang="tr-TR" sz="2000" dirty="0">
-                <a:latin typeface="Palatino Linotype" panose="02040502050505030304" pitchFamily="18" charset="0"/>
-                <a:ea typeface="ＭＳ Ｐゴシック" charset="0"/>
-              </a:rPr>
-              <a:t>Kaç seviyeli bir modelimiz oluştu?</a:t>
-            </a:r>
-          </a:p>
-          <a:p>
-            <a:pPr marL="760413" lvl="1" indent="-349250" eaLnBrk="1" hangingPunct="1">
-              <a:buFont typeface="Arial" panose="020B0604020202020204" pitchFamily="34" charset="0"/>
-              <a:buChar char="•"/>
-            </a:pPr>
-            <a:r>
-              <a:rPr lang="tr-TR" sz="2000" dirty="0">
-                <a:latin typeface="Palatino Linotype" panose="02040502050505030304" pitchFamily="18" charset="0"/>
-                <a:ea typeface="ＭＳ Ｐゴシック" charset="0"/>
-              </a:rPr>
-              <a:t>Hangisi(</a:t>
-            </a:r>
-            <a:r>
-              <a:rPr lang="tr-TR" sz="2000" dirty="0" err="1">
-                <a:latin typeface="Palatino Linotype" panose="02040502050505030304" pitchFamily="18" charset="0"/>
-                <a:ea typeface="ＭＳ Ｐゴシック" charset="0"/>
-              </a:rPr>
-              <a:t>leri</a:t>
-            </a:r>
-            <a:r>
-              <a:rPr lang="tr-TR" sz="2000" dirty="0">
-                <a:latin typeface="Palatino Linotype" panose="02040502050505030304" pitchFamily="18" charset="0"/>
-                <a:ea typeface="ＭＳ Ｐゴシック" charset="0"/>
-              </a:rPr>
-              <a:t>) açıklayıcı (bağımsız), Hangisi(</a:t>
-            </a:r>
-            <a:r>
-              <a:rPr lang="tr-TR" sz="2000" dirty="0" err="1">
-                <a:latin typeface="Palatino Linotype" panose="02040502050505030304" pitchFamily="18" charset="0"/>
-                <a:ea typeface="ＭＳ Ｐゴシック" charset="0"/>
-              </a:rPr>
-              <a:t>leri</a:t>
-            </a:r>
-            <a:r>
-              <a:rPr lang="tr-TR" sz="2000" dirty="0">
-                <a:latin typeface="Palatino Linotype" panose="02040502050505030304" pitchFamily="18" charset="0"/>
-                <a:ea typeface="ＭＳ Ｐゴシック" charset="0"/>
-              </a:rPr>
-              <a:t>) çıktı (bağımlı) değişken?</a:t>
-            </a:r>
-          </a:p>
-          <a:p>
-            <a:pPr marL="760413" lvl="1" indent="-349250" eaLnBrk="1" hangingPunct="1">
-              <a:buFont typeface="Arial" panose="020B0604020202020204" pitchFamily="34" charset="0"/>
-              <a:buChar char="•"/>
-            </a:pPr>
-            <a:r>
-              <a:rPr lang="tr-TR" sz="2000" dirty="0">
-                <a:latin typeface="Palatino Linotype" panose="02040502050505030304" pitchFamily="18" charset="0"/>
-                <a:ea typeface="ＭＳ Ｐゴシック" charset="0"/>
-              </a:rPr>
-              <a:t>Diğer bir deyişle, araştırma sorumuz: “Öğrenci ve öğretmenlerin cinsiyetleri ve öğretmenlerin kendi aralarında etkileşimleri ile  öğrencilerin matematik basarisi arasındaki ilişki nasıldır?” olsun. </a:t>
-            </a:r>
           </a:p>
         </p:txBody>
       </p:sp>
@@ -21096,7 +21938,7 @@
     </p:spTree>
     <p:extLst>
       <p:ext uri="{BB962C8B-B14F-4D97-AF65-F5344CB8AC3E}">
-        <p14:creationId xmlns:p14="http://schemas.microsoft.com/office/powerpoint/2010/main" val="712590151"/>
+        <p14:creationId xmlns:p14="http://schemas.microsoft.com/office/powerpoint/2010/main" val="64181201"/>
       </p:ext>
     </p:extLst>
   </p:cSld>
@@ -21135,7 +21977,7 @@
         </p:nvSpPr>
         <p:spPr>
           <a:xfrm>
-            <a:off x="381000" y="533400"/>
+            <a:off x="304800" y="152400"/>
             <a:ext cx="8534400" cy="5357813"/>
           </a:xfrm>
         </p:spPr>
@@ -21143,114 +21985,880 @@
           <a:bodyPr/>
           <a:lstStyle/>
           <a:p>
-            <a:pPr marL="411163" lvl="1" indent="0" eaLnBrk="1" hangingPunct="1"/>
-            <a:r>
-              <a:rPr lang="tr-TR" sz="2400" dirty="0">
+            <a:pPr marL="11113" indent="0" algn="ctr" eaLnBrk="1" hangingPunct="1">
+              <a:buNone/>
+            </a:pPr>
+            <a:endParaRPr lang="tr-TR" sz="2000" b="1" dirty="0">
+              <a:latin typeface="Palatino Linotype" panose="02040502050505030304" pitchFamily="18" charset="0"/>
+              <a:ea typeface="ＭＳ Ｐゴシック" charset="0"/>
+            </a:endParaRPr>
+          </a:p>
+          <a:p>
+            <a:pPr marL="11113" indent="0" algn="ctr" eaLnBrk="1" hangingPunct="1">
+              <a:buNone/>
+            </a:pPr>
+            <a:endParaRPr lang="tr-TR" sz="2000" b="1" dirty="0">
+              <a:latin typeface="Palatino Linotype" panose="02040502050505030304" pitchFamily="18" charset="0"/>
+              <a:ea typeface="ＭＳ Ｐゴシック" charset="0"/>
+            </a:endParaRPr>
+          </a:p>
+          <a:p>
+            <a:pPr marL="11113" indent="0" algn="ctr" eaLnBrk="1" hangingPunct="1">
+              <a:buNone/>
+            </a:pPr>
+            <a:r>
+              <a:rPr lang="tr-TR" sz="2000" b="1" dirty="0">
                 <a:latin typeface="Palatino Linotype" panose="02040502050505030304" pitchFamily="18" charset="0"/>
                 <a:ea typeface="ＭＳ Ｐゴシック" charset="0"/>
               </a:rPr>
-              <a:t>Dikkat edilmesi gereken nokta, burada bir </a:t>
-            </a:r>
-            <a:r>
-              <a:rPr lang="tr-TR" sz="2400" dirty="0" err="1">
-                <a:latin typeface="Palatino Linotype" panose="02040502050505030304" pitchFamily="18" charset="0"/>
-                <a:ea typeface="ＭＳ Ｐゴシック" charset="0"/>
+              <a:t>Sabit ve Rastgele Etki</a:t>
+            </a:r>
+          </a:p>
+          <a:p>
+            <a:pPr marL="11113" indent="0" algn="ctr" eaLnBrk="1" hangingPunct="1">
+              <a:buNone/>
+            </a:pPr>
+            <a:r>
+              <a:rPr lang="en-US" sz="2000" dirty="0" err="1">
+                <a:latin typeface="Times New Roman"/>
+                <a:ea typeface="Calibri"/>
+                <a:cs typeface="Times New Roman"/>
               </a:rPr>
-              <a:t>nedensel</a:t>
-            </a:r>
-            <a:r>
-              <a:rPr lang="tr-TR" sz="2400" dirty="0">
-                <a:latin typeface="Palatino Linotype" panose="02040502050505030304" pitchFamily="18" charset="0"/>
-                <a:ea typeface="ＭＳ Ｐゴシック" charset="0"/>
+              <a:t>Y</a:t>
+            </a:r>
+            <a:r>
+              <a:rPr lang="en-US" sz="2000" baseline="-25000" dirty="0" err="1">
+                <a:latin typeface="Times New Roman"/>
+                <a:ea typeface="Calibri"/>
+                <a:cs typeface="Times New Roman"/>
               </a:rPr>
-              <a:t> ilişki (</a:t>
-            </a:r>
-            <a:r>
-              <a:rPr lang="tr-TR" sz="2400" dirty="0" err="1">
-                <a:latin typeface="Palatino Linotype" panose="02040502050505030304" pitchFamily="18" charset="0"/>
-                <a:ea typeface="ＭＳ Ｐゴシック" charset="0"/>
+              <a:t>i</a:t>
+            </a:r>
+            <a:r>
+              <a:rPr lang="en-US" sz="2000" baseline="-25000" dirty="0" err="1">
+                <a:solidFill>
+                  <a:srgbClr val="FF0000"/>
+                </a:solidFill>
+                <a:latin typeface="Times New Roman"/>
+                <a:ea typeface="Calibri"/>
+                <a:cs typeface="Times New Roman"/>
               </a:rPr>
-              <a:t>causal</a:t>
-            </a:r>
-            <a:r>
-              <a:rPr lang="tr-TR" sz="2400" dirty="0">
-                <a:latin typeface="Palatino Linotype" panose="02040502050505030304" pitchFamily="18" charset="0"/>
-                <a:ea typeface="ＭＳ Ｐゴシック" charset="0"/>
+              <a:t>j</a:t>
+            </a:r>
+            <a:r>
+              <a:rPr lang="en-US" sz="2000" dirty="0">
+                <a:latin typeface="Times New Roman"/>
+                <a:ea typeface="Calibri"/>
+                <a:cs typeface="Times New Roman"/>
+              </a:rPr>
+              <a:t> = B</a:t>
+            </a:r>
+            <a:r>
+              <a:rPr lang="en-US" sz="2000" baseline="-25000" dirty="0">
+                <a:latin typeface="Times New Roman"/>
+                <a:ea typeface="Calibri"/>
+                <a:cs typeface="Times New Roman"/>
+              </a:rPr>
+              <a:t>0</a:t>
+            </a:r>
+            <a:r>
+              <a:rPr lang="en-US" sz="2000" dirty="0">
+                <a:latin typeface="Times New Roman"/>
+                <a:ea typeface="Calibri"/>
+                <a:cs typeface="Times New Roman"/>
+              </a:rPr>
+              <a:t> + B</a:t>
+            </a:r>
+            <a:r>
+              <a:rPr lang="en-US" sz="2000" baseline="-25000" dirty="0">
+                <a:latin typeface="Times New Roman"/>
+                <a:ea typeface="Calibri"/>
+                <a:cs typeface="Times New Roman"/>
+              </a:rPr>
+              <a:t>1</a:t>
+            </a:r>
+            <a:r>
+              <a:rPr lang="en-US" sz="2000" dirty="0">
+                <a:latin typeface="Times New Roman"/>
+                <a:ea typeface="Calibri"/>
+                <a:cs typeface="Times New Roman"/>
+              </a:rPr>
+              <a:t>*</a:t>
+            </a:r>
+            <a:r>
+              <a:rPr lang="en-US" sz="2000" dirty="0" err="1">
+                <a:latin typeface="Times New Roman"/>
+                <a:ea typeface="Calibri"/>
+                <a:cs typeface="Times New Roman"/>
+              </a:rPr>
+              <a:t>X</a:t>
+            </a:r>
+            <a:r>
+              <a:rPr lang="en-US" sz="2000" baseline="-25000" dirty="0" err="1">
+                <a:latin typeface="Times New Roman"/>
+                <a:ea typeface="Calibri"/>
+                <a:cs typeface="Times New Roman"/>
+              </a:rPr>
+              <a:t>i</a:t>
+            </a:r>
+            <a:r>
+              <a:rPr lang="en-US" sz="2000" baseline="-25000" dirty="0" err="1">
+                <a:solidFill>
+                  <a:srgbClr val="FF0000"/>
+                </a:solidFill>
+                <a:latin typeface="Times New Roman"/>
+                <a:ea typeface="Calibri"/>
+                <a:cs typeface="Times New Roman"/>
+              </a:rPr>
+              <a:t>j</a:t>
+            </a:r>
+            <a:r>
+              <a:rPr lang="en-US" sz="2000" dirty="0">
+                <a:latin typeface="Times New Roman"/>
+                <a:ea typeface="Calibri"/>
+                <a:cs typeface="Times New Roman"/>
+              </a:rPr>
+              <a:t> + B</a:t>
+            </a:r>
+            <a:r>
+              <a:rPr lang="tr-TR" sz="2000" baseline="-25000" dirty="0">
+                <a:latin typeface="Times New Roman"/>
+                <a:ea typeface="Calibri"/>
+                <a:cs typeface="Times New Roman"/>
+              </a:rPr>
+              <a:t>2</a:t>
+            </a:r>
+            <a:r>
+              <a:rPr lang="en-US" sz="2000" dirty="0">
+                <a:latin typeface="Times New Roman"/>
+                <a:ea typeface="Calibri"/>
+                <a:cs typeface="Times New Roman"/>
+              </a:rPr>
+              <a:t>*</a:t>
+            </a:r>
+            <a:r>
+              <a:rPr lang="en-US" sz="2000" dirty="0" err="1">
+                <a:latin typeface="Times New Roman"/>
+                <a:ea typeface="Calibri"/>
+                <a:cs typeface="Times New Roman"/>
+              </a:rPr>
+              <a:t>X</a:t>
+            </a:r>
+            <a:r>
+              <a:rPr lang="en-US" sz="2000" baseline="-25000" dirty="0" err="1">
+                <a:solidFill>
+                  <a:srgbClr val="FF0000"/>
+                </a:solidFill>
+                <a:latin typeface="Times New Roman"/>
+                <a:ea typeface="Calibri"/>
+                <a:cs typeface="Times New Roman"/>
+              </a:rPr>
+              <a:t>j</a:t>
+            </a:r>
+            <a:r>
+              <a:rPr lang="en-US" sz="2000" dirty="0">
+                <a:latin typeface="Times New Roman"/>
+                <a:ea typeface="Calibri"/>
+                <a:cs typeface="Times New Roman"/>
               </a:rPr>
               <a:t> </a:t>
             </a:r>
             <a:r>
-              <a:rPr lang="tr-TR" sz="2400" dirty="0" err="1">
-                <a:latin typeface="Palatino Linotype" panose="02040502050505030304" pitchFamily="18" charset="0"/>
-                <a:ea typeface="ＭＳ Ｐゴシック" charset="0"/>
+              <a:rPr lang="tr-TR" sz="2000" dirty="0">
+                <a:latin typeface="Times New Roman"/>
+                <a:ea typeface="Calibri"/>
+                <a:cs typeface="Times New Roman"/>
               </a:rPr>
-              <a:t>effect</a:t>
-            </a:r>
-            <a:r>
-              <a:rPr lang="tr-TR" sz="2400" dirty="0">
-                <a:latin typeface="Palatino Linotype" panose="02040502050505030304" pitchFamily="18" charset="0"/>
-                <a:ea typeface="ＭＳ Ｐゴシック" charset="0"/>
+              <a:t>+ </a:t>
+            </a:r>
+            <a:r>
+              <a:rPr lang="en-US" sz="2000" dirty="0" err="1">
+                <a:solidFill>
+                  <a:srgbClr val="FF0000"/>
+                </a:solidFill>
+                <a:latin typeface="Times New Roman"/>
+                <a:ea typeface="Calibri"/>
+                <a:cs typeface="Times New Roman"/>
               </a:rPr>
-              <a:t>) ortaya konulmadığıdır. Yani öğretmen etkileşimleri ile öğrenci başarısı arasındaki ilişkinin yönü yoktur!!!</a:t>
-            </a:r>
-          </a:p>
-          <a:p>
-            <a:pPr marL="411163" lvl="1" indent="0" eaLnBrk="1" hangingPunct="1"/>
+              <a:t>u</a:t>
+            </a:r>
+            <a:r>
+              <a:rPr lang="en-US" sz="2000" baseline="-25000" dirty="0" err="1">
+                <a:solidFill>
+                  <a:srgbClr val="FF0000"/>
+                </a:solidFill>
+                <a:latin typeface="Times New Roman"/>
+                <a:ea typeface="Calibri"/>
+                <a:cs typeface="Times New Roman"/>
+              </a:rPr>
+              <a:t>j</a:t>
+            </a:r>
+            <a:r>
+              <a:rPr lang="en-US" sz="2000" dirty="0">
+                <a:latin typeface="Times New Roman"/>
+                <a:ea typeface="Calibri"/>
+                <a:cs typeface="Times New Roman"/>
+              </a:rPr>
+              <a:t> + </a:t>
+            </a:r>
+            <a:r>
+              <a:rPr lang="en-US" sz="2000" i="1" dirty="0" err="1">
+                <a:latin typeface="Times New Roman"/>
+                <a:ea typeface="Calibri"/>
+                <a:cs typeface="Times New Roman"/>
+              </a:rPr>
+              <a:t>e</a:t>
+            </a:r>
+            <a:r>
+              <a:rPr lang="en-US" sz="2000" i="1" baseline="-25000" dirty="0" err="1">
+                <a:latin typeface="Times New Roman"/>
+                <a:ea typeface="Calibri"/>
+                <a:cs typeface="Times New Roman"/>
+              </a:rPr>
+              <a:t>i</a:t>
+            </a:r>
+            <a:r>
+              <a:rPr lang="en-US" sz="2000" i="1" baseline="-25000" dirty="0" err="1">
+                <a:solidFill>
+                  <a:srgbClr val="FF0000"/>
+                </a:solidFill>
+                <a:latin typeface="Times New Roman"/>
+                <a:ea typeface="Calibri"/>
+                <a:cs typeface="Times New Roman"/>
+              </a:rPr>
+              <a:t>j</a:t>
+            </a:r>
+            <a:r>
+              <a:rPr lang="tr-TR" sz="2000" i="1" baseline="-25000" dirty="0">
+                <a:solidFill>
+                  <a:srgbClr val="FF0000"/>
+                </a:solidFill>
+                <a:latin typeface="Times New Roman"/>
+                <a:ea typeface="Calibri"/>
+                <a:cs typeface="Times New Roman"/>
+              </a:rPr>
+              <a:t> </a:t>
+            </a:r>
+          </a:p>
+          <a:p>
+            <a:pPr marL="11113" indent="0" eaLnBrk="1" hangingPunct="1">
+              <a:buNone/>
+            </a:pPr>
             <a:endParaRPr lang="tr-TR" sz="2000" dirty="0">
               <a:latin typeface="Palatino Linotype" panose="02040502050505030304" pitchFamily="18" charset="0"/>
               <a:ea typeface="ＭＳ Ｐゴシック" charset="0"/>
             </a:endParaRPr>
           </a:p>
           <a:p>
-            <a:pPr marL="411163" lvl="1" indent="0" eaLnBrk="1" hangingPunct="1"/>
+            <a:pPr marL="11113" indent="0" eaLnBrk="1" hangingPunct="1">
+              <a:buNone/>
+            </a:pPr>
             <a:r>
               <a:rPr lang="tr-TR" sz="2000" dirty="0">
                 <a:latin typeface="Palatino Linotype" panose="02040502050505030304" pitchFamily="18" charset="0"/>
                 <a:ea typeface="ＭＳ Ｐゴシック" charset="0"/>
               </a:rPr>
-              <a:t>Bu bölümde, belirtilen araştırma sorusuna cevap almak adına oluşturulan HLM modelleri açıklanacaktır. </a:t>
-            </a:r>
-          </a:p>
-          <a:p>
-            <a:pPr marL="411163" lvl="1" indent="0" eaLnBrk="1" hangingPunct="1"/>
+              <a:t>Örnek olarak B</a:t>
+            </a:r>
+            <a:r>
+              <a:rPr lang="tr-TR" sz="2000" baseline="-25000" dirty="0">
+                <a:latin typeface="Palatino Linotype" panose="02040502050505030304" pitchFamily="18" charset="0"/>
+                <a:ea typeface="ＭＳ Ｐゴシック" charset="0"/>
+              </a:rPr>
+              <a:t>1 </a:t>
+            </a:r>
+            <a:r>
+              <a:rPr lang="tr-TR" sz="2000" dirty="0">
+                <a:latin typeface="Palatino Linotype" panose="02040502050505030304" pitchFamily="18" charset="0"/>
+                <a:ea typeface="ＭＳ Ｐゴシック" charset="0"/>
+              </a:rPr>
+              <a:t>sabit etkili, B</a:t>
+            </a:r>
+            <a:r>
+              <a:rPr lang="tr-TR" sz="2000" baseline="-25000" dirty="0">
+                <a:latin typeface="Palatino Linotype" panose="02040502050505030304" pitchFamily="18" charset="0"/>
+                <a:ea typeface="ＭＳ Ｐゴシック" charset="0"/>
+              </a:rPr>
+              <a:t>2</a:t>
+            </a:r>
+            <a:r>
+              <a:rPr lang="tr-TR" sz="2000" dirty="0">
+                <a:latin typeface="Palatino Linotype" panose="02040502050505030304" pitchFamily="18" charset="0"/>
+                <a:ea typeface="ＭＳ Ｐゴシック" charset="0"/>
+              </a:rPr>
+              <a:t> rastgele etkili olarak belirlenmiş olsun.</a:t>
+            </a:r>
+          </a:p>
+          <a:p>
+            <a:pPr marL="11113" indent="0" eaLnBrk="1" hangingPunct="1">
+              <a:buNone/>
+            </a:pPr>
+            <a:r>
+              <a:rPr lang="tr-TR" sz="2000" dirty="0">
+                <a:latin typeface="Palatino Linotype" panose="02040502050505030304" pitchFamily="18" charset="0"/>
+                <a:ea typeface="ＭＳ Ｐゴシック" charset="0"/>
+              </a:rPr>
+              <a:t>Bu durumda her bir öğretmen için şu şekilde denklemlerle karşılaşacağız</a:t>
+            </a:r>
+          </a:p>
+          <a:p>
+            <a:pPr marL="11113" indent="0" algn="ctr" eaLnBrk="1" hangingPunct="1">
+              <a:buNone/>
+            </a:pPr>
             <a:endParaRPr lang="tr-TR" sz="2000" dirty="0">
               <a:latin typeface="Palatino Linotype" panose="02040502050505030304" pitchFamily="18" charset="0"/>
               <a:ea typeface="ＭＳ Ｐゴシック" charset="0"/>
             </a:endParaRPr>
           </a:p>
           <a:p>
-            <a:pPr marL="411163" lvl="1" indent="0" eaLnBrk="1" hangingPunct="1"/>
+            <a:pPr marL="11113" indent="0" algn="ctr" eaLnBrk="1" hangingPunct="1">
+              <a:buNone/>
+            </a:pPr>
             <a:r>
               <a:rPr lang="tr-TR" sz="2000" dirty="0">
                 <a:latin typeface="Palatino Linotype" panose="02040502050505030304" pitchFamily="18" charset="0"/>
                 <a:ea typeface="ＭＳ Ｐゴシック" charset="0"/>
               </a:rPr>
-              <a:t>İlk olarak, verimizdeki öğrencilerin ayni sınıfta olmak münasebetiyle matematik basarisi açısından ne derece benzerlik gösterdiğini hesaplayabilmek adına bos model teorik olarak anlatılacaktır. </a:t>
-            </a:r>
-          </a:p>
-          <a:p>
-            <a:pPr marL="411163" lvl="1" indent="0" eaLnBrk="1" hangingPunct="1"/>
+              <a:t>Y</a:t>
+            </a:r>
+            <a:r>
+              <a:rPr lang="tr-TR" sz="2000" baseline="-25000" dirty="0">
+                <a:latin typeface="Palatino Linotype" panose="02040502050505030304" pitchFamily="18" charset="0"/>
+                <a:ea typeface="ＭＳ Ｐゴシック" charset="0"/>
+              </a:rPr>
+              <a:t>i1</a:t>
+            </a:r>
             <a:r>
               <a:rPr lang="tr-TR" sz="2000" dirty="0">
                 <a:latin typeface="Palatino Linotype" panose="02040502050505030304" pitchFamily="18" charset="0"/>
                 <a:ea typeface="ＭＳ Ｐゴシック" charset="0"/>
               </a:rPr>
-              <a:t>Bu şekilde, elimizdeki veri setiyle oluşturulacak iki seviyeli bir modelin ne derece anlamlı olduğunu belirleyebiliriz. </a:t>
-            </a:r>
-          </a:p>
-          <a:p>
-            <a:pPr marL="411163" lvl="1" indent="0" eaLnBrk="1" hangingPunct="1"/>
+              <a:t> = B</a:t>
+            </a:r>
+            <a:r>
+              <a:rPr lang="tr-TR" sz="2000" baseline="-25000" dirty="0">
+                <a:latin typeface="Palatino Linotype" panose="02040502050505030304" pitchFamily="18" charset="0"/>
+                <a:ea typeface="ＭＳ Ｐゴシック" charset="0"/>
+              </a:rPr>
+              <a:t>0 </a:t>
+            </a:r>
             <a:r>
               <a:rPr lang="tr-TR" sz="2000" dirty="0">
                 <a:latin typeface="Palatino Linotype" panose="02040502050505030304" pitchFamily="18" charset="0"/>
                 <a:ea typeface="ＭＳ Ｐゴシック" charset="0"/>
               </a:rPr>
-              <a:t>Sonrasında da, iki seviyeli modelimizi yine teorik olarak oluşturacağız.  </a:t>
-            </a:r>
-          </a:p>
-          <a:p>
-            <a:pPr marL="360363" indent="-349250" eaLnBrk="1" hangingPunct="1"/>
-            <a:endParaRPr lang="tr-TR" sz="2400" dirty="0">
+              <a:t>+ 3*</a:t>
+            </a:r>
+            <a:r>
+              <a:rPr lang="en-US" sz="2000" dirty="0">
+                <a:latin typeface="Times New Roman"/>
+                <a:ea typeface="Calibri"/>
+                <a:cs typeface="Times New Roman"/>
+              </a:rPr>
+              <a:t> X</a:t>
+            </a:r>
+            <a:r>
+              <a:rPr lang="en-US" sz="2000" baseline="-25000" dirty="0">
+                <a:latin typeface="Times New Roman"/>
+                <a:ea typeface="Calibri"/>
+                <a:cs typeface="Times New Roman"/>
+              </a:rPr>
+              <a:t>i</a:t>
+            </a:r>
+            <a:r>
+              <a:rPr lang="en-US" sz="2000" baseline="-25000" dirty="0">
+                <a:solidFill>
+                  <a:srgbClr val="FF0000"/>
+                </a:solidFill>
+                <a:latin typeface="Times New Roman"/>
+                <a:ea typeface="Calibri"/>
+                <a:cs typeface="Times New Roman"/>
+              </a:rPr>
+              <a:t>1 </a:t>
+            </a:r>
+            <a:r>
+              <a:rPr lang="tr-TR" sz="2000" dirty="0">
+                <a:latin typeface="Palatino Linotype" panose="02040502050505030304" pitchFamily="18" charset="0"/>
+                <a:ea typeface="ＭＳ Ｐゴシック" charset="0"/>
+              </a:rPr>
+              <a:t>+ 1.05*</a:t>
+            </a:r>
+            <a:r>
+              <a:rPr lang="en-US" sz="2000" dirty="0">
+                <a:latin typeface="Times New Roman"/>
+                <a:ea typeface="Calibri"/>
+                <a:cs typeface="Times New Roman"/>
+              </a:rPr>
+              <a:t> X</a:t>
+            </a:r>
+            <a:r>
+              <a:rPr lang="en-US" sz="2000" baseline="-25000" dirty="0">
+                <a:solidFill>
+                  <a:srgbClr val="FF0000"/>
+                </a:solidFill>
+                <a:latin typeface="Times New Roman"/>
+                <a:ea typeface="Calibri"/>
+                <a:cs typeface="Times New Roman"/>
+              </a:rPr>
+              <a:t>1 </a:t>
+            </a:r>
+            <a:r>
+              <a:rPr lang="en-US" sz="2000" dirty="0">
+                <a:latin typeface="Times New Roman"/>
+                <a:ea typeface="Calibri"/>
+                <a:cs typeface="Times New Roman"/>
+              </a:rPr>
+              <a:t>+</a:t>
+            </a:r>
+            <a:r>
+              <a:rPr lang="tr-TR" sz="2000" dirty="0">
+                <a:latin typeface="Times New Roman"/>
+                <a:ea typeface="Calibri"/>
+                <a:cs typeface="Times New Roman"/>
+              </a:rPr>
+              <a:t> </a:t>
+            </a:r>
+            <a:r>
+              <a:rPr lang="en-US" sz="2000" dirty="0">
+                <a:solidFill>
+                  <a:srgbClr val="FF0000"/>
+                </a:solidFill>
+                <a:latin typeface="Times New Roman"/>
+                <a:ea typeface="Calibri"/>
+                <a:cs typeface="Times New Roman"/>
+              </a:rPr>
+              <a:t>u</a:t>
+            </a:r>
+            <a:r>
+              <a:rPr lang="en-US" sz="2000" baseline="-25000" dirty="0">
+                <a:solidFill>
+                  <a:srgbClr val="FF0000"/>
+                </a:solidFill>
+                <a:latin typeface="Times New Roman"/>
+                <a:ea typeface="Calibri"/>
+                <a:cs typeface="Times New Roman"/>
+              </a:rPr>
+              <a:t>1</a:t>
+            </a:r>
+            <a:r>
+              <a:rPr lang="en-US" sz="2000" dirty="0">
+                <a:latin typeface="Times New Roman"/>
+                <a:ea typeface="Calibri"/>
+                <a:cs typeface="Times New Roman"/>
+              </a:rPr>
+              <a:t> + </a:t>
+            </a:r>
+            <a:r>
+              <a:rPr lang="en-US" sz="2000" i="1" dirty="0">
+                <a:latin typeface="Times New Roman"/>
+                <a:ea typeface="Calibri"/>
+                <a:cs typeface="Times New Roman"/>
+              </a:rPr>
+              <a:t>e</a:t>
+            </a:r>
+            <a:r>
+              <a:rPr lang="en-US" sz="2000" i="1" baseline="-25000" dirty="0">
+                <a:latin typeface="Times New Roman"/>
+                <a:ea typeface="Calibri"/>
+                <a:cs typeface="Times New Roman"/>
+              </a:rPr>
+              <a:t>i</a:t>
+            </a:r>
+            <a:r>
+              <a:rPr lang="en-US" sz="2000" i="1" baseline="-25000" dirty="0">
+                <a:solidFill>
+                  <a:srgbClr val="FF0000"/>
+                </a:solidFill>
+                <a:latin typeface="Times New Roman"/>
+                <a:ea typeface="Calibri"/>
+                <a:cs typeface="Times New Roman"/>
+              </a:rPr>
+              <a:t>1</a:t>
+            </a:r>
+            <a:r>
+              <a:rPr lang="tr-TR" sz="2000" i="1" baseline="-25000" dirty="0">
+                <a:solidFill>
+                  <a:srgbClr val="FF0000"/>
+                </a:solidFill>
+                <a:latin typeface="Times New Roman"/>
+                <a:ea typeface="Calibri"/>
+                <a:cs typeface="Times New Roman"/>
+              </a:rPr>
+              <a:t> </a:t>
+            </a:r>
+          </a:p>
+          <a:p>
+            <a:pPr marL="11113" indent="0" algn="ctr" eaLnBrk="1" hangingPunct="1">
+              <a:buNone/>
+            </a:pPr>
+            <a:r>
+              <a:rPr lang="tr-TR" sz="2000" dirty="0">
+                <a:latin typeface="Palatino Linotype" panose="02040502050505030304" pitchFamily="18" charset="0"/>
+                <a:ea typeface="ＭＳ Ｐゴシック" charset="0"/>
+              </a:rPr>
+              <a:t>Y</a:t>
+            </a:r>
+            <a:r>
+              <a:rPr lang="tr-TR" sz="2000" baseline="-25000" dirty="0">
+                <a:latin typeface="Palatino Linotype" panose="02040502050505030304" pitchFamily="18" charset="0"/>
+                <a:ea typeface="ＭＳ Ｐゴシック" charset="0"/>
+              </a:rPr>
+              <a:t>i2</a:t>
+            </a:r>
+            <a:r>
+              <a:rPr lang="tr-TR" sz="2000" dirty="0">
+                <a:latin typeface="Palatino Linotype" panose="02040502050505030304" pitchFamily="18" charset="0"/>
+                <a:ea typeface="ＭＳ Ｐゴシック" charset="0"/>
+              </a:rPr>
+              <a:t> = B</a:t>
+            </a:r>
+            <a:r>
+              <a:rPr lang="tr-TR" sz="2000" baseline="-25000" dirty="0">
+                <a:latin typeface="Palatino Linotype" panose="02040502050505030304" pitchFamily="18" charset="0"/>
+                <a:ea typeface="ＭＳ Ｐゴシック" charset="0"/>
+              </a:rPr>
+              <a:t>0 </a:t>
+            </a:r>
+            <a:r>
+              <a:rPr lang="tr-TR" sz="2000" dirty="0">
+                <a:latin typeface="Palatino Linotype" panose="02040502050505030304" pitchFamily="18" charset="0"/>
+                <a:ea typeface="ＭＳ Ｐゴシック" charset="0"/>
+              </a:rPr>
+              <a:t>+ 3*</a:t>
+            </a:r>
+            <a:r>
+              <a:rPr lang="en-US" sz="2000" dirty="0">
+                <a:latin typeface="Times New Roman"/>
+                <a:ea typeface="Calibri"/>
+                <a:cs typeface="Times New Roman"/>
+              </a:rPr>
+              <a:t> X</a:t>
+            </a:r>
+            <a:r>
+              <a:rPr lang="en-US" sz="2000" baseline="-25000" dirty="0">
+                <a:latin typeface="Times New Roman"/>
+                <a:ea typeface="Calibri"/>
+                <a:cs typeface="Times New Roman"/>
+              </a:rPr>
+              <a:t>i</a:t>
+            </a:r>
+            <a:r>
+              <a:rPr lang="en-US" sz="2000" baseline="-25000" dirty="0">
+                <a:solidFill>
+                  <a:srgbClr val="FF0000"/>
+                </a:solidFill>
+                <a:latin typeface="Times New Roman"/>
+                <a:ea typeface="Calibri"/>
+                <a:cs typeface="Times New Roman"/>
+              </a:rPr>
+              <a:t>2 </a:t>
+            </a:r>
+            <a:r>
+              <a:rPr lang="tr-TR" sz="2000" dirty="0">
+                <a:latin typeface="Palatino Linotype" panose="02040502050505030304" pitchFamily="18" charset="0"/>
+                <a:ea typeface="ＭＳ Ｐゴシック" charset="0"/>
+              </a:rPr>
+              <a:t>+ 2.67*</a:t>
+            </a:r>
+            <a:r>
+              <a:rPr lang="en-US" sz="2000" dirty="0">
+                <a:latin typeface="Times New Roman"/>
+                <a:ea typeface="Calibri"/>
+                <a:cs typeface="Times New Roman"/>
+              </a:rPr>
+              <a:t> X</a:t>
+            </a:r>
+            <a:r>
+              <a:rPr lang="en-US" sz="2000" baseline="-25000" dirty="0">
+                <a:solidFill>
+                  <a:srgbClr val="FF0000"/>
+                </a:solidFill>
+                <a:latin typeface="Times New Roman"/>
+                <a:ea typeface="Calibri"/>
+                <a:cs typeface="Times New Roman"/>
+              </a:rPr>
+              <a:t>2 </a:t>
+            </a:r>
+            <a:r>
+              <a:rPr lang="en-US" sz="2000" dirty="0">
+                <a:latin typeface="Times New Roman"/>
+                <a:ea typeface="Calibri"/>
+                <a:cs typeface="Times New Roman"/>
+              </a:rPr>
+              <a:t>+</a:t>
+            </a:r>
+            <a:r>
+              <a:rPr lang="tr-TR" sz="2000" dirty="0">
+                <a:latin typeface="Times New Roman"/>
+                <a:ea typeface="Calibri"/>
+                <a:cs typeface="Times New Roman"/>
+              </a:rPr>
+              <a:t> </a:t>
+            </a:r>
+            <a:r>
+              <a:rPr lang="en-US" sz="2000" dirty="0">
+                <a:solidFill>
+                  <a:srgbClr val="FF0000"/>
+                </a:solidFill>
+                <a:latin typeface="Times New Roman"/>
+                <a:ea typeface="Calibri"/>
+                <a:cs typeface="Times New Roman"/>
+              </a:rPr>
+              <a:t>u</a:t>
+            </a:r>
+            <a:r>
+              <a:rPr lang="en-US" sz="2000" baseline="-25000" dirty="0">
+                <a:solidFill>
+                  <a:srgbClr val="FF0000"/>
+                </a:solidFill>
+                <a:latin typeface="Times New Roman"/>
+                <a:ea typeface="Calibri"/>
+                <a:cs typeface="Times New Roman"/>
+              </a:rPr>
+              <a:t>2</a:t>
+            </a:r>
+            <a:r>
+              <a:rPr lang="en-US" sz="2000" dirty="0">
+                <a:latin typeface="Times New Roman"/>
+                <a:ea typeface="Calibri"/>
+                <a:cs typeface="Times New Roman"/>
+              </a:rPr>
+              <a:t> + </a:t>
+            </a:r>
+            <a:r>
+              <a:rPr lang="en-US" sz="2000" i="1" dirty="0">
+                <a:latin typeface="Times New Roman"/>
+                <a:ea typeface="Calibri"/>
+                <a:cs typeface="Times New Roman"/>
+              </a:rPr>
+              <a:t>e</a:t>
+            </a:r>
+            <a:r>
+              <a:rPr lang="en-US" sz="2000" i="1" baseline="-25000" dirty="0">
+                <a:latin typeface="Times New Roman"/>
+                <a:ea typeface="Calibri"/>
+                <a:cs typeface="Times New Roman"/>
+              </a:rPr>
+              <a:t>i</a:t>
+            </a:r>
+            <a:r>
+              <a:rPr lang="en-US" sz="2000" i="1" baseline="-25000" dirty="0">
+                <a:solidFill>
+                  <a:srgbClr val="FF0000"/>
+                </a:solidFill>
+                <a:latin typeface="Times New Roman"/>
+                <a:ea typeface="Calibri"/>
+                <a:cs typeface="Times New Roman"/>
+              </a:rPr>
+              <a:t>2</a:t>
+            </a:r>
+            <a:r>
+              <a:rPr lang="tr-TR" sz="2000" i="1" baseline="-25000" dirty="0">
+                <a:solidFill>
+                  <a:srgbClr val="FF0000"/>
+                </a:solidFill>
+                <a:latin typeface="Times New Roman"/>
+                <a:ea typeface="Calibri"/>
+                <a:cs typeface="Times New Roman"/>
+              </a:rPr>
+              <a:t> </a:t>
+            </a:r>
+          </a:p>
+          <a:p>
+            <a:pPr marL="11113" indent="0" algn="ctr" eaLnBrk="1" hangingPunct="1">
+              <a:buNone/>
+            </a:pPr>
+            <a:r>
+              <a:rPr lang="tr-TR" sz="2000" dirty="0">
+                <a:latin typeface="Palatino Linotype" panose="02040502050505030304" pitchFamily="18" charset="0"/>
+                <a:ea typeface="ＭＳ Ｐゴシック" charset="0"/>
+              </a:rPr>
+              <a:t>Y</a:t>
+            </a:r>
+            <a:r>
+              <a:rPr lang="tr-TR" sz="2000" baseline="-25000" dirty="0">
+                <a:latin typeface="Palatino Linotype" panose="02040502050505030304" pitchFamily="18" charset="0"/>
+                <a:ea typeface="ＭＳ Ｐゴシック" charset="0"/>
+              </a:rPr>
+              <a:t>i3</a:t>
+            </a:r>
+            <a:r>
+              <a:rPr lang="tr-TR" sz="2000" dirty="0">
+                <a:latin typeface="Palatino Linotype" panose="02040502050505030304" pitchFamily="18" charset="0"/>
+                <a:ea typeface="ＭＳ Ｐゴシック" charset="0"/>
+              </a:rPr>
+              <a:t> = B</a:t>
+            </a:r>
+            <a:r>
+              <a:rPr lang="tr-TR" sz="2000" baseline="-25000" dirty="0">
+                <a:latin typeface="Palatino Linotype" panose="02040502050505030304" pitchFamily="18" charset="0"/>
+                <a:ea typeface="ＭＳ Ｐゴシック" charset="0"/>
+              </a:rPr>
+              <a:t>0 </a:t>
+            </a:r>
+            <a:r>
+              <a:rPr lang="tr-TR" sz="2000" dirty="0">
+                <a:latin typeface="Palatino Linotype" panose="02040502050505030304" pitchFamily="18" charset="0"/>
+                <a:ea typeface="ＭＳ Ｐゴシック" charset="0"/>
+              </a:rPr>
+              <a:t>+ 3*</a:t>
+            </a:r>
+            <a:r>
+              <a:rPr lang="en-US" sz="2000" dirty="0">
+                <a:latin typeface="Times New Roman"/>
+                <a:ea typeface="Calibri"/>
+                <a:cs typeface="Times New Roman"/>
+              </a:rPr>
+              <a:t> X</a:t>
+            </a:r>
+            <a:r>
+              <a:rPr lang="en-US" sz="2000" baseline="-25000" dirty="0">
+                <a:latin typeface="Times New Roman"/>
+                <a:ea typeface="Calibri"/>
+                <a:cs typeface="Times New Roman"/>
+              </a:rPr>
+              <a:t>i</a:t>
+            </a:r>
+            <a:r>
+              <a:rPr lang="en-US" sz="2000" baseline="-25000" dirty="0">
+                <a:solidFill>
+                  <a:srgbClr val="FF0000"/>
+                </a:solidFill>
+                <a:latin typeface="Times New Roman"/>
+                <a:ea typeface="Calibri"/>
+                <a:cs typeface="Times New Roman"/>
+              </a:rPr>
+              <a:t>3 </a:t>
+            </a:r>
+            <a:r>
+              <a:rPr lang="tr-TR" sz="2000" dirty="0">
+                <a:latin typeface="Palatino Linotype" panose="02040502050505030304" pitchFamily="18" charset="0"/>
+                <a:ea typeface="ＭＳ Ｐゴシック" charset="0"/>
+              </a:rPr>
+              <a:t>+ 5.43*</a:t>
+            </a:r>
+            <a:r>
+              <a:rPr lang="en-US" sz="2000" dirty="0">
+                <a:latin typeface="Times New Roman"/>
+                <a:ea typeface="Calibri"/>
+                <a:cs typeface="Times New Roman"/>
+              </a:rPr>
+              <a:t> X</a:t>
+            </a:r>
+            <a:r>
+              <a:rPr lang="en-US" sz="2000" baseline="-25000" dirty="0">
+                <a:solidFill>
+                  <a:srgbClr val="FF0000"/>
+                </a:solidFill>
+                <a:latin typeface="Times New Roman"/>
+                <a:ea typeface="Calibri"/>
+                <a:cs typeface="Times New Roman"/>
+              </a:rPr>
+              <a:t>3 </a:t>
+            </a:r>
+            <a:r>
+              <a:rPr lang="en-US" sz="2000" dirty="0">
+                <a:latin typeface="Times New Roman"/>
+                <a:ea typeface="Calibri"/>
+                <a:cs typeface="Times New Roman"/>
+              </a:rPr>
+              <a:t>+</a:t>
+            </a:r>
+            <a:r>
+              <a:rPr lang="tr-TR" sz="2000" dirty="0">
+                <a:latin typeface="Times New Roman"/>
+                <a:ea typeface="Calibri"/>
+                <a:cs typeface="Times New Roman"/>
+              </a:rPr>
+              <a:t> </a:t>
+            </a:r>
+            <a:r>
+              <a:rPr lang="en-US" sz="2000" dirty="0">
+                <a:solidFill>
+                  <a:srgbClr val="FF0000"/>
+                </a:solidFill>
+                <a:latin typeface="Times New Roman"/>
+                <a:ea typeface="Calibri"/>
+                <a:cs typeface="Times New Roman"/>
+              </a:rPr>
+              <a:t>u</a:t>
+            </a:r>
+            <a:r>
+              <a:rPr lang="en-US" sz="2000" baseline="-25000" dirty="0">
+                <a:solidFill>
+                  <a:srgbClr val="FF0000"/>
+                </a:solidFill>
+                <a:latin typeface="Times New Roman"/>
+                <a:ea typeface="Calibri"/>
+                <a:cs typeface="Times New Roman"/>
+              </a:rPr>
+              <a:t>3</a:t>
+            </a:r>
+            <a:r>
+              <a:rPr lang="en-US" sz="2000" dirty="0">
+                <a:latin typeface="Times New Roman"/>
+                <a:ea typeface="Calibri"/>
+                <a:cs typeface="Times New Roman"/>
+              </a:rPr>
+              <a:t> + </a:t>
+            </a:r>
+            <a:r>
+              <a:rPr lang="en-US" sz="2000" i="1" dirty="0">
+                <a:latin typeface="Times New Roman"/>
+                <a:ea typeface="Calibri"/>
+                <a:cs typeface="Times New Roman"/>
+              </a:rPr>
+              <a:t>e</a:t>
+            </a:r>
+            <a:r>
+              <a:rPr lang="en-US" sz="2000" i="1" baseline="-25000" dirty="0">
+                <a:latin typeface="Times New Roman"/>
+                <a:ea typeface="Calibri"/>
+                <a:cs typeface="Times New Roman"/>
+              </a:rPr>
+              <a:t>i</a:t>
+            </a:r>
+            <a:r>
+              <a:rPr lang="en-US" sz="2000" i="1" baseline="-25000" dirty="0">
+                <a:solidFill>
+                  <a:srgbClr val="FF0000"/>
+                </a:solidFill>
+                <a:latin typeface="Times New Roman"/>
+                <a:ea typeface="Calibri"/>
+                <a:cs typeface="Times New Roman"/>
+              </a:rPr>
+              <a:t>3</a:t>
+            </a:r>
+            <a:r>
+              <a:rPr lang="tr-TR" sz="2000" i="1" baseline="-25000" dirty="0">
+                <a:solidFill>
+                  <a:srgbClr val="FF0000"/>
+                </a:solidFill>
+                <a:latin typeface="Times New Roman"/>
+                <a:ea typeface="Calibri"/>
+                <a:cs typeface="Times New Roman"/>
+              </a:rPr>
+              <a:t> </a:t>
+            </a:r>
+            <a:endParaRPr lang="tr-TR" sz="2000" dirty="0">
+              <a:latin typeface="Palatino Linotype" panose="02040502050505030304" pitchFamily="18" charset="0"/>
+              <a:ea typeface="ＭＳ Ｐゴシック" charset="0"/>
+            </a:endParaRPr>
+          </a:p>
+          <a:p>
+            <a:pPr marL="11113" indent="0" algn="ctr" eaLnBrk="1" hangingPunct="1">
+              <a:buNone/>
+            </a:pPr>
+            <a:endParaRPr lang="tr-TR" sz="2000" dirty="0">
+              <a:latin typeface="Palatino Linotype" panose="02040502050505030304" pitchFamily="18" charset="0"/>
+              <a:ea typeface="ＭＳ Ｐゴシック" charset="0"/>
+            </a:endParaRPr>
+          </a:p>
+          <a:p>
+            <a:pPr marL="11113" indent="0" algn="ctr" eaLnBrk="1" hangingPunct="1">
+              <a:buNone/>
+            </a:pPr>
+            <a:endParaRPr lang="tr-TR" sz="2000" dirty="0">
               <a:latin typeface="Palatino Linotype" panose="02040502050505030304" pitchFamily="18" charset="0"/>
               <a:ea typeface="ＭＳ Ｐゴシック" charset="0"/>
             </a:endParaRPr>
@@ -21715,6 +23323,1528 @@
     </p:spTree>
     <p:extLst>
       <p:ext uri="{BB962C8B-B14F-4D97-AF65-F5344CB8AC3E}">
+        <p14:creationId xmlns:p14="http://schemas.microsoft.com/office/powerpoint/2010/main" val="4048988903"/>
+      </p:ext>
+    </p:extLst>
+  </p:cSld>
+  <p:clrMapOvr>
+    <a:masterClrMapping/>
+  </p:clrMapOvr>
+</p:sld>
+</file>
+
+<file path=ppt/slides/slide19.xml><?xml version="1.0" encoding="utf-8"?>
+<p:sld xmlns:a="http://schemas.openxmlformats.org/drawingml/2006/main" xmlns:r="http://schemas.openxmlformats.org/officeDocument/2006/relationships" xmlns:p="http://schemas.openxmlformats.org/presentationml/2006/main">
+  <p:cSld>
+    <p:spTree>
+      <p:nvGrpSpPr>
+        <p:cNvPr id="1" name=""/>
+        <p:cNvGrpSpPr/>
+        <p:nvPr/>
+      </p:nvGrpSpPr>
+      <p:grpSpPr>
+        <a:xfrm>
+          <a:off x="0" y="0"/>
+          <a:ext cx="0" cy="0"/>
+          <a:chOff x="0" y="0"/>
+          <a:chExt cx="0" cy="0"/>
+        </a:xfrm>
+      </p:grpSpPr>
+      <p:sp>
+        <p:nvSpPr>
+          <p:cNvPr id="17410" name="Rectangle 3"/>
+          <p:cNvSpPr>
+            <a:spLocks noGrp="1" noChangeArrowheads="1"/>
+          </p:cNvSpPr>
+          <p:nvPr>
+            <p:ph type="body" idx="1"/>
+          </p:nvPr>
+        </p:nvSpPr>
+        <p:spPr>
+          <a:xfrm>
+            <a:off x="386135" y="152400"/>
+            <a:ext cx="8534400" cy="5357813"/>
+          </a:xfrm>
+        </p:spPr>
+        <p:txBody>
+          <a:bodyPr/>
+          <a:lstStyle/>
+          <a:p>
+            <a:pPr marL="11113" indent="0" algn="ctr" eaLnBrk="1" hangingPunct="1">
+              <a:buNone/>
+            </a:pPr>
+            <a:r>
+              <a:rPr lang="tr-TR" sz="2000" b="1" dirty="0">
+                <a:latin typeface="Palatino Linotype" panose="02040502050505030304" pitchFamily="18" charset="0"/>
+                <a:ea typeface="ＭＳ Ｐゴシック" charset="0"/>
+              </a:rPr>
+              <a:t>Şimdi gelelim kendi örneğimize</a:t>
+            </a:r>
+          </a:p>
+          <a:p>
+            <a:pPr marL="360363" indent="-349250" eaLnBrk="1" hangingPunct="1"/>
+            <a:r>
+              <a:rPr lang="tr-TR" sz="2000" dirty="0">
+                <a:latin typeface="Palatino Linotype" panose="02040502050505030304" pitchFamily="18" charset="0"/>
+                <a:ea typeface="ＭＳ Ｐゴシック" charset="0"/>
+              </a:rPr>
+              <a:t>Modelimiz temelde literatür taramasıyla elde edilen bir teoriye ve buna bağlı gelişen araştırma soru veya sorularımıza bağlı olarak belirlediğimiz bağımlı ve bağımsız değişkenlerimiz sayesinde ortaya çıkacaktır. </a:t>
+            </a:r>
+          </a:p>
+          <a:p>
+            <a:pPr marL="360363" indent="-349250" eaLnBrk="1" hangingPunct="1"/>
+            <a:endParaRPr lang="tr-TR" sz="2000" dirty="0">
+              <a:latin typeface="Palatino Linotype" panose="02040502050505030304" pitchFamily="18" charset="0"/>
+              <a:ea typeface="ＭＳ Ｐゴシック" charset="0"/>
+            </a:endParaRPr>
+          </a:p>
+          <a:p>
+            <a:pPr marL="760413" lvl="1" indent="-349250" eaLnBrk="1" hangingPunct="1">
+              <a:buFont typeface="Arial" panose="020B0604020202020204" pitchFamily="34" charset="0"/>
+              <a:buChar char="•"/>
+            </a:pPr>
+            <a:r>
+              <a:rPr lang="tr-TR" sz="2000" dirty="0">
+                <a:latin typeface="Palatino Linotype" panose="02040502050505030304" pitchFamily="18" charset="0"/>
+                <a:ea typeface="ＭＳ Ｐゴシック" charset="0"/>
+              </a:rPr>
+              <a:t>Örnek olarak Türkiye’deki okullar genelinde </a:t>
+            </a:r>
+          </a:p>
+          <a:p>
+            <a:pPr marL="811213" lvl="2" indent="0" algn="ctr" eaLnBrk="1" hangingPunct="1">
+              <a:buNone/>
+            </a:pPr>
+            <a:r>
+              <a:rPr lang="tr-TR" sz="1600" b="1" dirty="0">
+                <a:latin typeface="Palatino Linotype" panose="02040502050505030304" pitchFamily="18" charset="0"/>
+                <a:ea typeface="ＭＳ Ｐゴシック" charset="0"/>
+              </a:rPr>
+              <a:t>8. Sınıf matematik öğretmenlerinin birbiriyle olan etkileşimi, öğretmenlerin ve öğrencilerin cinsiyetleri</a:t>
+            </a:r>
+          </a:p>
+          <a:p>
+            <a:pPr marL="811213" lvl="2" indent="0" algn="ctr" eaLnBrk="1" hangingPunct="1">
+              <a:buNone/>
+            </a:pPr>
+            <a:r>
+              <a:rPr lang="tr-TR" sz="1600" dirty="0">
+                <a:latin typeface="Palatino Linotype" panose="02040502050505030304" pitchFamily="18" charset="0"/>
+                <a:ea typeface="ＭＳ Ｐゴシック" charset="0"/>
+              </a:rPr>
+              <a:t> ile </a:t>
+            </a:r>
+          </a:p>
+          <a:p>
+            <a:pPr marL="811213" lvl="2" indent="0" algn="ctr" eaLnBrk="1" hangingPunct="1">
+              <a:buNone/>
+            </a:pPr>
+            <a:r>
+              <a:rPr lang="tr-TR" sz="1600" b="1" dirty="0">
+                <a:latin typeface="Palatino Linotype" panose="02040502050505030304" pitchFamily="18" charset="0"/>
+                <a:ea typeface="ＭＳ Ｐゴシック" charset="0"/>
+              </a:rPr>
+              <a:t>öğrenci basarisi </a:t>
+            </a:r>
+          </a:p>
+          <a:p>
+            <a:pPr marL="811213" lvl="2" indent="0" eaLnBrk="1" hangingPunct="1">
+              <a:buNone/>
+            </a:pPr>
+            <a:r>
+              <a:rPr lang="tr-TR" sz="1600" dirty="0">
+                <a:latin typeface="Palatino Linotype" panose="02040502050505030304" pitchFamily="18" charset="0"/>
+                <a:ea typeface="ＭＳ Ｐゴシック" charset="0"/>
+              </a:rPr>
+              <a:t>arasındaki ilişkiyi inceleyebiliriz. </a:t>
+            </a:r>
+          </a:p>
+          <a:p>
+            <a:pPr marL="760413" lvl="1" indent="-349250" eaLnBrk="1" hangingPunct="1">
+              <a:buFont typeface="Arial" panose="020B0604020202020204" pitchFamily="34" charset="0"/>
+              <a:buChar char="•"/>
+            </a:pPr>
+            <a:r>
+              <a:rPr lang="tr-TR" sz="2000" dirty="0">
+                <a:latin typeface="Palatino Linotype" panose="02040502050505030304" pitchFamily="18" charset="0"/>
+                <a:ea typeface="ＭＳ Ｐゴシック" charset="0"/>
+              </a:rPr>
+              <a:t>Kaç seviyeli bir modelimiz oluştu?</a:t>
+            </a:r>
+          </a:p>
+          <a:p>
+            <a:pPr marL="760413" lvl="1" indent="-349250" eaLnBrk="1" hangingPunct="1">
+              <a:buFont typeface="Arial" panose="020B0604020202020204" pitchFamily="34" charset="0"/>
+              <a:buChar char="•"/>
+            </a:pPr>
+            <a:r>
+              <a:rPr lang="tr-TR" sz="2000" dirty="0">
+                <a:latin typeface="Palatino Linotype" panose="02040502050505030304" pitchFamily="18" charset="0"/>
+                <a:ea typeface="ＭＳ Ｐゴシック" charset="0"/>
+              </a:rPr>
+              <a:t>Hangisi(</a:t>
+            </a:r>
+            <a:r>
+              <a:rPr lang="tr-TR" sz="2000" dirty="0" err="1">
+                <a:latin typeface="Palatino Linotype" panose="02040502050505030304" pitchFamily="18" charset="0"/>
+                <a:ea typeface="ＭＳ Ｐゴシック" charset="0"/>
+              </a:rPr>
+              <a:t>leri</a:t>
+            </a:r>
+            <a:r>
+              <a:rPr lang="tr-TR" sz="2000" dirty="0">
+                <a:latin typeface="Palatino Linotype" panose="02040502050505030304" pitchFamily="18" charset="0"/>
+                <a:ea typeface="ＭＳ Ｐゴシック" charset="0"/>
+              </a:rPr>
+              <a:t>) açıklayıcı (bağımsız), Hangisi(</a:t>
+            </a:r>
+            <a:r>
+              <a:rPr lang="tr-TR" sz="2000" dirty="0" err="1">
+                <a:latin typeface="Palatino Linotype" panose="02040502050505030304" pitchFamily="18" charset="0"/>
+                <a:ea typeface="ＭＳ Ｐゴシック" charset="0"/>
+              </a:rPr>
+              <a:t>leri</a:t>
+            </a:r>
+            <a:r>
+              <a:rPr lang="tr-TR" sz="2000" dirty="0">
+                <a:latin typeface="Palatino Linotype" panose="02040502050505030304" pitchFamily="18" charset="0"/>
+                <a:ea typeface="ＭＳ Ｐゴシック" charset="0"/>
+              </a:rPr>
+              <a:t>) çıktı (bağımlı) değişken?</a:t>
+            </a:r>
+          </a:p>
+          <a:p>
+            <a:pPr marL="760413" lvl="1" indent="-349250" eaLnBrk="1" hangingPunct="1">
+              <a:buFont typeface="Arial" panose="020B0604020202020204" pitchFamily="34" charset="0"/>
+              <a:buChar char="•"/>
+            </a:pPr>
+            <a:r>
+              <a:rPr lang="tr-TR" sz="2000" dirty="0">
+                <a:latin typeface="Palatino Linotype" panose="02040502050505030304" pitchFamily="18" charset="0"/>
+                <a:ea typeface="ＭＳ Ｐゴシック" charset="0"/>
+              </a:rPr>
+              <a:t>Diğer bir deyişle, araştırma sorumuz: “Öğrenci ve öğretmenlerin cinsiyetleri ve öğretmenlerin kendi aralarında etkileşimleri ile  öğrencilerin matematik basarisi arasındaki ilişki nasıldır?” olsun. </a:t>
+            </a:r>
+          </a:p>
+        </p:txBody>
+      </p:sp>
+      <mc:AlternateContent xmlns:mc="http://schemas.openxmlformats.org/markup-compatibility/2006" xmlns:p14="http://schemas.microsoft.com/office/powerpoint/2010/main">
+        <mc:Choice Requires="p14">
+          <p:contentPart p14:bwMode="auto" r:id="rId3">
+            <p14:nvContentPartPr>
+              <p14:cNvPr id="2" name="Ink 1">
+                <a:extLst>
+                  <a:ext uri="{FF2B5EF4-FFF2-40B4-BE49-F238E27FC236}">
+                    <a16:creationId xmlns:a16="http://schemas.microsoft.com/office/drawing/2014/main" id="{5091156A-FF99-D04E-AECF-AAA0DEDC6426}"/>
+                  </a:ext>
+                </a:extLst>
+              </p14:cNvPr>
+              <p14:cNvContentPartPr/>
+              <p14:nvPr/>
+            </p14:nvContentPartPr>
+            <p14:xfrm>
+              <a:off x="401568" y="6382964"/>
+              <a:ext cx="2210400" cy="240120"/>
+            </p14:xfrm>
+          </p:contentPart>
+        </mc:Choice>
+        <mc:Fallback xmlns="">
+          <p:pic>
+            <p:nvPicPr>
+              <p:cNvPr id="2" name="Ink 1">
+                <a:extLst>
+                  <a:ext uri="{FF2B5EF4-FFF2-40B4-BE49-F238E27FC236}">
+                    <a16:creationId xmlns:a16="http://schemas.microsoft.com/office/drawing/2014/main" id="{5091156A-FF99-D04E-AECF-AAA0DEDC6426}"/>
+                  </a:ext>
+                </a:extLst>
+              </p:cNvPr>
+              <p:cNvPicPr/>
+              <p:nvPr/>
+            </p:nvPicPr>
+            <p:blipFill>
+              <a:blip r:embed="rId4"/>
+              <a:stretch>
+                <a:fillRect/>
+              </a:stretch>
+            </p:blipFill>
+            <p:spPr>
+              <a:xfrm>
+                <a:off x="338928" y="6319964"/>
+                <a:ext cx="2336040" cy="365760"/>
+              </a:xfrm>
+              <a:prstGeom prst="rect">
+                <a:avLst/>
+              </a:prstGeom>
+            </p:spPr>
+          </p:pic>
+        </mc:Fallback>
+      </mc:AlternateContent>
+      <p:grpSp>
+        <p:nvGrpSpPr>
+          <p:cNvPr id="9" name="Group 8">
+            <a:extLst>
+              <a:ext uri="{FF2B5EF4-FFF2-40B4-BE49-F238E27FC236}">
+                <a16:creationId xmlns:a16="http://schemas.microsoft.com/office/drawing/2014/main" id="{08BE9CB2-0C9B-1048-A2D4-7104D02BD36E}"/>
+              </a:ext>
+            </a:extLst>
+          </p:cNvPr>
+          <p:cNvGrpSpPr/>
+          <p:nvPr/>
+        </p:nvGrpSpPr>
+        <p:grpSpPr>
+          <a:xfrm>
+            <a:off x="652488" y="6453524"/>
+            <a:ext cx="139320" cy="53280"/>
+            <a:chOff x="652488" y="6453524"/>
+            <a:chExt cx="139320" cy="53280"/>
+          </a:xfrm>
+        </p:grpSpPr>
+        <mc:AlternateContent xmlns:mc="http://schemas.openxmlformats.org/markup-compatibility/2006" xmlns:p14="http://schemas.microsoft.com/office/powerpoint/2010/main">
+          <mc:Choice Requires="p14">
+            <p:contentPart p14:bwMode="auto" r:id="rId5">
+              <p14:nvContentPartPr>
+                <p14:cNvPr id="3" name="Ink 2">
+                  <a:extLst>
+                    <a:ext uri="{FF2B5EF4-FFF2-40B4-BE49-F238E27FC236}">
+                      <a16:creationId xmlns:a16="http://schemas.microsoft.com/office/drawing/2014/main" id="{FBDC26EE-DD2C-B244-8C34-D3410FB3E9F5}"/>
+                    </a:ext>
+                  </a:extLst>
+                </p14:cNvPr>
+                <p14:cNvContentPartPr/>
+                <p14:nvPr/>
+              </p14:nvContentPartPr>
+              <p14:xfrm>
+                <a:off x="791448" y="6506444"/>
+                <a:ext cx="360" cy="360"/>
+              </p14:xfrm>
+            </p:contentPart>
+          </mc:Choice>
+          <mc:Fallback xmlns="">
+            <p:pic>
+              <p:nvPicPr>
+                <p:cNvPr id="3" name="Ink 2">
+                  <a:extLst>
+                    <a:ext uri="{FF2B5EF4-FFF2-40B4-BE49-F238E27FC236}">
+                      <a16:creationId xmlns:a16="http://schemas.microsoft.com/office/drawing/2014/main" id="{FBDC26EE-DD2C-B244-8C34-D3410FB3E9F5}"/>
+                    </a:ext>
+                  </a:extLst>
+                </p:cNvPr>
+                <p:cNvPicPr/>
+                <p:nvPr/>
+              </p:nvPicPr>
+              <p:blipFill>
+                <a:blip r:embed="rId6"/>
+                <a:stretch>
+                  <a:fillRect/>
+                </a:stretch>
+              </p:blipFill>
+              <p:spPr>
+                <a:xfrm>
+                  <a:off x="728808" y="6443444"/>
+                  <a:ext cx="126000" cy="126000"/>
+                </a:xfrm>
+                <a:prstGeom prst="rect">
+                  <a:avLst/>
+                </a:prstGeom>
+              </p:spPr>
+            </p:pic>
+          </mc:Fallback>
+        </mc:AlternateContent>
+        <mc:AlternateContent xmlns:mc="http://schemas.openxmlformats.org/markup-compatibility/2006" xmlns:p14="http://schemas.microsoft.com/office/powerpoint/2010/main">
+          <mc:Choice Requires="p14">
+            <p:contentPart p14:bwMode="auto" r:id="rId7">
+              <p14:nvContentPartPr>
+                <p14:cNvPr id="4" name="Ink 3">
+                  <a:extLst>
+                    <a:ext uri="{FF2B5EF4-FFF2-40B4-BE49-F238E27FC236}">
+                      <a16:creationId xmlns:a16="http://schemas.microsoft.com/office/drawing/2014/main" id="{B3E595F4-27E8-784C-9777-5A3DDFD6743C}"/>
+                    </a:ext>
+                  </a:extLst>
+                </p14:cNvPr>
+                <p14:cNvContentPartPr/>
+                <p14:nvPr/>
+              </p14:nvContentPartPr>
+              <p14:xfrm>
+                <a:off x="652488" y="6453524"/>
+                <a:ext cx="360" cy="360"/>
+              </p14:xfrm>
+            </p:contentPart>
+          </mc:Choice>
+          <mc:Fallback xmlns="">
+            <p:pic>
+              <p:nvPicPr>
+                <p:cNvPr id="4" name="Ink 3">
+                  <a:extLst>
+                    <a:ext uri="{FF2B5EF4-FFF2-40B4-BE49-F238E27FC236}">
+                      <a16:creationId xmlns:a16="http://schemas.microsoft.com/office/drawing/2014/main" id="{B3E595F4-27E8-784C-9777-5A3DDFD6743C}"/>
+                    </a:ext>
+                  </a:extLst>
+                </p:cNvPr>
+                <p:cNvPicPr/>
+                <p:nvPr/>
+              </p:nvPicPr>
+              <p:blipFill>
+                <a:blip r:embed="rId6"/>
+                <a:stretch>
+                  <a:fillRect/>
+                </a:stretch>
+              </p:blipFill>
+              <p:spPr>
+                <a:xfrm>
+                  <a:off x="589488" y="6390884"/>
+                  <a:ext cx="126000" cy="126000"/>
+                </a:xfrm>
+                <a:prstGeom prst="rect">
+                  <a:avLst/>
+                </a:prstGeom>
+              </p:spPr>
+            </p:pic>
+          </mc:Fallback>
+        </mc:AlternateContent>
+        <mc:AlternateContent xmlns:mc="http://schemas.openxmlformats.org/markup-compatibility/2006" xmlns:p14="http://schemas.microsoft.com/office/powerpoint/2010/main">
+          <mc:Choice Requires="p14">
+            <p:contentPart p14:bwMode="auto" r:id="rId8">
+              <p14:nvContentPartPr>
+                <p14:cNvPr id="5" name="Ink 4">
+                  <a:extLst>
+                    <a:ext uri="{FF2B5EF4-FFF2-40B4-BE49-F238E27FC236}">
+                      <a16:creationId xmlns:a16="http://schemas.microsoft.com/office/drawing/2014/main" id="{B96330E7-8DA0-0E4F-BE15-58F28CB839EF}"/>
+                    </a:ext>
+                  </a:extLst>
+                </p14:cNvPr>
+                <p14:cNvContentPartPr/>
+                <p14:nvPr/>
+              </p14:nvContentPartPr>
+              <p14:xfrm>
+                <a:off x="652488" y="6453524"/>
+                <a:ext cx="360" cy="360"/>
+              </p14:xfrm>
+            </p:contentPart>
+          </mc:Choice>
+          <mc:Fallback xmlns="">
+            <p:pic>
+              <p:nvPicPr>
+                <p:cNvPr id="5" name="Ink 4">
+                  <a:extLst>
+                    <a:ext uri="{FF2B5EF4-FFF2-40B4-BE49-F238E27FC236}">
+                      <a16:creationId xmlns:a16="http://schemas.microsoft.com/office/drawing/2014/main" id="{B96330E7-8DA0-0E4F-BE15-58F28CB839EF}"/>
+                    </a:ext>
+                  </a:extLst>
+                </p:cNvPr>
+                <p:cNvPicPr/>
+                <p:nvPr/>
+              </p:nvPicPr>
+              <p:blipFill>
+                <a:blip r:embed="rId6"/>
+                <a:stretch>
+                  <a:fillRect/>
+                </a:stretch>
+              </p:blipFill>
+              <p:spPr>
+                <a:xfrm>
+                  <a:off x="589488" y="6390884"/>
+                  <a:ext cx="126000" cy="126000"/>
+                </a:xfrm>
+                <a:prstGeom prst="rect">
+                  <a:avLst/>
+                </a:prstGeom>
+              </p:spPr>
+            </p:pic>
+          </mc:Fallback>
+        </mc:AlternateContent>
+        <mc:AlternateContent xmlns:mc="http://schemas.openxmlformats.org/markup-compatibility/2006" xmlns:p14="http://schemas.microsoft.com/office/powerpoint/2010/main">
+          <mc:Choice Requires="p14">
+            <p:contentPart p14:bwMode="auto" r:id="rId9">
+              <p14:nvContentPartPr>
+                <p14:cNvPr id="6" name="Ink 5">
+                  <a:extLst>
+                    <a:ext uri="{FF2B5EF4-FFF2-40B4-BE49-F238E27FC236}">
+                      <a16:creationId xmlns:a16="http://schemas.microsoft.com/office/drawing/2014/main" id="{7D15D221-E43F-5C40-9345-2D1F1B6BE9B8}"/>
+                    </a:ext>
+                  </a:extLst>
+                </p14:cNvPr>
+                <p14:cNvContentPartPr/>
+                <p14:nvPr/>
+              </p14:nvContentPartPr>
+              <p14:xfrm>
+                <a:off x="652488" y="6453524"/>
+                <a:ext cx="360" cy="360"/>
+              </p14:xfrm>
+            </p:contentPart>
+          </mc:Choice>
+          <mc:Fallback xmlns="">
+            <p:pic>
+              <p:nvPicPr>
+                <p:cNvPr id="6" name="Ink 5">
+                  <a:extLst>
+                    <a:ext uri="{FF2B5EF4-FFF2-40B4-BE49-F238E27FC236}">
+                      <a16:creationId xmlns:a16="http://schemas.microsoft.com/office/drawing/2014/main" id="{7D15D221-E43F-5C40-9345-2D1F1B6BE9B8}"/>
+                    </a:ext>
+                  </a:extLst>
+                </p:cNvPr>
+                <p:cNvPicPr/>
+                <p:nvPr/>
+              </p:nvPicPr>
+              <p:blipFill>
+                <a:blip r:embed="rId6"/>
+                <a:stretch>
+                  <a:fillRect/>
+                </a:stretch>
+              </p:blipFill>
+              <p:spPr>
+                <a:xfrm>
+                  <a:off x="589488" y="6390884"/>
+                  <a:ext cx="126000" cy="126000"/>
+                </a:xfrm>
+                <a:prstGeom prst="rect">
+                  <a:avLst/>
+                </a:prstGeom>
+              </p:spPr>
+            </p:pic>
+          </mc:Fallback>
+        </mc:AlternateContent>
+        <mc:AlternateContent xmlns:mc="http://schemas.openxmlformats.org/markup-compatibility/2006" xmlns:p14="http://schemas.microsoft.com/office/powerpoint/2010/main">
+          <mc:Choice Requires="p14">
+            <p:contentPart p14:bwMode="auto" r:id="rId10">
+              <p14:nvContentPartPr>
+                <p14:cNvPr id="7" name="Ink 6">
+                  <a:extLst>
+                    <a:ext uri="{FF2B5EF4-FFF2-40B4-BE49-F238E27FC236}">
+                      <a16:creationId xmlns:a16="http://schemas.microsoft.com/office/drawing/2014/main" id="{DFDC6C9B-07A8-DB44-8CEA-05090EE8C525}"/>
+                    </a:ext>
+                  </a:extLst>
+                </p14:cNvPr>
+                <p14:cNvContentPartPr/>
+                <p14:nvPr/>
+              </p14:nvContentPartPr>
+              <p14:xfrm>
+                <a:off x="652488" y="6453524"/>
+                <a:ext cx="360" cy="360"/>
+              </p14:xfrm>
+            </p:contentPart>
+          </mc:Choice>
+          <mc:Fallback xmlns="">
+            <p:pic>
+              <p:nvPicPr>
+                <p:cNvPr id="7" name="Ink 6">
+                  <a:extLst>
+                    <a:ext uri="{FF2B5EF4-FFF2-40B4-BE49-F238E27FC236}">
+                      <a16:creationId xmlns:a16="http://schemas.microsoft.com/office/drawing/2014/main" id="{DFDC6C9B-07A8-DB44-8CEA-05090EE8C525}"/>
+                    </a:ext>
+                  </a:extLst>
+                </p:cNvPr>
+                <p:cNvPicPr/>
+                <p:nvPr/>
+              </p:nvPicPr>
+              <p:blipFill>
+                <a:blip r:embed="rId6"/>
+                <a:stretch>
+                  <a:fillRect/>
+                </a:stretch>
+              </p:blipFill>
+              <p:spPr>
+                <a:xfrm>
+                  <a:off x="589488" y="6390884"/>
+                  <a:ext cx="126000" cy="126000"/>
+                </a:xfrm>
+                <a:prstGeom prst="rect">
+                  <a:avLst/>
+                </a:prstGeom>
+              </p:spPr>
+            </p:pic>
+          </mc:Fallback>
+        </mc:AlternateContent>
+        <mc:AlternateContent xmlns:mc="http://schemas.openxmlformats.org/markup-compatibility/2006" xmlns:p14="http://schemas.microsoft.com/office/powerpoint/2010/main">
+          <mc:Choice Requires="p14">
+            <p:contentPart p14:bwMode="auto" r:id="rId11">
+              <p14:nvContentPartPr>
+                <p14:cNvPr id="8" name="Ink 7">
+                  <a:extLst>
+                    <a:ext uri="{FF2B5EF4-FFF2-40B4-BE49-F238E27FC236}">
+                      <a16:creationId xmlns:a16="http://schemas.microsoft.com/office/drawing/2014/main" id="{12895193-C6A7-9A4B-824E-02CB2774465C}"/>
+                    </a:ext>
+                  </a:extLst>
+                </p14:cNvPr>
+                <p14:cNvContentPartPr/>
+                <p14:nvPr/>
+              </p14:nvContentPartPr>
+              <p14:xfrm>
+                <a:off x="652488" y="6453524"/>
+                <a:ext cx="360" cy="360"/>
+              </p14:xfrm>
+            </p:contentPart>
+          </mc:Choice>
+          <mc:Fallback xmlns="">
+            <p:pic>
+              <p:nvPicPr>
+                <p:cNvPr id="8" name="Ink 7">
+                  <a:extLst>
+                    <a:ext uri="{FF2B5EF4-FFF2-40B4-BE49-F238E27FC236}">
+                      <a16:creationId xmlns:a16="http://schemas.microsoft.com/office/drawing/2014/main" id="{12895193-C6A7-9A4B-824E-02CB2774465C}"/>
+                    </a:ext>
+                  </a:extLst>
+                </p:cNvPr>
+                <p:cNvPicPr/>
+                <p:nvPr/>
+              </p:nvPicPr>
+              <p:blipFill>
+                <a:blip r:embed="rId6"/>
+                <a:stretch>
+                  <a:fillRect/>
+                </a:stretch>
+              </p:blipFill>
+              <p:spPr>
+                <a:xfrm>
+                  <a:off x="589488" y="6390884"/>
+                  <a:ext cx="126000" cy="126000"/>
+                </a:xfrm>
+                <a:prstGeom prst="rect">
+                  <a:avLst/>
+                </a:prstGeom>
+              </p:spPr>
+            </p:pic>
+          </mc:Fallback>
+        </mc:AlternateContent>
+      </p:grpSp>
+      <p:pic>
+        <p:nvPicPr>
+          <p:cNvPr id="11" name="Picture 10" descr="A picture containing drawing&#10;&#10;Description automatically generated">
+            <a:extLst>
+              <a:ext uri="{FF2B5EF4-FFF2-40B4-BE49-F238E27FC236}">
+                <a16:creationId xmlns:a16="http://schemas.microsoft.com/office/drawing/2014/main" id="{ED3B7240-0AD3-E843-BCF4-02F81A06966E}"/>
+              </a:ext>
+            </a:extLst>
+          </p:cNvPr>
+          <p:cNvPicPr>
+            <a:picLocks noChangeAspect="1"/>
+          </p:cNvPicPr>
+          <p:nvPr/>
+        </p:nvPicPr>
+        <p:blipFill>
+          <a:blip r:embed="rId12" cstate="email">
+            <a:extLst>
+              <a:ext uri="{28A0092B-C50C-407E-A947-70E740481C1C}">
+                <a14:useLocalDpi xmlns:a14="http://schemas.microsoft.com/office/drawing/2010/main" val="0"/>
+              </a:ext>
+            </a:extLst>
+          </a:blip>
+          <a:stretch>
+            <a:fillRect/>
+          </a:stretch>
+        </p:blipFill>
+        <p:spPr>
+          <a:xfrm>
+            <a:off x="257806" y="6207764"/>
+            <a:ext cx="608520" cy="608520"/>
+          </a:xfrm>
+          <a:prstGeom prst="rect">
+            <a:avLst/>
+          </a:prstGeom>
+        </p:spPr>
+      </p:pic>
+      <p:sp>
+        <p:nvSpPr>
+          <p:cNvPr id="12" name="TextBox 11">
+            <a:extLst>
+              <a:ext uri="{FF2B5EF4-FFF2-40B4-BE49-F238E27FC236}">
+                <a16:creationId xmlns:a16="http://schemas.microsoft.com/office/drawing/2014/main" id="{98F1A2DC-9A04-584A-BA23-8B685361352F}"/>
+              </a:ext>
+            </a:extLst>
+          </p:cNvPr>
+          <p:cNvSpPr txBox="1"/>
+          <p:nvPr/>
+        </p:nvSpPr>
+        <p:spPr>
+          <a:xfrm>
+            <a:off x="913626" y="6311969"/>
+            <a:ext cx="3658374" cy="400110"/>
+          </a:xfrm>
+          <a:prstGeom prst="rect">
+            <a:avLst/>
+          </a:prstGeom>
+          <a:noFill/>
+        </p:spPr>
+        <p:txBody>
+          <a:bodyPr wrap="none" rtlCol="0">
+            <a:spAutoFit/>
+          </a:bodyPr>
+          <a:lstStyle/>
+          <a:p>
+            <a:pPr algn="ctr"/>
+            <a:r>
+              <a:rPr lang="tr-TR" sz="2000" i="0" dirty="0">
+                <a:solidFill>
+                  <a:schemeClr val="bg1"/>
+                </a:solidFill>
+                <a:latin typeface="Baskerville Old Face" panose="02020602080505020303" pitchFamily="18" charset="77"/>
+              </a:rPr>
+              <a:t>KASTAMONU ÜNİVERSİTESİ</a:t>
+            </a:r>
+          </a:p>
+        </p:txBody>
+      </p:sp>
+    </p:spTree>
+    <p:extLst>
+      <p:ext uri="{BB962C8B-B14F-4D97-AF65-F5344CB8AC3E}">
+        <p14:creationId xmlns:p14="http://schemas.microsoft.com/office/powerpoint/2010/main" val="712590151"/>
+      </p:ext>
+    </p:extLst>
+  </p:cSld>
+  <p:clrMapOvr>
+    <a:masterClrMapping/>
+  </p:clrMapOvr>
+</p:sld>
+</file>
+
+<file path=ppt/slides/slide2.xml><?xml version="1.0" encoding="utf-8"?>
+<p:sld xmlns:a="http://schemas.openxmlformats.org/drawingml/2006/main" xmlns:r="http://schemas.openxmlformats.org/officeDocument/2006/relationships" xmlns:p="http://schemas.openxmlformats.org/presentationml/2006/main">
+  <p:cSld>
+    <p:spTree>
+      <p:nvGrpSpPr>
+        <p:cNvPr id="1" name=""/>
+        <p:cNvGrpSpPr/>
+        <p:nvPr/>
+      </p:nvGrpSpPr>
+      <p:grpSpPr>
+        <a:xfrm>
+          <a:off x="0" y="0"/>
+          <a:ext cx="0" cy="0"/>
+          <a:chOff x="0" y="0"/>
+          <a:chExt cx="0" cy="0"/>
+        </a:xfrm>
+      </p:grpSpPr>
+      <p:sp>
+        <p:nvSpPr>
+          <p:cNvPr id="17409" name="Rectangle 2"/>
+          <p:cNvSpPr>
+            <a:spLocks noGrp="1" noChangeArrowheads="1"/>
+          </p:cNvSpPr>
+          <p:nvPr>
+            <p:ph type="title"/>
+          </p:nvPr>
+        </p:nvSpPr>
+        <p:spPr>
+          <a:xfrm>
+            <a:off x="1016793" y="2516579"/>
+            <a:ext cx="7110413" cy="914400"/>
+          </a:xfrm>
+        </p:spPr>
+        <p:txBody>
+          <a:bodyPr/>
+          <a:lstStyle/>
+          <a:p>
+            <a:pPr algn="ctr" eaLnBrk="1" hangingPunct="1"/>
+            <a:r>
+              <a:rPr lang="tr-TR" dirty="0">
+                <a:latin typeface="Palatino Linotype" panose="02040502050505030304" pitchFamily="18" charset="0"/>
+                <a:ea typeface="ＭＳ Ｐゴシック" charset="0"/>
+              </a:rPr>
+              <a:t>HLM Teorik Altyapısı</a:t>
+            </a:r>
+          </a:p>
+        </p:txBody>
+      </p:sp>
+      <mc:AlternateContent xmlns:mc="http://schemas.openxmlformats.org/markup-compatibility/2006" xmlns:p14="http://schemas.microsoft.com/office/powerpoint/2010/main">
+        <mc:Choice Requires="p14">
+          <p:contentPart p14:bwMode="auto" r:id="rId3">
+            <p14:nvContentPartPr>
+              <p14:cNvPr id="2" name="Ink 1">
+                <a:extLst>
+                  <a:ext uri="{FF2B5EF4-FFF2-40B4-BE49-F238E27FC236}">
+                    <a16:creationId xmlns:a16="http://schemas.microsoft.com/office/drawing/2014/main" id="{93A24215-E672-1B4E-9B47-FCFE21DA767A}"/>
+                  </a:ext>
+                </a:extLst>
+              </p14:cNvPr>
+              <p14:cNvContentPartPr/>
+              <p14:nvPr/>
+            </p14:nvContentPartPr>
+            <p14:xfrm>
+              <a:off x="1923288" y="6545684"/>
+              <a:ext cx="360" cy="360"/>
+            </p14:xfrm>
+          </p:contentPart>
+        </mc:Choice>
+        <mc:Fallback xmlns="">
+          <p:pic>
+            <p:nvPicPr>
+              <p:cNvPr id="2" name="Ink 1">
+                <a:extLst>
+                  <a:ext uri="{FF2B5EF4-FFF2-40B4-BE49-F238E27FC236}">
+                    <a16:creationId xmlns:a16="http://schemas.microsoft.com/office/drawing/2014/main" id="{93A24215-E672-1B4E-9B47-FCFE21DA767A}"/>
+                  </a:ext>
+                </a:extLst>
+              </p:cNvPr>
+              <p:cNvPicPr/>
+              <p:nvPr/>
+            </p:nvPicPr>
+            <p:blipFill>
+              <a:blip r:embed="rId4"/>
+              <a:stretch>
+                <a:fillRect/>
+              </a:stretch>
+            </p:blipFill>
+            <p:spPr>
+              <a:xfrm>
+                <a:off x="1860648" y="6483044"/>
+                <a:ext cx="126000" cy="126000"/>
+              </a:xfrm>
+              <a:prstGeom prst="rect">
+                <a:avLst/>
+              </a:prstGeom>
+            </p:spPr>
+          </p:pic>
+        </mc:Fallback>
+      </mc:AlternateContent>
+      <mc:AlternateContent xmlns:mc="http://schemas.openxmlformats.org/markup-compatibility/2006" xmlns:p14="http://schemas.microsoft.com/office/powerpoint/2010/main">
+        <mc:Choice Requires="p14">
+          <p:contentPart p14:bwMode="auto" r:id="rId5">
+            <p14:nvContentPartPr>
+              <p14:cNvPr id="3" name="Ink 2">
+                <a:extLst>
+                  <a:ext uri="{FF2B5EF4-FFF2-40B4-BE49-F238E27FC236}">
+                    <a16:creationId xmlns:a16="http://schemas.microsoft.com/office/drawing/2014/main" id="{89BE40D2-9E63-2D49-BF8A-345F0DB42673}"/>
+                  </a:ext>
+                </a:extLst>
+              </p14:cNvPr>
+              <p14:cNvContentPartPr/>
+              <p14:nvPr/>
+            </p14:nvContentPartPr>
+            <p14:xfrm>
+              <a:off x="257568" y="6375404"/>
+              <a:ext cx="2462040" cy="273240"/>
+            </p14:xfrm>
+          </p:contentPart>
+        </mc:Choice>
+        <mc:Fallback xmlns="">
+          <p:pic>
+            <p:nvPicPr>
+              <p:cNvPr id="3" name="Ink 2">
+                <a:extLst>
+                  <a:ext uri="{FF2B5EF4-FFF2-40B4-BE49-F238E27FC236}">
+                    <a16:creationId xmlns:a16="http://schemas.microsoft.com/office/drawing/2014/main" id="{89BE40D2-9E63-2D49-BF8A-345F0DB42673}"/>
+                  </a:ext>
+                </a:extLst>
+              </p:cNvPr>
+              <p:cNvPicPr/>
+              <p:nvPr/>
+            </p:nvPicPr>
+            <p:blipFill>
+              <a:blip r:embed="rId6"/>
+              <a:stretch>
+                <a:fillRect/>
+              </a:stretch>
+            </p:blipFill>
+            <p:spPr>
+              <a:xfrm>
+                <a:off x="194928" y="6312404"/>
+                <a:ext cx="2587680" cy="398880"/>
+              </a:xfrm>
+              <a:prstGeom prst="rect">
+                <a:avLst/>
+              </a:prstGeom>
+            </p:spPr>
+          </p:pic>
+        </mc:Fallback>
+      </mc:AlternateContent>
+      <p:pic>
+        <p:nvPicPr>
+          <p:cNvPr id="5" name="Picture 4" descr="A picture containing drawing&#10;&#10;Description automatically generated">
+            <a:extLst>
+              <a:ext uri="{FF2B5EF4-FFF2-40B4-BE49-F238E27FC236}">
+                <a16:creationId xmlns:a16="http://schemas.microsoft.com/office/drawing/2014/main" id="{96890DB8-E97D-484D-B023-A76A6E3F29B0}"/>
+              </a:ext>
+            </a:extLst>
+          </p:cNvPr>
+          <p:cNvPicPr>
+            <a:picLocks noChangeAspect="1"/>
+          </p:cNvPicPr>
+          <p:nvPr/>
+        </p:nvPicPr>
+        <p:blipFill>
+          <a:blip r:embed="rId7" cstate="email">
+            <a:extLst>
+              <a:ext uri="{28A0092B-C50C-407E-A947-70E740481C1C}">
+                <a14:useLocalDpi xmlns:a14="http://schemas.microsoft.com/office/drawing/2010/main" val="0"/>
+              </a:ext>
+            </a:extLst>
+          </a:blip>
+          <a:stretch>
+            <a:fillRect/>
+          </a:stretch>
+        </p:blipFill>
+        <p:spPr>
+          <a:xfrm>
+            <a:off x="257806" y="6207764"/>
+            <a:ext cx="608520" cy="608520"/>
+          </a:xfrm>
+          <a:prstGeom prst="rect">
+            <a:avLst/>
+          </a:prstGeom>
+        </p:spPr>
+      </p:pic>
+      <p:sp>
+        <p:nvSpPr>
+          <p:cNvPr id="7" name="TextBox 6">
+            <a:extLst>
+              <a:ext uri="{FF2B5EF4-FFF2-40B4-BE49-F238E27FC236}">
+                <a16:creationId xmlns:a16="http://schemas.microsoft.com/office/drawing/2014/main" id="{0A203F76-7C61-8247-9B87-C2E9E7324960}"/>
+              </a:ext>
+            </a:extLst>
+          </p:cNvPr>
+          <p:cNvSpPr txBox="1"/>
+          <p:nvPr/>
+        </p:nvSpPr>
+        <p:spPr>
+          <a:xfrm>
+            <a:off x="913626" y="6311969"/>
+            <a:ext cx="3658374" cy="400110"/>
+          </a:xfrm>
+          <a:prstGeom prst="rect">
+            <a:avLst/>
+          </a:prstGeom>
+          <a:noFill/>
+        </p:spPr>
+        <p:txBody>
+          <a:bodyPr wrap="none" rtlCol="0">
+            <a:spAutoFit/>
+          </a:bodyPr>
+          <a:lstStyle/>
+          <a:p>
+            <a:pPr algn="ctr"/>
+            <a:r>
+              <a:rPr lang="en-TR" sz="2000" i="0" dirty="0">
+                <a:solidFill>
+                  <a:schemeClr val="bg1"/>
+                </a:solidFill>
+                <a:latin typeface="Baskerville Old Face" panose="02020602080505020303" pitchFamily="18" charset="77"/>
+              </a:rPr>
+              <a:t>KASTAMONU ÜNİVERSİTESİ</a:t>
+            </a:r>
+          </a:p>
+        </p:txBody>
+      </p:sp>
+    </p:spTree>
+    <p:extLst>
+      <p:ext uri="{BB962C8B-B14F-4D97-AF65-F5344CB8AC3E}">
+        <p14:creationId xmlns:p14="http://schemas.microsoft.com/office/powerpoint/2010/main" val="630019940"/>
+      </p:ext>
+    </p:extLst>
+  </p:cSld>
+  <p:clrMapOvr>
+    <a:masterClrMapping/>
+  </p:clrMapOvr>
+</p:sld>
+</file>
+
+<file path=ppt/slides/slide20.xml><?xml version="1.0" encoding="utf-8"?>
+<p:sld xmlns:a="http://schemas.openxmlformats.org/drawingml/2006/main" xmlns:r="http://schemas.openxmlformats.org/officeDocument/2006/relationships" xmlns:p="http://schemas.openxmlformats.org/presentationml/2006/main">
+  <p:cSld>
+    <p:spTree>
+      <p:nvGrpSpPr>
+        <p:cNvPr id="1" name=""/>
+        <p:cNvGrpSpPr/>
+        <p:nvPr/>
+      </p:nvGrpSpPr>
+      <p:grpSpPr>
+        <a:xfrm>
+          <a:off x="0" y="0"/>
+          <a:ext cx="0" cy="0"/>
+          <a:chOff x="0" y="0"/>
+          <a:chExt cx="0" cy="0"/>
+        </a:xfrm>
+      </p:grpSpPr>
+      <p:sp>
+        <p:nvSpPr>
+          <p:cNvPr id="17410" name="Rectangle 3"/>
+          <p:cNvSpPr>
+            <a:spLocks noGrp="1" noChangeArrowheads="1"/>
+          </p:cNvSpPr>
+          <p:nvPr>
+            <p:ph type="body" idx="1"/>
+          </p:nvPr>
+        </p:nvSpPr>
+        <p:spPr>
+          <a:xfrm>
+            <a:off x="381000" y="533400"/>
+            <a:ext cx="8534400" cy="5357813"/>
+          </a:xfrm>
+        </p:spPr>
+        <p:txBody>
+          <a:bodyPr/>
+          <a:lstStyle/>
+          <a:p>
+            <a:pPr marL="411163" lvl="1" indent="0" eaLnBrk="1" hangingPunct="1"/>
+            <a:r>
+              <a:rPr lang="tr-TR" sz="2400" dirty="0">
+                <a:latin typeface="Palatino Linotype" panose="02040502050505030304" pitchFamily="18" charset="0"/>
+                <a:ea typeface="ＭＳ Ｐゴシック" charset="0"/>
+              </a:rPr>
+              <a:t>Dikkat edilmesi gereken nokta, burada bir </a:t>
+            </a:r>
+            <a:r>
+              <a:rPr lang="tr-TR" sz="2400" dirty="0" err="1">
+                <a:latin typeface="Palatino Linotype" panose="02040502050505030304" pitchFamily="18" charset="0"/>
+                <a:ea typeface="ＭＳ Ｐゴシック" charset="0"/>
+              </a:rPr>
+              <a:t>nedensel</a:t>
+            </a:r>
+            <a:r>
+              <a:rPr lang="tr-TR" sz="2400" dirty="0">
+                <a:latin typeface="Palatino Linotype" panose="02040502050505030304" pitchFamily="18" charset="0"/>
+                <a:ea typeface="ＭＳ Ｐゴシック" charset="0"/>
+              </a:rPr>
+              <a:t> ilişki (</a:t>
+            </a:r>
+            <a:r>
+              <a:rPr lang="tr-TR" sz="2400" dirty="0" err="1">
+                <a:latin typeface="Palatino Linotype" panose="02040502050505030304" pitchFamily="18" charset="0"/>
+                <a:ea typeface="ＭＳ Ｐゴシック" charset="0"/>
+              </a:rPr>
+              <a:t>causal</a:t>
+            </a:r>
+            <a:r>
+              <a:rPr lang="tr-TR" sz="2400" dirty="0">
+                <a:latin typeface="Palatino Linotype" panose="02040502050505030304" pitchFamily="18" charset="0"/>
+                <a:ea typeface="ＭＳ Ｐゴシック" charset="0"/>
+              </a:rPr>
+              <a:t> </a:t>
+            </a:r>
+            <a:r>
+              <a:rPr lang="tr-TR" sz="2400" dirty="0" err="1">
+                <a:latin typeface="Palatino Linotype" panose="02040502050505030304" pitchFamily="18" charset="0"/>
+                <a:ea typeface="ＭＳ Ｐゴシック" charset="0"/>
+              </a:rPr>
+              <a:t>effect</a:t>
+            </a:r>
+            <a:r>
+              <a:rPr lang="tr-TR" sz="2400" dirty="0">
+                <a:latin typeface="Palatino Linotype" panose="02040502050505030304" pitchFamily="18" charset="0"/>
+                <a:ea typeface="ＭＳ Ｐゴシック" charset="0"/>
+              </a:rPr>
+              <a:t>) ortaya konulmadığıdır. Yani öğretmen etkileşimleri ile öğrenci başarısı arasındaki ilişkinin yönü yoktur!!!</a:t>
+            </a:r>
+          </a:p>
+          <a:p>
+            <a:pPr marL="411163" lvl="1" indent="0" eaLnBrk="1" hangingPunct="1"/>
+            <a:endParaRPr lang="tr-TR" sz="2000" dirty="0">
+              <a:latin typeface="Palatino Linotype" panose="02040502050505030304" pitchFamily="18" charset="0"/>
+              <a:ea typeface="ＭＳ Ｐゴシック" charset="0"/>
+            </a:endParaRPr>
+          </a:p>
+          <a:p>
+            <a:pPr marL="411163" lvl="1" indent="0" eaLnBrk="1" hangingPunct="1"/>
+            <a:r>
+              <a:rPr lang="tr-TR" sz="2000" dirty="0">
+                <a:latin typeface="Palatino Linotype" panose="02040502050505030304" pitchFamily="18" charset="0"/>
+                <a:ea typeface="ＭＳ Ｐゴシック" charset="0"/>
+              </a:rPr>
+              <a:t>Bu bölümde, belirtilen araştırma sorusuna cevap almak adına oluşturulan HLM modelleri açıklanacaktır. </a:t>
+            </a:r>
+          </a:p>
+          <a:p>
+            <a:pPr marL="411163" lvl="1" indent="0" eaLnBrk="1" hangingPunct="1"/>
+            <a:endParaRPr lang="tr-TR" sz="2000" dirty="0">
+              <a:latin typeface="Palatino Linotype" panose="02040502050505030304" pitchFamily="18" charset="0"/>
+              <a:ea typeface="ＭＳ Ｐゴシック" charset="0"/>
+            </a:endParaRPr>
+          </a:p>
+          <a:p>
+            <a:pPr marL="411163" lvl="1" indent="0" eaLnBrk="1" hangingPunct="1"/>
+            <a:r>
+              <a:rPr lang="tr-TR" sz="2000" dirty="0">
+                <a:latin typeface="Palatino Linotype" panose="02040502050505030304" pitchFamily="18" charset="0"/>
+                <a:ea typeface="ＭＳ Ｐゴシック" charset="0"/>
+              </a:rPr>
+              <a:t>İlk olarak, verimizdeki öğrencilerin ayni sınıfta olmak münasebetiyle matematik basarisi açısından ne derece benzerlik gösterdiğini hesaplayabilmek adına bos model teorik olarak anlatılacaktır. </a:t>
+            </a:r>
+          </a:p>
+          <a:p>
+            <a:pPr marL="411163" lvl="1" indent="0" eaLnBrk="1" hangingPunct="1"/>
+            <a:r>
+              <a:rPr lang="tr-TR" sz="2000" dirty="0">
+                <a:latin typeface="Palatino Linotype" panose="02040502050505030304" pitchFamily="18" charset="0"/>
+                <a:ea typeface="ＭＳ Ｐゴシック" charset="0"/>
+              </a:rPr>
+              <a:t>Bu şekilde, elimizdeki veri setiyle oluşturulacak iki seviyeli bir modelin ne derece anlamlı olduğunu belirleyebiliriz. </a:t>
+            </a:r>
+          </a:p>
+          <a:p>
+            <a:pPr marL="411163" lvl="1" indent="0" eaLnBrk="1" hangingPunct="1"/>
+            <a:r>
+              <a:rPr lang="tr-TR" sz="2000" dirty="0">
+                <a:latin typeface="Palatino Linotype" panose="02040502050505030304" pitchFamily="18" charset="0"/>
+                <a:ea typeface="ＭＳ Ｐゴシック" charset="0"/>
+              </a:rPr>
+              <a:t>Sonrasında da, iki seviyeli modelimizi yine teorik olarak oluşturacağız.  </a:t>
+            </a:r>
+          </a:p>
+          <a:p>
+            <a:pPr marL="360363" indent="-349250" eaLnBrk="1" hangingPunct="1"/>
+            <a:endParaRPr lang="tr-TR" sz="2400" dirty="0">
+              <a:latin typeface="Palatino Linotype" panose="02040502050505030304" pitchFamily="18" charset="0"/>
+              <a:ea typeface="ＭＳ Ｐゴシック" charset="0"/>
+            </a:endParaRPr>
+          </a:p>
+        </p:txBody>
+      </p:sp>
+      <mc:AlternateContent xmlns:mc="http://schemas.openxmlformats.org/markup-compatibility/2006" xmlns:p14="http://schemas.microsoft.com/office/powerpoint/2010/main">
+        <mc:Choice Requires="p14">
+          <p:contentPart p14:bwMode="auto" r:id="rId3">
+            <p14:nvContentPartPr>
+              <p14:cNvPr id="2" name="Ink 1">
+                <a:extLst>
+                  <a:ext uri="{FF2B5EF4-FFF2-40B4-BE49-F238E27FC236}">
+                    <a16:creationId xmlns:a16="http://schemas.microsoft.com/office/drawing/2014/main" id="{5091156A-FF99-D04E-AECF-AAA0DEDC6426}"/>
+                  </a:ext>
+                </a:extLst>
+              </p14:cNvPr>
+              <p14:cNvContentPartPr/>
+              <p14:nvPr/>
+            </p14:nvContentPartPr>
+            <p14:xfrm>
+              <a:off x="401568" y="6382964"/>
+              <a:ext cx="2210400" cy="240120"/>
+            </p14:xfrm>
+          </p:contentPart>
+        </mc:Choice>
+        <mc:Fallback xmlns="">
+          <p:pic>
+            <p:nvPicPr>
+              <p:cNvPr id="2" name="Ink 1">
+                <a:extLst>
+                  <a:ext uri="{FF2B5EF4-FFF2-40B4-BE49-F238E27FC236}">
+                    <a16:creationId xmlns:a16="http://schemas.microsoft.com/office/drawing/2014/main" id="{5091156A-FF99-D04E-AECF-AAA0DEDC6426}"/>
+                  </a:ext>
+                </a:extLst>
+              </p:cNvPr>
+              <p:cNvPicPr/>
+              <p:nvPr/>
+            </p:nvPicPr>
+            <p:blipFill>
+              <a:blip r:embed="rId4"/>
+              <a:stretch>
+                <a:fillRect/>
+              </a:stretch>
+            </p:blipFill>
+            <p:spPr>
+              <a:xfrm>
+                <a:off x="338928" y="6319964"/>
+                <a:ext cx="2336040" cy="365760"/>
+              </a:xfrm>
+              <a:prstGeom prst="rect">
+                <a:avLst/>
+              </a:prstGeom>
+            </p:spPr>
+          </p:pic>
+        </mc:Fallback>
+      </mc:AlternateContent>
+      <p:grpSp>
+        <p:nvGrpSpPr>
+          <p:cNvPr id="9" name="Group 8">
+            <a:extLst>
+              <a:ext uri="{FF2B5EF4-FFF2-40B4-BE49-F238E27FC236}">
+                <a16:creationId xmlns:a16="http://schemas.microsoft.com/office/drawing/2014/main" id="{08BE9CB2-0C9B-1048-A2D4-7104D02BD36E}"/>
+              </a:ext>
+            </a:extLst>
+          </p:cNvPr>
+          <p:cNvGrpSpPr/>
+          <p:nvPr/>
+        </p:nvGrpSpPr>
+        <p:grpSpPr>
+          <a:xfrm>
+            <a:off x="652488" y="6453524"/>
+            <a:ext cx="139320" cy="53280"/>
+            <a:chOff x="652488" y="6453524"/>
+            <a:chExt cx="139320" cy="53280"/>
+          </a:xfrm>
+        </p:grpSpPr>
+        <mc:AlternateContent xmlns:mc="http://schemas.openxmlformats.org/markup-compatibility/2006" xmlns:p14="http://schemas.microsoft.com/office/powerpoint/2010/main">
+          <mc:Choice Requires="p14">
+            <p:contentPart p14:bwMode="auto" r:id="rId5">
+              <p14:nvContentPartPr>
+                <p14:cNvPr id="3" name="Ink 2">
+                  <a:extLst>
+                    <a:ext uri="{FF2B5EF4-FFF2-40B4-BE49-F238E27FC236}">
+                      <a16:creationId xmlns:a16="http://schemas.microsoft.com/office/drawing/2014/main" id="{FBDC26EE-DD2C-B244-8C34-D3410FB3E9F5}"/>
+                    </a:ext>
+                  </a:extLst>
+                </p14:cNvPr>
+                <p14:cNvContentPartPr/>
+                <p14:nvPr/>
+              </p14:nvContentPartPr>
+              <p14:xfrm>
+                <a:off x="791448" y="6506444"/>
+                <a:ext cx="360" cy="360"/>
+              </p14:xfrm>
+            </p:contentPart>
+          </mc:Choice>
+          <mc:Fallback xmlns="">
+            <p:pic>
+              <p:nvPicPr>
+                <p:cNvPr id="3" name="Ink 2">
+                  <a:extLst>
+                    <a:ext uri="{FF2B5EF4-FFF2-40B4-BE49-F238E27FC236}">
+                      <a16:creationId xmlns:a16="http://schemas.microsoft.com/office/drawing/2014/main" id="{FBDC26EE-DD2C-B244-8C34-D3410FB3E9F5}"/>
+                    </a:ext>
+                  </a:extLst>
+                </p:cNvPr>
+                <p:cNvPicPr/>
+                <p:nvPr/>
+              </p:nvPicPr>
+              <p:blipFill>
+                <a:blip r:embed="rId6"/>
+                <a:stretch>
+                  <a:fillRect/>
+                </a:stretch>
+              </p:blipFill>
+              <p:spPr>
+                <a:xfrm>
+                  <a:off x="728808" y="6443444"/>
+                  <a:ext cx="126000" cy="126000"/>
+                </a:xfrm>
+                <a:prstGeom prst="rect">
+                  <a:avLst/>
+                </a:prstGeom>
+              </p:spPr>
+            </p:pic>
+          </mc:Fallback>
+        </mc:AlternateContent>
+        <mc:AlternateContent xmlns:mc="http://schemas.openxmlformats.org/markup-compatibility/2006" xmlns:p14="http://schemas.microsoft.com/office/powerpoint/2010/main">
+          <mc:Choice Requires="p14">
+            <p:contentPart p14:bwMode="auto" r:id="rId7">
+              <p14:nvContentPartPr>
+                <p14:cNvPr id="4" name="Ink 3">
+                  <a:extLst>
+                    <a:ext uri="{FF2B5EF4-FFF2-40B4-BE49-F238E27FC236}">
+                      <a16:creationId xmlns:a16="http://schemas.microsoft.com/office/drawing/2014/main" id="{B3E595F4-27E8-784C-9777-5A3DDFD6743C}"/>
+                    </a:ext>
+                  </a:extLst>
+                </p14:cNvPr>
+                <p14:cNvContentPartPr/>
+                <p14:nvPr/>
+              </p14:nvContentPartPr>
+              <p14:xfrm>
+                <a:off x="652488" y="6453524"/>
+                <a:ext cx="360" cy="360"/>
+              </p14:xfrm>
+            </p:contentPart>
+          </mc:Choice>
+          <mc:Fallback xmlns="">
+            <p:pic>
+              <p:nvPicPr>
+                <p:cNvPr id="4" name="Ink 3">
+                  <a:extLst>
+                    <a:ext uri="{FF2B5EF4-FFF2-40B4-BE49-F238E27FC236}">
+                      <a16:creationId xmlns:a16="http://schemas.microsoft.com/office/drawing/2014/main" id="{B3E595F4-27E8-784C-9777-5A3DDFD6743C}"/>
+                    </a:ext>
+                  </a:extLst>
+                </p:cNvPr>
+                <p:cNvPicPr/>
+                <p:nvPr/>
+              </p:nvPicPr>
+              <p:blipFill>
+                <a:blip r:embed="rId6"/>
+                <a:stretch>
+                  <a:fillRect/>
+                </a:stretch>
+              </p:blipFill>
+              <p:spPr>
+                <a:xfrm>
+                  <a:off x="589488" y="6390884"/>
+                  <a:ext cx="126000" cy="126000"/>
+                </a:xfrm>
+                <a:prstGeom prst="rect">
+                  <a:avLst/>
+                </a:prstGeom>
+              </p:spPr>
+            </p:pic>
+          </mc:Fallback>
+        </mc:AlternateContent>
+        <mc:AlternateContent xmlns:mc="http://schemas.openxmlformats.org/markup-compatibility/2006" xmlns:p14="http://schemas.microsoft.com/office/powerpoint/2010/main">
+          <mc:Choice Requires="p14">
+            <p:contentPart p14:bwMode="auto" r:id="rId8">
+              <p14:nvContentPartPr>
+                <p14:cNvPr id="5" name="Ink 4">
+                  <a:extLst>
+                    <a:ext uri="{FF2B5EF4-FFF2-40B4-BE49-F238E27FC236}">
+                      <a16:creationId xmlns:a16="http://schemas.microsoft.com/office/drawing/2014/main" id="{B96330E7-8DA0-0E4F-BE15-58F28CB839EF}"/>
+                    </a:ext>
+                  </a:extLst>
+                </p14:cNvPr>
+                <p14:cNvContentPartPr/>
+                <p14:nvPr/>
+              </p14:nvContentPartPr>
+              <p14:xfrm>
+                <a:off x="652488" y="6453524"/>
+                <a:ext cx="360" cy="360"/>
+              </p14:xfrm>
+            </p:contentPart>
+          </mc:Choice>
+          <mc:Fallback xmlns="">
+            <p:pic>
+              <p:nvPicPr>
+                <p:cNvPr id="5" name="Ink 4">
+                  <a:extLst>
+                    <a:ext uri="{FF2B5EF4-FFF2-40B4-BE49-F238E27FC236}">
+                      <a16:creationId xmlns:a16="http://schemas.microsoft.com/office/drawing/2014/main" id="{B96330E7-8DA0-0E4F-BE15-58F28CB839EF}"/>
+                    </a:ext>
+                  </a:extLst>
+                </p:cNvPr>
+                <p:cNvPicPr/>
+                <p:nvPr/>
+              </p:nvPicPr>
+              <p:blipFill>
+                <a:blip r:embed="rId6"/>
+                <a:stretch>
+                  <a:fillRect/>
+                </a:stretch>
+              </p:blipFill>
+              <p:spPr>
+                <a:xfrm>
+                  <a:off x="589488" y="6390884"/>
+                  <a:ext cx="126000" cy="126000"/>
+                </a:xfrm>
+                <a:prstGeom prst="rect">
+                  <a:avLst/>
+                </a:prstGeom>
+              </p:spPr>
+            </p:pic>
+          </mc:Fallback>
+        </mc:AlternateContent>
+        <mc:AlternateContent xmlns:mc="http://schemas.openxmlformats.org/markup-compatibility/2006" xmlns:p14="http://schemas.microsoft.com/office/powerpoint/2010/main">
+          <mc:Choice Requires="p14">
+            <p:contentPart p14:bwMode="auto" r:id="rId9">
+              <p14:nvContentPartPr>
+                <p14:cNvPr id="6" name="Ink 5">
+                  <a:extLst>
+                    <a:ext uri="{FF2B5EF4-FFF2-40B4-BE49-F238E27FC236}">
+                      <a16:creationId xmlns:a16="http://schemas.microsoft.com/office/drawing/2014/main" id="{7D15D221-E43F-5C40-9345-2D1F1B6BE9B8}"/>
+                    </a:ext>
+                  </a:extLst>
+                </p14:cNvPr>
+                <p14:cNvContentPartPr/>
+                <p14:nvPr/>
+              </p14:nvContentPartPr>
+              <p14:xfrm>
+                <a:off x="652488" y="6453524"/>
+                <a:ext cx="360" cy="360"/>
+              </p14:xfrm>
+            </p:contentPart>
+          </mc:Choice>
+          <mc:Fallback xmlns="">
+            <p:pic>
+              <p:nvPicPr>
+                <p:cNvPr id="6" name="Ink 5">
+                  <a:extLst>
+                    <a:ext uri="{FF2B5EF4-FFF2-40B4-BE49-F238E27FC236}">
+                      <a16:creationId xmlns:a16="http://schemas.microsoft.com/office/drawing/2014/main" id="{7D15D221-E43F-5C40-9345-2D1F1B6BE9B8}"/>
+                    </a:ext>
+                  </a:extLst>
+                </p:cNvPr>
+                <p:cNvPicPr/>
+                <p:nvPr/>
+              </p:nvPicPr>
+              <p:blipFill>
+                <a:blip r:embed="rId6"/>
+                <a:stretch>
+                  <a:fillRect/>
+                </a:stretch>
+              </p:blipFill>
+              <p:spPr>
+                <a:xfrm>
+                  <a:off x="589488" y="6390884"/>
+                  <a:ext cx="126000" cy="126000"/>
+                </a:xfrm>
+                <a:prstGeom prst="rect">
+                  <a:avLst/>
+                </a:prstGeom>
+              </p:spPr>
+            </p:pic>
+          </mc:Fallback>
+        </mc:AlternateContent>
+        <mc:AlternateContent xmlns:mc="http://schemas.openxmlformats.org/markup-compatibility/2006" xmlns:p14="http://schemas.microsoft.com/office/powerpoint/2010/main">
+          <mc:Choice Requires="p14">
+            <p:contentPart p14:bwMode="auto" r:id="rId10">
+              <p14:nvContentPartPr>
+                <p14:cNvPr id="7" name="Ink 6">
+                  <a:extLst>
+                    <a:ext uri="{FF2B5EF4-FFF2-40B4-BE49-F238E27FC236}">
+                      <a16:creationId xmlns:a16="http://schemas.microsoft.com/office/drawing/2014/main" id="{DFDC6C9B-07A8-DB44-8CEA-05090EE8C525}"/>
+                    </a:ext>
+                  </a:extLst>
+                </p14:cNvPr>
+                <p14:cNvContentPartPr/>
+                <p14:nvPr/>
+              </p14:nvContentPartPr>
+              <p14:xfrm>
+                <a:off x="652488" y="6453524"/>
+                <a:ext cx="360" cy="360"/>
+              </p14:xfrm>
+            </p:contentPart>
+          </mc:Choice>
+          <mc:Fallback xmlns="">
+            <p:pic>
+              <p:nvPicPr>
+                <p:cNvPr id="7" name="Ink 6">
+                  <a:extLst>
+                    <a:ext uri="{FF2B5EF4-FFF2-40B4-BE49-F238E27FC236}">
+                      <a16:creationId xmlns:a16="http://schemas.microsoft.com/office/drawing/2014/main" id="{DFDC6C9B-07A8-DB44-8CEA-05090EE8C525}"/>
+                    </a:ext>
+                  </a:extLst>
+                </p:cNvPr>
+                <p:cNvPicPr/>
+                <p:nvPr/>
+              </p:nvPicPr>
+              <p:blipFill>
+                <a:blip r:embed="rId6"/>
+                <a:stretch>
+                  <a:fillRect/>
+                </a:stretch>
+              </p:blipFill>
+              <p:spPr>
+                <a:xfrm>
+                  <a:off x="589488" y="6390884"/>
+                  <a:ext cx="126000" cy="126000"/>
+                </a:xfrm>
+                <a:prstGeom prst="rect">
+                  <a:avLst/>
+                </a:prstGeom>
+              </p:spPr>
+            </p:pic>
+          </mc:Fallback>
+        </mc:AlternateContent>
+        <mc:AlternateContent xmlns:mc="http://schemas.openxmlformats.org/markup-compatibility/2006" xmlns:p14="http://schemas.microsoft.com/office/powerpoint/2010/main">
+          <mc:Choice Requires="p14">
+            <p:contentPart p14:bwMode="auto" r:id="rId11">
+              <p14:nvContentPartPr>
+                <p14:cNvPr id="8" name="Ink 7">
+                  <a:extLst>
+                    <a:ext uri="{FF2B5EF4-FFF2-40B4-BE49-F238E27FC236}">
+                      <a16:creationId xmlns:a16="http://schemas.microsoft.com/office/drawing/2014/main" id="{12895193-C6A7-9A4B-824E-02CB2774465C}"/>
+                    </a:ext>
+                  </a:extLst>
+                </p14:cNvPr>
+                <p14:cNvContentPartPr/>
+                <p14:nvPr/>
+              </p14:nvContentPartPr>
+              <p14:xfrm>
+                <a:off x="652488" y="6453524"/>
+                <a:ext cx="360" cy="360"/>
+              </p14:xfrm>
+            </p:contentPart>
+          </mc:Choice>
+          <mc:Fallback xmlns="">
+            <p:pic>
+              <p:nvPicPr>
+                <p:cNvPr id="8" name="Ink 7">
+                  <a:extLst>
+                    <a:ext uri="{FF2B5EF4-FFF2-40B4-BE49-F238E27FC236}">
+                      <a16:creationId xmlns:a16="http://schemas.microsoft.com/office/drawing/2014/main" id="{12895193-C6A7-9A4B-824E-02CB2774465C}"/>
+                    </a:ext>
+                  </a:extLst>
+                </p:cNvPr>
+                <p:cNvPicPr/>
+                <p:nvPr/>
+              </p:nvPicPr>
+              <p:blipFill>
+                <a:blip r:embed="rId6"/>
+                <a:stretch>
+                  <a:fillRect/>
+                </a:stretch>
+              </p:blipFill>
+              <p:spPr>
+                <a:xfrm>
+                  <a:off x="589488" y="6390884"/>
+                  <a:ext cx="126000" cy="126000"/>
+                </a:xfrm>
+                <a:prstGeom prst="rect">
+                  <a:avLst/>
+                </a:prstGeom>
+              </p:spPr>
+            </p:pic>
+          </mc:Fallback>
+        </mc:AlternateContent>
+      </p:grpSp>
+      <p:pic>
+        <p:nvPicPr>
+          <p:cNvPr id="11" name="Picture 10" descr="A picture containing drawing&#10;&#10;Description automatically generated">
+            <a:extLst>
+              <a:ext uri="{FF2B5EF4-FFF2-40B4-BE49-F238E27FC236}">
+                <a16:creationId xmlns:a16="http://schemas.microsoft.com/office/drawing/2014/main" id="{ED3B7240-0AD3-E843-BCF4-02F81A06966E}"/>
+              </a:ext>
+            </a:extLst>
+          </p:cNvPr>
+          <p:cNvPicPr>
+            <a:picLocks noChangeAspect="1"/>
+          </p:cNvPicPr>
+          <p:nvPr/>
+        </p:nvPicPr>
+        <p:blipFill>
+          <a:blip r:embed="rId12" cstate="email">
+            <a:extLst>
+              <a:ext uri="{28A0092B-C50C-407E-A947-70E740481C1C}">
+                <a14:useLocalDpi xmlns:a14="http://schemas.microsoft.com/office/drawing/2010/main" val="0"/>
+              </a:ext>
+            </a:extLst>
+          </a:blip>
+          <a:stretch>
+            <a:fillRect/>
+          </a:stretch>
+        </p:blipFill>
+        <p:spPr>
+          <a:xfrm>
+            <a:off x="257806" y="6207764"/>
+            <a:ext cx="608520" cy="608520"/>
+          </a:xfrm>
+          <a:prstGeom prst="rect">
+            <a:avLst/>
+          </a:prstGeom>
+        </p:spPr>
+      </p:pic>
+      <p:sp>
+        <p:nvSpPr>
+          <p:cNvPr id="12" name="TextBox 11">
+            <a:extLst>
+              <a:ext uri="{FF2B5EF4-FFF2-40B4-BE49-F238E27FC236}">
+                <a16:creationId xmlns:a16="http://schemas.microsoft.com/office/drawing/2014/main" id="{98F1A2DC-9A04-584A-BA23-8B685361352F}"/>
+              </a:ext>
+            </a:extLst>
+          </p:cNvPr>
+          <p:cNvSpPr txBox="1"/>
+          <p:nvPr/>
+        </p:nvSpPr>
+        <p:spPr>
+          <a:xfrm>
+            <a:off x="913626" y="6311969"/>
+            <a:ext cx="3658374" cy="400110"/>
+          </a:xfrm>
+          <a:prstGeom prst="rect">
+            <a:avLst/>
+          </a:prstGeom>
+          <a:noFill/>
+        </p:spPr>
+        <p:txBody>
+          <a:bodyPr wrap="none" rtlCol="0">
+            <a:spAutoFit/>
+          </a:bodyPr>
+          <a:lstStyle/>
+          <a:p>
+            <a:pPr algn="ctr"/>
+            <a:r>
+              <a:rPr lang="tr-TR" sz="2000" i="0" dirty="0">
+                <a:solidFill>
+                  <a:schemeClr val="bg1"/>
+                </a:solidFill>
+                <a:latin typeface="Baskerville Old Face" panose="02020602080505020303" pitchFamily="18" charset="77"/>
+              </a:rPr>
+              <a:t>KASTAMONU ÜNİVERSİTESİ</a:t>
+            </a:r>
+          </a:p>
+        </p:txBody>
+      </p:sp>
+    </p:spTree>
+    <p:extLst>
+      <p:ext uri="{BB962C8B-B14F-4D97-AF65-F5344CB8AC3E}">
         <p14:creationId xmlns:p14="http://schemas.microsoft.com/office/powerpoint/2010/main" val="3223836223"/>
       </p:ext>
     </p:extLst>
@@ -21725,7 +24855,7 @@
 </p:sld>
 </file>
 
-<file path=ppt/slides/slide19.xml><?xml version="1.0" encoding="utf-8"?>
+<file path=ppt/slides/slide21.xml><?xml version="1.0" encoding="utf-8"?>
 <p:sld xmlns:a="http://schemas.openxmlformats.org/drawingml/2006/main" xmlns:r="http://schemas.openxmlformats.org/officeDocument/2006/relationships" xmlns:p="http://schemas.openxmlformats.org/presentationml/2006/main">
   <p:cSld>
     <p:spTree>
@@ -22315,247 +25445,7 @@
 </p:sld>
 </file>
 
-<file path=ppt/slides/slide2.xml><?xml version="1.0" encoding="utf-8"?>
-<p:sld xmlns:a="http://schemas.openxmlformats.org/drawingml/2006/main" xmlns:r="http://schemas.openxmlformats.org/officeDocument/2006/relationships" xmlns:p="http://schemas.openxmlformats.org/presentationml/2006/main">
-  <p:cSld>
-    <p:spTree>
-      <p:nvGrpSpPr>
-        <p:cNvPr id="1" name=""/>
-        <p:cNvGrpSpPr/>
-        <p:nvPr/>
-      </p:nvGrpSpPr>
-      <p:grpSpPr>
-        <a:xfrm>
-          <a:off x="0" y="0"/>
-          <a:ext cx="0" cy="0"/>
-          <a:chOff x="0" y="0"/>
-          <a:chExt cx="0" cy="0"/>
-        </a:xfrm>
-      </p:grpSpPr>
-      <p:sp>
-        <p:nvSpPr>
-          <p:cNvPr id="17409" name="Rectangle 2"/>
-          <p:cNvSpPr>
-            <a:spLocks noGrp="1" noChangeArrowheads="1"/>
-          </p:cNvSpPr>
-          <p:nvPr>
-            <p:ph type="title"/>
-          </p:nvPr>
-        </p:nvSpPr>
-        <p:spPr>
-          <a:xfrm>
-            <a:off x="1016793" y="2516579"/>
-            <a:ext cx="7110413" cy="914400"/>
-          </a:xfrm>
-        </p:spPr>
-        <p:txBody>
-          <a:bodyPr/>
-          <a:lstStyle/>
-          <a:p>
-            <a:pPr algn="ctr" eaLnBrk="1" hangingPunct="1"/>
-            <a:r>
-              <a:rPr lang="tr-TR" dirty="0">
-                <a:latin typeface="Palatino Linotype" panose="02040502050505030304" pitchFamily="18" charset="0"/>
-                <a:ea typeface="ＭＳ Ｐゴシック" charset="0"/>
-              </a:rPr>
-              <a:t>HLM Teorik Altyapısı</a:t>
-            </a:r>
-          </a:p>
-        </p:txBody>
-      </p:sp>
-      <mc:AlternateContent xmlns:mc="http://schemas.openxmlformats.org/markup-compatibility/2006" xmlns:p14="http://schemas.microsoft.com/office/powerpoint/2010/main">
-        <mc:Choice Requires="p14">
-          <p:contentPart p14:bwMode="auto" r:id="rId3">
-            <p14:nvContentPartPr>
-              <p14:cNvPr id="2" name="Ink 1">
-                <a:extLst>
-                  <a:ext uri="{FF2B5EF4-FFF2-40B4-BE49-F238E27FC236}">
-                    <a16:creationId xmlns:a16="http://schemas.microsoft.com/office/drawing/2014/main" id="{93A24215-E672-1B4E-9B47-FCFE21DA767A}"/>
-                  </a:ext>
-                </a:extLst>
-              </p14:cNvPr>
-              <p14:cNvContentPartPr/>
-              <p14:nvPr/>
-            </p14:nvContentPartPr>
-            <p14:xfrm>
-              <a:off x="1923288" y="6545684"/>
-              <a:ext cx="360" cy="360"/>
-            </p14:xfrm>
-          </p:contentPart>
-        </mc:Choice>
-        <mc:Fallback xmlns="">
-          <p:pic>
-            <p:nvPicPr>
-              <p:cNvPr id="2" name="Ink 1">
-                <a:extLst>
-                  <a:ext uri="{FF2B5EF4-FFF2-40B4-BE49-F238E27FC236}">
-                    <a16:creationId xmlns:a16="http://schemas.microsoft.com/office/drawing/2014/main" id="{93A24215-E672-1B4E-9B47-FCFE21DA767A}"/>
-                  </a:ext>
-                </a:extLst>
-              </p:cNvPr>
-              <p:cNvPicPr/>
-              <p:nvPr/>
-            </p:nvPicPr>
-            <p:blipFill>
-              <a:blip r:embed="rId4"/>
-              <a:stretch>
-                <a:fillRect/>
-              </a:stretch>
-            </p:blipFill>
-            <p:spPr>
-              <a:xfrm>
-                <a:off x="1860648" y="6483044"/>
-                <a:ext cx="126000" cy="126000"/>
-              </a:xfrm>
-              <a:prstGeom prst="rect">
-                <a:avLst/>
-              </a:prstGeom>
-            </p:spPr>
-          </p:pic>
-        </mc:Fallback>
-      </mc:AlternateContent>
-      <mc:AlternateContent xmlns:mc="http://schemas.openxmlformats.org/markup-compatibility/2006" xmlns:p14="http://schemas.microsoft.com/office/powerpoint/2010/main">
-        <mc:Choice Requires="p14">
-          <p:contentPart p14:bwMode="auto" r:id="rId5">
-            <p14:nvContentPartPr>
-              <p14:cNvPr id="3" name="Ink 2">
-                <a:extLst>
-                  <a:ext uri="{FF2B5EF4-FFF2-40B4-BE49-F238E27FC236}">
-                    <a16:creationId xmlns:a16="http://schemas.microsoft.com/office/drawing/2014/main" id="{89BE40D2-9E63-2D49-BF8A-345F0DB42673}"/>
-                  </a:ext>
-                </a:extLst>
-              </p14:cNvPr>
-              <p14:cNvContentPartPr/>
-              <p14:nvPr/>
-            </p14:nvContentPartPr>
-            <p14:xfrm>
-              <a:off x="257568" y="6375404"/>
-              <a:ext cx="2462040" cy="273240"/>
-            </p14:xfrm>
-          </p:contentPart>
-        </mc:Choice>
-        <mc:Fallback xmlns="">
-          <p:pic>
-            <p:nvPicPr>
-              <p:cNvPr id="3" name="Ink 2">
-                <a:extLst>
-                  <a:ext uri="{FF2B5EF4-FFF2-40B4-BE49-F238E27FC236}">
-                    <a16:creationId xmlns:a16="http://schemas.microsoft.com/office/drawing/2014/main" id="{89BE40D2-9E63-2D49-BF8A-345F0DB42673}"/>
-                  </a:ext>
-                </a:extLst>
-              </p:cNvPr>
-              <p:cNvPicPr/>
-              <p:nvPr/>
-            </p:nvPicPr>
-            <p:blipFill>
-              <a:blip r:embed="rId6"/>
-              <a:stretch>
-                <a:fillRect/>
-              </a:stretch>
-            </p:blipFill>
-            <p:spPr>
-              <a:xfrm>
-                <a:off x="194928" y="6312404"/>
-                <a:ext cx="2587680" cy="398880"/>
-              </a:xfrm>
-              <a:prstGeom prst="rect">
-                <a:avLst/>
-              </a:prstGeom>
-            </p:spPr>
-          </p:pic>
-        </mc:Fallback>
-      </mc:AlternateContent>
-      <p:pic>
-        <p:nvPicPr>
-          <p:cNvPr id="5" name="Picture 4" descr="A picture containing drawing&#10;&#10;Description automatically generated">
-            <a:extLst>
-              <a:ext uri="{FF2B5EF4-FFF2-40B4-BE49-F238E27FC236}">
-                <a16:creationId xmlns:a16="http://schemas.microsoft.com/office/drawing/2014/main" id="{96890DB8-E97D-484D-B023-A76A6E3F29B0}"/>
-              </a:ext>
-            </a:extLst>
-          </p:cNvPr>
-          <p:cNvPicPr>
-            <a:picLocks noChangeAspect="1"/>
-          </p:cNvPicPr>
-          <p:nvPr/>
-        </p:nvPicPr>
-        <p:blipFill>
-          <a:blip r:embed="rId7" cstate="email">
-            <a:extLst>
-              <a:ext uri="{28A0092B-C50C-407E-A947-70E740481C1C}">
-                <a14:useLocalDpi xmlns:a14="http://schemas.microsoft.com/office/drawing/2010/main" val="0"/>
-              </a:ext>
-            </a:extLst>
-          </a:blip>
-          <a:stretch>
-            <a:fillRect/>
-          </a:stretch>
-        </p:blipFill>
-        <p:spPr>
-          <a:xfrm>
-            <a:off x="257806" y="6207764"/>
-            <a:ext cx="608520" cy="608520"/>
-          </a:xfrm>
-          <a:prstGeom prst="rect">
-            <a:avLst/>
-          </a:prstGeom>
-        </p:spPr>
-      </p:pic>
-      <p:sp>
-        <p:nvSpPr>
-          <p:cNvPr id="7" name="TextBox 6">
-            <a:extLst>
-              <a:ext uri="{FF2B5EF4-FFF2-40B4-BE49-F238E27FC236}">
-                <a16:creationId xmlns:a16="http://schemas.microsoft.com/office/drawing/2014/main" id="{0A203F76-7C61-8247-9B87-C2E9E7324960}"/>
-              </a:ext>
-            </a:extLst>
-          </p:cNvPr>
-          <p:cNvSpPr txBox="1"/>
-          <p:nvPr/>
-        </p:nvSpPr>
-        <p:spPr>
-          <a:xfrm>
-            <a:off x="913626" y="6311969"/>
-            <a:ext cx="3658374" cy="400110"/>
-          </a:xfrm>
-          <a:prstGeom prst="rect">
-            <a:avLst/>
-          </a:prstGeom>
-          <a:noFill/>
-        </p:spPr>
-        <p:txBody>
-          <a:bodyPr wrap="none" rtlCol="0">
-            <a:spAutoFit/>
-          </a:bodyPr>
-          <a:lstStyle/>
-          <a:p>
-            <a:pPr algn="ctr"/>
-            <a:r>
-              <a:rPr lang="en-TR" sz="2000" i="0" dirty="0">
-                <a:solidFill>
-                  <a:schemeClr val="bg1"/>
-                </a:solidFill>
-                <a:latin typeface="Baskerville Old Face" panose="02020602080505020303" pitchFamily="18" charset="77"/>
-              </a:rPr>
-              <a:t>KASTAMONU ÜNİVERSİTESİ</a:t>
-            </a:r>
-          </a:p>
-        </p:txBody>
-      </p:sp>
-    </p:spTree>
-    <p:extLst>
-      <p:ext uri="{BB962C8B-B14F-4D97-AF65-F5344CB8AC3E}">
-        <p14:creationId xmlns:p14="http://schemas.microsoft.com/office/powerpoint/2010/main" val="630019940"/>
-      </p:ext>
-    </p:extLst>
-  </p:cSld>
-  <p:clrMapOvr>
-    <a:masterClrMapping/>
-  </p:clrMapOvr>
-</p:sld>
-</file>
-
-<file path=ppt/slides/slide20.xml><?xml version="1.0" encoding="utf-8"?>
+<file path=ppt/slides/slide22.xml><?xml version="1.0" encoding="utf-8"?>
 <p:sld xmlns:a="http://schemas.openxmlformats.org/drawingml/2006/main" xmlns:r="http://schemas.openxmlformats.org/officeDocument/2006/relationships" xmlns:p="http://schemas.openxmlformats.org/presentationml/2006/main">
   <p:cSld>
     <p:spTree>
@@ -23514,7 +26404,7 @@
 </p:sld>
 </file>
 
-<file path=ppt/slides/slide21.xml><?xml version="1.0" encoding="utf-8"?>
+<file path=ppt/slides/slide23.xml><?xml version="1.0" encoding="utf-8"?>
 <p:sld xmlns:a="http://schemas.openxmlformats.org/drawingml/2006/main" xmlns:r="http://schemas.openxmlformats.org/officeDocument/2006/relationships" xmlns:p="http://schemas.openxmlformats.org/presentationml/2006/main">
   <p:cSld>
     <p:spTree>
@@ -24564,7 +27454,7 @@
 </p:sld>
 </file>
 
-<file path=ppt/slides/slide22.xml><?xml version="1.0" encoding="utf-8"?>
+<file path=ppt/slides/slide24.xml><?xml version="1.0" encoding="utf-8"?>
 <p:sld xmlns:a="http://schemas.openxmlformats.org/drawingml/2006/main" xmlns:r="http://schemas.openxmlformats.org/officeDocument/2006/relationships" xmlns:p="http://schemas.openxmlformats.org/presentationml/2006/main">
   <p:cSld>
     <p:spTree>
@@ -25162,7 +28052,7 @@
 </p:sld>
 </file>
 
-<file path=ppt/slides/slide23.xml><?xml version="1.0" encoding="utf-8"?>
+<file path=ppt/slides/slide25.xml><?xml version="1.0" encoding="utf-8"?>
 <p:sld xmlns:a="http://schemas.openxmlformats.org/drawingml/2006/main" xmlns:r="http://schemas.openxmlformats.org/officeDocument/2006/relationships" xmlns:p="http://schemas.openxmlformats.org/presentationml/2006/main">
   <p:cSld>
     <p:spTree>
@@ -25732,7 +28622,7 @@
 </p:sld>
 </file>
 
-<file path=ppt/slides/slide24.xml><?xml version="1.0" encoding="utf-8"?>
+<file path=ppt/slides/slide26.xml><?xml version="1.0" encoding="utf-8"?>
 <p:sld xmlns:a="http://schemas.openxmlformats.org/drawingml/2006/main" xmlns:r="http://schemas.openxmlformats.org/officeDocument/2006/relationships" xmlns:p="http://schemas.openxmlformats.org/presentationml/2006/main">
   <p:cSld>
     <p:spTree>
@@ -26302,7 +29192,7 @@
 </p:sld>
 </file>
 
-<file path=ppt/slides/slide25.xml><?xml version="1.0" encoding="utf-8"?>
+<file path=ppt/slides/slide27.xml><?xml version="1.0" encoding="utf-8"?>
 <p:sld xmlns:a="http://schemas.openxmlformats.org/drawingml/2006/main" xmlns:r="http://schemas.openxmlformats.org/officeDocument/2006/relationships" xmlns:p="http://schemas.openxmlformats.org/presentationml/2006/main">
   <p:cSld>
     <p:spTree>
@@ -30341,6 +33231,88 @@
               <a:t> (1999) vermiş olduğu örnek veri üzerinden bakalım:</a:t>
             </a:r>
           </a:p>
+          <a:p>
+            <a:pPr marL="360363" indent="-349250" eaLnBrk="1" hangingPunct="1"/>
+            <a:endParaRPr lang="tr-TR" sz="2400" dirty="0">
+              <a:latin typeface="Palatino Linotype" panose="02040502050505030304" pitchFamily="18" charset="0"/>
+              <a:ea typeface="ＭＳ Ｐゴシック" charset="0"/>
+            </a:endParaRPr>
+          </a:p>
+          <a:p>
+            <a:pPr marL="360363" indent="-349250" eaLnBrk="1" hangingPunct="1"/>
+            <a:endParaRPr lang="tr-TR" sz="2400" dirty="0">
+              <a:latin typeface="Palatino Linotype" panose="02040502050505030304" pitchFamily="18" charset="0"/>
+              <a:ea typeface="ＭＳ Ｐゴシック" charset="0"/>
+            </a:endParaRPr>
+          </a:p>
+          <a:p>
+            <a:pPr marL="360363" indent="-349250" eaLnBrk="1" hangingPunct="1"/>
+            <a:endParaRPr lang="tr-TR" sz="2400" dirty="0">
+              <a:latin typeface="Palatino Linotype" panose="02040502050505030304" pitchFamily="18" charset="0"/>
+              <a:ea typeface="ＭＳ Ｐゴシック" charset="0"/>
+            </a:endParaRPr>
+          </a:p>
+          <a:p>
+            <a:pPr marL="360363" indent="-349250" eaLnBrk="1" hangingPunct="1"/>
+            <a:endParaRPr lang="tr-TR" sz="2400" dirty="0">
+              <a:latin typeface="Palatino Linotype" panose="02040502050505030304" pitchFamily="18" charset="0"/>
+              <a:ea typeface="ＭＳ Ｐゴシック" charset="0"/>
+            </a:endParaRPr>
+          </a:p>
+          <a:p>
+            <a:pPr marL="360363" indent="-349250" eaLnBrk="1" hangingPunct="1"/>
+            <a:endParaRPr lang="tr-TR" sz="2400" dirty="0">
+              <a:latin typeface="Palatino Linotype" panose="02040502050505030304" pitchFamily="18" charset="0"/>
+              <a:ea typeface="ＭＳ Ｐゴシック" charset="0"/>
+            </a:endParaRPr>
+          </a:p>
+          <a:p>
+            <a:pPr marL="360363" indent="-349250" eaLnBrk="1" hangingPunct="1"/>
+            <a:endParaRPr lang="tr-TR" sz="2400" dirty="0">
+              <a:latin typeface="Palatino Linotype" panose="02040502050505030304" pitchFamily="18" charset="0"/>
+              <a:ea typeface="ＭＳ Ｐゴシック" charset="0"/>
+            </a:endParaRPr>
+          </a:p>
+          <a:p>
+            <a:pPr marL="360363" indent="-349250" eaLnBrk="1" hangingPunct="1"/>
+            <a:endParaRPr lang="tr-TR" sz="2400" dirty="0">
+              <a:latin typeface="Palatino Linotype" panose="02040502050505030304" pitchFamily="18" charset="0"/>
+              <a:ea typeface="ＭＳ Ｐゴシック" charset="0"/>
+            </a:endParaRPr>
+          </a:p>
+          <a:p>
+            <a:pPr marL="360363" indent="-349250" eaLnBrk="1" hangingPunct="1"/>
+            <a:endParaRPr lang="tr-TR" sz="2400" dirty="0">
+              <a:latin typeface="Palatino Linotype" panose="02040502050505030304" pitchFamily="18" charset="0"/>
+              <a:ea typeface="ＭＳ Ｐゴシック" charset="0"/>
+            </a:endParaRPr>
+          </a:p>
+          <a:p>
+            <a:pPr marL="11113" indent="0" eaLnBrk="1" hangingPunct="1">
+              <a:buNone/>
+            </a:pPr>
+            <a:endParaRPr lang="tr-TR" sz="2400" dirty="0">
+              <a:latin typeface="Palatino Linotype" panose="02040502050505030304" pitchFamily="18" charset="0"/>
+              <a:ea typeface="ＭＳ Ｐゴシック" charset="0"/>
+            </a:endParaRPr>
+          </a:p>
+          <a:p>
+            <a:pPr marL="360363" indent="-349250" eaLnBrk="1" hangingPunct="1"/>
+            <a:r>
+              <a:rPr lang="tr-TR" sz="2000" dirty="0">
+                <a:latin typeface="Palatino Linotype" panose="02040502050505030304" pitchFamily="18" charset="0"/>
+                <a:ea typeface="ＭＳ Ｐゴシック" charset="0"/>
+              </a:rPr>
+              <a:t>Buradaki durum için bir modelleme denklemi oluşturalım birlikte</a:t>
+            </a:r>
+            <a:r>
+              <a:rPr lang="tr-TR" sz="2400" dirty="0">
+                <a:latin typeface="Palatino Linotype" panose="02040502050505030304" pitchFamily="18" charset="0"/>
+                <a:ea typeface="ＭＳ Ｐゴシック" charset="0"/>
+              </a:rPr>
+              <a:t>.</a:t>
+            </a:r>
+          </a:p>
         </p:txBody>
       </p:sp>
       <mc:AlternateContent xmlns:mc="http://schemas.openxmlformats.org/markup-compatibility/2006" xmlns:p14="http://schemas.microsoft.com/office/powerpoint/2010/main">
@@ -30814,8 +33786,8 @@
         </p:blipFill>
         <p:spPr>
           <a:xfrm>
-            <a:off x="2157160" y="1676400"/>
-            <a:ext cx="4982079" cy="4160496"/>
+            <a:off x="2183480" y="1524000"/>
+            <a:ext cx="4777039" cy="3989269"/>
           </a:xfrm>
           <a:prstGeom prst="rect">
             <a:avLst/>
@@ -30864,35 +33836,77 @@
         </p:nvSpPr>
         <p:spPr>
           <a:xfrm>
-            <a:off x="381000" y="533400"/>
-            <a:ext cx="8534400" cy="5357813"/>
+            <a:off x="533400" y="4955179"/>
+            <a:ext cx="8382000" cy="936034"/>
           </a:xfrm>
         </p:spPr>
         <p:txBody>
           <a:bodyPr/>
           <a:lstStyle/>
           <a:p>
-            <a:pPr marL="0" indent="0" eaLnBrk="1" hangingPunct="1">
-              <a:lnSpc>
-                <a:spcPct val="50000"/>
-              </a:lnSpc>
-              <a:buFontTx/>
-              <a:buNone/>
-            </a:pPr>
-            <a:endParaRPr lang="tr-TR" sz="2000" dirty="0">
+            <a:pPr marL="360363" indent="-349250" eaLnBrk="1" hangingPunct="1"/>
+            <a:endParaRPr lang="tr-TR" sz="2400" dirty="0">
               <a:latin typeface="Palatino Linotype" panose="02040502050505030304" pitchFamily="18" charset="0"/>
               <a:ea typeface="ＭＳ Ｐゴシック" charset="0"/>
             </a:endParaRPr>
           </a:p>
           <a:p>
             <a:pPr marL="360363" indent="-349250" eaLnBrk="1" hangingPunct="1"/>
-            <a:r>
-              <a:rPr lang="tr-TR" sz="2400" dirty="0">
-                <a:latin typeface="Palatino Linotype" panose="02040502050505030304" pitchFamily="18" charset="0"/>
-                <a:ea typeface="ＭＳ Ｐゴシック" charset="0"/>
-              </a:rPr>
-              <a:t>Eğer buradaki 10 kişi için bulundukları grupları dikkate almadan bir modelleme gerçekleştirirsek:</a:t>
-            </a:r>
+            <a:endParaRPr lang="tr-TR" sz="2400" dirty="0">
+              <a:latin typeface="Palatino Linotype" panose="02040502050505030304" pitchFamily="18" charset="0"/>
+              <a:ea typeface="ＭＳ Ｐゴシック" charset="0"/>
+            </a:endParaRPr>
+          </a:p>
+          <a:p>
+            <a:pPr marL="360363" indent="-349250" eaLnBrk="1" hangingPunct="1"/>
+            <a:endParaRPr lang="tr-TR" sz="2400" dirty="0">
+              <a:latin typeface="Palatino Linotype" panose="02040502050505030304" pitchFamily="18" charset="0"/>
+              <a:ea typeface="ＭＳ Ｐゴシック" charset="0"/>
+            </a:endParaRPr>
+          </a:p>
+          <a:p>
+            <a:pPr marL="360363" indent="-349250" eaLnBrk="1" hangingPunct="1"/>
+            <a:endParaRPr lang="tr-TR" sz="2400" dirty="0">
+              <a:latin typeface="Palatino Linotype" panose="02040502050505030304" pitchFamily="18" charset="0"/>
+              <a:ea typeface="ＭＳ Ｐゴシック" charset="0"/>
+            </a:endParaRPr>
+          </a:p>
+          <a:p>
+            <a:pPr marL="360363" indent="-349250" eaLnBrk="1" hangingPunct="1"/>
+            <a:endParaRPr lang="tr-TR" sz="2400" dirty="0">
+              <a:latin typeface="Palatino Linotype" panose="02040502050505030304" pitchFamily="18" charset="0"/>
+              <a:ea typeface="ＭＳ Ｐゴシック" charset="0"/>
+            </a:endParaRPr>
+          </a:p>
+          <a:p>
+            <a:pPr marL="360363" indent="-349250" eaLnBrk="1" hangingPunct="1"/>
+            <a:endParaRPr lang="tr-TR" sz="2400" dirty="0">
+              <a:latin typeface="Palatino Linotype" panose="02040502050505030304" pitchFamily="18" charset="0"/>
+              <a:ea typeface="ＭＳ Ｐゴシック" charset="0"/>
+            </a:endParaRPr>
+          </a:p>
+          <a:p>
+            <a:pPr marL="360363" indent="-349250" eaLnBrk="1" hangingPunct="1"/>
+            <a:endParaRPr lang="tr-TR" sz="2400" dirty="0">
+              <a:latin typeface="Palatino Linotype" panose="02040502050505030304" pitchFamily="18" charset="0"/>
+              <a:ea typeface="ＭＳ Ｐゴシック" charset="0"/>
+            </a:endParaRPr>
+          </a:p>
+          <a:p>
+            <a:pPr marL="360363" indent="-349250" eaLnBrk="1" hangingPunct="1"/>
+            <a:endParaRPr lang="tr-TR" sz="2400" dirty="0">
+              <a:latin typeface="Palatino Linotype" panose="02040502050505030304" pitchFamily="18" charset="0"/>
+              <a:ea typeface="ＭＳ Ｐゴシック" charset="0"/>
+            </a:endParaRPr>
+          </a:p>
+          <a:p>
+            <a:pPr marL="11113" indent="0" eaLnBrk="1" hangingPunct="1">
+              <a:buNone/>
+            </a:pPr>
+            <a:endParaRPr lang="tr-TR" sz="2400" dirty="0">
+              <a:latin typeface="Palatino Linotype" panose="02040502050505030304" pitchFamily="18" charset="0"/>
+              <a:ea typeface="ＭＳ Ｐゴシック" charset="0"/>
+            </a:endParaRPr>
           </a:p>
         </p:txBody>
       </p:sp>
@@ -31353,7 +34367,7 @@
       </p:sp>
       <p:pic>
         <p:nvPicPr>
-          <p:cNvPr id="13" name="Picture 12"/>
+          <p:cNvPr id="10" name="Picture 9"/>
           <p:cNvPicPr>
             <a:picLocks noChangeAspect="1"/>
           </p:cNvPicPr>
@@ -31367,18 +34381,434 @@
         </p:blipFill>
         <p:spPr>
           <a:xfrm>
-            <a:off x="802099" y="1828800"/>
-            <a:ext cx="7692202" cy="3662317"/>
+            <a:off x="2183480" y="790710"/>
+            <a:ext cx="4777039" cy="3989269"/>
           </a:xfrm>
           <a:prstGeom prst="rect">
             <a:avLst/>
           </a:prstGeom>
         </p:spPr>
       </p:pic>
+      <p:sp>
+        <p:nvSpPr>
+          <p:cNvPr id="13" name="Rectangle 12">
+            <a:extLst>
+              <a:ext uri="{FF2B5EF4-FFF2-40B4-BE49-F238E27FC236}">
+                <a16:creationId xmlns:a16="http://schemas.microsoft.com/office/drawing/2014/main" id="{E48A215A-ACB6-3A4E-AAB1-A69E9A7A6676}"/>
+              </a:ext>
+            </a:extLst>
+          </p:cNvPr>
+          <p:cNvSpPr/>
+          <p:nvPr/>
+        </p:nvSpPr>
+        <p:spPr>
+          <a:xfrm>
+            <a:off x="2813462" y="423943"/>
+            <a:ext cx="3303084" cy="312778"/>
+          </a:xfrm>
+          <a:prstGeom prst="rect">
+            <a:avLst/>
+          </a:prstGeom>
+        </p:spPr>
+        <p:txBody>
+          <a:bodyPr wrap="none">
+            <a:spAutoFit/>
+          </a:bodyPr>
+          <a:lstStyle/>
+          <a:p>
+            <a:pPr marL="0" indent="0" algn="ctr" eaLnBrk="1" hangingPunct="1">
+              <a:lnSpc>
+                <a:spcPct val="50000"/>
+              </a:lnSpc>
+              <a:buFontTx/>
+              <a:buNone/>
+            </a:pPr>
+            <a:r>
+              <a:rPr lang="tr-TR" b="1" i="0" dirty="0">
+                <a:latin typeface="Palatino Linotype" panose="02040502050505030304" pitchFamily="18" charset="0"/>
+              </a:rPr>
+              <a:t>Tek Seviyeli Modeller</a:t>
+            </a:r>
+          </a:p>
+        </p:txBody>
+      </p:sp>
+      <p:sp>
+        <p:nvSpPr>
+          <p:cNvPr id="14" name="TextBox 13">
+            <a:extLst>
+              <a:ext uri="{FF2B5EF4-FFF2-40B4-BE49-F238E27FC236}">
+                <a16:creationId xmlns:a16="http://schemas.microsoft.com/office/drawing/2014/main" id="{DE494558-B9BD-4540-A474-FDBF5DFA37F4}"/>
+              </a:ext>
+            </a:extLst>
+          </p:cNvPr>
+          <p:cNvSpPr txBox="1"/>
+          <p:nvPr/>
+        </p:nvSpPr>
+        <p:spPr>
+          <a:xfrm>
+            <a:off x="1752601" y="4833968"/>
+            <a:ext cx="5715000" cy="830997"/>
+          </a:xfrm>
+          <a:prstGeom prst="rect">
+            <a:avLst/>
+          </a:prstGeom>
+          <a:noFill/>
+        </p:spPr>
+        <p:txBody>
+          <a:bodyPr wrap="square" rtlCol="0">
+            <a:spAutoFit/>
+          </a:bodyPr>
+          <a:lstStyle/>
+          <a:p>
+            <a:r>
+              <a:rPr lang="en-TR" i="0" dirty="0"/>
+              <a:t>Denklem: Y</a:t>
+            </a:r>
+            <a:r>
+              <a:rPr lang="en-TR" i="0" baseline="-25000" dirty="0"/>
+              <a:t>ij </a:t>
+            </a:r>
+            <a:r>
+              <a:rPr lang="en-TR" i="0" dirty="0"/>
+              <a:t>= B</a:t>
+            </a:r>
+            <a:r>
+              <a:rPr lang="en-TR" i="0" baseline="-25000" dirty="0"/>
+              <a:t>0 </a:t>
+            </a:r>
+            <a:r>
+              <a:rPr lang="en-TR" i="0" dirty="0"/>
+              <a:t>+ B</a:t>
+            </a:r>
+            <a:r>
+              <a:rPr lang="en-TR" i="0" baseline="-25000" dirty="0"/>
+              <a:t>1 </a:t>
+            </a:r>
+            <a:r>
+              <a:rPr lang="en-TR" i="0" dirty="0"/>
+              <a:t>*X</a:t>
+            </a:r>
+            <a:r>
+              <a:rPr lang="en-TR" i="0" baseline="-25000" dirty="0"/>
+              <a:t>ij </a:t>
+            </a:r>
+            <a:r>
+              <a:rPr lang="en-TR" i="0" dirty="0"/>
+              <a:t>+ B</a:t>
+            </a:r>
+            <a:r>
+              <a:rPr lang="en-TR" i="0" baseline="-25000" dirty="0"/>
+              <a:t>2 </a:t>
+            </a:r>
+            <a:r>
+              <a:rPr lang="en-TR" i="0" dirty="0"/>
+              <a:t>*X</a:t>
+            </a:r>
+            <a:r>
+              <a:rPr lang="en-TR" i="0" baseline="-25000" dirty="0"/>
+              <a:t>j </a:t>
+            </a:r>
+            <a:r>
+              <a:rPr lang="en-TR" i="0" dirty="0"/>
+              <a:t>+ u</a:t>
+            </a:r>
+            <a:r>
+              <a:rPr lang="en-TR" i="0" baseline="-25000" dirty="0"/>
+              <a:t>j </a:t>
+            </a:r>
+            <a:r>
+              <a:rPr lang="en-TR" i="0" dirty="0"/>
+              <a:t>+ r</a:t>
+            </a:r>
+            <a:r>
+              <a:rPr lang="en-TR" i="0" baseline="-25000" dirty="0"/>
+              <a:t>ij</a:t>
+            </a:r>
+          </a:p>
+          <a:p>
+            <a:r>
+              <a:rPr lang="en-TR" i="0" dirty="0"/>
+              <a:t>Y</a:t>
+            </a:r>
+            <a:r>
+              <a:rPr lang="en-TR" i="0" baseline="-25000" dirty="0"/>
+              <a:t>i </a:t>
+            </a:r>
+            <a:r>
+              <a:rPr lang="en-TR" i="0" dirty="0"/>
+              <a:t>= B0 + B1*Xi + ri </a:t>
+            </a:r>
+          </a:p>
+        </p:txBody>
+      </p:sp>
+      <p:graphicFrame>
+        <p:nvGraphicFramePr>
+          <p:cNvPr id="15" name="Table 15">
+            <a:extLst>
+              <a:ext uri="{FF2B5EF4-FFF2-40B4-BE49-F238E27FC236}">
+                <a16:creationId xmlns:a16="http://schemas.microsoft.com/office/drawing/2014/main" id="{EF5F2210-15BF-1242-905A-F222BF8B2654}"/>
+              </a:ext>
+            </a:extLst>
+          </p:cNvPr>
+          <p:cNvGraphicFramePr>
+            <a:graphicFrameLocks noGrp="1"/>
+          </p:cNvGraphicFramePr>
+          <p:nvPr>
+            <p:extLst>
+              <p:ext uri="{D42A27DB-BD31-4B8C-83A1-F6EECF244321}">
+                <p14:modId xmlns:p14="http://schemas.microsoft.com/office/powerpoint/2010/main" val="2245149068"/>
+              </p:ext>
+            </p:extLst>
+          </p:nvPr>
+        </p:nvGraphicFramePr>
+        <p:xfrm>
+          <a:off x="6926453" y="823599"/>
+          <a:ext cx="1303147" cy="3835450"/>
+        </p:xfrm>
+        <a:graphic>
+          <a:graphicData uri="http://schemas.openxmlformats.org/drawingml/2006/table">
+            <a:tbl>
+              <a:tblPr firstRow="1" bandRow="1">
+                <a:tableStyleId>{5C22544A-7EE6-4342-B048-85BDC9FD1C3A}</a:tableStyleId>
+              </a:tblPr>
+              <a:tblGrid>
+                <a:gridCol w="1303147">
+                  <a:extLst>
+                    <a:ext uri="{9D8B030D-6E8A-4147-A177-3AD203B41FA5}">
+                      <a16:colId xmlns:a16="http://schemas.microsoft.com/office/drawing/2014/main" val="3400289462"/>
+                    </a:ext>
+                  </a:extLst>
+                </a:gridCol>
+              </a:tblGrid>
+              <a:tr h="551082">
+                <a:tc>
+                  <a:txBody>
+                    <a:bodyPr/>
+                    <a:lstStyle/>
+                    <a:p>
+                      <a:r>
+                        <a:rPr lang="en-TR" sz="1050" dirty="0"/>
+                        <a:t>Ogretmenin okudugu kitap sayisi</a:t>
+                      </a:r>
+                      <a:endParaRPr lang="en-TR" dirty="0"/>
+                    </a:p>
+                  </a:txBody>
+                  <a:tcPr/>
+                </a:tc>
+                <a:extLst>
+                  <a:ext uri="{0D108BD9-81ED-4DB2-BD59-A6C34878D82A}">
+                    <a16:rowId xmlns:a16="http://schemas.microsoft.com/office/drawing/2014/main" val="4015947738"/>
+                  </a:ext>
+                </a:extLst>
+              </a:tr>
+              <a:tr h="326395">
+                <a:tc>
+                  <a:txBody>
+                    <a:bodyPr/>
+                    <a:lstStyle/>
+                    <a:p>
+                      <a:r>
+                        <a:rPr lang="en-TR" sz="900" dirty="0"/>
+                        <a:t>3</a:t>
+                      </a:r>
+                    </a:p>
+                  </a:txBody>
+                  <a:tcPr/>
+                </a:tc>
+                <a:extLst>
+                  <a:ext uri="{0D108BD9-81ED-4DB2-BD59-A6C34878D82A}">
+                    <a16:rowId xmlns:a16="http://schemas.microsoft.com/office/drawing/2014/main" val="1793293039"/>
+                  </a:ext>
+                </a:extLst>
+              </a:tr>
+              <a:tr h="326395">
+                <a:tc>
+                  <a:txBody>
+                    <a:bodyPr/>
+                    <a:lstStyle/>
+                    <a:p>
+                      <a:r>
+                        <a:rPr lang="en-TR" sz="900" dirty="0"/>
+                        <a:t>3</a:t>
+                      </a:r>
+                    </a:p>
+                  </a:txBody>
+                  <a:tcPr/>
+                </a:tc>
+                <a:extLst>
+                  <a:ext uri="{0D108BD9-81ED-4DB2-BD59-A6C34878D82A}">
+                    <a16:rowId xmlns:a16="http://schemas.microsoft.com/office/drawing/2014/main" val="596380113"/>
+                  </a:ext>
+                </a:extLst>
+              </a:tr>
+              <a:tr h="326395">
+                <a:tc>
+                  <a:txBody>
+                    <a:bodyPr/>
+                    <a:lstStyle/>
+                    <a:p>
+                      <a:r>
+                        <a:rPr lang="en-TR" sz="900" dirty="0"/>
+                        <a:t>5</a:t>
+                      </a:r>
+                    </a:p>
+                  </a:txBody>
+                  <a:tcPr/>
+                </a:tc>
+                <a:extLst>
+                  <a:ext uri="{0D108BD9-81ED-4DB2-BD59-A6C34878D82A}">
+                    <a16:rowId xmlns:a16="http://schemas.microsoft.com/office/drawing/2014/main" val="1444464787"/>
+                  </a:ext>
+                </a:extLst>
+              </a:tr>
+              <a:tr h="326395">
+                <a:tc>
+                  <a:txBody>
+                    <a:bodyPr/>
+                    <a:lstStyle/>
+                    <a:p>
+                      <a:r>
+                        <a:rPr lang="en-TR" sz="900" dirty="0"/>
+                        <a:t>5</a:t>
+                      </a:r>
+                    </a:p>
+                  </a:txBody>
+                  <a:tcPr/>
+                </a:tc>
+                <a:extLst>
+                  <a:ext uri="{0D108BD9-81ED-4DB2-BD59-A6C34878D82A}">
+                    <a16:rowId xmlns:a16="http://schemas.microsoft.com/office/drawing/2014/main" val="3920697603"/>
+                  </a:ext>
+                </a:extLst>
+              </a:tr>
+              <a:tr h="326395">
+                <a:tc>
+                  <a:txBody>
+                    <a:bodyPr/>
+                    <a:lstStyle/>
+                    <a:p>
+                      <a:r>
+                        <a:rPr lang="en-TR" sz="900" dirty="0"/>
+                        <a:t>4</a:t>
+                      </a:r>
+                    </a:p>
+                  </a:txBody>
+                  <a:tcPr/>
+                </a:tc>
+                <a:extLst>
+                  <a:ext uri="{0D108BD9-81ED-4DB2-BD59-A6C34878D82A}">
+                    <a16:rowId xmlns:a16="http://schemas.microsoft.com/office/drawing/2014/main" val="3448435346"/>
+                  </a:ext>
+                </a:extLst>
+              </a:tr>
+              <a:tr h="326395">
+                <a:tc>
+                  <a:txBody>
+                    <a:bodyPr/>
+                    <a:lstStyle/>
+                    <a:p>
+                      <a:r>
+                        <a:rPr lang="en-TR" sz="900" dirty="0"/>
+                        <a:t>4</a:t>
+                      </a:r>
+                    </a:p>
+                  </a:txBody>
+                  <a:tcPr/>
+                </a:tc>
+                <a:extLst>
+                  <a:ext uri="{0D108BD9-81ED-4DB2-BD59-A6C34878D82A}">
+                    <a16:rowId xmlns:a16="http://schemas.microsoft.com/office/drawing/2014/main" val="1005570211"/>
+                  </a:ext>
+                </a:extLst>
+              </a:tr>
+              <a:tr h="326395">
+                <a:tc>
+                  <a:txBody>
+                    <a:bodyPr/>
+                    <a:lstStyle/>
+                    <a:p>
+                      <a:r>
+                        <a:rPr lang="en-TR" sz="900" dirty="0"/>
+                        <a:t>8</a:t>
+                      </a:r>
+                    </a:p>
+                  </a:txBody>
+                  <a:tcPr/>
+                </a:tc>
+                <a:extLst>
+                  <a:ext uri="{0D108BD9-81ED-4DB2-BD59-A6C34878D82A}">
+                    <a16:rowId xmlns:a16="http://schemas.microsoft.com/office/drawing/2014/main" val="1171229508"/>
+                  </a:ext>
+                </a:extLst>
+              </a:tr>
+              <a:tr h="326395">
+                <a:tc>
+                  <a:txBody>
+                    <a:bodyPr/>
+                    <a:lstStyle/>
+                    <a:p>
+                      <a:r>
+                        <a:rPr lang="en-TR" sz="900" dirty="0"/>
+                        <a:t>8</a:t>
+                      </a:r>
+                    </a:p>
+                  </a:txBody>
+                  <a:tcPr/>
+                </a:tc>
+                <a:extLst>
+                  <a:ext uri="{0D108BD9-81ED-4DB2-BD59-A6C34878D82A}">
+                    <a16:rowId xmlns:a16="http://schemas.microsoft.com/office/drawing/2014/main" val="1217342013"/>
+                  </a:ext>
+                </a:extLst>
+              </a:tr>
+              <a:tr h="326395">
+                <a:tc>
+                  <a:txBody>
+                    <a:bodyPr/>
+                    <a:lstStyle/>
+                    <a:p>
+                      <a:r>
+                        <a:rPr lang="en-TR" sz="900" dirty="0"/>
+                        <a:t>12</a:t>
+                      </a:r>
+                    </a:p>
+                  </a:txBody>
+                  <a:tcPr/>
+                </a:tc>
+                <a:extLst>
+                  <a:ext uri="{0D108BD9-81ED-4DB2-BD59-A6C34878D82A}">
+                    <a16:rowId xmlns:a16="http://schemas.microsoft.com/office/drawing/2014/main" val="3011578317"/>
+                  </a:ext>
+                </a:extLst>
+              </a:tr>
+              <a:tr h="326395">
+                <a:tc>
+                  <a:txBody>
+                    <a:bodyPr/>
+                    <a:lstStyle/>
+                    <a:p>
+                      <a:r>
+                        <a:rPr lang="en-TR" sz="900" dirty="0"/>
+                        <a:t>12</a:t>
+                      </a:r>
+                    </a:p>
+                  </a:txBody>
+                  <a:tcPr/>
+                </a:tc>
+                <a:extLst>
+                  <a:ext uri="{0D108BD9-81ED-4DB2-BD59-A6C34878D82A}">
+                    <a16:rowId xmlns:a16="http://schemas.microsoft.com/office/drawing/2014/main" val="3677263774"/>
+                  </a:ext>
+                </a:extLst>
+              </a:tr>
+            </a:tbl>
+          </a:graphicData>
+        </a:graphic>
+      </p:graphicFrame>
     </p:spTree>
     <p:extLst>
       <p:ext uri="{BB962C8B-B14F-4D97-AF65-F5344CB8AC3E}">
-        <p14:creationId xmlns:p14="http://schemas.microsoft.com/office/powerpoint/2010/main" val="113245181"/>
+        <p14:creationId xmlns:p14="http://schemas.microsoft.com/office/powerpoint/2010/main" val="612312395"/>
       </p:ext>
     </p:extLst>
   </p:cSld>
